--- a/presentation/Präsentation.pptx
+++ b/presentation/Präsentation.pptx
@@ -5,43 +5,29 @@
     <p:sldMasterId id="2147483648" r:id="rId1"/>
   </p:sldMasterIdLst>
   <p:notesMasterIdLst>
-    <p:notesMasterId r:id="rId36"/>
+    <p:notesMasterId r:id="rId22"/>
   </p:notesMasterIdLst>
   <p:sldIdLst>
     <p:sldId id="259" r:id="rId2"/>
     <p:sldId id="258" r:id="rId3"/>
-    <p:sldId id="260" r:id="rId4"/>
-    <p:sldId id="261" r:id="rId5"/>
-    <p:sldId id="262" r:id="rId6"/>
-    <p:sldId id="263" r:id="rId7"/>
-    <p:sldId id="264" r:id="rId8"/>
-    <p:sldId id="265" r:id="rId9"/>
-    <p:sldId id="266" r:id="rId10"/>
-    <p:sldId id="267" r:id="rId11"/>
-    <p:sldId id="268" r:id="rId12"/>
-    <p:sldId id="269" r:id="rId13"/>
-    <p:sldId id="270" r:id="rId14"/>
-    <p:sldId id="271" r:id="rId15"/>
-    <p:sldId id="272" r:id="rId16"/>
-    <p:sldId id="273" r:id="rId17"/>
-    <p:sldId id="274" r:id="rId18"/>
-    <p:sldId id="275" r:id="rId19"/>
-    <p:sldId id="276" r:id="rId20"/>
-    <p:sldId id="277" r:id="rId21"/>
-    <p:sldId id="279" r:id="rId22"/>
-    <p:sldId id="280" r:id="rId23"/>
-    <p:sldId id="283" r:id="rId24"/>
-    <p:sldId id="281" r:id="rId25"/>
-    <p:sldId id="284" r:id="rId26"/>
-    <p:sldId id="285" r:id="rId27"/>
-    <p:sldId id="286" r:id="rId28"/>
-    <p:sldId id="287" r:id="rId29"/>
-    <p:sldId id="288" r:id="rId30"/>
-    <p:sldId id="289" r:id="rId31"/>
-    <p:sldId id="290" r:id="rId32"/>
-    <p:sldId id="291" r:id="rId33"/>
-    <p:sldId id="292" r:id="rId34"/>
-    <p:sldId id="293" r:id="rId35"/>
+    <p:sldId id="261" r:id="rId4"/>
+    <p:sldId id="262" r:id="rId5"/>
+    <p:sldId id="260" r:id="rId6"/>
+    <p:sldId id="270" r:id="rId7"/>
+    <p:sldId id="277" r:id="rId8"/>
+    <p:sldId id="264" r:id="rId9"/>
+    <p:sldId id="267" r:id="rId10"/>
+    <p:sldId id="272" r:id="rId11"/>
+    <p:sldId id="273" r:id="rId12"/>
+    <p:sldId id="274" r:id="rId13"/>
+    <p:sldId id="275" r:id="rId14"/>
+    <p:sldId id="276" r:id="rId15"/>
+    <p:sldId id="279" r:id="rId16"/>
+    <p:sldId id="283" r:id="rId17"/>
+    <p:sldId id="281" r:id="rId18"/>
+    <p:sldId id="284" r:id="rId19"/>
+    <p:sldId id="285" r:id="rId20"/>
+    <p:sldId id="286" r:id="rId21"/>
   </p:sldIdLst>
   <p:sldSz cx="12192000" cy="6858000"/>
   <p:notesSz cx="6858000" cy="9144000"/>
@@ -230,7 +216,7 @@
           <a:p>
             <a:fld id="{37C89F99-EB9F-4B03-A2AD-54F2C15EA0F1}" type="datetimeFigureOut">
               <a:rPr lang="de-DE" smtClean="0"/>
-              <a:t>08.05.2018</a:t>
+              <a:t>19.06.2018</a:t>
             </a:fld>
             <a:endParaRPr lang="de-DE"/>
           </a:p>
@@ -542,9 +528,30 @@
           <a:lstStyle/>
           <a:p>
             <a:r>
-              <a:rPr lang="de-DE" dirty="0"/>
-              <a:t>Amortisation: nicht monetärer Vorteil – messbar über Kontrollgruppe (nicht gewünscht)</a:t>
-            </a:r>
+              <a:rPr lang="de-DE" sz="1200" b="0" i="0" u="none" strike="noStrike" kern="1200" baseline="0" dirty="0">
+                <a:solidFill>
+                  <a:schemeClr val="tx1"/>
+                </a:solidFill>
+                <a:latin typeface="+mn-lt"/>
+                <a:ea typeface="+mn-ea"/>
+                <a:cs typeface="+mn-cs"/>
+              </a:rPr>
+              <a:t>Anforderungen an die Hardware: Internetzugang, Standard-Browser auf einem beliebigen Endgerät sein. </a:t>
+            </a:r>
+          </a:p>
+          <a:p>
+            <a:r>
+              <a:rPr lang="de-DE" sz="1200" b="0" i="0" u="none" strike="noStrike" kern="1200" baseline="0" dirty="0">
+                <a:solidFill>
+                  <a:schemeClr val="tx1"/>
+                </a:solidFill>
+                <a:latin typeface="+mn-lt"/>
+                <a:ea typeface="+mn-ea"/>
+                <a:cs typeface="+mn-cs"/>
+              </a:rPr>
+              <a:t>Web-Applikation plattformunabhängig</a:t>
+            </a:r>
+            <a:endParaRPr lang="de-DE" dirty="0"/>
           </a:p>
         </p:txBody>
       </p:sp>
@@ -565,7 +572,7 @@
           <a:p>
             <a:fld id="{0A3AF1A8-D6D1-4E87-ABD4-EA4028B32502}" type="slidenum">
               <a:rPr lang="de-DE" smtClean="0"/>
-              <a:t>19</a:t>
+              <a:t>7</a:t>
             </a:fld>
             <a:endParaRPr lang="de-DE"/>
           </a:p>
@@ -574,7 +581,7 @@
     </p:spTree>
     <p:extLst>
       <p:ext uri="{BB962C8B-B14F-4D97-AF65-F5344CB8AC3E}">
-        <p14:creationId xmlns:p14="http://schemas.microsoft.com/office/powerpoint/2010/main" val="2347419170"/>
+        <p14:creationId xmlns:p14="http://schemas.microsoft.com/office/powerpoint/2010/main" val="1066220766"/>
       </p:ext>
     </p:extLst>
   </p:cSld>
@@ -629,28 +636,12 @@
           <a:lstStyle/>
           <a:p>
             <a:r>
-              <a:rPr lang="de-DE" sz="1200" b="0" i="0" u="none" strike="noStrike" kern="1200" baseline="0" dirty="0">
-                <a:solidFill>
-                  <a:schemeClr val="tx1"/>
-                </a:solidFill>
-                <a:latin typeface="+mn-lt"/>
-                <a:ea typeface="+mn-ea"/>
-                <a:cs typeface="+mn-cs"/>
-              </a:rPr>
-              <a:t>Anforderungen an die Hardware: Internetzugang, Standard-Browser auf einem beliebigen Endgerät sein. </a:t>
-            </a:r>
-          </a:p>
-          <a:p>
-            <a:r>
-              <a:rPr lang="de-DE" sz="1200" b="0" i="0" u="none" strike="noStrike" kern="1200" baseline="0" dirty="0">
-                <a:solidFill>
-                  <a:schemeClr val="tx1"/>
-                </a:solidFill>
-                <a:latin typeface="+mn-lt"/>
-                <a:ea typeface="+mn-ea"/>
-                <a:cs typeface="+mn-cs"/>
-              </a:rPr>
-              <a:t>Web-Applikation plattformunabhängig</a:t>
+              <a:rPr lang="de-DE" dirty="0" smtClean="0"/>
+              <a:t>Zusätzlich</a:t>
+            </a:r>
+            <a:r>
+              <a:rPr lang="de-DE" baseline="0" dirty="0" smtClean="0"/>
+              <a:t> werden</a:t>
             </a:r>
             <a:endParaRPr lang="de-DE" dirty="0"/>
           </a:p>
@@ -673,7 +664,7 @@
           <a:p>
             <a:fld id="{0A3AF1A8-D6D1-4E87-ABD4-EA4028B32502}" type="slidenum">
               <a:rPr lang="de-DE" smtClean="0"/>
-              <a:t>20</a:t>
+              <a:t>8</a:t>
             </a:fld>
             <a:endParaRPr lang="de-DE"/>
           </a:p>
@@ -682,7 +673,94 @@
     </p:spTree>
     <p:extLst>
       <p:ext uri="{BB962C8B-B14F-4D97-AF65-F5344CB8AC3E}">
-        <p14:creationId xmlns:p14="http://schemas.microsoft.com/office/powerpoint/2010/main" val="1066220766"/>
+        <p14:creationId xmlns:p14="http://schemas.microsoft.com/office/powerpoint/2010/main" val="1419939913"/>
+      </p:ext>
+    </p:extLst>
+  </p:cSld>
+  <p:clrMapOvr>
+    <a:masterClrMapping/>
+  </p:clrMapOvr>
+</p:notes>
+</file>
+
+<file path=ppt/notesSlides/notesSlide3.xml><?xml version="1.0" encoding="utf-8"?>
+<p:notes xmlns:a="http://schemas.openxmlformats.org/drawingml/2006/main" xmlns:r="http://schemas.openxmlformats.org/officeDocument/2006/relationships" xmlns:p="http://schemas.openxmlformats.org/presentationml/2006/main">
+  <p:cSld>
+    <p:spTree>
+      <p:nvGrpSpPr>
+        <p:cNvPr id="1" name=""/>
+        <p:cNvGrpSpPr/>
+        <p:nvPr/>
+      </p:nvGrpSpPr>
+      <p:grpSpPr>
+        <a:xfrm>
+          <a:off x="0" y="0"/>
+          <a:ext cx="0" cy="0"/>
+          <a:chOff x="0" y="0"/>
+          <a:chExt cx="0" cy="0"/>
+        </a:xfrm>
+      </p:grpSpPr>
+      <p:sp>
+        <p:nvSpPr>
+          <p:cNvPr id="2" name="Folienbildplatzhalter 1"/>
+          <p:cNvSpPr>
+            <a:spLocks noGrp="1" noRot="1" noChangeAspect="1"/>
+          </p:cNvSpPr>
+          <p:nvPr>
+            <p:ph type="sldImg"/>
+          </p:nvPr>
+        </p:nvSpPr>
+        <p:spPr/>
+      </p:sp>
+      <p:sp>
+        <p:nvSpPr>
+          <p:cNvPr id="3" name="Notizenplatzhalter 2"/>
+          <p:cNvSpPr>
+            <a:spLocks noGrp="1"/>
+          </p:cNvSpPr>
+          <p:nvPr>
+            <p:ph type="body" idx="1"/>
+          </p:nvPr>
+        </p:nvSpPr>
+        <p:spPr/>
+        <p:txBody>
+          <a:bodyPr/>
+          <a:lstStyle/>
+          <a:p>
+            <a:r>
+              <a:rPr lang="de-DE" dirty="0"/>
+              <a:t>Amortisation: nicht monetärer Vorteil – messbar über Kontrollgruppe (nicht gewünscht)</a:t>
+            </a:r>
+          </a:p>
+        </p:txBody>
+      </p:sp>
+      <p:sp>
+        <p:nvSpPr>
+          <p:cNvPr id="4" name="Foliennummernplatzhalter 3"/>
+          <p:cNvSpPr>
+            <a:spLocks noGrp="1"/>
+          </p:cNvSpPr>
+          <p:nvPr>
+            <p:ph type="sldNum" sz="quarter" idx="10"/>
+          </p:nvPr>
+        </p:nvSpPr>
+        <p:spPr/>
+        <p:txBody>
+          <a:bodyPr/>
+          <a:lstStyle/>
+          <a:p>
+            <a:fld id="{0A3AF1A8-D6D1-4E87-ABD4-EA4028B32502}" type="slidenum">
+              <a:rPr lang="de-DE" smtClean="0"/>
+              <a:t>14</a:t>
+            </a:fld>
+            <a:endParaRPr lang="de-DE"/>
+          </a:p>
+        </p:txBody>
+      </p:sp>
+    </p:spTree>
+    <p:extLst>
+      <p:ext uri="{BB962C8B-B14F-4D97-AF65-F5344CB8AC3E}">
+        <p14:creationId xmlns:p14="http://schemas.microsoft.com/office/powerpoint/2010/main" val="2347419170"/>
       </p:ext>
     </p:extLst>
   </p:cSld>
@@ -745,7 +823,7 @@
           <p:cNvPr id="2" name="Titel 1">
             <a:extLst>
               <a:ext uri="{FF2B5EF4-FFF2-40B4-BE49-F238E27FC236}">
-                <a16:creationId xmlns:a16="http://schemas.microsoft.com/office/drawing/2014/main" id="{90F5AA6D-01C5-4C24-922D-1C4A6C9F6A56}"/>
+                <a16:creationId xmlns="" xmlns:a16="http://schemas.microsoft.com/office/drawing/2014/main" id="{90F5AA6D-01C5-4C24-922D-1C4A6C9F6A56}"/>
               </a:ext>
             </a:extLst>
           </p:cNvPr>
@@ -782,7 +860,7 @@
           <p:cNvPr id="3" name="Untertitel 2">
             <a:extLst>
               <a:ext uri="{FF2B5EF4-FFF2-40B4-BE49-F238E27FC236}">
-                <a16:creationId xmlns:a16="http://schemas.microsoft.com/office/drawing/2014/main" id="{FEA03AC2-668C-449C-BAEB-AE5D10DD0D6A}"/>
+                <a16:creationId xmlns="" xmlns:a16="http://schemas.microsoft.com/office/drawing/2014/main" id="{FEA03AC2-668C-449C-BAEB-AE5D10DD0D6A}"/>
               </a:ext>
             </a:extLst>
           </p:cNvPr>
@@ -852,7 +930,7 @@
           <p:cNvPr id="4" name="Datumsplatzhalter 3">
             <a:extLst>
               <a:ext uri="{FF2B5EF4-FFF2-40B4-BE49-F238E27FC236}">
-                <a16:creationId xmlns:a16="http://schemas.microsoft.com/office/drawing/2014/main" id="{43E4D73D-8988-49DB-BFE1-D88D6484C137}"/>
+                <a16:creationId xmlns="" xmlns:a16="http://schemas.microsoft.com/office/drawing/2014/main" id="{43E4D73D-8988-49DB-BFE1-D88D6484C137}"/>
               </a:ext>
             </a:extLst>
           </p:cNvPr>
@@ -870,7 +948,7 @@
           <a:p>
             <a:fld id="{8158D37F-AE0D-46A3-81EA-F9A968D45D2E}" type="datetimeFigureOut">
               <a:rPr lang="de-DE" smtClean="0"/>
-              <a:t>08.05.2018</a:t>
+              <a:t>19.06.2018</a:t>
             </a:fld>
             <a:endParaRPr lang="de-DE"/>
           </a:p>
@@ -881,7 +959,7 @@
           <p:cNvPr id="5" name="Fußzeilenplatzhalter 4">
             <a:extLst>
               <a:ext uri="{FF2B5EF4-FFF2-40B4-BE49-F238E27FC236}">
-                <a16:creationId xmlns:a16="http://schemas.microsoft.com/office/drawing/2014/main" id="{86D72493-FA83-4AF7-85C8-16A9DF74845F}"/>
+                <a16:creationId xmlns="" xmlns:a16="http://schemas.microsoft.com/office/drawing/2014/main" id="{86D72493-FA83-4AF7-85C8-16A9DF74845F}"/>
               </a:ext>
             </a:extLst>
           </p:cNvPr>
@@ -906,7 +984,7 @@
           <p:cNvPr id="6" name="Foliennummernplatzhalter 5">
             <a:extLst>
               <a:ext uri="{FF2B5EF4-FFF2-40B4-BE49-F238E27FC236}">
-                <a16:creationId xmlns:a16="http://schemas.microsoft.com/office/drawing/2014/main" id="{1822902C-CD68-472E-817A-2BA552A332AA}"/>
+                <a16:creationId xmlns="" xmlns:a16="http://schemas.microsoft.com/office/drawing/2014/main" id="{1822902C-CD68-472E-817A-2BA552A332AA}"/>
               </a:ext>
             </a:extLst>
           </p:cNvPr>
@@ -965,7 +1043,7 @@
           <p:cNvPr id="2" name="Titel 1">
             <a:extLst>
               <a:ext uri="{FF2B5EF4-FFF2-40B4-BE49-F238E27FC236}">
-                <a16:creationId xmlns:a16="http://schemas.microsoft.com/office/drawing/2014/main" id="{52D71095-C6F7-4028-B11B-612698C3850F}"/>
+                <a16:creationId xmlns="" xmlns:a16="http://schemas.microsoft.com/office/drawing/2014/main" id="{52D71095-C6F7-4028-B11B-612698C3850F}"/>
               </a:ext>
             </a:extLst>
           </p:cNvPr>
@@ -993,7 +1071,7 @@
           <p:cNvPr id="3" name="Vertikaler Textplatzhalter 2">
             <a:extLst>
               <a:ext uri="{FF2B5EF4-FFF2-40B4-BE49-F238E27FC236}">
-                <a16:creationId xmlns:a16="http://schemas.microsoft.com/office/drawing/2014/main" id="{00106BE2-00F7-476A-A48E-5A0A531FC83B}"/>
+                <a16:creationId xmlns="" xmlns:a16="http://schemas.microsoft.com/office/drawing/2014/main" id="{00106BE2-00F7-476A-A48E-5A0A531FC83B}"/>
               </a:ext>
             </a:extLst>
           </p:cNvPr>
@@ -1050,7 +1128,7 @@
           <p:cNvPr id="4" name="Datumsplatzhalter 3">
             <a:extLst>
               <a:ext uri="{FF2B5EF4-FFF2-40B4-BE49-F238E27FC236}">
-                <a16:creationId xmlns:a16="http://schemas.microsoft.com/office/drawing/2014/main" id="{404C97DE-AF89-405F-BC62-B7DE4D1E837C}"/>
+                <a16:creationId xmlns="" xmlns:a16="http://schemas.microsoft.com/office/drawing/2014/main" id="{404C97DE-AF89-405F-BC62-B7DE4D1E837C}"/>
               </a:ext>
             </a:extLst>
           </p:cNvPr>
@@ -1068,7 +1146,7 @@
           <a:p>
             <a:fld id="{8158D37F-AE0D-46A3-81EA-F9A968D45D2E}" type="datetimeFigureOut">
               <a:rPr lang="de-DE" smtClean="0"/>
-              <a:t>08.05.2018</a:t>
+              <a:t>19.06.2018</a:t>
             </a:fld>
             <a:endParaRPr lang="de-DE"/>
           </a:p>
@@ -1079,7 +1157,7 @@
           <p:cNvPr id="5" name="Fußzeilenplatzhalter 4">
             <a:extLst>
               <a:ext uri="{FF2B5EF4-FFF2-40B4-BE49-F238E27FC236}">
-                <a16:creationId xmlns:a16="http://schemas.microsoft.com/office/drawing/2014/main" id="{2BBC2463-E3CD-4CC9-B23E-5AE74B8EA9A5}"/>
+                <a16:creationId xmlns="" xmlns:a16="http://schemas.microsoft.com/office/drawing/2014/main" id="{2BBC2463-E3CD-4CC9-B23E-5AE74B8EA9A5}"/>
               </a:ext>
             </a:extLst>
           </p:cNvPr>
@@ -1104,7 +1182,7 @@
           <p:cNvPr id="6" name="Foliennummernplatzhalter 5">
             <a:extLst>
               <a:ext uri="{FF2B5EF4-FFF2-40B4-BE49-F238E27FC236}">
-                <a16:creationId xmlns:a16="http://schemas.microsoft.com/office/drawing/2014/main" id="{21AB4D44-147E-4C2E-9C08-15E285C4873C}"/>
+                <a16:creationId xmlns="" xmlns:a16="http://schemas.microsoft.com/office/drawing/2014/main" id="{21AB4D44-147E-4C2E-9C08-15E285C4873C}"/>
               </a:ext>
             </a:extLst>
           </p:cNvPr>
@@ -1163,7 +1241,7 @@
           <p:cNvPr id="2" name="Vertikaler Titel 1">
             <a:extLst>
               <a:ext uri="{FF2B5EF4-FFF2-40B4-BE49-F238E27FC236}">
-                <a16:creationId xmlns:a16="http://schemas.microsoft.com/office/drawing/2014/main" id="{330B18E3-B7AA-4E1A-8E9D-22E20A898B85}"/>
+                <a16:creationId xmlns="" xmlns:a16="http://schemas.microsoft.com/office/drawing/2014/main" id="{330B18E3-B7AA-4E1A-8E9D-22E20A898B85}"/>
               </a:ext>
             </a:extLst>
           </p:cNvPr>
@@ -1196,7 +1274,7 @@
           <p:cNvPr id="3" name="Vertikaler Textplatzhalter 2">
             <a:extLst>
               <a:ext uri="{FF2B5EF4-FFF2-40B4-BE49-F238E27FC236}">
-                <a16:creationId xmlns:a16="http://schemas.microsoft.com/office/drawing/2014/main" id="{46CE4EBA-5432-4172-AD00-93D62FD8F214}"/>
+                <a16:creationId xmlns="" xmlns:a16="http://schemas.microsoft.com/office/drawing/2014/main" id="{46CE4EBA-5432-4172-AD00-93D62FD8F214}"/>
               </a:ext>
             </a:extLst>
           </p:cNvPr>
@@ -1258,7 +1336,7 @@
           <p:cNvPr id="4" name="Datumsplatzhalter 3">
             <a:extLst>
               <a:ext uri="{FF2B5EF4-FFF2-40B4-BE49-F238E27FC236}">
-                <a16:creationId xmlns:a16="http://schemas.microsoft.com/office/drawing/2014/main" id="{D68BFE2B-1F3A-4EFD-A184-2F03FD7EE655}"/>
+                <a16:creationId xmlns="" xmlns:a16="http://schemas.microsoft.com/office/drawing/2014/main" id="{D68BFE2B-1F3A-4EFD-A184-2F03FD7EE655}"/>
               </a:ext>
             </a:extLst>
           </p:cNvPr>
@@ -1276,7 +1354,7 @@
           <a:p>
             <a:fld id="{8158D37F-AE0D-46A3-81EA-F9A968D45D2E}" type="datetimeFigureOut">
               <a:rPr lang="de-DE" smtClean="0"/>
-              <a:t>08.05.2018</a:t>
+              <a:t>19.06.2018</a:t>
             </a:fld>
             <a:endParaRPr lang="de-DE"/>
           </a:p>
@@ -1287,7 +1365,7 @@
           <p:cNvPr id="5" name="Fußzeilenplatzhalter 4">
             <a:extLst>
               <a:ext uri="{FF2B5EF4-FFF2-40B4-BE49-F238E27FC236}">
-                <a16:creationId xmlns:a16="http://schemas.microsoft.com/office/drawing/2014/main" id="{35EB1EF0-B2CD-42BC-8D54-CC4B54123713}"/>
+                <a16:creationId xmlns="" xmlns:a16="http://schemas.microsoft.com/office/drawing/2014/main" id="{35EB1EF0-B2CD-42BC-8D54-CC4B54123713}"/>
               </a:ext>
             </a:extLst>
           </p:cNvPr>
@@ -1312,7 +1390,7 @@
           <p:cNvPr id="6" name="Foliennummernplatzhalter 5">
             <a:extLst>
               <a:ext uri="{FF2B5EF4-FFF2-40B4-BE49-F238E27FC236}">
-                <a16:creationId xmlns:a16="http://schemas.microsoft.com/office/drawing/2014/main" id="{305F9E1F-7E71-42B4-8DDE-F34E4D354460}"/>
+                <a16:creationId xmlns="" xmlns:a16="http://schemas.microsoft.com/office/drawing/2014/main" id="{305F9E1F-7E71-42B4-8DDE-F34E4D354460}"/>
               </a:ext>
             </a:extLst>
           </p:cNvPr>
@@ -1371,7 +1449,7 @@
           <p:cNvPr id="2" name="Titel 1">
             <a:extLst>
               <a:ext uri="{FF2B5EF4-FFF2-40B4-BE49-F238E27FC236}">
-                <a16:creationId xmlns:a16="http://schemas.microsoft.com/office/drawing/2014/main" id="{6F1505F8-FE3C-49CF-AE21-6C5AA5F088F0}"/>
+                <a16:creationId xmlns="" xmlns:a16="http://schemas.microsoft.com/office/drawing/2014/main" id="{6F1505F8-FE3C-49CF-AE21-6C5AA5F088F0}"/>
               </a:ext>
             </a:extLst>
           </p:cNvPr>
@@ -1399,7 +1477,7 @@
           <p:cNvPr id="3" name="Inhaltsplatzhalter 2">
             <a:extLst>
               <a:ext uri="{FF2B5EF4-FFF2-40B4-BE49-F238E27FC236}">
-                <a16:creationId xmlns:a16="http://schemas.microsoft.com/office/drawing/2014/main" id="{8DD2B2CA-3650-481D-81E6-C32BB6364252}"/>
+                <a16:creationId xmlns="" xmlns:a16="http://schemas.microsoft.com/office/drawing/2014/main" id="{8DD2B2CA-3650-481D-81E6-C32BB6364252}"/>
               </a:ext>
             </a:extLst>
           </p:cNvPr>
@@ -1456,7 +1534,7 @@
           <p:cNvPr id="4" name="Datumsplatzhalter 3">
             <a:extLst>
               <a:ext uri="{FF2B5EF4-FFF2-40B4-BE49-F238E27FC236}">
-                <a16:creationId xmlns:a16="http://schemas.microsoft.com/office/drawing/2014/main" id="{D03A75FD-8D33-47BC-BD5C-F841094542E1}"/>
+                <a16:creationId xmlns="" xmlns:a16="http://schemas.microsoft.com/office/drawing/2014/main" id="{D03A75FD-8D33-47BC-BD5C-F841094542E1}"/>
               </a:ext>
             </a:extLst>
           </p:cNvPr>
@@ -1474,7 +1552,7 @@
           <a:p>
             <a:fld id="{8158D37F-AE0D-46A3-81EA-F9A968D45D2E}" type="datetimeFigureOut">
               <a:rPr lang="de-DE" smtClean="0"/>
-              <a:t>08.05.2018</a:t>
+              <a:t>19.06.2018</a:t>
             </a:fld>
             <a:endParaRPr lang="de-DE"/>
           </a:p>
@@ -1485,7 +1563,7 @@
           <p:cNvPr id="5" name="Fußzeilenplatzhalter 4">
             <a:extLst>
               <a:ext uri="{FF2B5EF4-FFF2-40B4-BE49-F238E27FC236}">
-                <a16:creationId xmlns:a16="http://schemas.microsoft.com/office/drawing/2014/main" id="{F28CBDA3-770C-40AC-A420-7491C5890C03}"/>
+                <a16:creationId xmlns="" xmlns:a16="http://schemas.microsoft.com/office/drawing/2014/main" id="{F28CBDA3-770C-40AC-A420-7491C5890C03}"/>
               </a:ext>
             </a:extLst>
           </p:cNvPr>
@@ -1510,7 +1588,7 @@
           <p:cNvPr id="6" name="Foliennummernplatzhalter 5">
             <a:extLst>
               <a:ext uri="{FF2B5EF4-FFF2-40B4-BE49-F238E27FC236}">
-                <a16:creationId xmlns:a16="http://schemas.microsoft.com/office/drawing/2014/main" id="{13F1AE95-4281-49B7-8AB9-00AA1330B290}"/>
+                <a16:creationId xmlns="" xmlns:a16="http://schemas.microsoft.com/office/drawing/2014/main" id="{13F1AE95-4281-49B7-8AB9-00AA1330B290}"/>
               </a:ext>
             </a:extLst>
           </p:cNvPr>
@@ -1569,7 +1647,7 @@
           <p:cNvPr id="2" name="Titel 1">
             <a:extLst>
               <a:ext uri="{FF2B5EF4-FFF2-40B4-BE49-F238E27FC236}">
-                <a16:creationId xmlns:a16="http://schemas.microsoft.com/office/drawing/2014/main" id="{07080C45-174C-453B-8D97-B433562D95A0}"/>
+                <a16:creationId xmlns="" xmlns:a16="http://schemas.microsoft.com/office/drawing/2014/main" id="{07080C45-174C-453B-8D97-B433562D95A0}"/>
               </a:ext>
             </a:extLst>
           </p:cNvPr>
@@ -1606,7 +1684,7 @@
           <p:cNvPr id="3" name="Textplatzhalter 2">
             <a:extLst>
               <a:ext uri="{FF2B5EF4-FFF2-40B4-BE49-F238E27FC236}">
-                <a16:creationId xmlns:a16="http://schemas.microsoft.com/office/drawing/2014/main" id="{EB02B442-DFC9-4403-9D80-B337B189978B}"/>
+                <a16:creationId xmlns="" xmlns:a16="http://schemas.microsoft.com/office/drawing/2014/main" id="{EB02B442-DFC9-4403-9D80-B337B189978B}"/>
               </a:ext>
             </a:extLst>
           </p:cNvPr>
@@ -1731,7 +1809,7 @@
           <p:cNvPr id="4" name="Datumsplatzhalter 3">
             <a:extLst>
               <a:ext uri="{FF2B5EF4-FFF2-40B4-BE49-F238E27FC236}">
-                <a16:creationId xmlns:a16="http://schemas.microsoft.com/office/drawing/2014/main" id="{44DED9BF-6583-4437-9895-8C3BBEE35FE1}"/>
+                <a16:creationId xmlns="" xmlns:a16="http://schemas.microsoft.com/office/drawing/2014/main" id="{44DED9BF-6583-4437-9895-8C3BBEE35FE1}"/>
               </a:ext>
             </a:extLst>
           </p:cNvPr>
@@ -1749,7 +1827,7 @@
           <a:p>
             <a:fld id="{8158D37F-AE0D-46A3-81EA-F9A968D45D2E}" type="datetimeFigureOut">
               <a:rPr lang="de-DE" smtClean="0"/>
-              <a:t>08.05.2018</a:t>
+              <a:t>19.06.2018</a:t>
             </a:fld>
             <a:endParaRPr lang="de-DE"/>
           </a:p>
@@ -1760,7 +1838,7 @@
           <p:cNvPr id="5" name="Fußzeilenplatzhalter 4">
             <a:extLst>
               <a:ext uri="{FF2B5EF4-FFF2-40B4-BE49-F238E27FC236}">
-                <a16:creationId xmlns:a16="http://schemas.microsoft.com/office/drawing/2014/main" id="{9AB4EEE3-661D-468F-BB1B-3C267670E310}"/>
+                <a16:creationId xmlns="" xmlns:a16="http://schemas.microsoft.com/office/drawing/2014/main" id="{9AB4EEE3-661D-468F-BB1B-3C267670E310}"/>
               </a:ext>
             </a:extLst>
           </p:cNvPr>
@@ -1785,7 +1863,7 @@
           <p:cNvPr id="6" name="Foliennummernplatzhalter 5">
             <a:extLst>
               <a:ext uri="{FF2B5EF4-FFF2-40B4-BE49-F238E27FC236}">
-                <a16:creationId xmlns:a16="http://schemas.microsoft.com/office/drawing/2014/main" id="{63423D40-30D3-4935-AE09-B496E83AF011}"/>
+                <a16:creationId xmlns="" xmlns:a16="http://schemas.microsoft.com/office/drawing/2014/main" id="{63423D40-30D3-4935-AE09-B496E83AF011}"/>
               </a:ext>
             </a:extLst>
           </p:cNvPr>
@@ -1844,7 +1922,7 @@
           <p:cNvPr id="2" name="Titel 1">
             <a:extLst>
               <a:ext uri="{FF2B5EF4-FFF2-40B4-BE49-F238E27FC236}">
-                <a16:creationId xmlns:a16="http://schemas.microsoft.com/office/drawing/2014/main" id="{8E2836AF-5FD5-4D88-8EA5-C418613CEB1E}"/>
+                <a16:creationId xmlns="" xmlns:a16="http://schemas.microsoft.com/office/drawing/2014/main" id="{8E2836AF-5FD5-4D88-8EA5-C418613CEB1E}"/>
               </a:ext>
             </a:extLst>
           </p:cNvPr>
@@ -1872,7 +1950,7 @@
           <p:cNvPr id="3" name="Inhaltsplatzhalter 2">
             <a:extLst>
               <a:ext uri="{FF2B5EF4-FFF2-40B4-BE49-F238E27FC236}">
-                <a16:creationId xmlns:a16="http://schemas.microsoft.com/office/drawing/2014/main" id="{8AA2CD94-90DA-4B86-9ED7-6690FFAA81D6}"/>
+                <a16:creationId xmlns="" xmlns:a16="http://schemas.microsoft.com/office/drawing/2014/main" id="{8AA2CD94-90DA-4B86-9ED7-6690FFAA81D6}"/>
               </a:ext>
             </a:extLst>
           </p:cNvPr>
@@ -1934,7 +2012,7 @@
           <p:cNvPr id="4" name="Inhaltsplatzhalter 3">
             <a:extLst>
               <a:ext uri="{FF2B5EF4-FFF2-40B4-BE49-F238E27FC236}">
-                <a16:creationId xmlns:a16="http://schemas.microsoft.com/office/drawing/2014/main" id="{CFBFD70C-FEBB-45E1-A557-C4A8498357B1}"/>
+                <a16:creationId xmlns="" xmlns:a16="http://schemas.microsoft.com/office/drawing/2014/main" id="{CFBFD70C-FEBB-45E1-A557-C4A8498357B1}"/>
               </a:ext>
             </a:extLst>
           </p:cNvPr>
@@ -1996,7 +2074,7 @@
           <p:cNvPr id="5" name="Datumsplatzhalter 4">
             <a:extLst>
               <a:ext uri="{FF2B5EF4-FFF2-40B4-BE49-F238E27FC236}">
-                <a16:creationId xmlns:a16="http://schemas.microsoft.com/office/drawing/2014/main" id="{649C06EB-045F-4F4A-BBF1-31A43C0DCAF6}"/>
+                <a16:creationId xmlns="" xmlns:a16="http://schemas.microsoft.com/office/drawing/2014/main" id="{649C06EB-045F-4F4A-BBF1-31A43C0DCAF6}"/>
               </a:ext>
             </a:extLst>
           </p:cNvPr>
@@ -2014,7 +2092,7 @@
           <a:p>
             <a:fld id="{8158D37F-AE0D-46A3-81EA-F9A968D45D2E}" type="datetimeFigureOut">
               <a:rPr lang="de-DE" smtClean="0"/>
-              <a:t>08.05.2018</a:t>
+              <a:t>19.06.2018</a:t>
             </a:fld>
             <a:endParaRPr lang="de-DE"/>
           </a:p>
@@ -2025,7 +2103,7 @@
           <p:cNvPr id="6" name="Fußzeilenplatzhalter 5">
             <a:extLst>
               <a:ext uri="{FF2B5EF4-FFF2-40B4-BE49-F238E27FC236}">
-                <a16:creationId xmlns:a16="http://schemas.microsoft.com/office/drawing/2014/main" id="{CEDEDAFA-04DC-48B8-A4E8-E46221B81A10}"/>
+                <a16:creationId xmlns="" xmlns:a16="http://schemas.microsoft.com/office/drawing/2014/main" id="{CEDEDAFA-04DC-48B8-A4E8-E46221B81A10}"/>
               </a:ext>
             </a:extLst>
           </p:cNvPr>
@@ -2050,7 +2128,7 @@
           <p:cNvPr id="7" name="Foliennummernplatzhalter 6">
             <a:extLst>
               <a:ext uri="{FF2B5EF4-FFF2-40B4-BE49-F238E27FC236}">
-                <a16:creationId xmlns:a16="http://schemas.microsoft.com/office/drawing/2014/main" id="{DEF85FE7-3D8D-4191-BE26-ECDE7BE2D0F5}"/>
+                <a16:creationId xmlns="" xmlns:a16="http://schemas.microsoft.com/office/drawing/2014/main" id="{DEF85FE7-3D8D-4191-BE26-ECDE7BE2D0F5}"/>
               </a:ext>
             </a:extLst>
           </p:cNvPr>
@@ -2109,7 +2187,7 @@
           <p:cNvPr id="2" name="Titel 1">
             <a:extLst>
               <a:ext uri="{FF2B5EF4-FFF2-40B4-BE49-F238E27FC236}">
-                <a16:creationId xmlns:a16="http://schemas.microsoft.com/office/drawing/2014/main" id="{B19C5BF1-525A-49A7-BD60-27EC0E02E82D}"/>
+                <a16:creationId xmlns="" xmlns:a16="http://schemas.microsoft.com/office/drawing/2014/main" id="{B19C5BF1-525A-49A7-BD60-27EC0E02E82D}"/>
               </a:ext>
             </a:extLst>
           </p:cNvPr>
@@ -2142,7 +2220,7 @@
           <p:cNvPr id="3" name="Textplatzhalter 2">
             <a:extLst>
               <a:ext uri="{FF2B5EF4-FFF2-40B4-BE49-F238E27FC236}">
-                <a16:creationId xmlns:a16="http://schemas.microsoft.com/office/drawing/2014/main" id="{CA52EF98-A8D0-4345-B2E4-1511EDCA40B0}"/>
+                <a16:creationId xmlns="" xmlns:a16="http://schemas.microsoft.com/office/drawing/2014/main" id="{CA52EF98-A8D0-4345-B2E4-1511EDCA40B0}"/>
               </a:ext>
             </a:extLst>
           </p:cNvPr>
@@ -2213,7 +2291,7 @@
           <p:cNvPr id="4" name="Inhaltsplatzhalter 3">
             <a:extLst>
               <a:ext uri="{FF2B5EF4-FFF2-40B4-BE49-F238E27FC236}">
-                <a16:creationId xmlns:a16="http://schemas.microsoft.com/office/drawing/2014/main" id="{C3E8397B-06EC-4F84-BAC1-93D90E1FB93C}"/>
+                <a16:creationId xmlns="" xmlns:a16="http://schemas.microsoft.com/office/drawing/2014/main" id="{C3E8397B-06EC-4F84-BAC1-93D90E1FB93C}"/>
               </a:ext>
             </a:extLst>
           </p:cNvPr>
@@ -2275,7 +2353,7 @@
           <p:cNvPr id="5" name="Textplatzhalter 4">
             <a:extLst>
               <a:ext uri="{FF2B5EF4-FFF2-40B4-BE49-F238E27FC236}">
-                <a16:creationId xmlns:a16="http://schemas.microsoft.com/office/drawing/2014/main" id="{8BCF832A-0855-4EDD-94E0-9BD4DE9AA8E0}"/>
+                <a16:creationId xmlns="" xmlns:a16="http://schemas.microsoft.com/office/drawing/2014/main" id="{8BCF832A-0855-4EDD-94E0-9BD4DE9AA8E0}"/>
               </a:ext>
             </a:extLst>
           </p:cNvPr>
@@ -2346,7 +2424,7 @@
           <p:cNvPr id="6" name="Inhaltsplatzhalter 5">
             <a:extLst>
               <a:ext uri="{FF2B5EF4-FFF2-40B4-BE49-F238E27FC236}">
-                <a16:creationId xmlns:a16="http://schemas.microsoft.com/office/drawing/2014/main" id="{EFC8BDC3-7DBF-4F47-8FF8-A07F2FD51C05}"/>
+                <a16:creationId xmlns="" xmlns:a16="http://schemas.microsoft.com/office/drawing/2014/main" id="{EFC8BDC3-7DBF-4F47-8FF8-A07F2FD51C05}"/>
               </a:ext>
             </a:extLst>
           </p:cNvPr>
@@ -2408,7 +2486,7 @@
           <p:cNvPr id="7" name="Datumsplatzhalter 6">
             <a:extLst>
               <a:ext uri="{FF2B5EF4-FFF2-40B4-BE49-F238E27FC236}">
-                <a16:creationId xmlns:a16="http://schemas.microsoft.com/office/drawing/2014/main" id="{8FF08FF4-34EA-4621-B7C9-35D21A01B490}"/>
+                <a16:creationId xmlns="" xmlns:a16="http://schemas.microsoft.com/office/drawing/2014/main" id="{8FF08FF4-34EA-4621-B7C9-35D21A01B490}"/>
               </a:ext>
             </a:extLst>
           </p:cNvPr>
@@ -2426,7 +2504,7 @@
           <a:p>
             <a:fld id="{8158D37F-AE0D-46A3-81EA-F9A968D45D2E}" type="datetimeFigureOut">
               <a:rPr lang="de-DE" smtClean="0"/>
-              <a:t>08.05.2018</a:t>
+              <a:t>19.06.2018</a:t>
             </a:fld>
             <a:endParaRPr lang="de-DE"/>
           </a:p>
@@ -2437,7 +2515,7 @@
           <p:cNvPr id="8" name="Fußzeilenplatzhalter 7">
             <a:extLst>
               <a:ext uri="{FF2B5EF4-FFF2-40B4-BE49-F238E27FC236}">
-                <a16:creationId xmlns:a16="http://schemas.microsoft.com/office/drawing/2014/main" id="{BF80F7F0-752C-4113-868E-F54107458899}"/>
+                <a16:creationId xmlns="" xmlns:a16="http://schemas.microsoft.com/office/drawing/2014/main" id="{BF80F7F0-752C-4113-868E-F54107458899}"/>
               </a:ext>
             </a:extLst>
           </p:cNvPr>
@@ -2462,7 +2540,7 @@
           <p:cNvPr id="9" name="Foliennummernplatzhalter 8">
             <a:extLst>
               <a:ext uri="{FF2B5EF4-FFF2-40B4-BE49-F238E27FC236}">
-                <a16:creationId xmlns:a16="http://schemas.microsoft.com/office/drawing/2014/main" id="{A2458472-6FCB-489F-8391-98D70DD4BBC2}"/>
+                <a16:creationId xmlns="" xmlns:a16="http://schemas.microsoft.com/office/drawing/2014/main" id="{A2458472-6FCB-489F-8391-98D70DD4BBC2}"/>
               </a:ext>
             </a:extLst>
           </p:cNvPr>
@@ -2521,7 +2599,7 @@
           <p:cNvPr id="2" name="Titel 1">
             <a:extLst>
               <a:ext uri="{FF2B5EF4-FFF2-40B4-BE49-F238E27FC236}">
-                <a16:creationId xmlns:a16="http://schemas.microsoft.com/office/drawing/2014/main" id="{A37A7F07-94D7-478E-BDC7-E86248C211ED}"/>
+                <a16:creationId xmlns="" xmlns:a16="http://schemas.microsoft.com/office/drawing/2014/main" id="{A37A7F07-94D7-478E-BDC7-E86248C211ED}"/>
               </a:ext>
             </a:extLst>
           </p:cNvPr>
@@ -2549,7 +2627,7 @@
           <p:cNvPr id="3" name="Datumsplatzhalter 2">
             <a:extLst>
               <a:ext uri="{FF2B5EF4-FFF2-40B4-BE49-F238E27FC236}">
-                <a16:creationId xmlns:a16="http://schemas.microsoft.com/office/drawing/2014/main" id="{9AA9E15A-65C2-40FB-9B68-4B9BAC0CD09B}"/>
+                <a16:creationId xmlns="" xmlns:a16="http://schemas.microsoft.com/office/drawing/2014/main" id="{9AA9E15A-65C2-40FB-9B68-4B9BAC0CD09B}"/>
               </a:ext>
             </a:extLst>
           </p:cNvPr>
@@ -2567,7 +2645,7 @@
           <a:p>
             <a:fld id="{8158D37F-AE0D-46A3-81EA-F9A968D45D2E}" type="datetimeFigureOut">
               <a:rPr lang="de-DE" smtClean="0"/>
-              <a:t>08.05.2018</a:t>
+              <a:t>19.06.2018</a:t>
             </a:fld>
             <a:endParaRPr lang="de-DE"/>
           </a:p>
@@ -2578,7 +2656,7 @@
           <p:cNvPr id="4" name="Fußzeilenplatzhalter 3">
             <a:extLst>
               <a:ext uri="{FF2B5EF4-FFF2-40B4-BE49-F238E27FC236}">
-                <a16:creationId xmlns:a16="http://schemas.microsoft.com/office/drawing/2014/main" id="{9E03A6AF-EEF7-4A66-BECC-13DEC596FAFD}"/>
+                <a16:creationId xmlns="" xmlns:a16="http://schemas.microsoft.com/office/drawing/2014/main" id="{9E03A6AF-EEF7-4A66-BECC-13DEC596FAFD}"/>
               </a:ext>
             </a:extLst>
           </p:cNvPr>
@@ -2603,7 +2681,7 @@
           <p:cNvPr id="5" name="Foliennummernplatzhalter 4">
             <a:extLst>
               <a:ext uri="{FF2B5EF4-FFF2-40B4-BE49-F238E27FC236}">
-                <a16:creationId xmlns:a16="http://schemas.microsoft.com/office/drawing/2014/main" id="{306925E2-924F-495A-8C6E-06820835269F}"/>
+                <a16:creationId xmlns="" xmlns:a16="http://schemas.microsoft.com/office/drawing/2014/main" id="{306925E2-924F-495A-8C6E-06820835269F}"/>
               </a:ext>
             </a:extLst>
           </p:cNvPr>
@@ -2662,7 +2740,7 @@
           <p:cNvPr id="2" name="Datumsplatzhalter 1">
             <a:extLst>
               <a:ext uri="{FF2B5EF4-FFF2-40B4-BE49-F238E27FC236}">
-                <a16:creationId xmlns:a16="http://schemas.microsoft.com/office/drawing/2014/main" id="{C32D2923-770D-43E6-AA8E-C648047757DD}"/>
+                <a16:creationId xmlns="" xmlns:a16="http://schemas.microsoft.com/office/drawing/2014/main" id="{C32D2923-770D-43E6-AA8E-C648047757DD}"/>
               </a:ext>
             </a:extLst>
           </p:cNvPr>
@@ -2680,7 +2758,7 @@
           <a:p>
             <a:fld id="{8158D37F-AE0D-46A3-81EA-F9A968D45D2E}" type="datetimeFigureOut">
               <a:rPr lang="de-DE" smtClean="0"/>
-              <a:t>08.05.2018</a:t>
+              <a:t>19.06.2018</a:t>
             </a:fld>
             <a:endParaRPr lang="de-DE"/>
           </a:p>
@@ -2691,7 +2769,7 @@
           <p:cNvPr id="3" name="Fußzeilenplatzhalter 2">
             <a:extLst>
               <a:ext uri="{FF2B5EF4-FFF2-40B4-BE49-F238E27FC236}">
-                <a16:creationId xmlns:a16="http://schemas.microsoft.com/office/drawing/2014/main" id="{AFEAD50B-2189-4996-A580-7FF9B54B8A74}"/>
+                <a16:creationId xmlns="" xmlns:a16="http://schemas.microsoft.com/office/drawing/2014/main" id="{AFEAD50B-2189-4996-A580-7FF9B54B8A74}"/>
               </a:ext>
             </a:extLst>
           </p:cNvPr>
@@ -2716,7 +2794,7 @@
           <p:cNvPr id="4" name="Foliennummernplatzhalter 3">
             <a:extLst>
               <a:ext uri="{FF2B5EF4-FFF2-40B4-BE49-F238E27FC236}">
-                <a16:creationId xmlns:a16="http://schemas.microsoft.com/office/drawing/2014/main" id="{926F8FBF-0DB7-47B5-9A8D-1D7EDE7BB278}"/>
+                <a16:creationId xmlns="" xmlns:a16="http://schemas.microsoft.com/office/drawing/2014/main" id="{926F8FBF-0DB7-47B5-9A8D-1D7EDE7BB278}"/>
               </a:ext>
             </a:extLst>
           </p:cNvPr>
@@ -2775,7 +2853,7 @@
           <p:cNvPr id="2" name="Titel 1">
             <a:extLst>
               <a:ext uri="{FF2B5EF4-FFF2-40B4-BE49-F238E27FC236}">
-                <a16:creationId xmlns:a16="http://schemas.microsoft.com/office/drawing/2014/main" id="{7F28EFD0-5A20-46E6-89D9-2A2413C132FD}"/>
+                <a16:creationId xmlns="" xmlns:a16="http://schemas.microsoft.com/office/drawing/2014/main" id="{7F28EFD0-5A20-46E6-89D9-2A2413C132FD}"/>
               </a:ext>
             </a:extLst>
           </p:cNvPr>
@@ -2812,7 +2890,7 @@
           <p:cNvPr id="3" name="Inhaltsplatzhalter 2">
             <a:extLst>
               <a:ext uri="{FF2B5EF4-FFF2-40B4-BE49-F238E27FC236}">
-                <a16:creationId xmlns:a16="http://schemas.microsoft.com/office/drawing/2014/main" id="{D555C490-B0BC-4345-9E45-1D72D158F64E}"/>
+                <a16:creationId xmlns="" xmlns:a16="http://schemas.microsoft.com/office/drawing/2014/main" id="{D555C490-B0BC-4345-9E45-1D72D158F64E}"/>
               </a:ext>
             </a:extLst>
           </p:cNvPr>
@@ -2902,7 +2980,7 @@
           <p:cNvPr id="4" name="Textplatzhalter 3">
             <a:extLst>
               <a:ext uri="{FF2B5EF4-FFF2-40B4-BE49-F238E27FC236}">
-                <a16:creationId xmlns:a16="http://schemas.microsoft.com/office/drawing/2014/main" id="{39652C35-7E37-430F-A69C-78097FF4AC2C}"/>
+                <a16:creationId xmlns="" xmlns:a16="http://schemas.microsoft.com/office/drawing/2014/main" id="{39652C35-7E37-430F-A69C-78097FF4AC2C}"/>
               </a:ext>
             </a:extLst>
           </p:cNvPr>
@@ -2973,7 +3051,7 @@
           <p:cNvPr id="5" name="Datumsplatzhalter 4">
             <a:extLst>
               <a:ext uri="{FF2B5EF4-FFF2-40B4-BE49-F238E27FC236}">
-                <a16:creationId xmlns:a16="http://schemas.microsoft.com/office/drawing/2014/main" id="{4BCFE1AC-47DC-4D8C-ADBA-A6A0D1E93A3A}"/>
+                <a16:creationId xmlns="" xmlns:a16="http://schemas.microsoft.com/office/drawing/2014/main" id="{4BCFE1AC-47DC-4D8C-ADBA-A6A0D1E93A3A}"/>
               </a:ext>
             </a:extLst>
           </p:cNvPr>
@@ -2991,7 +3069,7 @@
           <a:p>
             <a:fld id="{8158D37F-AE0D-46A3-81EA-F9A968D45D2E}" type="datetimeFigureOut">
               <a:rPr lang="de-DE" smtClean="0"/>
-              <a:t>08.05.2018</a:t>
+              <a:t>19.06.2018</a:t>
             </a:fld>
             <a:endParaRPr lang="de-DE"/>
           </a:p>
@@ -3002,7 +3080,7 @@
           <p:cNvPr id="6" name="Fußzeilenplatzhalter 5">
             <a:extLst>
               <a:ext uri="{FF2B5EF4-FFF2-40B4-BE49-F238E27FC236}">
-                <a16:creationId xmlns:a16="http://schemas.microsoft.com/office/drawing/2014/main" id="{B7E04A27-30DA-48F3-9358-1332151FFE6E}"/>
+                <a16:creationId xmlns="" xmlns:a16="http://schemas.microsoft.com/office/drawing/2014/main" id="{B7E04A27-30DA-48F3-9358-1332151FFE6E}"/>
               </a:ext>
             </a:extLst>
           </p:cNvPr>
@@ -3027,7 +3105,7 @@
           <p:cNvPr id="7" name="Foliennummernplatzhalter 6">
             <a:extLst>
               <a:ext uri="{FF2B5EF4-FFF2-40B4-BE49-F238E27FC236}">
-                <a16:creationId xmlns:a16="http://schemas.microsoft.com/office/drawing/2014/main" id="{717052AD-A190-4FD0-AF75-13F02C8529BD}"/>
+                <a16:creationId xmlns="" xmlns:a16="http://schemas.microsoft.com/office/drawing/2014/main" id="{717052AD-A190-4FD0-AF75-13F02C8529BD}"/>
               </a:ext>
             </a:extLst>
           </p:cNvPr>
@@ -3086,7 +3164,7 @@
           <p:cNvPr id="2" name="Titel 1">
             <a:extLst>
               <a:ext uri="{FF2B5EF4-FFF2-40B4-BE49-F238E27FC236}">
-                <a16:creationId xmlns:a16="http://schemas.microsoft.com/office/drawing/2014/main" id="{19B91CF3-11D5-4C88-8AF3-4EECA2CC6CE6}"/>
+                <a16:creationId xmlns="" xmlns:a16="http://schemas.microsoft.com/office/drawing/2014/main" id="{19B91CF3-11D5-4C88-8AF3-4EECA2CC6CE6}"/>
               </a:ext>
             </a:extLst>
           </p:cNvPr>
@@ -3123,7 +3201,7 @@
           <p:cNvPr id="3" name="Bildplatzhalter 2">
             <a:extLst>
               <a:ext uri="{FF2B5EF4-FFF2-40B4-BE49-F238E27FC236}">
-                <a16:creationId xmlns:a16="http://schemas.microsoft.com/office/drawing/2014/main" id="{1FD7CFB9-0B80-4589-BDC4-F829514544A8}"/>
+                <a16:creationId xmlns="" xmlns:a16="http://schemas.microsoft.com/office/drawing/2014/main" id="{1FD7CFB9-0B80-4589-BDC4-F829514544A8}"/>
               </a:ext>
             </a:extLst>
           </p:cNvPr>
@@ -3190,7 +3268,7 @@
           <p:cNvPr id="4" name="Textplatzhalter 3">
             <a:extLst>
               <a:ext uri="{FF2B5EF4-FFF2-40B4-BE49-F238E27FC236}">
-                <a16:creationId xmlns:a16="http://schemas.microsoft.com/office/drawing/2014/main" id="{1CC1460E-DB5A-45F0-ADC1-4DE802B7C9ED}"/>
+                <a16:creationId xmlns="" xmlns:a16="http://schemas.microsoft.com/office/drawing/2014/main" id="{1CC1460E-DB5A-45F0-ADC1-4DE802B7C9ED}"/>
               </a:ext>
             </a:extLst>
           </p:cNvPr>
@@ -3261,7 +3339,7 @@
           <p:cNvPr id="5" name="Datumsplatzhalter 4">
             <a:extLst>
               <a:ext uri="{FF2B5EF4-FFF2-40B4-BE49-F238E27FC236}">
-                <a16:creationId xmlns:a16="http://schemas.microsoft.com/office/drawing/2014/main" id="{706BEC78-697F-4DBC-9672-E89C7BA95BCC}"/>
+                <a16:creationId xmlns="" xmlns:a16="http://schemas.microsoft.com/office/drawing/2014/main" id="{706BEC78-697F-4DBC-9672-E89C7BA95BCC}"/>
               </a:ext>
             </a:extLst>
           </p:cNvPr>
@@ -3279,7 +3357,7 @@
           <a:p>
             <a:fld id="{8158D37F-AE0D-46A3-81EA-F9A968D45D2E}" type="datetimeFigureOut">
               <a:rPr lang="de-DE" smtClean="0"/>
-              <a:t>08.05.2018</a:t>
+              <a:t>19.06.2018</a:t>
             </a:fld>
             <a:endParaRPr lang="de-DE"/>
           </a:p>
@@ -3290,7 +3368,7 @@
           <p:cNvPr id="6" name="Fußzeilenplatzhalter 5">
             <a:extLst>
               <a:ext uri="{FF2B5EF4-FFF2-40B4-BE49-F238E27FC236}">
-                <a16:creationId xmlns:a16="http://schemas.microsoft.com/office/drawing/2014/main" id="{E3901726-B80D-489A-AD44-F9143EEDDDD8}"/>
+                <a16:creationId xmlns="" xmlns:a16="http://schemas.microsoft.com/office/drawing/2014/main" id="{E3901726-B80D-489A-AD44-F9143EEDDDD8}"/>
               </a:ext>
             </a:extLst>
           </p:cNvPr>
@@ -3315,7 +3393,7 @@
           <p:cNvPr id="7" name="Foliennummernplatzhalter 6">
             <a:extLst>
               <a:ext uri="{FF2B5EF4-FFF2-40B4-BE49-F238E27FC236}">
-                <a16:creationId xmlns:a16="http://schemas.microsoft.com/office/drawing/2014/main" id="{22CDEE5F-AA0D-4ED9-8304-C1DEE6B440A6}"/>
+                <a16:creationId xmlns="" xmlns:a16="http://schemas.microsoft.com/office/drawing/2014/main" id="{22CDEE5F-AA0D-4ED9-8304-C1DEE6B440A6}"/>
               </a:ext>
             </a:extLst>
           </p:cNvPr>
@@ -3405,7 +3483,7 @@
           <p:cNvPr id="2" name="Titelplatzhalter 1">
             <a:extLst>
               <a:ext uri="{FF2B5EF4-FFF2-40B4-BE49-F238E27FC236}">
-                <a16:creationId xmlns:a16="http://schemas.microsoft.com/office/drawing/2014/main" id="{12D38A2A-2AB3-4A5E-A639-D51F6A523157}"/>
+                <a16:creationId xmlns="" xmlns:a16="http://schemas.microsoft.com/office/drawing/2014/main" id="{12D38A2A-2AB3-4A5E-A639-D51F6A523157}"/>
               </a:ext>
             </a:extLst>
           </p:cNvPr>
@@ -3443,7 +3521,7 @@
           <p:cNvPr id="3" name="Textplatzhalter 2">
             <a:extLst>
               <a:ext uri="{FF2B5EF4-FFF2-40B4-BE49-F238E27FC236}">
-                <a16:creationId xmlns:a16="http://schemas.microsoft.com/office/drawing/2014/main" id="{C8EA3A0A-4F5F-4897-AA7B-B80A32141677}"/>
+                <a16:creationId xmlns="" xmlns:a16="http://schemas.microsoft.com/office/drawing/2014/main" id="{C8EA3A0A-4F5F-4897-AA7B-B80A32141677}"/>
               </a:ext>
             </a:extLst>
           </p:cNvPr>
@@ -3510,7 +3588,7 @@
           <p:cNvPr id="4" name="Datumsplatzhalter 3">
             <a:extLst>
               <a:ext uri="{FF2B5EF4-FFF2-40B4-BE49-F238E27FC236}">
-                <a16:creationId xmlns:a16="http://schemas.microsoft.com/office/drawing/2014/main" id="{8EAAB192-A9C9-4DCE-8B9C-9F673826C155}"/>
+                <a16:creationId xmlns="" xmlns:a16="http://schemas.microsoft.com/office/drawing/2014/main" id="{8EAAB192-A9C9-4DCE-8B9C-9F673826C155}"/>
               </a:ext>
             </a:extLst>
           </p:cNvPr>
@@ -3546,7 +3624,7 @@
           <a:p>
             <a:fld id="{8158D37F-AE0D-46A3-81EA-F9A968D45D2E}" type="datetimeFigureOut">
               <a:rPr lang="de-DE" smtClean="0"/>
-              <a:t>08.05.2018</a:t>
+              <a:t>19.06.2018</a:t>
             </a:fld>
             <a:endParaRPr lang="de-DE"/>
           </a:p>
@@ -3557,7 +3635,7 @@
           <p:cNvPr id="5" name="Fußzeilenplatzhalter 4">
             <a:extLst>
               <a:ext uri="{FF2B5EF4-FFF2-40B4-BE49-F238E27FC236}">
-                <a16:creationId xmlns:a16="http://schemas.microsoft.com/office/drawing/2014/main" id="{E3BF9D4E-72E8-433B-8F6D-3B78FFF82F62}"/>
+                <a16:creationId xmlns="" xmlns:a16="http://schemas.microsoft.com/office/drawing/2014/main" id="{E3BF9D4E-72E8-433B-8F6D-3B78FFF82F62}"/>
               </a:ext>
             </a:extLst>
           </p:cNvPr>
@@ -3600,7 +3678,7 @@
           <p:cNvPr id="6" name="Foliennummernplatzhalter 5">
             <a:extLst>
               <a:ext uri="{FF2B5EF4-FFF2-40B4-BE49-F238E27FC236}">
-                <a16:creationId xmlns:a16="http://schemas.microsoft.com/office/drawing/2014/main" id="{7E65AA23-E066-4E0C-B500-896A028C020F}"/>
+                <a16:creationId xmlns="" xmlns:a16="http://schemas.microsoft.com/office/drawing/2014/main" id="{7E65AA23-E066-4E0C-B500-896A028C020F}"/>
               </a:ext>
             </a:extLst>
           </p:cNvPr>
@@ -3647,7 +3725,7 @@
           <p:cNvPr id="8" name="Grafik 7">
             <a:extLst>
               <a:ext uri="{FF2B5EF4-FFF2-40B4-BE49-F238E27FC236}">
-                <a16:creationId xmlns:a16="http://schemas.microsoft.com/office/drawing/2014/main" id="{1AC0BF7E-72E6-41AB-9638-53815E40983E}"/>
+                <a16:creationId xmlns="" xmlns:a16="http://schemas.microsoft.com/office/drawing/2014/main" id="{1AC0BF7E-72E6-41AB-9638-53815E40983E}"/>
               </a:ext>
             </a:extLst>
           </p:cNvPr>
@@ -4004,7 +4082,7 @@
           <p:cNvPr id="2" name="Titel 1">
             <a:extLst>
               <a:ext uri="{FF2B5EF4-FFF2-40B4-BE49-F238E27FC236}">
-                <a16:creationId xmlns:a16="http://schemas.microsoft.com/office/drawing/2014/main" id="{1C1B7F39-D2FC-4382-B93B-04F7546D27B1}"/>
+                <a16:creationId xmlns="" xmlns:a16="http://schemas.microsoft.com/office/drawing/2014/main" id="{1C1B7F39-D2FC-4382-B93B-04F7546D27B1}"/>
               </a:ext>
             </a:extLst>
           </p:cNvPr>
@@ -4022,13 +4100,26 @@
           </a:bodyPr>
           <a:lstStyle/>
           <a:p>
+            <a:r>
+              <a:rPr lang="de-DE" b="1" dirty="0" smtClean="0"/>
+              <a:t/>
+            </a:r>
             <a:br>
-              <a:rPr lang="de-DE" b="1" dirty="0"/>
+              <a:rPr lang="de-DE" b="1" dirty="0" smtClean="0"/>
             </a:br>
             <a:r>
-              <a:rPr lang="de-DE" b="1" dirty="0"/>
-              <a:t> Erweiterung des Lern- und Prüfungstools (LuPto) </a:t>
-            </a:r>
+              <a:rPr lang="de-DE" b="1" dirty="0" smtClean="0"/>
+              <a:t> Erweiterung des Lern- und Prüfungstools (</a:t>
+            </a:r>
+            <a:r>
+              <a:rPr lang="de-DE" b="1" dirty="0" err="1" smtClean="0"/>
+              <a:t>LuPto</a:t>
+            </a:r>
+            <a:r>
+              <a:rPr lang="de-DE" b="1" dirty="0" smtClean="0"/>
+              <a:t>) </a:t>
+            </a:r>
+            <a:endParaRPr lang="de-DE" b="1" dirty="0"/>
           </a:p>
         </p:txBody>
       </p:sp>
@@ -4037,7 +4128,7 @@
           <p:cNvPr id="3" name="Untertitel 2">
             <a:extLst>
               <a:ext uri="{FF2B5EF4-FFF2-40B4-BE49-F238E27FC236}">
-                <a16:creationId xmlns:a16="http://schemas.microsoft.com/office/drawing/2014/main" id="{C20F0346-9DB5-4477-AEA4-8B49C3623E87}"/>
+                <a16:creationId xmlns="" xmlns:a16="http://schemas.microsoft.com/office/drawing/2014/main" id="{C20F0346-9DB5-4477-AEA4-8B49C3623E87}"/>
               </a:ext>
             </a:extLst>
           </p:cNvPr>
@@ -4073,6 +4164,13 @@
   <p:clrMapOvr>
     <a:masterClrMapping/>
   </p:clrMapOvr>
+  <p:timing>
+    <p:tnLst>
+      <p:par>
+        <p:cTn id="1" dur="indefinite" restart="never" nodeType="tmRoot"/>
+      </p:par>
+    </p:tnLst>
+  </p:timing>
 </p:sld>
 </file>
 
@@ -4098,7 +4196,7 @@
           <p:cNvPr id="2" name="Titel 1">
             <a:extLst>
               <a:ext uri="{FF2B5EF4-FFF2-40B4-BE49-F238E27FC236}">
-                <a16:creationId xmlns:a16="http://schemas.microsoft.com/office/drawing/2014/main" id="{91C93F55-BE83-4869-8D9F-D1161467E88F}"/>
+                <a16:creationId xmlns="" xmlns:a16="http://schemas.microsoft.com/office/drawing/2014/main" id="{30460E20-103C-4D1A-9B15-5493EB2BB268}"/>
               </a:ext>
             </a:extLst>
           </p:cNvPr>
@@ -4116,996 +4214,6 @@
           <a:p>
             <a:r>
               <a:rPr lang="de-DE" dirty="0"/>
-              <a:t>Planung der Projektdauer</a:t>
-            </a:r>
-          </a:p>
-        </p:txBody>
-      </p:sp>
-      <p:graphicFrame>
-        <p:nvGraphicFramePr>
-          <p:cNvPr id="4" name="Inhaltsplatzhalter 3">
-            <a:extLst>
-              <a:ext uri="{FF2B5EF4-FFF2-40B4-BE49-F238E27FC236}">
-                <a16:creationId xmlns:a16="http://schemas.microsoft.com/office/drawing/2014/main" id="{E3D9382D-9965-46E0-BD11-EDEA148EB4EF}"/>
-              </a:ext>
-            </a:extLst>
-          </p:cNvPr>
-          <p:cNvGraphicFramePr>
-            <a:graphicFrameLocks noGrp="1"/>
-          </p:cNvGraphicFramePr>
-          <p:nvPr>
-            <p:ph idx="1"/>
-            <p:extLst>
-              <p:ext uri="{D42A27DB-BD31-4B8C-83A1-F6EECF244321}">
-                <p14:modId xmlns:p14="http://schemas.microsoft.com/office/powerpoint/2010/main" val="3963506368"/>
-              </p:ext>
-            </p:extLst>
-          </p:nvPr>
-        </p:nvGraphicFramePr>
-        <p:xfrm>
-          <a:off x="838200" y="1825625"/>
-          <a:ext cx="10515600" cy="3337560"/>
-        </p:xfrm>
-        <a:graphic>
-          <a:graphicData uri="http://schemas.openxmlformats.org/drawingml/2006/table">
-            <a:tbl>
-              <a:tblPr firstRow="1" bandRow="1">
-                <a:tableStyleId>{5C22544A-7EE6-4342-B048-85BDC9FD1C3A}</a:tableStyleId>
-              </a:tblPr>
-              <a:tblGrid>
-                <a:gridCol w="6781800">
-                  <a:extLst>
-                    <a:ext uri="{9D8B030D-6E8A-4147-A177-3AD203B41FA5}">
-                      <a16:colId xmlns:a16="http://schemas.microsoft.com/office/drawing/2014/main" val="1733617500"/>
-                    </a:ext>
-                  </a:extLst>
-                </a:gridCol>
-                <a:gridCol w="3733800">
-                  <a:extLst>
-                    <a:ext uri="{9D8B030D-6E8A-4147-A177-3AD203B41FA5}">
-                      <a16:colId xmlns:a16="http://schemas.microsoft.com/office/drawing/2014/main" val="3909980163"/>
-                    </a:ext>
-                  </a:extLst>
-                </a:gridCol>
-              </a:tblGrid>
-              <a:tr h="370840">
-                <a:tc>
-                  <a:txBody>
-                    <a:bodyPr/>
-                    <a:lstStyle/>
-                    <a:p>
-                      <a:r>
-                        <a:rPr lang="de-DE" dirty="0"/>
-                        <a:t>Projektdauer</a:t>
-                      </a:r>
-                    </a:p>
-                  </a:txBody>
-                  <a:tcPr/>
-                </a:tc>
-                <a:tc>
-                  <a:txBody>
-                    <a:bodyPr/>
-                    <a:lstStyle/>
-                    <a:p>
-                      <a:r>
-                        <a:rPr lang="de-DE" dirty="0"/>
-                        <a:t>70 Stunden</a:t>
-                      </a:r>
-                    </a:p>
-                  </a:txBody>
-                  <a:tcPr/>
-                </a:tc>
-                <a:extLst>
-                  <a:ext uri="{0D108BD9-81ED-4DB2-BD59-A6C34878D82A}">
-                    <a16:rowId xmlns:a16="http://schemas.microsoft.com/office/drawing/2014/main" val="1639083182"/>
-                  </a:ext>
-                </a:extLst>
-              </a:tr>
-              <a:tr h="370840">
-                <a:tc>
-                  <a:txBody>
-                    <a:bodyPr/>
-                    <a:lstStyle/>
-                    <a:p>
-                      <a:pPr marL="0" marR="0" lvl="0" indent="0" algn="l" defTabSz="914400" rtl="0" eaLnBrk="1" fontAlgn="auto" latinLnBrk="0" hangingPunct="1">
-                        <a:lnSpc>
-                          <a:spcPct val="100000"/>
-                        </a:lnSpc>
-                        <a:spcBef>
-                          <a:spcPts val="0"/>
-                        </a:spcBef>
-                        <a:spcAft>
-                          <a:spcPts val="0"/>
-                        </a:spcAft>
-                        <a:buClrTx/>
-                        <a:buSzTx/>
-                        <a:buFontTx/>
-                        <a:buNone/>
-                        <a:tabLst/>
-                        <a:defRPr/>
-                      </a:pPr>
-                      <a:r>
-                        <a:rPr lang="de-DE" sz="1800" b="1" i="0" u="none" strike="noStrike" kern="1200" baseline="0" dirty="0">
-                          <a:solidFill>
-                            <a:schemeClr val="dk1"/>
-                          </a:solidFill>
-                          <a:latin typeface="+mn-lt"/>
-                          <a:ea typeface="+mn-ea"/>
-                          <a:cs typeface="+mn-cs"/>
-                        </a:rPr>
-                        <a:t>Tests</a:t>
-                      </a:r>
-                    </a:p>
-                  </a:txBody>
-                  <a:tcPr/>
-                </a:tc>
-                <a:tc>
-                  <a:txBody>
-                    <a:bodyPr/>
-                    <a:lstStyle/>
-                    <a:p>
-                      <a:pPr marL="0" marR="0" lvl="0" indent="0" algn="l" defTabSz="914400" rtl="0" eaLnBrk="1" fontAlgn="auto" latinLnBrk="0" hangingPunct="1">
-                        <a:lnSpc>
-                          <a:spcPct val="100000"/>
-                        </a:lnSpc>
-                        <a:spcBef>
-                          <a:spcPts val="0"/>
-                        </a:spcBef>
-                        <a:spcAft>
-                          <a:spcPts val="0"/>
-                        </a:spcAft>
-                        <a:buClrTx/>
-                        <a:buSzTx/>
-                        <a:buFontTx/>
-                        <a:buNone/>
-                        <a:tabLst/>
-                        <a:defRPr/>
-                      </a:pPr>
-                      <a:r>
-                        <a:rPr lang="de-DE" sz="1800" b="1" i="0" u="none" strike="noStrike" kern="1200" baseline="0" dirty="0">
-                          <a:solidFill>
-                            <a:schemeClr val="dk1"/>
-                          </a:solidFill>
-                          <a:latin typeface="+mn-lt"/>
-                          <a:ea typeface="+mn-ea"/>
-                          <a:cs typeface="+mn-cs"/>
-                        </a:rPr>
-                        <a:t>12 Stunden</a:t>
-                      </a:r>
-                    </a:p>
-                  </a:txBody>
-                  <a:tcPr/>
-                </a:tc>
-                <a:extLst>
-                  <a:ext uri="{0D108BD9-81ED-4DB2-BD59-A6C34878D82A}">
-                    <a16:rowId xmlns:a16="http://schemas.microsoft.com/office/drawing/2014/main" val="837934755"/>
-                  </a:ext>
-                </a:extLst>
-              </a:tr>
-              <a:tr h="370840">
-                <a:tc>
-                  <a:txBody>
-                    <a:bodyPr/>
-                    <a:lstStyle/>
-                    <a:p>
-                      <a:pPr lvl="1"/>
-                      <a:r>
-                        <a:rPr lang="de-DE" sz="1800" b="0" i="0" u="none" strike="noStrike" kern="1200" baseline="0" dirty="0">
-                          <a:solidFill>
-                            <a:schemeClr val="dk1"/>
-                          </a:solidFill>
-                          <a:latin typeface="+mn-lt"/>
-                          <a:ea typeface="+mn-ea"/>
-                          <a:cs typeface="+mn-cs"/>
-                        </a:rPr>
-                        <a:t>Manipulation der Datenbank für Funktionstest</a:t>
-                      </a:r>
-                    </a:p>
-                  </a:txBody>
-                  <a:tcPr/>
-                </a:tc>
-                <a:tc>
-                  <a:txBody>
-                    <a:bodyPr/>
-                    <a:lstStyle/>
-                    <a:p>
-                      <a:pPr lvl="1"/>
-                      <a:r>
-                        <a:rPr lang="de-DE" dirty="0"/>
-                        <a:t>3 Stunden</a:t>
-                      </a:r>
-                    </a:p>
-                  </a:txBody>
-                  <a:tcPr/>
-                </a:tc>
-                <a:extLst>
-                  <a:ext uri="{0D108BD9-81ED-4DB2-BD59-A6C34878D82A}">
-                    <a16:rowId xmlns:a16="http://schemas.microsoft.com/office/drawing/2014/main" val="3202217314"/>
-                  </a:ext>
-                </a:extLst>
-              </a:tr>
-              <a:tr h="370840">
-                <a:tc>
-                  <a:txBody>
-                    <a:bodyPr/>
-                    <a:lstStyle/>
-                    <a:p>
-                      <a:pPr marL="457200" marR="0" lvl="1" indent="0" algn="l" defTabSz="914400" rtl="0" eaLnBrk="1" fontAlgn="auto" latinLnBrk="0" hangingPunct="1">
-                        <a:lnSpc>
-                          <a:spcPct val="100000"/>
-                        </a:lnSpc>
-                        <a:spcBef>
-                          <a:spcPts val="0"/>
-                        </a:spcBef>
-                        <a:spcAft>
-                          <a:spcPts val="0"/>
-                        </a:spcAft>
-                        <a:buClrTx/>
-                        <a:buSzTx/>
-                        <a:buFontTx/>
-                        <a:buNone/>
-                        <a:tabLst/>
-                        <a:defRPr/>
-                      </a:pPr>
-                      <a:r>
-                        <a:rPr lang="de-DE" sz="1800" b="0" i="0" u="none" strike="noStrike" kern="1200" baseline="0" dirty="0">
-                          <a:solidFill>
-                            <a:schemeClr val="dk1"/>
-                          </a:solidFill>
-                          <a:latin typeface="+mn-lt"/>
-                          <a:ea typeface="+mn-ea"/>
-                          <a:cs typeface="+mn-cs"/>
-                        </a:rPr>
-                        <a:t>Durchführung und Protokollierung aller Eintrittsbedingungen</a:t>
-                      </a:r>
-                    </a:p>
-                  </a:txBody>
-                  <a:tcPr/>
-                </a:tc>
-                <a:tc>
-                  <a:txBody>
-                    <a:bodyPr/>
-                    <a:lstStyle/>
-                    <a:p>
-                      <a:pPr lvl="1"/>
-                      <a:r>
-                        <a:rPr lang="de-DE" dirty="0"/>
-                        <a:t>4 Stunden</a:t>
-                      </a:r>
-                    </a:p>
-                  </a:txBody>
-                  <a:tcPr/>
-                </a:tc>
-                <a:extLst>
-                  <a:ext uri="{0D108BD9-81ED-4DB2-BD59-A6C34878D82A}">
-                    <a16:rowId xmlns:a16="http://schemas.microsoft.com/office/drawing/2014/main" val="1868646853"/>
-                  </a:ext>
-                </a:extLst>
-              </a:tr>
-              <a:tr h="370840">
-                <a:tc>
-                  <a:txBody>
-                    <a:bodyPr/>
-                    <a:lstStyle/>
-                    <a:p>
-                      <a:pPr marL="457200" marR="0" lvl="1" indent="0" algn="l" defTabSz="914400" rtl="0" eaLnBrk="1" fontAlgn="auto" latinLnBrk="0" hangingPunct="1">
-                        <a:lnSpc>
-                          <a:spcPct val="100000"/>
-                        </a:lnSpc>
-                        <a:spcBef>
-                          <a:spcPts val="0"/>
-                        </a:spcBef>
-                        <a:spcAft>
-                          <a:spcPts val="0"/>
-                        </a:spcAft>
-                        <a:buClrTx/>
-                        <a:buSzTx/>
-                        <a:buFontTx/>
-                        <a:buNone/>
-                        <a:tabLst/>
-                        <a:defRPr/>
-                      </a:pPr>
-                      <a:r>
-                        <a:rPr lang="de-DE" sz="1800" b="0" i="0" u="none" strike="noStrike" kern="1200" baseline="0" dirty="0">
-                          <a:solidFill>
-                            <a:schemeClr val="dk1"/>
-                          </a:solidFill>
-                          <a:latin typeface="+mn-lt"/>
-                          <a:ea typeface="+mn-ea"/>
-                          <a:cs typeface="+mn-cs"/>
-                        </a:rPr>
-                        <a:t>Fehlerbehebung</a:t>
-                      </a:r>
-                    </a:p>
-                  </a:txBody>
-                  <a:tcPr/>
-                </a:tc>
-                <a:tc>
-                  <a:txBody>
-                    <a:bodyPr/>
-                    <a:lstStyle/>
-                    <a:p>
-                      <a:pPr lvl="1"/>
-                      <a:r>
-                        <a:rPr lang="de-DE" dirty="0"/>
-                        <a:t>5 Stunden</a:t>
-                      </a:r>
-                    </a:p>
-                  </a:txBody>
-                  <a:tcPr/>
-                </a:tc>
-                <a:extLst>
-                  <a:ext uri="{0D108BD9-81ED-4DB2-BD59-A6C34878D82A}">
-                    <a16:rowId xmlns:a16="http://schemas.microsoft.com/office/drawing/2014/main" val="1962358713"/>
-                  </a:ext>
-                </a:extLst>
-              </a:tr>
-              <a:tr h="370840">
-                <a:tc>
-                  <a:txBody>
-                    <a:bodyPr/>
-                    <a:lstStyle/>
-                    <a:p>
-                      <a:pPr lvl="0"/>
-                      <a:r>
-                        <a:rPr lang="de-DE" b="1" dirty="0"/>
-                        <a:t>Dokumentation</a:t>
-                      </a:r>
-                    </a:p>
-                  </a:txBody>
-                  <a:tcPr/>
-                </a:tc>
-                <a:tc>
-                  <a:txBody>
-                    <a:bodyPr/>
-                    <a:lstStyle/>
-                    <a:p>
-                      <a:pPr lvl="0"/>
-                      <a:r>
-                        <a:rPr lang="de-DE" b="1" dirty="0"/>
-                        <a:t>17 Stunden</a:t>
-                      </a:r>
-                    </a:p>
-                  </a:txBody>
-                  <a:tcPr/>
-                </a:tc>
-                <a:extLst>
-                  <a:ext uri="{0D108BD9-81ED-4DB2-BD59-A6C34878D82A}">
-                    <a16:rowId xmlns:a16="http://schemas.microsoft.com/office/drawing/2014/main" val="1573357262"/>
-                  </a:ext>
-                </a:extLst>
-              </a:tr>
-              <a:tr h="370840">
-                <a:tc>
-                  <a:txBody>
-                    <a:bodyPr/>
-                    <a:lstStyle/>
-                    <a:p>
-                      <a:pPr marL="457200" marR="0" lvl="1" indent="0" algn="l" defTabSz="914400" rtl="0" eaLnBrk="1" fontAlgn="auto" latinLnBrk="0" hangingPunct="1">
-                        <a:lnSpc>
-                          <a:spcPct val="100000"/>
-                        </a:lnSpc>
-                        <a:spcBef>
-                          <a:spcPts val="0"/>
-                        </a:spcBef>
-                        <a:spcAft>
-                          <a:spcPts val="0"/>
-                        </a:spcAft>
-                        <a:buClrTx/>
-                        <a:buSzTx/>
-                        <a:buFontTx/>
-                        <a:buNone/>
-                        <a:tabLst/>
-                        <a:defRPr/>
-                      </a:pPr>
-                      <a:r>
-                        <a:rPr lang="de-DE" sz="1800" b="0" i="0" u="none" strike="noStrike" kern="1200" baseline="0" dirty="0">
-                          <a:solidFill>
-                            <a:schemeClr val="dk1"/>
-                          </a:solidFill>
-                          <a:latin typeface="+mn-lt"/>
-                          <a:ea typeface="+mn-ea"/>
-                          <a:cs typeface="+mn-cs"/>
-                        </a:rPr>
-                        <a:t>Projektdokumentation</a:t>
-                      </a:r>
-                    </a:p>
-                  </a:txBody>
-                  <a:tcPr/>
-                </a:tc>
-                <a:tc>
-                  <a:txBody>
-                    <a:bodyPr/>
-                    <a:lstStyle/>
-                    <a:p>
-                      <a:pPr lvl="1"/>
-                      <a:r>
-                        <a:rPr lang="de-DE" dirty="0"/>
-                        <a:t>17 Stunden</a:t>
-                      </a:r>
-                    </a:p>
-                  </a:txBody>
-                  <a:tcPr/>
-                </a:tc>
-                <a:extLst>
-                  <a:ext uri="{0D108BD9-81ED-4DB2-BD59-A6C34878D82A}">
-                    <a16:rowId xmlns:a16="http://schemas.microsoft.com/office/drawing/2014/main" val="849129635"/>
-                  </a:ext>
-                </a:extLst>
-              </a:tr>
-              <a:tr h="370840">
-                <a:tc>
-                  <a:txBody>
-                    <a:bodyPr/>
-                    <a:lstStyle/>
-                    <a:p>
-                      <a:pPr marL="457200" marR="0" lvl="1" indent="0" algn="l" defTabSz="914400" rtl="0" eaLnBrk="1" fontAlgn="auto" latinLnBrk="0" hangingPunct="1">
-                        <a:lnSpc>
-                          <a:spcPct val="100000"/>
-                        </a:lnSpc>
-                        <a:spcBef>
-                          <a:spcPts val="0"/>
-                        </a:spcBef>
-                        <a:spcAft>
-                          <a:spcPts val="0"/>
-                        </a:spcAft>
-                        <a:buClrTx/>
-                        <a:buSzTx/>
-                        <a:buFontTx/>
-                        <a:buNone/>
-                        <a:tabLst/>
-                        <a:defRPr/>
-                      </a:pPr>
-                      <a:endParaRPr lang="de-DE" dirty="0"/>
-                    </a:p>
-                  </a:txBody>
-                  <a:tcPr/>
-                </a:tc>
-                <a:tc>
-                  <a:txBody>
-                    <a:bodyPr/>
-                    <a:lstStyle/>
-                    <a:p>
-                      <a:pPr lvl="1"/>
-                      <a:endParaRPr lang="de-DE" dirty="0"/>
-                    </a:p>
-                  </a:txBody>
-                  <a:tcPr/>
-                </a:tc>
-                <a:extLst>
-                  <a:ext uri="{0D108BD9-81ED-4DB2-BD59-A6C34878D82A}">
-                    <a16:rowId xmlns:a16="http://schemas.microsoft.com/office/drawing/2014/main" val="1356485163"/>
-                  </a:ext>
-                </a:extLst>
-              </a:tr>
-              <a:tr h="370840">
-                <a:tc>
-                  <a:txBody>
-                    <a:bodyPr/>
-                    <a:lstStyle/>
-                    <a:p>
-                      <a:pPr lvl="1"/>
-                      <a:endParaRPr lang="de-DE" dirty="0"/>
-                    </a:p>
-                  </a:txBody>
-                  <a:tcPr/>
-                </a:tc>
-                <a:tc>
-                  <a:txBody>
-                    <a:bodyPr/>
-                    <a:lstStyle/>
-                    <a:p>
-                      <a:pPr lvl="1"/>
-                      <a:endParaRPr lang="de-DE" dirty="0"/>
-                    </a:p>
-                  </a:txBody>
-                  <a:tcPr/>
-                </a:tc>
-                <a:extLst>
-                  <a:ext uri="{0D108BD9-81ED-4DB2-BD59-A6C34878D82A}">
-                    <a16:rowId xmlns:a16="http://schemas.microsoft.com/office/drawing/2014/main" val="1110640885"/>
-                  </a:ext>
-                </a:extLst>
-              </a:tr>
-            </a:tbl>
-          </a:graphicData>
-        </a:graphic>
-      </p:graphicFrame>
-    </p:spTree>
-    <p:extLst>
-      <p:ext uri="{BB962C8B-B14F-4D97-AF65-F5344CB8AC3E}">
-        <p14:creationId xmlns:p14="http://schemas.microsoft.com/office/powerpoint/2010/main" val="2544832585"/>
-      </p:ext>
-    </p:extLst>
-  </p:cSld>
-  <p:clrMapOvr>
-    <a:masterClrMapping/>
-  </p:clrMapOvr>
-</p:sld>
-</file>
-
-<file path=ppt/slides/slide11.xml><?xml version="1.0" encoding="utf-8"?>
-<p:sld xmlns:a="http://schemas.openxmlformats.org/drawingml/2006/main" xmlns:r="http://schemas.openxmlformats.org/officeDocument/2006/relationships" xmlns:p="http://schemas.openxmlformats.org/presentationml/2006/main">
-  <p:cSld>
-    <p:spTree>
-      <p:nvGrpSpPr>
-        <p:cNvPr id="1" name=""/>
-        <p:cNvGrpSpPr/>
-        <p:nvPr/>
-      </p:nvGrpSpPr>
-      <p:grpSpPr>
-        <a:xfrm>
-          <a:off x="0" y="0"/>
-          <a:ext cx="0" cy="0"/>
-          <a:chOff x="0" y="0"/>
-          <a:chExt cx="0" cy="0"/>
-        </a:xfrm>
-      </p:grpSpPr>
-      <p:sp>
-        <p:nvSpPr>
-          <p:cNvPr id="2" name="Titel 1">
-            <a:extLst>
-              <a:ext uri="{FF2B5EF4-FFF2-40B4-BE49-F238E27FC236}">
-                <a16:creationId xmlns:a16="http://schemas.microsoft.com/office/drawing/2014/main" id="{5B501160-20E6-4DE2-9462-42511912AE18}"/>
-              </a:ext>
-            </a:extLst>
-          </p:cNvPr>
-          <p:cNvSpPr>
-            <a:spLocks noGrp="1"/>
-          </p:cNvSpPr>
-          <p:nvPr>
-            <p:ph type="title"/>
-          </p:nvPr>
-        </p:nvSpPr>
-        <p:spPr/>
-        <p:txBody>
-          <a:bodyPr/>
-          <a:lstStyle/>
-          <a:p>
-            <a:r>
-              <a:rPr lang="de-DE" dirty="0"/>
-              <a:t>Zeitlicher Ablauf</a:t>
-            </a:r>
-          </a:p>
-        </p:txBody>
-      </p:sp>
-      <p:pic>
-        <p:nvPicPr>
-          <p:cNvPr id="5" name="Inhaltsplatzhalter 4">
-            <a:extLst>
-              <a:ext uri="{FF2B5EF4-FFF2-40B4-BE49-F238E27FC236}">
-                <a16:creationId xmlns:a16="http://schemas.microsoft.com/office/drawing/2014/main" id="{FA869953-7AFC-4586-89DB-013F27585E14}"/>
-              </a:ext>
-            </a:extLst>
-          </p:cNvPr>
-          <p:cNvPicPr>
-            <a:picLocks noGrp="1" noChangeAspect="1"/>
-          </p:cNvPicPr>
-          <p:nvPr>
-            <p:ph idx="1"/>
-          </p:nvPr>
-        </p:nvPicPr>
-        <p:blipFill>
-          <a:blip r:embed="rId2"/>
-          <a:stretch>
-            <a:fillRect/>
-          </a:stretch>
-        </p:blipFill>
-        <p:spPr>
-          <a:xfrm>
-            <a:off x="838200" y="2160105"/>
-            <a:ext cx="10515600" cy="3816428"/>
-          </a:xfrm>
-          <a:prstGeom prst="rect">
-            <a:avLst/>
-          </a:prstGeom>
-        </p:spPr>
-      </p:pic>
-    </p:spTree>
-    <p:extLst>
-      <p:ext uri="{BB962C8B-B14F-4D97-AF65-F5344CB8AC3E}">
-        <p14:creationId xmlns:p14="http://schemas.microsoft.com/office/powerpoint/2010/main" val="1135795809"/>
-      </p:ext>
-    </p:extLst>
-  </p:cSld>
-  <p:clrMapOvr>
-    <a:masterClrMapping/>
-  </p:clrMapOvr>
-</p:sld>
-</file>
-
-<file path=ppt/slides/slide12.xml><?xml version="1.0" encoding="utf-8"?>
-<p:sld xmlns:a="http://schemas.openxmlformats.org/drawingml/2006/main" xmlns:r="http://schemas.openxmlformats.org/officeDocument/2006/relationships" xmlns:p="http://schemas.openxmlformats.org/presentationml/2006/main">
-  <p:cSld>
-    <p:spTree>
-      <p:nvGrpSpPr>
-        <p:cNvPr id="1" name=""/>
-        <p:cNvGrpSpPr/>
-        <p:nvPr/>
-      </p:nvGrpSpPr>
-      <p:grpSpPr>
-        <a:xfrm>
-          <a:off x="0" y="0"/>
-          <a:ext cx="0" cy="0"/>
-          <a:chOff x="0" y="0"/>
-          <a:chExt cx="0" cy="0"/>
-        </a:xfrm>
-      </p:grpSpPr>
-      <p:sp>
-        <p:nvSpPr>
-          <p:cNvPr id="2" name="Titel 1">
-            <a:extLst>
-              <a:ext uri="{FF2B5EF4-FFF2-40B4-BE49-F238E27FC236}">
-                <a16:creationId xmlns:a16="http://schemas.microsoft.com/office/drawing/2014/main" id="{55BD0E93-3040-4598-8816-9F6F791D54CC}"/>
-              </a:ext>
-            </a:extLst>
-          </p:cNvPr>
-          <p:cNvSpPr>
-            <a:spLocks noGrp="1"/>
-          </p:cNvSpPr>
-          <p:nvPr>
-            <p:ph type="title"/>
-          </p:nvPr>
-        </p:nvSpPr>
-        <p:spPr/>
-        <p:txBody>
-          <a:bodyPr/>
-          <a:lstStyle/>
-          <a:p>
-            <a:r>
-              <a:rPr lang="de-DE" dirty="0"/>
-              <a:t>Zeitlicher Ablauf</a:t>
-            </a:r>
-          </a:p>
-        </p:txBody>
-      </p:sp>
-      <p:pic>
-        <p:nvPicPr>
-          <p:cNvPr id="7" name="Inhaltsplatzhalter 6">
-            <a:extLst>
-              <a:ext uri="{FF2B5EF4-FFF2-40B4-BE49-F238E27FC236}">
-                <a16:creationId xmlns:a16="http://schemas.microsoft.com/office/drawing/2014/main" id="{B9EB6E1F-0C4F-4782-B695-80E641D61895}"/>
-              </a:ext>
-            </a:extLst>
-          </p:cNvPr>
-          <p:cNvPicPr>
-            <a:picLocks noGrp="1" noChangeAspect="1"/>
-          </p:cNvPicPr>
-          <p:nvPr>
-            <p:ph idx="1"/>
-          </p:nvPr>
-        </p:nvPicPr>
-        <p:blipFill>
-          <a:blip r:embed="rId2"/>
-          <a:stretch>
-            <a:fillRect/>
-          </a:stretch>
-        </p:blipFill>
-        <p:spPr>
-          <a:xfrm>
-            <a:off x="838200" y="2067340"/>
-            <a:ext cx="10515600" cy="4055164"/>
-          </a:xfrm>
-          <a:prstGeom prst="rect">
-            <a:avLst/>
-          </a:prstGeom>
-        </p:spPr>
-      </p:pic>
-    </p:spTree>
-    <p:extLst>
-      <p:ext uri="{BB962C8B-B14F-4D97-AF65-F5344CB8AC3E}">
-        <p14:creationId xmlns:p14="http://schemas.microsoft.com/office/powerpoint/2010/main" val="764067619"/>
-      </p:ext>
-    </p:extLst>
-  </p:cSld>
-  <p:clrMapOvr>
-    <a:masterClrMapping/>
-  </p:clrMapOvr>
-</p:sld>
-</file>
-
-<file path=ppt/slides/slide13.xml><?xml version="1.0" encoding="utf-8"?>
-<p:sld xmlns:a="http://schemas.openxmlformats.org/drawingml/2006/main" xmlns:r="http://schemas.openxmlformats.org/officeDocument/2006/relationships" xmlns:p="http://schemas.openxmlformats.org/presentationml/2006/main">
-  <p:cSld>
-    <p:spTree>
-      <p:nvGrpSpPr>
-        <p:cNvPr id="1" name=""/>
-        <p:cNvGrpSpPr/>
-        <p:nvPr/>
-      </p:nvGrpSpPr>
-      <p:grpSpPr>
-        <a:xfrm>
-          <a:off x="0" y="0"/>
-          <a:ext cx="0" cy="0"/>
-          <a:chOff x="0" y="0"/>
-          <a:chExt cx="0" cy="0"/>
-        </a:xfrm>
-      </p:grpSpPr>
-      <p:sp>
-        <p:nvSpPr>
-          <p:cNvPr id="2" name="Titel 1">
-            <a:extLst>
-              <a:ext uri="{FF2B5EF4-FFF2-40B4-BE49-F238E27FC236}">
-                <a16:creationId xmlns:a16="http://schemas.microsoft.com/office/drawing/2014/main" id="{D47BB04B-ED8B-4809-9C01-AB828EF993C8}"/>
-              </a:ext>
-            </a:extLst>
-          </p:cNvPr>
-          <p:cNvSpPr>
-            <a:spLocks noGrp="1"/>
-          </p:cNvSpPr>
-          <p:nvPr>
-            <p:ph type="title"/>
-          </p:nvPr>
-        </p:nvSpPr>
-        <p:spPr/>
-        <p:txBody>
-          <a:bodyPr/>
-          <a:lstStyle/>
-          <a:p>
-            <a:r>
-              <a:rPr lang="de-DE" dirty="0"/>
-              <a:t>Ist-Analyse</a:t>
-            </a:r>
-          </a:p>
-        </p:txBody>
-      </p:sp>
-      <p:sp>
-        <p:nvSpPr>
-          <p:cNvPr id="9" name="Inhaltsplatzhalter 8">
-            <a:extLst>
-              <a:ext uri="{FF2B5EF4-FFF2-40B4-BE49-F238E27FC236}">
-                <a16:creationId xmlns:a16="http://schemas.microsoft.com/office/drawing/2014/main" id="{F98C8157-60D9-4BAE-8BCC-69E55AFBDE2B}"/>
-              </a:ext>
-            </a:extLst>
-          </p:cNvPr>
-          <p:cNvSpPr>
-            <a:spLocks noGrp="1"/>
-          </p:cNvSpPr>
-          <p:nvPr>
-            <p:ph idx="1"/>
-          </p:nvPr>
-        </p:nvSpPr>
-        <p:spPr/>
-        <p:txBody>
-          <a:bodyPr/>
-          <a:lstStyle/>
-          <a:p>
-            <a:pPr marL="0" indent="0">
-              <a:buNone/>
-            </a:pPr>
-            <a:r>
-              <a:rPr lang="de-DE" dirty="0"/>
-              <a:t>	Das Karteikarten-Prinzip</a:t>
-            </a:r>
-          </a:p>
-          <a:p>
-            <a:pPr marL="0" indent="0">
-              <a:buNone/>
-            </a:pPr>
-            <a:endParaRPr lang="de-DE" dirty="0"/>
-          </a:p>
-        </p:txBody>
-      </p:sp>
-      <p:pic>
-        <p:nvPicPr>
-          <p:cNvPr id="11" name="Grafik 10">
-            <a:extLst>
-              <a:ext uri="{FF2B5EF4-FFF2-40B4-BE49-F238E27FC236}">
-                <a16:creationId xmlns:a16="http://schemas.microsoft.com/office/drawing/2014/main" id="{7876F6B8-BCD2-43BC-A73C-8FD69C02E377}"/>
-              </a:ext>
-            </a:extLst>
-          </p:cNvPr>
-          <p:cNvPicPr>
-            <a:picLocks noChangeAspect="1"/>
-          </p:cNvPicPr>
-          <p:nvPr/>
-        </p:nvPicPr>
-        <p:blipFill>
-          <a:blip r:embed="rId2">
-            <a:extLst>
-              <a:ext uri="{28A0092B-C50C-407E-A947-70E740481C1C}">
-                <a14:useLocalDpi xmlns:a14="http://schemas.microsoft.com/office/drawing/2010/main" val="0"/>
-              </a:ext>
-            </a:extLst>
-          </a:blip>
-          <a:stretch>
-            <a:fillRect/>
-          </a:stretch>
-        </p:blipFill>
-        <p:spPr>
-          <a:xfrm>
-            <a:off x="1838130" y="2335676"/>
-            <a:ext cx="8362950" cy="3841287"/>
-          </a:xfrm>
-          <a:prstGeom prst="rect">
-            <a:avLst/>
-          </a:prstGeom>
-        </p:spPr>
-      </p:pic>
-    </p:spTree>
-    <p:extLst>
-      <p:ext uri="{BB962C8B-B14F-4D97-AF65-F5344CB8AC3E}">
-        <p14:creationId xmlns:p14="http://schemas.microsoft.com/office/powerpoint/2010/main" val="596445241"/>
-      </p:ext>
-    </p:extLst>
-  </p:cSld>
-  <p:clrMapOvr>
-    <a:masterClrMapping/>
-  </p:clrMapOvr>
-</p:sld>
-</file>
-
-<file path=ppt/slides/slide14.xml><?xml version="1.0" encoding="utf-8"?>
-<p:sld xmlns:a="http://schemas.openxmlformats.org/drawingml/2006/main" xmlns:r="http://schemas.openxmlformats.org/officeDocument/2006/relationships" xmlns:p="http://schemas.openxmlformats.org/presentationml/2006/main">
-  <p:cSld>
-    <p:spTree>
-      <p:nvGrpSpPr>
-        <p:cNvPr id="1" name=""/>
-        <p:cNvGrpSpPr/>
-        <p:nvPr/>
-      </p:nvGrpSpPr>
-      <p:grpSpPr>
-        <a:xfrm>
-          <a:off x="0" y="0"/>
-          <a:ext cx="0" cy="0"/>
-          <a:chOff x="0" y="0"/>
-          <a:chExt cx="0" cy="0"/>
-        </a:xfrm>
-      </p:grpSpPr>
-      <p:sp>
-        <p:nvSpPr>
-          <p:cNvPr id="2" name="Titel 1">
-            <a:extLst>
-              <a:ext uri="{FF2B5EF4-FFF2-40B4-BE49-F238E27FC236}">
-                <a16:creationId xmlns:a16="http://schemas.microsoft.com/office/drawing/2014/main" id="{D47BB04B-ED8B-4809-9C01-AB828EF993C8}"/>
-              </a:ext>
-            </a:extLst>
-          </p:cNvPr>
-          <p:cNvSpPr>
-            <a:spLocks noGrp="1"/>
-          </p:cNvSpPr>
-          <p:nvPr>
-            <p:ph type="title"/>
-          </p:nvPr>
-        </p:nvSpPr>
-        <p:spPr/>
-        <p:txBody>
-          <a:bodyPr/>
-          <a:lstStyle/>
-          <a:p>
-            <a:r>
-              <a:rPr lang="de-DE" dirty="0"/>
-              <a:t>Ist-Analyse</a:t>
-            </a:r>
-          </a:p>
-        </p:txBody>
-      </p:sp>
-      <p:sp>
-        <p:nvSpPr>
-          <p:cNvPr id="9" name="Inhaltsplatzhalter 8">
-            <a:extLst>
-              <a:ext uri="{FF2B5EF4-FFF2-40B4-BE49-F238E27FC236}">
-                <a16:creationId xmlns:a16="http://schemas.microsoft.com/office/drawing/2014/main" id="{F98C8157-60D9-4BAE-8BCC-69E55AFBDE2B}"/>
-              </a:ext>
-            </a:extLst>
-          </p:cNvPr>
-          <p:cNvSpPr>
-            <a:spLocks noGrp="1"/>
-          </p:cNvSpPr>
-          <p:nvPr>
-            <p:ph idx="1"/>
-          </p:nvPr>
-        </p:nvSpPr>
-        <p:spPr/>
-        <p:txBody>
-          <a:bodyPr/>
-          <a:lstStyle/>
-          <a:p>
-            <a:pPr marL="0" indent="0">
-              <a:buNone/>
-            </a:pPr>
-            <a:r>
-              <a:rPr lang="de-DE" dirty="0"/>
-              <a:t>	Das Karteikarten-Prinzip</a:t>
-            </a:r>
-          </a:p>
-          <a:p>
-            <a:pPr marL="0" indent="0">
-              <a:buNone/>
-            </a:pPr>
-            <a:endParaRPr lang="de-DE" dirty="0"/>
-          </a:p>
-        </p:txBody>
-      </p:sp>
-      <p:pic>
-        <p:nvPicPr>
-          <p:cNvPr id="4" name="Grafik 3">
-            <a:extLst>
-              <a:ext uri="{FF2B5EF4-FFF2-40B4-BE49-F238E27FC236}">
-                <a16:creationId xmlns:a16="http://schemas.microsoft.com/office/drawing/2014/main" id="{9E405220-9B7E-423F-B860-B2C545DE7948}"/>
-              </a:ext>
-            </a:extLst>
-          </p:cNvPr>
-          <p:cNvPicPr>
-            <a:picLocks noChangeAspect="1"/>
-          </p:cNvPicPr>
-          <p:nvPr/>
-        </p:nvPicPr>
-        <p:blipFill>
-          <a:blip r:embed="rId2">
-            <a:extLst>
-              <a:ext uri="{28A0092B-C50C-407E-A947-70E740481C1C}">
-                <a14:useLocalDpi xmlns:a14="http://schemas.microsoft.com/office/drawing/2010/main" val="0"/>
-              </a:ext>
-            </a:extLst>
-          </a:blip>
-          <a:stretch>
-            <a:fillRect/>
-          </a:stretch>
-        </p:blipFill>
-        <p:spPr>
-          <a:xfrm>
-            <a:off x="1838130" y="2648047"/>
-            <a:ext cx="8405800" cy="3528916"/>
-          </a:xfrm>
-          <a:prstGeom prst="rect">
-            <a:avLst/>
-          </a:prstGeom>
-        </p:spPr>
-      </p:pic>
-    </p:spTree>
-    <p:extLst>
-      <p:ext uri="{BB962C8B-B14F-4D97-AF65-F5344CB8AC3E}">
-        <p14:creationId xmlns:p14="http://schemas.microsoft.com/office/powerpoint/2010/main" val="3929561162"/>
-      </p:ext>
-    </p:extLst>
-  </p:cSld>
-  <p:clrMapOvr>
-    <a:masterClrMapping/>
-  </p:clrMapOvr>
-</p:sld>
-</file>
-
-<file path=ppt/slides/slide15.xml><?xml version="1.0" encoding="utf-8"?>
-<p:sld xmlns:a="http://schemas.openxmlformats.org/drawingml/2006/main" xmlns:r="http://schemas.openxmlformats.org/officeDocument/2006/relationships" xmlns:p="http://schemas.openxmlformats.org/presentationml/2006/main">
-  <p:cSld>
-    <p:spTree>
-      <p:nvGrpSpPr>
-        <p:cNvPr id="1" name=""/>
-        <p:cNvGrpSpPr/>
-        <p:nvPr/>
-      </p:nvGrpSpPr>
-      <p:grpSpPr>
-        <a:xfrm>
-          <a:off x="0" y="0"/>
-          <a:ext cx="0" cy="0"/>
-          <a:chOff x="0" y="0"/>
-          <a:chExt cx="0" cy="0"/>
-        </a:xfrm>
-      </p:grpSpPr>
-      <p:sp>
-        <p:nvSpPr>
-          <p:cNvPr id="2" name="Titel 1">
-            <a:extLst>
-              <a:ext uri="{FF2B5EF4-FFF2-40B4-BE49-F238E27FC236}">
-                <a16:creationId xmlns:a16="http://schemas.microsoft.com/office/drawing/2014/main" id="{30460E20-103C-4D1A-9B15-5493EB2BB268}"/>
-              </a:ext>
-            </a:extLst>
-          </p:cNvPr>
-          <p:cNvSpPr>
-            <a:spLocks noGrp="1"/>
-          </p:cNvSpPr>
-          <p:nvPr>
-            <p:ph type="title"/>
-          </p:nvPr>
-        </p:nvSpPr>
-        <p:spPr/>
-        <p:txBody>
-          <a:bodyPr/>
-          <a:lstStyle/>
-          <a:p>
-            <a:r>
-              <a:rPr lang="de-DE" dirty="0"/>
               <a:t>Welche Hard- / Software wird benötigt?</a:t>
             </a:r>
           </a:p>
@@ -5116,7 +4224,7 @@
           <p:cNvPr id="3" name="Inhaltsplatzhalter 2">
             <a:extLst>
               <a:ext uri="{FF2B5EF4-FFF2-40B4-BE49-F238E27FC236}">
-                <a16:creationId xmlns:a16="http://schemas.microsoft.com/office/drawing/2014/main" id="{0EC54D58-2FCC-470A-BDE6-45C9C0124ABE}"/>
+                <a16:creationId xmlns="" xmlns:a16="http://schemas.microsoft.com/office/drawing/2014/main" id="{0EC54D58-2FCC-470A-BDE6-45C9C0124ABE}"/>
               </a:ext>
             </a:extLst>
           </p:cNvPr>
@@ -5326,7 +4434,7 @@
 </p:sld>
 </file>
 
-<file path=ppt/slides/slide16.xml><?xml version="1.0" encoding="utf-8"?>
+<file path=ppt/slides/slide11.xml><?xml version="1.0" encoding="utf-8"?>
 <p:sld xmlns:a="http://schemas.openxmlformats.org/drawingml/2006/main" xmlns:r="http://schemas.openxmlformats.org/officeDocument/2006/relationships" xmlns:p="http://schemas.openxmlformats.org/presentationml/2006/main">
   <p:cSld>
     <p:spTree>
@@ -5348,7 +4456,7 @@
           <p:cNvPr id="2" name="Titel 1">
             <a:extLst>
               <a:ext uri="{FF2B5EF4-FFF2-40B4-BE49-F238E27FC236}">
-                <a16:creationId xmlns:a16="http://schemas.microsoft.com/office/drawing/2014/main" id="{30460E20-103C-4D1A-9B15-5493EB2BB268}"/>
+                <a16:creationId xmlns="" xmlns:a16="http://schemas.microsoft.com/office/drawing/2014/main" id="{30460E20-103C-4D1A-9B15-5493EB2BB268}"/>
               </a:ext>
             </a:extLst>
           </p:cNvPr>
@@ -5376,7 +4484,7 @@
           <p:cNvPr id="3" name="Inhaltsplatzhalter 2">
             <a:extLst>
               <a:ext uri="{FF2B5EF4-FFF2-40B4-BE49-F238E27FC236}">
-                <a16:creationId xmlns:a16="http://schemas.microsoft.com/office/drawing/2014/main" id="{0EC54D58-2FCC-470A-BDE6-45C9C0124ABE}"/>
+                <a16:creationId xmlns="" xmlns:a16="http://schemas.microsoft.com/office/drawing/2014/main" id="{0EC54D58-2FCC-470A-BDE6-45C9C0124ABE}"/>
               </a:ext>
             </a:extLst>
           </p:cNvPr>
@@ -5775,7 +4883,7 @@
 </p:sld>
 </file>
 
-<file path=ppt/slides/slide17.xml><?xml version="1.0" encoding="utf-8"?>
+<file path=ppt/slides/slide12.xml><?xml version="1.0" encoding="utf-8"?>
 <p:sld xmlns:a="http://schemas.openxmlformats.org/drawingml/2006/main" xmlns:r="http://schemas.openxmlformats.org/officeDocument/2006/relationships" xmlns:p="http://schemas.openxmlformats.org/presentationml/2006/main">
   <p:cSld>
     <p:spTree>
@@ -5797,7 +4905,7 @@
           <p:cNvPr id="2" name="Titel 1">
             <a:extLst>
               <a:ext uri="{FF2B5EF4-FFF2-40B4-BE49-F238E27FC236}">
-                <a16:creationId xmlns:a16="http://schemas.microsoft.com/office/drawing/2014/main" id="{DF2E4927-128B-49C3-9365-8AC4B053BCF5}"/>
+                <a16:creationId xmlns="" xmlns:a16="http://schemas.microsoft.com/office/drawing/2014/main" id="{DF2E4927-128B-49C3-9365-8AC4B053BCF5}"/>
               </a:ext>
             </a:extLst>
           </p:cNvPr>
@@ -5825,7 +4933,7 @@
           <p:cNvPr id="3" name="Inhaltsplatzhalter 2">
             <a:extLst>
               <a:ext uri="{FF2B5EF4-FFF2-40B4-BE49-F238E27FC236}">
-                <a16:creationId xmlns:a16="http://schemas.microsoft.com/office/drawing/2014/main" id="{4E9A3F29-3C84-4B95-ABA6-246CA708B5D6}"/>
+                <a16:creationId xmlns="" xmlns:a16="http://schemas.microsoft.com/office/drawing/2014/main" id="{4E9A3F29-3C84-4B95-ABA6-246CA708B5D6}"/>
               </a:ext>
             </a:extLst>
           </p:cNvPr>
@@ -6086,7 +5194,7 @@
 </p:sld>
 </file>
 
-<file path=ppt/slides/slide18.xml><?xml version="1.0" encoding="utf-8"?>
+<file path=ppt/slides/slide13.xml><?xml version="1.0" encoding="utf-8"?>
 <p:sld xmlns:a="http://schemas.openxmlformats.org/drawingml/2006/main" xmlns:r="http://schemas.openxmlformats.org/officeDocument/2006/relationships" xmlns:p="http://schemas.openxmlformats.org/presentationml/2006/main">
   <p:cSld>
     <p:spTree>
@@ -6108,7 +5216,7 @@
           <p:cNvPr id="2" name="Titel 1">
             <a:extLst>
               <a:ext uri="{FF2B5EF4-FFF2-40B4-BE49-F238E27FC236}">
-                <a16:creationId xmlns:a16="http://schemas.microsoft.com/office/drawing/2014/main" id="{DF2E4927-128B-49C3-9365-8AC4B053BCF5}"/>
+                <a16:creationId xmlns="" xmlns:a16="http://schemas.microsoft.com/office/drawing/2014/main" id="{DF2E4927-128B-49C3-9365-8AC4B053BCF5}"/>
               </a:ext>
             </a:extLst>
           </p:cNvPr>
@@ -6136,7 +5244,7 @@
           <p:cNvPr id="3" name="Inhaltsplatzhalter 2">
             <a:extLst>
               <a:ext uri="{FF2B5EF4-FFF2-40B4-BE49-F238E27FC236}">
-                <a16:creationId xmlns:a16="http://schemas.microsoft.com/office/drawing/2014/main" id="{4E9A3F29-3C84-4B95-ABA6-246CA708B5D6}"/>
+                <a16:creationId xmlns="" xmlns:a16="http://schemas.microsoft.com/office/drawing/2014/main" id="{4E9A3F29-3C84-4B95-ABA6-246CA708B5D6}"/>
               </a:ext>
             </a:extLst>
           </p:cNvPr>
@@ -6230,7 +5338,7 @@
           <p:cNvPr id="4" name="AutoShape 2" descr="Bildergebnis für gif euro">
             <a:extLst>
               <a:ext uri="{FF2B5EF4-FFF2-40B4-BE49-F238E27FC236}">
-                <a16:creationId xmlns:a16="http://schemas.microsoft.com/office/drawing/2014/main" id="{E4E320B1-CDCB-44B5-96A8-4370940F7F04}"/>
+                <a16:creationId xmlns="" xmlns:a16="http://schemas.microsoft.com/office/drawing/2014/main" id="{E4E320B1-CDCB-44B5-96A8-4370940F7F04}"/>
               </a:ext>
             </a:extLst>
           </p:cNvPr>
@@ -6270,36 +5378,6 @@
           </a:p>
         </p:txBody>
       </p:sp>
-      <p:pic>
-        <p:nvPicPr>
-          <p:cNvPr id="5" name="Grafik 4">
-            <a:extLst>
-              <a:ext uri="{FF2B5EF4-FFF2-40B4-BE49-F238E27FC236}">
-                <a16:creationId xmlns:a16="http://schemas.microsoft.com/office/drawing/2014/main" id="{EBF99893-5271-4085-8F86-69729746F0B7}"/>
-              </a:ext>
-            </a:extLst>
-          </p:cNvPr>
-          <p:cNvPicPr>
-            <a:picLocks noChangeAspect="1"/>
-          </p:cNvPicPr>
-          <p:nvPr/>
-        </p:nvPicPr>
-        <p:blipFill>
-          <a:blip r:embed="rId2"/>
-          <a:stretch>
-            <a:fillRect/>
-          </a:stretch>
-        </p:blipFill>
-        <p:spPr>
-          <a:xfrm>
-            <a:off x="10455901" y="578957"/>
-            <a:ext cx="897898" cy="897898"/>
-          </a:xfrm>
-          <a:prstGeom prst="rect">
-            <a:avLst/>
-          </a:prstGeom>
-        </p:spPr>
-      </p:pic>
     </p:spTree>
     <p:extLst>
       <p:ext uri="{BB962C8B-B14F-4D97-AF65-F5344CB8AC3E}">
@@ -6485,7 +5563,7 @@
 </p:sld>
 </file>
 
-<file path=ppt/slides/slide19.xml><?xml version="1.0" encoding="utf-8"?>
+<file path=ppt/slides/slide14.xml><?xml version="1.0" encoding="utf-8"?>
 <p:sld xmlns:a="http://schemas.openxmlformats.org/drawingml/2006/main" xmlns:r="http://schemas.openxmlformats.org/officeDocument/2006/relationships" xmlns:p="http://schemas.openxmlformats.org/presentationml/2006/main">
   <p:cSld>
     <p:spTree>
@@ -6507,7 +5585,7 @@
           <p:cNvPr id="2" name="Titel 1">
             <a:extLst>
               <a:ext uri="{FF2B5EF4-FFF2-40B4-BE49-F238E27FC236}">
-                <a16:creationId xmlns:a16="http://schemas.microsoft.com/office/drawing/2014/main" id="{DF2E4927-128B-49C3-9365-8AC4B053BCF5}"/>
+                <a16:creationId xmlns="" xmlns:a16="http://schemas.microsoft.com/office/drawing/2014/main" id="{DF2E4927-128B-49C3-9365-8AC4B053BCF5}"/>
               </a:ext>
             </a:extLst>
           </p:cNvPr>
@@ -6535,7 +5613,7 @@
           <p:cNvPr id="3" name="Inhaltsplatzhalter 2">
             <a:extLst>
               <a:ext uri="{FF2B5EF4-FFF2-40B4-BE49-F238E27FC236}">
-                <a16:creationId xmlns:a16="http://schemas.microsoft.com/office/drawing/2014/main" id="{4E9A3F29-3C84-4B95-ABA6-246CA708B5D6}"/>
+                <a16:creationId xmlns="" xmlns:a16="http://schemas.microsoft.com/office/drawing/2014/main" id="{4E9A3F29-3C84-4B95-ABA6-246CA708B5D6}"/>
               </a:ext>
             </a:extLst>
           </p:cNvPr>
@@ -6620,7 +5698,7 @@
           <p:cNvPr id="4" name="AutoShape 2" descr="Bildergebnis für gif euro">
             <a:extLst>
               <a:ext uri="{FF2B5EF4-FFF2-40B4-BE49-F238E27FC236}">
-                <a16:creationId xmlns:a16="http://schemas.microsoft.com/office/drawing/2014/main" id="{E4E320B1-CDCB-44B5-96A8-4370940F7F04}"/>
+                <a16:creationId xmlns="" xmlns:a16="http://schemas.microsoft.com/office/drawing/2014/main" id="{E4E320B1-CDCB-44B5-96A8-4370940F7F04}"/>
               </a:ext>
             </a:extLst>
           </p:cNvPr>
@@ -6660,36 +5738,6 @@
           </a:p>
         </p:txBody>
       </p:sp>
-      <p:pic>
-        <p:nvPicPr>
-          <p:cNvPr id="5" name="Grafik 4">
-            <a:extLst>
-              <a:ext uri="{FF2B5EF4-FFF2-40B4-BE49-F238E27FC236}">
-                <a16:creationId xmlns:a16="http://schemas.microsoft.com/office/drawing/2014/main" id="{EBF99893-5271-4085-8F86-69729746F0B7}"/>
-              </a:ext>
-            </a:extLst>
-          </p:cNvPr>
-          <p:cNvPicPr>
-            <a:picLocks noChangeAspect="1"/>
-          </p:cNvPicPr>
-          <p:nvPr/>
-        </p:nvPicPr>
-        <p:blipFill>
-          <a:blip r:embed="rId3"/>
-          <a:stretch>
-            <a:fillRect/>
-          </a:stretch>
-        </p:blipFill>
-        <p:spPr>
-          <a:xfrm>
-            <a:off x="10455901" y="578957"/>
-            <a:ext cx="897898" cy="897898"/>
-          </a:xfrm>
-          <a:prstGeom prst="rect">
-            <a:avLst/>
-          </a:prstGeom>
-        </p:spPr>
-      </p:pic>
     </p:spTree>
     <p:extLst>
       <p:ext uri="{BB962C8B-B14F-4D97-AF65-F5344CB8AC3E}">
@@ -6782,6 +5830,938 @@
 </p:sld>
 </file>
 
+<file path=ppt/slides/slide15.xml><?xml version="1.0" encoding="utf-8"?>
+<p:sld xmlns:a="http://schemas.openxmlformats.org/drawingml/2006/main" xmlns:r="http://schemas.openxmlformats.org/officeDocument/2006/relationships" xmlns:p="http://schemas.openxmlformats.org/presentationml/2006/main">
+  <p:cSld>
+    <p:spTree>
+      <p:nvGrpSpPr>
+        <p:cNvPr id="1" name=""/>
+        <p:cNvGrpSpPr/>
+        <p:nvPr/>
+      </p:nvGrpSpPr>
+      <p:grpSpPr>
+        <a:xfrm>
+          <a:off x="0" y="0"/>
+          <a:ext cx="0" cy="0"/>
+          <a:chOff x="0" y="0"/>
+          <a:chExt cx="0" cy="0"/>
+        </a:xfrm>
+      </p:grpSpPr>
+      <p:sp>
+        <p:nvSpPr>
+          <p:cNvPr id="2" name="Titel 1">
+            <a:extLst>
+              <a:ext uri="{FF2B5EF4-FFF2-40B4-BE49-F238E27FC236}">
+                <a16:creationId xmlns="" xmlns:a16="http://schemas.microsoft.com/office/drawing/2014/main" id="{4B9E81D4-DD95-4B32-992B-FFEC4A70B73A}"/>
+              </a:ext>
+            </a:extLst>
+          </p:cNvPr>
+          <p:cNvSpPr>
+            <a:spLocks noGrp="1"/>
+          </p:cNvSpPr>
+          <p:nvPr>
+            <p:ph type="title"/>
+          </p:nvPr>
+        </p:nvSpPr>
+        <p:spPr/>
+        <p:txBody>
+          <a:bodyPr/>
+          <a:lstStyle/>
+          <a:p>
+            <a:r>
+              <a:rPr lang="de-DE" dirty="0"/>
+              <a:t>Programmablaufplan</a:t>
+            </a:r>
+          </a:p>
+        </p:txBody>
+      </p:sp>
+      <p:sp>
+        <p:nvSpPr>
+          <p:cNvPr id="3" name="Inhaltsplatzhalter 2">
+            <a:extLst>
+              <a:ext uri="{FF2B5EF4-FFF2-40B4-BE49-F238E27FC236}">
+                <a16:creationId xmlns="" xmlns:a16="http://schemas.microsoft.com/office/drawing/2014/main" id="{5774B52F-DFB2-4F6D-8E60-9ABCD730F084}"/>
+              </a:ext>
+            </a:extLst>
+          </p:cNvPr>
+          <p:cNvSpPr>
+            <a:spLocks noGrp="1"/>
+          </p:cNvSpPr>
+          <p:nvPr>
+            <p:ph idx="1"/>
+          </p:nvPr>
+        </p:nvSpPr>
+        <p:spPr/>
+        <p:txBody>
+          <a:bodyPr/>
+          <a:lstStyle/>
+          <a:p>
+            <a:pPr marL="0" indent="0">
+              <a:buNone/>
+            </a:pPr>
+            <a:r>
+              <a:rPr lang="de-DE" dirty="0"/>
+              <a:t>Flussdiagramm:</a:t>
+            </a:r>
+          </a:p>
+          <a:p>
+            <a:pPr marL="0" indent="0">
+              <a:buNone/>
+            </a:pPr>
+            <a:endParaRPr lang="de-DE" dirty="0"/>
+          </a:p>
+          <a:p>
+            <a:pPr marL="0" indent="0">
+              <a:buNone/>
+            </a:pPr>
+            <a:r>
+              <a:rPr lang="de-DE" dirty="0"/>
+              <a:t>Fallprüfung und Speicherung wurden </a:t>
+            </a:r>
+          </a:p>
+          <a:p>
+            <a:pPr marL="0" indent="0">
+              <a:buNone/>
+            </a:pPr>
+            <a:r>
+              <a:rPr lang="de-DE" dirty="0"/>
+              <a:t>zusammengefasst</a:t>
+            </a:r>
+          </a:p>
+          <a:p>
+            <a:pPr marL="0" indent="0">
+              <a:buNone/>
+            </a:pPr>
+            <a:endParaRPr lang="de-DE" dirty="0"/>
+          </a:p>
+        </p:txBody>
+      </p:sp>
+      <p:pic>
+        <p:nvPicPr>
+          <p:cNvPr id="4" name="Grafik 3">
+            <a:extLst>
+              <a:ext uri="{FF2B5EF4-FFF2-40B4-BE49-F238E27FC236}">
+                <a16:creationId xmlns="" xmlns:a16="http://schemas.microsoft.com/office/drawing/2014/main" id="{F2B7CFF8-5EF4-41BA-ABE3-B3A891BF4B55}"/>
+              </a:ext>
+            </a:extLst>
+          </p:cNvPr>
+          <p:cNvPicPr>
+            <a:picLocks noChangeAspect="1"/>
+          </p:cNvPicPr>
+          <p:nvPr/>
+        </p:nvPicPr>
+        <p:blipFill>
+          <a:blip r:embed="rId2"/>
+          <a:stretch>
+            <a:fillRect/>
+          </a:stretch>
+        </p:blipFill>
+        <p:spPr>
+          <a:xfrm>
+            <a:off x="7322074" y="0"/>
+            <a:ext cx="4761452" cy="6858000"/>
+          </a:xfrm>
+          <a:prstGeom prst="rect">
+            <a:avLst/>
+          </a:prstGeom>
+        </p:spPr>
+      </p:pic>
+    </p:spTree>
+    <p:extLst>
+      <p:ext uri="{BB962C8B-B14F-4D97-AF65-F5344CB8AC3E}">
+        <p14:creationId xmlns:p14="http://schemas.microsoft.com/office/powerpoint/2010/main" val="1324825478"/>
+      </p:ext>
+    </p:extLst>
+  </p:cSld>
+  <p:clrMapOvr>
+    <a:masterClrMapping/>
+  </p:clrMapOvr>
+  <p:timing>
+    <p:tnLst>
+      <p:par>
+        <p:cTn id="1" dur="indefinite" restart="never" nodeType="tmRoot">
+          <p:childTnLst>
+            <p:seq concurrent="1" nextAc="seek">
+              <p:cTn id="2" dur="indefinite" nodeType="mainSeq">
+                <p:childTnLst>
+                  <p:par>
+                    <p:cTn id="3" fill="hold">
+                      <p:stCondLst>
+                        <p:cond delay="indefinite"/>
+                      </p:stCondLst>
+                      <p:childTnLst>
+                        <p:par>
+                          <p:cTn id="4" fill="hold">
+                            <p:stCondLst>
+                              <p:cond delay="0"/>
+                            </p:stCondLst>
+                            <p:childTnLst>
+                              <p:par>
+                                <p:cTn id="5" presetID="2" presetClass="entr" presetSubtype="4" fill="hold" nodeType="clickEffect">
+                                  <p:stCondLst>
+                                    <p:cond delay="0"/>
+                                  </p:stCondLst>
+                                  <p:childTnLst>
+                                    <p:set>
+                                      <p:cBhvr>
+                                        <p:cTn id="6" dur="1" fill="hold">
+                                          <p:stCondLst>
+                                            <p:cond delay="0"/>
+                                          </p:stCondLst>
+                                        </p:cTn>
+                                        <p:tgtEl>
+                                          <p:spTgt spid="4"/>
+                                        </p:tgtEl>
+                                        <p:attrNameLst>
+                                          <p:attrName>style.visibility</p:attrName>
+                                        </p:attrNameLst>
+                                      </p:cBhvr>
+                                      <p:to>
+                                        <p:strVal val="visible"/>
+                                      </p:to>
+                                    </p:set>
+                                    <p:anim calcmode="lin" valueType="num">
+                                      <p:cBhvr additive="base">
+                                        <p:cTn id="7" dur="500" fill="hold"/>
+                                        <p:tgtEl>
+                                          <p:spTgt spid="4"/>
+                                        </p:tgtEl>
+                                        <p:attrNameLst>
+                                          <p:attrName>ppt_x</p:attrName>
+                                        </p:attrNameLst>
+                                      </p:cBhvr>
+                                      <p:tavLst>
+                                        <p:tav tm="0">
+                                          <p:val>
+                                            <p:strVal val="#ppt_x"/>
+                                          </p:val>
+                                        </p:tav>
+                                        <p:tav tm="100000">
+                                          <p:val>
+                                            <p:strVal val="#ppt_x"/>
+                                          </p:val>
+                                        </p:tav>
+                                      </p:tavLst>
+                                    </p:anim>
+                                    <p:anim calcmode="lin" valueType="num">
+                                      <p:cBhvr additive="base">
+                                        <p:cTn id="8" dur="500" fill="hold"/>
+                                        <p:tgtEl>
+                                          <p:spTgt spid="4"/>
+                                        </p:tgtEl>
+                                        <p:attrNameLst>
+                                          <p:attrName>ppt_y</p:attrName>
+                                        </p:attrNameLst>
+                                      </p:cBhvr>
+                                      <p:tavLst>
+                                        <p:tav tm="0">
+                                          <p:val>
+                                            <p:strVal val="1+#ppt_h/2"/>
+                                          </p:val>
+                                        </p:tav>
+                                        <p:tav tm="100000">
+                                          <p:val>
+                                            <p:strVal val="#ppt_y"/>
+                                          </p:val>
+                                        </p:tav>
+                                      </p:tavLst>
+                                    </p:anim>
+                                  </p:childTnLst>
+                                </p:cTn>
+                              </p:par>
+                            </p:childTnLst>
+                          </p:cTn>
+                        </p:par>
+                      </p:childTnLst>
+                    </p:cTn>
+                  </p:par>
+                </p:childTnLst>
+              </p:cTn>
+              <p:prevCondLst>
+                <p:cond evt="onPrev" delay="0">
+                  <p:tgtEl>
+                    <p:sldTgt/>
+                  </p:tgtEl>
+                </p:cond>
+              </p:prevCondLst>
+              <p:nextCondLst>
+                <p:cond evt="onNext" delay="0">
+                  <p:tgtEl>
+                    <p:sldTgt/>
+                  </p:tgtEl>
+                </p:cond>
+              </p:nextCondLst>
+            </p:seq>
+          </p:childTnLst>
+        </p:cTn>
+      </p:par>
+    </p:tnLst>
+  </p:timing>
+</p:sld>
+</file>
+
+<file path=ppt/slides/slide16.xml><?xml version="1.0" encoding="utf-8"?>
+<p:sld xmlns:a="http://schemas.openxmlformats.org/drawingml/2006/main" xmlns:r="http://schemas.openxmlformats.org/officeDocument/2006/relationships" xmlns:p="http://schemas.openxmlformats.org/presentationml/2006/main">
+  <p:cSld>
+    <p:spTree>
+      <p:nvGrpSpPr>
+        <p:cNvPr id="1" name=""/>
+        <p:cNvGrpSpPr/>
+        <p:nvPr/>
+      </p:nvGrpSpPr>
+      <p:grpSpPr>
+        <a:xfrm>
+          <a:off x="0" y="0"/>
+          <a:ext cx="0" cy="0"/>
+          <a:chOff x="0" y="0"/>
+          <a:chExt cx="0" cy="0"/>
+        </a:xfrm>
+      </p:grpSpPr>
+      <p:sp>
+        <p:nvSpPr>
+          <p:cNvPr id="2" name="Titel 1">
+            <a:extLst>
+              <a:ext uri="{FF2B5EF4-FFF2-40B4-BE49-F238E27FC236}">
+                <a16:creationId xmlns="" xmlns:a16="http://schemas.microsoft.com/office/drawing/2014/main" id="{6A5892FC-DBFE-4D3E-B13A-E2F1C0CC2256}"/>
+              </a:ext>
+            </a:extLst>
+          </p:cNvPr>
+          <p:cNvSpPr>
+            <a:spLocks noGrp="1"/>
+          </p:cNvSpPr>
+          <p:nvPr>
+            <p:ph type="title"/>
+          </p:nvPr>
+        </p:nvSpPr>
+        <p:spPr/>
+        <p:txBody>
+          <a:bodyPr/>
+          <a:lstStyle/>
+          <a:p>
+            <a:r>
+              <a:rPr lang="de-DE" dirty="0"/>
+              <a:t>Datenmodell</a:t>
+            </a:r>
+          </a:p>
+        </p:txBody>
+      </p:sp>
+      <p:pic>
+        <p:nvPicPr>
+          <p:cNvPr id="9" name="Inhaltsplatzhalter 8">
+            <a:extLst>
+              <a:ext uri="{FF2B5EF4-FFF2-40B4-BE49-F238E27FC236}">
+                <a16:creationId xmlns="" xmlns:a16="http://schemas.microsoft.com/office/drawing/2014/main" id="{D63F8477-796D-4700-BCCD-4F3DB9F516EA}"/>
+              </a:ext>
+            </a:extLst>
+          </p:cNvPr>
+          <p:cNvPicPr>
+            <a:picLocks noGrp="1" noChangeAspect="1"/>
+          </p:cNvPicPr>
+          <p:nvPr>
+            <p:ph idx="1"/>
+          </p:nvPr>
+        </p:nvPicPr>
+        <p:blipFill>
+          <a:blip r:embed="rId2"/>
+          <a:stretch>
+            <a:fillRect/>
+          </a:stretch>
+        </p:blipFill>
+        <p:spPr>
+          <a:xfrm>
+            <a:off x="4285788" y="1825625"/>
+            <a:ext cx="3620424" cy="4351338"/>
+          </a:xfrm>
+          <a:prstGeom prst="rect">
+            <a:avLst/>
+          </a:prstGeom>
+        </p:spPr>
+      </p:pic>
+    </p:spTree>
+    <p:extLst>
+      <p:ext uri="{BB962C8B-B14F-4D97-AF65-F5344CB8AC3E}">
+        <p14:creationId xmlns:p14="http://schemas.microsoft.com/office/powerpoint/2010/main" val="3018434883"/>
+      </p:ext>
+    </p:extLst>
+  </p:cSld>
+  <p:clrMapOvr>
+    <a:masterClrMapping/>
+  </p:clrMapOvr>
+  <p:timing>
+    <p:tnLst>
+      <p:par>
+        <p:cTn id="1" dur="indefinite" restart="never" nodeType="tmRoot"/>
+      </p:par>
+    </p:tnLst>
+  </p:timing>
+</p:sld>
+</file>
+
+<file path=ppt/slides/slide17.xml><?xml version="1.0" encoding="utf-8"?>
+<p:sld xmlns:a="http://schemas.openxmlformats.org/drawingml/2006/main" xmlns:r="http://schemas.openxmlformats.org/officeDocument/2006/relationships" xmlns:p="http://schemas.openxmlformats.org/presentationml/2006/main">
+  <p:cSld>
+    <p:spTree>
+      <p:nvGrpSpPr>
+        <p:cNvPr id="1" name=""/>
+        <p:cNvGrpSpPr/>
+        <p:nvPr/>
+      </p:nvGrpSpPr>
+      <p:grpSpPr>
+        <a:xfrm>
+          <a:off x="0" y="0"/>
+          <a:ext cx="0" cy="0"/>
+          <a:chOff x="0" y="0"/>
+          <a:chExt cx="0" cy="0"/>
+        </a:xfrm>
+      </p:grpSpPr>
+      <p:sp>
+        <p:nvSpPr>
+          <p:cNvPr id="2" name="Titel 1">
+            <a:extLst>
+              <a:ext uri="{FF2B5EF4-FFF2-40B4-BE49-F238E27FC236}">
+                <a16:creationId xmlns="" xmlns:a16="http://schemas.microsoft.com/office/drawing/2014/main" id="{6A5892FC-DBFE-4D3E-B13A-E2F1C0CC2256}"/>
+              </a:ext>
+            </a:extLst>
+          </p:cNvPr>
+          <p:cNvSpPr>
+            <a:spLocks noGrp="1"/>
+          </p:cNvSpPr>
+          <p:nvPr>
+            <p:ph type="title"/>
+          </p:nvPr>
+        </p:nvSpPr>
+        <p:spPr/>
+        <p:txBody>
+          <a:bodyPr/>
+          <a:lstStyle/>
+          <a:p>
+            <a:r>
+              <a:rPr lang="de-DE" dirty="0"/>
+              <a:t>Datenmodell</a:t>
+            </a:r>
+          </a:p>
+        </p:txBody>
+      </p:sp>
+      <p:pic>
+        <p:nvPicPr>
+          <p:cNvPr id="4" name="Inhaltsplatzhalter 3">
+            <a:extLst>
+              <a:ext uri="{FF2B5EF4-FFF2-40B4-BE49-F238E27FC236}">
+                <a16:creationId xmlns="" xmlns:a16="http://schemas.microsoft.com/office/drawing/2014/main" id="{F2396138-9F3C-4A25-911B-3203874A3A67}"/>
+              </a:ext>
+            </a:extLst>
+          </p:cNvPr>
+          <p:cNvPicPr>
+            <a:picLocks noGrp="1" noChangeAspect="1"/>
+          </p:cNvPicPr>
+          <p:nvPr>
+            <p:ph idx="1"/>
+          </p:nvPr>
+        </p:nvPicPr>
+        <p:blipFill>
+          <a:blip r:embed="rId2"/>
+          <a:stretch>
+            <a:fillRect/>
+          </a:stretch>
+        </p:blipFill>
+        <p:spPr>
+          <a:xfrm>
+            <a:off x="1489587" y="2371597"/>
+            <a:ext cx="8229600" cy="3200400"/>
+          </a:xfrm>
+          <a:prstGeom prst="rect">
+            <a:avLst/>
+          </a:prstGeom>
+        </p:spPr>
+      </p:pic>
+      <p:pic>
+        <p:nvPicPr>
+          <p:cNvPr id="3" name="Grafik 2">
+            <a:extLst>
+              <a:ext uri="{FF2B5EF4-FFF2-40B4-BE49-F238E27FC236}">
+                <a16:creationId xmlns="" xmlns:a16="http://schemas.microsoft.com/office/drawing/2014/main" id="{5905E8AD-CE61-43AC-B4F0-0B572E6CE4BE}"/>
+              </a:ext>
+            </a:extLst>
+          </p:cNvPr>
+          <p:cNvPicPr>
+            <a:picLocks noChangeAspect="1"/>
+          </p:cNvPicPr>
+          <p:nvPr/>
+        </p:nvPicPr>
+        <p:blipFill>
+          <a:blip r:embed="rId3"/>
+          <a:stretch>
+            <a:fillRect/>
+          </a:stretch>
+        </p:blipFill>
+        <p:spPr>
+          <a:xfrm>
+            <a:off x="2617840" y="1727559"/>
+            <a:ext cx="6209071" cy="4979987"/>
+          </a:xfrm>
+          <a:prstGeom prst="rect">
+            <a:avLst/>
+          </a:prstGeom>
+        </p:spPr>
+      </p:pic>
+      <p:pic>
+        <p:nvPicPr>
+          <p:cNvPr id="5" name="Grafik 4">
+            <a:extLst>
+              <a:ext uri="{FF2B5EF4-FFF2-40B4-BE49-F238E27FC236}">
+                <a16:creationId xmlns="" xmlns:a16="http://schemas.microsoft.com/office/drawing/2014/main" id="{7161A4EF-114F-42A9-944D-041EE94E33DB}"/>
+              </a:ext>
+            </a:extLst>
+          </p:cNvPr>
+          <p:cNvPicPr>
+            <a:picLocks noChangeAspect="1"/>
+          </p:cNvPicPr>
+          <p:nvPr/>
+        </p:nvPicPr>
+        <p:blipFill>
+          <a:blip r:embed="rId4"/>
+          <a:stretch>
+            <a:fillRect/>
+          </a:stretch>
+        </p:blipFill>
+        <p:spPr>
+          <a:xfrm>
+            <a:off x="2383862" y="5154971"/>
+            <a:ext cx="6677025" cy="1552575"/>
+          </a:xfrm>
+          <a:prstGeom prst="rect">
+            <a:avLst/>
+          </a:prstGeom>
+        </p:spPr>
+      </p:pic>
+    </p:spTree>
+    <p:extLst>
+      <p:ext uri="{BB962C8B-B14F-4D97-AF65-F5344CB8AC3E}">
+        <p14:creationId xmlns:p14="http://schemas.microsoft.com/office/powerpoint/2010/main" val="4178148343"/>
+      </p:ext>
+    </p:extLst>
+  </p:cSld>
+  <p:clrMapOvr>
+    <a:masterClrMapping/>
+  </p:clrMapOvr>
+  <p:timing>
+    <p:tnLst>
+      <p:par>
+        <p:cTn id="1" dur="indefinite" restart="never" nodeType="tmRoot">
+          <p:childTnLst>
+            <p:seq concurrent="1" nextAc="seek">
+              <p:cTn id="2" dur="indefinite" nodeType="mainSeq">
+                <p:childTnLst>
+                  <p:par>
+                    <p:cTn id="3" fill="hold">
+                      <p:stCondLst>
+                        <p:cond delay="indefinite"/>
+                        <p:cond evt="onBegin" delay="0">
+                          <p:tn val="2"/>
+                        </p:cond>
+                      </p:stCondLst>
+                      <p:childTnLst>
+                        <p:par>
+                          <p:cTn id="4" fill="hold">
+                            <p:stCondLst>
+                              <p:cond delay="0"/>
+                            </p:stCondLst>
+                            <p:childTnLst>
+                              <p:par>
+                                <p:cTn id="5" presetID="6" presetClass="emph" presetSubtype="0" fill="hold" nodeType="withEffect">
+                                  <p:stCondLst>
+                                    <p:cond delay="3000"/>
+                                  </p:stCondLst>
+                                  <p:childTnLst>
+                                    <p:animScale>
+                                      <p:cBhvr>
+                                        <p:cTn id="6" dur="3000" fill="hold"/>
+                                        <p:tgtEl>
+                                          <p:spTgt spid="4"/>
+                                        </p:tgtEl>
+                                      </p:cBhvr>
+                                      <p:by x="150000" y="150000"/>
+                                    </p:animScale>
+                                  </p:childTnLst>
+                                </p:cTn>
+                              </p:par>
+                            </p:childTnLst>
+                          </p:cTn>
+                        </p:par>
+                      </p:childTnLst>
+                    </p:cTn>
+                  </p:par>
+                  <p:par>
+                    <p:cTn id="7" fill="hold">
+                      <p:stCondLst>
+                        <p:cond delay="indefinite"/>
+                      </p:stCondLst>
+                      <p:childTnLst>
+                        <p:par>
+                          <p:cTn id="8" fill="hold">
+                            <p:stCondLst>
+                              <p:cond delay="0"/>
+                            </p:stCondLst>
+                            <p:childTnLst>
+                              <p:par>
+                                <p:cTn id="9" presetID="1" presetClass="entr" presetSubtype="0" fill="hold" nodeType="clickEffect">
+                                  <p:stCondLst>
+                                    <p:cond delay="0"/>
+                                  </p:stCondLst>
+                                  <p:childTnLst>
+                                    <p:set>
+                                      <p:cBhvr>
+                                        <p:cTn id="10" dur="1" fill="hold">
+                                          <p:stCondLst>
+                                            <p:cond delay="0"/>
+                                          </p:stCondLst>
+                                        </p:cTn>
+                                        <p:tgtEl>
+                                          <p:spTgt spid="3"/>
+                                        </p:tgtEl>
+                                        <p:attrNameLst>
+                                          <p:attrName>style.visibility</p:attrName>
+                                        </p:attrNameLst>
+                                      </p:cBhvr>
+                                      <p:to>
+                                        <p:strVal val="visible"/>
+                                      </p:to>
+                                    </p:set>
+                                  </p:childTnLst>
+                                </p:cTn>
+                              </p:par>
+                            </p:childTnLst>
+                          </p:cTn>
+                        </p:par>
+                      </p:childTnLst>
+                    </p:cTn>
+                  </p:par>
+                  <p:par>
+                    <p:cTn id="11" fill="hold">
+                      <p:stCondLst>
+                        <p:cond delay="indefinite"/>
+                      </p:stCondLst>
+                      <p:childTnLst>
+                        <p:par>
+                          <p:cTn id="12" fill="hold">
+                            <p:stCondLst>
+                              <p:cond delay="0"/>
+                            </p:stCondLst>
+                            <p:childTnLst>
+                              <p:par>
+                                <p:cTn id="13" presetID="1" presetClass="entr" presetSubtype="0" fill="hold" nodeType="clickEffect">
+                                  <p:stCondLst>
+                                    <p:cond delay="0"/>
+                                  </p:stCondLst>
+                                  <p:childTnLst>
+                                    <p:set>
+                                      <p:cBhvr>
+                                        <p:cTn id="14" dur="1" fill="hold">
+                                          <p:stCondLst>
+                                            <p:cond delay="0"/>
+                                          </p:stCondLst>
+                                        </p:cTn>
+                                        <p:tgtEl>
+                                          <p:spTgt spid="5"/>
+                                        </p:tgtEl>
+                                        <p:attrNameLst>
+                                          <p:attrName>style.visibility</p:attrName>
+                                        </p:attrNameLst>
+                                      </p:cBhvr>
+                                      <p:to>
+                                        <p:strVal val="visible"/>
+                                      </p:to>
+                                    </p:set>
+                                  </p:childTnLst>
+                                </p:cTn>
+                              </p:par>
+                            </p:childTnLst>
+                          </p:cTn>
+                        </p:par>
+                      </p:childTnLst>
+                    </p:cTn>
+                  </p:par>
+                </p:childTnLst>
+              </p:cTn>
+              <p:prevCondLst>
+                <p:cond evt="onPrev" delay="0">
+                  <p:tgtEl>
+                    <p:sldTgt/>
+                  </p:tgtEl>
+                </p:cond>
+              </p:prevCondLst>
+              <p:nextCondLst>
+                <p:cond evt="onNext" delay="0">
+                  <p:tgtEl>
+                    <p:sldTgt/>
+                  </p:tgtEl>
+                </p:cond>
+              </p:nextCondLst>
+            </p:seq>
+          </p:childTnLst>
+        </p:cTn>
+      </p:par>
+    </p:tnLst>
+  </p:timing>
+</p:sld>
+</file>
+
+<file path=ppt/slides/slide18.xml><?xml version="1.0" encoding="utf-8"?>
+<p:sld xmlns:a="http://schemas.openxmlformats.org/drawingml/2006/main" xmlns:r="http://schemas.openxmlformats.org/officeDocument/2006/relationships" xmlns:p="http://schemas.openxmlformats.org/presentationml/2006/main">
+  <p:cSld>
+    <p:spTree>
+      <p:nvGrpSpPr>
+        <p:cNvPr id="1" name=""/>
+        <p:cNvGrpSpPr/>
+        <p:nvPr/>
+      </p:nvGrpSpPr>
+      <p:grpSpPr>
+        <a:xfrm>
+          <a:off x="0" y="0"/>
+          <a:ext cx="0" cy="0"/>
+          <a:chOff x="0" y="0"/>
+          <a:chExt cx="0" cy="0"/>
+        </a:xfrm>
+      </p:grpSpPr>
+      <p:sp>
+        <p:nvSpPr>
+          <p:cNvPr id="2" name="Titel 1">
+            <a:extLst>
+              <a:ext uri="{FF2B5EF4-FFF2-40B4-BE49-F238E27FC236}">
+                <a16:creationId xmlns="" xmlns:a16="http://schemas.microsoft.com/office/drawing/2014/main" id="{A6DAC2EB-FBDB-469B-83E3-7431C355CB50}"/>
+              </a:ext>
+            </a:extLst>
+          </p:cNvPr>
+          <p:cNvSpPr>
+            <a:spLocks noGrp="1"/>
+          </p:cNvSpPr>
+          <p:nvPr>
+            <p:ph type="title"/>
+          </p:nvPr>
+        </p:nvSpPr>
+        <p:spPr/>
+        <p:txBody>
+          <a:bodyPr/>
+          <a:lstStyle/>
+          <a:p>
+            <a:r>
+              <a:rPr lang="de-DE" dirty="0"/>
+              <a:t>Anzeige: Übersicht</a:t>
+            </a:r>
+          </a:p>
+        </p:txBody>
+      </p:sp>
+      <p:pic>
+        <p:nvPicPr>
+          <p:cNvPr id="4" name="Inhaltsplatzhalter 3">
+            <a:extLst>
+              <a:ext uri="{FF2B5EF4-FFF2-40B4-BE49-F238E27FC236}">
+                <a16:creationId xmlns="" xmlns:a16="http://schemas.microsoft.com/office/drawing/2014/main" id="{D54EEABE-B356-49BC-86BA-AEF8057A880E}"/>
+              </a:ext>
+            </a:extLst>
+          </p:cNvPr>
+          <p:cNvPicPr>
+            <a:picLocks noGrp="1" noChangeAspect="1"/>
+          </p:cNvPicPr>
+          <p:nvPr>
+            <p:ph idx="1"/>
+          </p:nvPr>
+        </p:nvPicPr>
+        <p:blipFill>
+          <a:blip r:embed="rId2"/>
+          <a:stretch>
+            <a:fillRect/>
+          </a:stretch>
+        </p:blipFill>
+        <p:spPr>
+          <a:xfrm>
+            <a:off x="3189119" y="1348253"/>
+            <a:ext cx="5962623" cy="4744204"/>
+          </a:xfrm>
+          <a:prstGeom prst="rect">
+            <a:avLst/>
+          </a:prstGeom>
+        </p:spPr>
+      </p:pic>
+    </p:spTree>
+    <p:extLst>
+      <p:ext uri="{BB962C8B-B14F-4D97-AF65-F5344CB8AC3E}">
+        <p14:creationId xmlns:p14="http://schemas.microsoft.com/office/powerpoint/2010/main" val="174903478"/>
+      </p:ext>
+    </p:extLst>
+  </p:cSld>
+  <p:clrMapOvr>
+    <a:masterClrMapping/>
+  </p:clrMapOvr>
+  <p:timing>
+    <p:tnLst>
+      <p:par>
+        <p:cTn id="1" dur="indefinite" restart="never" nodeType="tmRoot">
+          <p:childTnLst>
+            <p:seq concurrent="1" nextAc="seek">
+              <p:cTn id="2" dur="indefinite" nodeType="mainSeq">
+                <p:childTnLst>
+                  <p:par>
+                    <p:cTn id="3" fill="hold">
+                      <p:stCondLst>
+                        <p:cond delay="indefinite"/>
+                        <p:cond evt="onBegin" delay="0">
+                          <p:tn val="2"/>
+                        </p:cond>
+                      </p:stCondLst>
+                      <p:childTnLst>
+                        <p:par>
+                          <p:cTn id="4" fill="hold">
+                            <p:stCondLst>
+                              <p:cond delay="0"/>
+                            </p:stCondLst>
+                            <p:childTnLst>
+                              <p:par>
+                                <p:cTn id="5" presetID="6" presetClass="emph" presetSubtype="0" fill="hold" nodeType="afterEffect">
+                                  <p:stCondLst>
+                                    <p:cond delay="5000"/>
+                                  </p:stCondLst>
+                                  <p:childTnLst>
+                                    <p:animScale>
+                                      <p:cBhvr>
+                                        <p:cTn id="6" dur="2000" fill="hold"/>
+                                        <p:tgtEl>
+                                          <p:spTgt spid="4"/>
+                                        </p:tgtEl>
+                                      </p:cBhvr>
+                                      <p:by x="150000" y="150000"/>
+                                    </p:animScale>
+                                  </p:childTnLst>
+                                </p:cTn>
+                              </p:par>
+                            </p:childTnLst>
+                          </p:cTn>
+                        </p:par>
+                      </p:childTnLst>
+                    </p:cTn>
+                  </p:par>
+                </p:childTnLst>
+              </p:cTn>
+              <p:prevCondLst>
+                <p:cond evt="onPrev" delay="0">
+                  <p:tgtEl>
+                    <p:sldTgt/>
+                  </p:tgtEl>
+                </p:cond>
+              </p:prevCondLst>
+              <p:nextCondLst>
+                <p:cond evt="onNext" delay="0">
+                  <p:tgtEl>
+                    <p:sldTgt/>
+                  </p:tgtEl>
+                </p:cond>
+              </p:nextCondLst>
+            </p:seq>
+          </p:childTnLst>
+        </p:cTn>
+      </p:par>
+    </p:tnLst>
+  </p:timing>
+</p:sld>
+</file>
+
+<file path=ppt/slides/slide19.xml><?xml version="1.0" encoding="utf-8"?>
+<p:sld xmlns:a="http://schemas.openxmlformats.org/drawingml/2006/main" xmlns:r="http://schemas.openxmlformats.org/officeDocument/2006/relationships" xmlns:p="http://schemas.openxmlformats.org/presentationml/2006/main">
+  <p:cSld>
+    <p:spTree>
+      <p:nvGrpSpPr>
+        <p:cNvPr id="1" name=""/>
+        <p:cNvGrpSpPr/>
+        <p:nvPr/>
+      </p:nvGrpSpPr>
+      <p:grpSpPr>
+        <a:xfrm>
+          <a:off x="0" y="0"/>
+          <a:ext cx="0" cy="0"/>
+          <a:chOff x="0" y="0"/>
+          <a:chExt cx="0" cy="0"/>
+        </a:xfrm>
+      </p:grpSpPr>
+      <p:sp>
+        <p:nvSpPr>
+          <p:cNvPr id="2" name="Titel 1">
+            <a:extLst>
+              <a:ext uri="{FF2B5EF4-FFF2-40B4-BE49-F238E27FC236}">
+                <a16:creationId xmlns="" xmlns:a16="http://schemas.microsoft.com/office/drawing/2014/main" id="{E7049DCC-8CFD-47DE-973F-3D5DB6887D3E}"/>
+              </a:ext>
+            </a:extLst>
+          </p:cNvPr>
+          <p:cNvSpPr>
+            <a:spLocks noGrp="1"/>
+          </p:cNvSpPr>
+          <p:nvPr>
+            <p:ph type="title"/>
+          </p:nvPr>
+        </p:nvSpPr>
+        <p:spPr/>
+        <p:txBody>
+          <a:bodyPr/>
+          <a:lstStyle/>
+          <a:p>
+            <a:r>
+              <a:rPr lang="de-DE" dirty="0"/>
+              <a:t>Detailansicht Erfolge</a:t>
+            </a:r>
+          </a:p>
+        </p:txBody>
+      </p:sp>
+      <p:pic>
+        <p:nvPicPr>
+          <p:cNvPr id="4" name="Inhaltsplatzhalter 3">
+            <a:extLst>
+              <a:ext uri="{FF2B5EF4-FFF2-40B4-BE49-F238E27FC236}">
+                <a16:creationId xmlns="" xmlns:a16="http://schemas.microsoft.com/office/drawing/2014/main" id="{BCADC9F2-61D2-4D90-BBFF-18FEE1AA8CB9}"/>
+              </a:ext>
+            </a:extLst>
+          </p:cNvPr>
+          <p:cNvPicPr>
+            <a:picLocks noGrp="1" noChangeAspect="1"/>
+          </p:cNvPicPr>
+          <p:nvPr>
+            <p:ph idx="1"/>
+          </p:nvPr>
+        </p:nvPicPr>
+        <p:blipFill>
+          <a:blip r:embed="rId2"/>
+          <a:stretch>
+            <a:fillRect/>
+          </a:stretch>
+        </p:blipFill>
+        <p:spPr>
+          <a:xfrm>
+            <a:off x="838200" y="2665831"/>
+            <a:ext cx="10515600" cy="2670925"/>
+          </a:xfrm>
+          <a:prstGeom prst="rect">
+            <a:avLst/>
+          </a:prstGeom>
+        </p:spPr>
+      </p:pic>
+    </p:spTree>
+    <p:extLst>
+      <p:ext uri="{BB962C8B-B14F-4D97-AF65-F5344CB8AC3E}">
+        <p14:creationId xmlns:p14="http://schemas.microsoft.com/office/powerpoint/2010/main" val="3268895002"/>
+      </p:ext>
+    </p:extLst>
+  </p:cSld>
+  <p:clrMapOvr>
+    <a:masterClrMapping/>
+  </p:clrMapOvr>
+  <p:timing>
+    <p:tnLst>
+      <p:par>
+        <p:cTn id="1" dur="indefinite" restart="never" nodeType="tmRoot"/>
+      </p:par>
+    </p:tnLst>
+  </p:timing>
+</p:sld>
+</file>
+
 <file path=ppt/slides/slide2.xml><?xml version="1.0" encoding="utf-8"?>
 <p:sld xmlns:a="http://schemas.openxmlformats.org/drawingml/2006/main" xmlns:r="http://schemas.openxmlformats.org/officeDocument/2006/relationships" xmlns:p="http://schemas.openxmlformats.org/presentationml/2006/main">
   <p:cSld>
@@ -6804,7 +6784,7 @@
           <p:cNvPr id="2" name="Titel 1">
             <a:extLst>
               <a:ext uri="{FF2B5EF4-FFF2-40B4-BE49-F238E27FC236}">
-                <a16:creationId xmlns:a16="http://schemas.microsoft.com/office/drawing/2014/main" id="{8D841784-CD75-494B-8952-BC09EFD95CF9}"/>
+                <a16:creationId xmlns="" xmlns:a16="http://schemas.microsoft.com/office/drawing/2014/main" id="{8D841784-CD75-494B-8952-BC09EFD95CF9}"/>
               </a:ext>
             </a:extLst>
           </p:cNvPr>
@@ -6832,7 +6812,7 @@
           <p:cNvPr id="3" name="Inhaltsplatzhalter 2">
             <a:extLst>
               <a:ext uri="{FF2B5EF4-FFF2-40B4-BE49-F238E27FC236}">
-                <a16:creationId xmlns:a16="http://schemas.microsoft.com/office/drawing/2014/main" id="{1D1955E4-63C2-47CA-8219-34483EC34867}"/>
+                <a16:creationId xmlns="" xmlns:a16="http://schemas.microsoft.com/office/drawing/2014/main" id="{1D1955E4-63C2-47CA-8219-34483EC34867}"/>
               </a:ext>
             </a:extLst>
           </p:cNvPr>
@@ -6917,7 +6897,7 @@
           <p:cNvPr id="4" name="AutoShape 2" descr="Bildergebnis für dekra media">
             <a:extLst>
               <a:ext uri="{FF2B5EF4-FFF2-40B4-BE49-F238E27FC236}">
-                <a16:creationId xmlns:a16="http://schemas.microsoft.com/office/drawing/2014/main" id="{BC37E61F-C166-4C0E-AC48-31941983A202}"/>
+                <a16:creationId xmlns="" xmlns:a16="http://schemas.microsoft.com/office/drawing/2014/main" id="{BC37E61F-C166-4C0E-AC48-31941983A202}"/>
               </a:ext>
             </a:extLst>
           </p:cNvPr>
@@ -6962,7 +6942,7 @@
           <p:cNvPr id="5" name="AutoShape 4" descr="Bildergebnis für dekra media">
             <a:extLst>
               <a:ext uri="{FF2B5EF4-FFF2-40B4-BE49-F238E27FC236}">
-                <a16:creationId xmlns:a16="http://schemas.microsoft.com/office/drawing/2014/main" id="{F7671622-B7F7-4323-B303-C5928EFB3450}"/>
+                <a16:creationId xmlns="" xmlns:a16="http://schemas.microsoft.com/office/drawing/2014/main" id="{F7671622-B7F7-4323-B303-C5928EFB3450}"/>
               </a:ext>
             </a:extLst>
           </p:cNvPr>
@@ -7240,13 +7220,7 @@
       </p:grpSpPr>
       <p:sp>
         <p:nvSpPr>
-          <p:cNvPr id="2" name="Titel 1">
-            <a:extLst>
-              <a:ext uri="{FF2B5EF4-FFF2-40B4-BE49-F238E27FC236}">
-                <a16:creationId xmlns:a16="http://schemas.microsoft.com/office/drawing/2014/main" id="{17A18140-6249-434C-B4C4-970BB70D228B}"/>
-              </a:ext>
-            </a:extLst>
-          </p:cNvPr>
+          <p:cNvPr id="2" name="Titel 1"/>
           <p:cNvSpPr>
             <a:spLocks noGrp="1"/>
           </p:cNvSpPr>
@@ -7260,163 +7234,21 @@
           <a:lstStyle/>
           <a:p>
             <a:r>
-              <a:rPr lang="de-DE" dirty="0"/>
-              <a:t>Zielplattform</a:t>
-            </a:r>
-          </a:p>
-        </p:txBody>
-      </p:sp>
-      <p:pic>
-        <p:nvPicPr>
-          <p:cNvPr id="13" name="Inhaltsplatzhalter 12">
-            <a:extLst>
-              <a:ext uri="{FF2B5EF4-FFF2-40B4-BE49-F238E27FC236}">
-                <a16:creationId xmlns:a16="http://schemas.microsoft.com/office/drawing/2014/main" id="{3BEF544E-4270-4D98-8217-2DFC57554FCE}"/>
-              </a:ext>
-            </a:extLst>
-          </p:cNvPr>
-          <p:cNvPicPr>
-            <a:picLocks noGrp="1" noChangeAspect="1"/>
-          </p:cNvPicPr>
+              <a:rPr lang="de-DE" dirty="0" smtClean="0"/>
+              <a:t>Fazit</a:t>
+            </a:r>
+            <a:endParaRPr lang="de-DE" dirty="0"/>
+          </a:p>
+        </p:txBody>
+      </p:sp>
+      <p:sp>
+        <p:nvSpPr>
+          <p:cNvPr id="3" name="Inhaltsplatzhalter 2"/>
+          <p:cNvSpPr>
+            <a:spLocks noGrp="1"/>
+          </p:cNvSpPr>
           <p:nvPr>
             <p:ph idx="1"/>
-          </p:nvPr>
-        </p:nvPicPr>
-        <p:blipFill>
-          <a:blip r:embed="rId3">
-            <a:extLst>
-              <a:ext uri="{28A0092B-C50C-407E-A947-70E740481C1C}">
-                <a14:useLocalDpi xmlns:a14="http://schemas.microsoft.com/office/drawing/2010/main" val="0"/>
-              </a:ext>
-            </a:extLst>
-          </a:blip>
-          <a:stretch>
-            <a:fillRect/>
-          </a:stretch>
-        </p:blipFill>
-        <p:spPr>
-          <a:xfrm>
-            <a:off x="1720850" y="2713831"/>
-            <a:ext cx="2857500" cy="1685925"/>
-          </a:xfrm>
-        </p:spPr>
-      </p:pic>
-      <p:pic>
-        <p:nvPicPr>
-          <p:cNvPr id="24" name="Grafik 23">
-            <a:extLst>
-              <a:ext uri="{FF2B5EF4-FFF2-40B4-BE49-F238E27FC236}">
-                <a16:creationId xmlns:a16="http://schemas.microsoft.com/office/drawing/2014/main" id="{0483F592-6E75-420A-B308-9321EDCBB4CB}"/>
-              </a:ext>
-            </a:extLst>
-          </p:cNvPr>
-          <p:cNvPicPr>
-            <a:picLocks noChangeAspect="1"/>
-          </p:cNvPicPr>
-          <p:nvPr/>
-        </p:nvPicPr>
-        <p:blipFill>
-          <a:blip r:embed="rId4">
-            <a:extLst>
-              <a:ext uri="{28A0092B-C50C-407E-A947-70E740481C1C}">
-                <a14:useLocalDpi xmlns:a14="http://schemas.microsoft.com/office/drawing/2010/main" val="0"/>
-              </a:ext>
-            </a:extLst>
-          </a:blip>
-          <a:stretch>
-            <a:fillRect/>
-          </a:stretch>
-        </p:blipFill>
-        <p:spPr>
-          <a:xfrm>
-            <a:off x="5499100" y="2672556"/>
-            <a:ext cx="1727200" cy="1727200"/>
-          </a:xfrm>
-          <a:prstGeom prst="rect">
-            <a:avLst/>
-          </a:prstGeom>
-        </p:spPr>
-      </p:pic>
-      <p:pic>
-        <p:nvPicPr>
-          <p:cNvPr id="28" name="Grafik 27">
-            <a:extLst>
-              <a:ext uri="{FF2B5EF4-FFF2-40B4-BE49-F238E27FC236}">
-                <a16:creationId xmlns:a16="http://schemas.microsoft.com/office/drawing/2014/main" id="{DBAABB11-9F38-40A3-AB92-DA843B22D6A0}"/>
-              </a:ext>
-            </a:extLst>
-          </p:cNvPr>
-          <p:cNvPicPr>
-            <a:picLocks noChangeAspect="1"/>
-          </p:cNvPicPr>
-          <p:nvPr/>
-        </p:nvPicPr>
-        <p:blipFill>
-          <a:blip r:embed="rId5">
-            <a:extLst>
-              <a:ext uri="{28A0092B-C50C-407E-A947-70E740481C1C}">
-                <a14:useLocalDpi xmlns:a14="http://schemas.microsoft.com/office/drawing/2010/main" val="0"/>
-              </a:ext>
-            </a:extLst>
-          </a:blip>
-          <a:stretch>
-            <a:fillRect/>
-          </a:stretch>
-        </p:blipFill>
-        <p:spPr>
-          <a:xfrm>
-            <a:off x="8502652" y="2901401"/>
-            <a:ext cx="1098548" cy="1269510"/>
-          </a:xfrm>
-          <a:prstGeom prst="rect">
-            <a:avLst/>
-          </a:prstGeom>
-        </p:spPr>
-      </p:pic>
-    </p:spTree>
-    <p:extLst>
-      <p:ext uri="{BB962C8B-B14F-4D97-AF65-F5344CB8AC3E}">
-        <p14:creationId xmlns:p14="http://schemas.microsoft.com/office/powerpoint/2010/main" val="3069643818"/>
-      </p:ext>
-    </p:extLst>
-  </p:cSld>
-  <p:clrMapOvr>
-    <a:masterClrMapping/>
-  </p:clrMapOvr>
-</p:sld>
-</file>
-
-<file path=ppt/slides/slide21.xml><?xml version="1.0" encoding="utf-8"?>
-<p:sld xmlns:a="http://schemas.openxmlformats.org/drawingml/2006/main" xmlns:r="http://schemas.openxmlformats.org/officeDocument/2006/relationships" xmlns:p="http://schemas.openxmlformats.org/presentationml/2006/main">
-  <p:cSld>
-    <p:spTree>
-      <p:nvGrpSpPr>
-        <p:cNvPr id="1" name=""/>
-        <p:cNvGrpSpPr/>
-        <p:nvPr/>
-      </p:nvGrpSpPr>
-      <p:grpSpPr>
-        <a:xfrm>
-          <a:off x="0" y="0"/>
-          <a:ext cx="0" cy="0"/>
-          <a:chOff x="0" y="0"/>
-          <a:chExt cx="0" cy="0"/>
-        </a:xfrm>
-      </p:grpSpPr>
-      <p:sp>
-        <p:nvSpPr>
-          <p:cNvPr id="2" name="Titel 1">
-            <a:extLst>
-              <a:ext uri="{FF2B5EF4-FFF2-40B4-BE49-F238E27FC236}">
-                <a16:creationId xmlns:a16="http://schemas.microsoft.com/office/drawing/2014/main" id="{4B9E81D4-DD95-4B32-992B-FFEC4A70B73A}"/>
-              </a:ext>
-            </a:extLst>
-          </p:cNvPr>
-          <p:cNvSpPr>
-            <a:spLocks noGrp="1"/>
-          </p:cNvSpPr>
-          <p:nvPr>
-            <p:ph type="title"/>
           </p:nvPr>
         </p:nvSpPr>
         <p:spPr/>
@@ -7424,41 +7256,55 @@
           <a:bodyPr/>
           <a:lstStyle/>
           <a:p>
+            <a:endParaRPr lang="de-DE" dirty="0" smtClean="0"/>
+          </a:p>
+          <a:p>
+            <a:r>
+              <a:rPr lang="de-DE" dirty="0" smtClean="0"/>
+              <a:t>Vorgaben </a:t>
+            </a:r>
+            <a:r>
+              <a:rPr lang="de-DE" dirty="0" smtClean="0"/>
+              <a:t>aus dem </a:t>
+            </a:r>
+            <a:r>
+              <a:rPr lang="de-DE" dirty="0" smtClean="0"/>
+              <a:t>Pflichtenheft   </a:t>
+            </a:r>
+            <a:r>
+              <a:rPr lang="de-DE" dirty="0" smtClean="0"/>
+              <a:t>✔</a:t>
+            </a:r>
+          </a:p>
+          <a:p>
             <a:r>
               <a:rPr lang="de-DE" dirty="0"/>
-              <a:t>Programmablaufplan</a:t>
-            </a:r>
-          </a:p>
-        </p:txBody>
-      </p:sp>
-      <p:sp>
-        <p:nvSpPr>
-          <p:cNvPr id="3" name="Inhaltsplatzhalter 2">
-            <a:extLst>
-              <a:ext uri="{FF2B5EF4-FFF2-40B4-BE49-F238E27FC236}">
-                <a16:creationId xmlns:a16="http://schemas.microsoft.com/office/drawing/2014/main" id="{5774B52F-DFB2-4F6D-8E60-9ABCD730F084}"/>
-              </a:ext>
-            </a:extLst>
-          </p:cNvPr>
-          <p:cNvSpPr>
-            <a:spLocks noGrp="1"/>
-          </p:cNvSpPr>
-          <p:nvPr>
-            <p:ph idx="1"/>
-          </p:nvPr>
-        </p:nvSpPr>
-        <p:spPr/>
-        <p:txBody>
-          <a:bodyPr/>
-          <a:lstStyle/>
-          <a:p>
-            <a:pPr marL="0" indent="0">
-              <a:buNone/>
-            </a:pPr>
-            <a:r>
-              <a:rPr lang="de-DE" dirty="0"/>
-              <a:t>Flussdiagramm:</a:t>
-            </a:r>
+              <a:t>Funktionalität   ✔ </a:t>
+            </a:r>
+            <a:r>
+              <a:rPr lang="de-DE" dirty="0" smtClean="0"/>
+              <a:t>  </a:t>
+            </a:r>
+            <a:endParaRPr lang="de-DE" dirty="0" smtClean="0"/>
+          </a:p>
+          <a:p>
+            <a:r>
+              <a:rPr lang="de-DE" dirty="0" smtClean="0"/>
+              <a:t>Praxiseinsatz   </a:t>
+            </a:r>
+            <a:r>
+              <a:rPr lang="de-DE" dirty="0" smtClean="0"/>
+              <a:t>✔</a:t>
+            </a:r>
+          </a:p>
+          <a:p>
+            <a:r>
+              <a:rPr lang="de-DE" dirty="0" smtClean="0"/>
+              <a:t>Aussicht</a:t>
+            </a:r>
+          </a:p>
+          <a:p>
+            <a:endParaRPr lang="de-DE" dirty="0"/>
           </a:p>
           <a:p>
             <a:pPr marL="0" indent="0">
@@ -7466,66 +7312,12 @@
             </a:pPr>
             <a:endParaRPr lang="de-DE" dirty="0"/>
           </a:p>
-          <a:p>
-            <a:pPr marL="0" indent="0">
-              <a:buNone/>
-            </a:pPr>
-            <a:r>
-              <a:rPr lang="de-DE" dirty="0"/>
-              <a:t>Fallprüfung und Speicherung wurden </a:t>
-            </a:r>
-          </a:p>
-          <a:p>
-            <a:pPr marL="0" indent="0">
-              <a:buNone/>
-            </a:pPr>
-            <a:r>
-              <a:rPr lang="de-DE" dirty="0"/>
-              <a:t>zusammengefasst</a:t>
-            </a:r>
-          </a:p>
-          <a:p>
-            <a:pPr marL="0" indent="0">
-              <a:buNone/>
-            </a:pPr>
-            <a:endParaRPr lang="de-DE" dirty="0"/>
-          </a:p>
-        </p:txBody>
-      </p:sp>
-      <p:pic>
-        <p:nvPicPr>
-          <p:cNvPr id="4" name="Grafik 3">
-            <a:extLst>
-              <a:ext uri="{FF2B5EF4-FFF2-40B4-BE49-F238E27FC236}">
-                <a16:creationId xmlns:a16="http://schemas.microsoft.com/office/drawing/2014/main" id="{F2B7CFF8-5EF4-41BA-ABE3-B3A891BF4B55}"/>
-              </a:ext>
-            </a:extLst>
-          </p:cNvPr>
-          <p:cNvPicPr>
-            <a:picLocks noChangeAspect="1"/>
-          </p:cNvPicPr>
-          <p:nvPr/>
-        </p:nvPicPr>
-        <p:blipFill>
-          <a:blip r:embed="rId2"/>
-          <a:stretch>
-            <a:fillRect/>
-          </a:stretch>
-        </p:blipFill>
-        <p:spPr>
-          <a:xfrm>
-            <a:off x="7322074" y="0"/>
-            <a:ext cx="4761452" cy="6858000"/>
-          </a:xfrm>
-          <a:prstGeom prst="rect">
-            <a:avLst/>
-          </a:prstGeom>
-        </p:spPr>
-      </p:pic>
+        </p:txBody>
+      </p:sp>
     </p:spTree>
     <p:extLst>
       <p:ext uri="{BB962C8B-B14F-4D97-AF65-F5344CB8AC3E}">
-        <p14:creationId xmlns:p14="http://schemas.microsoft.com/office/powerpoint/2010/main" val="1324825478"/>
+        <p14:creationId xmlns:p14="http://schemas.microsoft.com/office/powerpoint/2010/main" val="2814264608"/>
       </p:ext>
     </p:extLst>
   </p:cSld>
@@ -7553,7 +7345,7 @@
                             </p:stCondLst>
                             <p:childTnLst>
                               <p:par>
-                                <p:cTn id="5" presetID="2" presetClass="entr" presetSubtype="4" fill="hold" nodeType="clickEffect">
+                                <p:cTn id="5" presetID="1" presetClass="entr" presetSubtype="0" fill="hold" grpId="0" nodeType="clickEffect">
                                   <p:stCondLst>
                                     <p:cond delay="0"/>
                                   </p:stCondLst>
@@ -7566,7 +7358,11 @@
                                           </p:stCondLst>
                                         </p:cTn>
                                         <p:tgtEl>
-                                          <p:spTgt spid="4"/>
+                                          <p:spTgt spid="3">
+                                            <p:txEl>
+                                              <p:pRg st="1" end="1"/>
+                                            </p:txEl>
+                                          </p:spTgt>
                                         </p:tgtEl>
                                         <p:attrNameLst>
                                           <p:attrName>style.visibility</p:attrName>
@@ -7576,520 +7372,6 @@
                                         <p:strVal val="visible"/>
                                       </p:to>
                                     </p:set>
-                                    <p:anim calcmode="lin" valueType="num">
-                                      <p:cBhvr additive="base">
-                                        <p:cTn id="7" dur="500" fill="hold"/>
-                                        <p:tgtEl>
-                                          <p:spTgt spid="4"/>
-                                        </p:tgtEl>
-                                        <p:attrNameLst>
-                                          <p:attrName>ppt_x</p:attrName>
-                                        </p:attrNameLst>
-                                      </p:cBhvr>
-                                      <p:tavLst>
-                                        <p:tav tm="0">
-                                          <p:val>
-                                            <p:strVal val="#ppt_x"/>
-                                          </p:val>
-                                        </p:tav>
-                                        <p:tav tm="100000">
-                                          <p:val>
-                                            <p:strVal val="#ppt_x"/>
-                                          </p:val>
-                                        </p:tav>
-                                      </p:tavLst>
-                                    </p:anim>
-                                    <p:anim calcmode="lin" valueType="num">
-                                      <p:cBhvr additive="base">
-                                        <p:cTn id="8" dur="500" fill="hold"/>
-                                        <p:tgtEl>
-                                          <p:spTgt spid="4"/>
-                                        </p:tgtEl>
-                                        <p:attrNameLst>
-                                          <p:attrName>ppt_y</p:attrName>
-                                        </p:attrNameLst>
-                                      </p:cBhvr>
-                                      <p:tavLst>
-                                        <p:tav tm="0">
-                                          <p:val>
-                                            <p:strVal val="1+#ppt_h/2"/>
-                                          </p:val>
-                                        </p:tav>
-                                        <p:tav tm="100000">
-                                          <p:val>
-                                            <p:strVal val="#ppt_y"/>
-                                          </p:val>
-                                        </p:tav>
-                                      </p:tavLst>
-                                    </p:anim>
-                                  </p:childTnLst>
-                                </p:cTn>
-                              </p:par>
-                            </p:childTnLst>
-                          </p:cTn>
-                        </p:par>
-                      </p:childTnLst>
-                    </p:cTn>
-                  </p:par>
-                </p:childTnLst>
-              </p:cTn>
-              <p:prevCondLst>
-                <p:cond evt="onPrev" delay="0">
-                  <p:tgtEl>
-                    <p:sldTgt/>
-                  </p:tgtEl>
-                </p:cond>
-              </p:prevCondLst>
-              <p:nextCondLst>
-                <p:cond evt="onNext" delay="0">
-                  <p:tgtEl>
-                    <p:sldTgt/>
-                  </p:tgtEl>
-                </p:cond>
-              </p:nextCondLst>
-            </p:seq>
-          </p:childTnLst>
-        </p:cTn>
-      </p:par>
-    </p:tnLst>
-  </p:timing>
-</p:sld>
-</file>
-
-<file path=ppt/slides/slide22.xml><?xml version="1.0" encoding="utf-8"?>
-<p:sld xmlns:a="http://schemas.openxmlformats.org/drawingml/2006/main" xmlns:r="http://schemas.openxmlformats.org/officeDocument/2006/relationships" xmlns:p="http://schemas.openxmlformats.org/presentationml/2006/main">
-  <p:cSld>
-    <p:spTree>
-      <p:nvGrpSpPr>
-        <p:cNvPr id="1" name=""/>
-        <p:cNvGrpSpPr/>
-        <p:nvPr/>
-      </p:nvGrpSpPr>
-      <p:grpSpPr>
-        <a:xfrm>
-          <a:off x="0" y="0"/>
-          <a:ext cx="0" cy="0"/>
-          <a:chOff x="0" y="0"/>
-          <a:chExt cx="0" cy="0"/>
-        </a:xfrm>
-      </p:grpSpPr>
-      <p:sp>
-        <p:nvSpPr>
-          <p:cNvPr id="2" name="Titel 1">
-            <a:extLst>
-              <a:ext uri="{FF2B5EF4-FFF2-40B4-BE49-F238E27FC236}">
-                <a16:creationId xmlns:a16="http://schemas.microsoft.com/office/drawing/2014/main" id="{4614CC51-2AB4-4301-AD4C-12B3FCF84AEB}"/>
-              </a:ext>
-            </a:extLst>
-          </p:cNvPr>
-          <p:cNvSpPr>
-            <a:spLocks noGrp="1"/>
-          </p:cNvSpPr>
-          <p:nvPr>
-            <p:ph type="title"/>
-          </p:nvPr>
-        </p:nvSpPr>
-        <p:spPr/>
-        <p:txBody>
-          <a:bodyPr/>
-          <a:lstStyle/>
-          <a:p>
-            <a:r>
-              <a:rPr lang="de-DE" dirty="0"/>
-              <a:t>Entwurf der Benutzeroberfläche</a:t>
-            </a:r>
-          </a:p>
-        </p:txBody>
-      </p:sp>
-      <p:pic>
-        <p:nvPicPr>
-          <p:cNvPr id="4" name="Inhaltsplatzhalter 3">
-            <a:extLst>
-              <a:ext uri="{FF2B5EF4-FFF2-40B4-BE49-F238E27FC236}">
-                <a16:creationId xmlns:a16="http://schemas.microsoft.com/office/drawing/2014/main" id="{1CB58F13-73A5-4426-9311-615D21CC533F}"/>
-              </a:ext>
-            </a:extLst>
-          </p:cNvPr>
-          <p:cNvPicPr>
-            <a:picLocks noGrp="1" noChangeAspect="1"/>
-          </p:cNvPicPr>
-          <p:nvPr>
-            <p:ph idx="1"/>
-          </p:nvPr>
-        </p:nvPicPr>
-        <p:blipFill>
-          <a:blip r:embed="rId2"/>
-          <a:stretch>
-            <a:fillRect/>
-          </a:stretch>
-        </p:blipFill>
-        <p:spPr>
-          <a:xfrm>
-            <a:off x="2703120" y="1825625"/>
-            <a:ext cx="6785759" cy="4351338"/>
-          </a:xfrm>
-          <a:prstGeom prst="rect">
-            <a:avLst/>
-          </a:prstGeom>
-        </p:spPr>
-      </p:pic>
-    </p:spTree>
-    <p:extLst>
-      <p:ext uri="{BB962C8B-B14F-4D97-AF65-F5344CB8AC3E}">
-        <p14:creationId xmlns:p14="http://schemas.microsoft.com/office/powerpoint/2010/main" val="1150668383"/>
-      </p:ext>
-    </p:extLst>
-  </p:cSld>
-  <p:clrMapOvr>
-    <a:masterClrMapping/>
-  </p:clrMapOvr>
-  <p:timing>
-    <p:tnLst>
-      <p:par>
-        <p:cTn id="1" dur="indefinite" restart="never" nodeType="tmRoot">
-          <p:childTnLst>
-            <p:seq concurrent="1" nextAc="seek">
-              <p:cTn id="2" dur="indefinite" nodeType="mainSeq">
-                <p:childTnLst>
-                  <p:par>
-                    <p:cTn id="3" fill="hold">
-                      <p:stCondLst>
-                        <p:cond delay="indefinite"/>
-                        <p:cond evt="onBegin" delay="0">
-                          <p:tn val="2"/>
-                        </p:cond>
-                      </p:stCondLst>
-                      <p:childTnLst>
-                        <p:par>
-                          <p:cTn id="4" fill="hold">
-                            <p:stCondLst>
-                              <p:cond delay="0"/>
-                            </p:stCondLst>
-                            <p:childTnLst>
-                              <p:par>
-                                <p:cTn id="5" presetID="6" presetClass="emph" presetSubtype="0" fill="hold" nodeType="withEffect">
-                                  <p:stCondLst>
-                                    <p:cond delay="5000"/>
-                                  </p:stCondLst>
-                                  <p:childTnLst>
-                                    <p:animScale>
-                                      <p:cBhvr>
-                                        <p:cTn id="6" dur="2000" fill="hold"/>
-                                        <p:tgtEl>
-                                          <p:spTgt spid="4"/>
-                                        </p:tgtEl>
-                                      </p:cBhvr>
-                                      <p:by x="150000" y="150000"/>
-                                    </p:animScale>
-                                  </p:childTnLst>
-                                </p:cTn>
-                              </p:par>
-                            </p:childTnLst>
-                          </p:cTn>
-                        </p:par>
-                      </p:childTnLst>
-                    </p:cTn>
-                  </p:par>
-                </p:childTnLst>
-              </p:cTn>
-              <p:prevCondLst>
-                <p:cond evt="onPrev" delay="0">
-                  <p:tgtEl>
-                    <p:sldTgt/>
-                  </p:tgtEl>
-                </p:cond>
-              </p:prevCondLst>
-              <p:nextCondLst>
-                <p:cond evt="onNext" delay="0">
-                  <p:tgtEl>
-                    <p:sldTgt/>
-                  </p:tgtEl>
-                </p:cond>
-              </p:nextCondLst>
-            </p:seq>
-          </p:childTnLst>
-        </p:cTn>
-      </p:par>
-    </p:tnLst>
-  </p:timing>
-</p:sld>
-</file>
-
-<file path=ppt/slides/slide23.xml><?xml version="1.0" encoding="utf-8"?>
-<p:sld xmlns:a="http://schemas.openxmlformats.org/drawingml/2006/main" xmlns:r="http://schemas.openxmlformats.org/officeDocument/2006/relationships" xmlns:p="http://schemas.openxmlformats.org/presentationml/2006/main">
-  <p:cSld>
-    <p:spTree>
-      <p:nvGrpSpPr>
-        <p:cNvPr id="1" name=""/>
-        <p:cNvGrpSpPr/>
-        <p:nvPr/>
-      </p:nvGrpSpPr>
-      <p:grpSpPr>
-        <a:xfrm>
-          <a:off x="0" y="0"/>
-          <a:ext cx="0" cy="0"/>
-          <a:chOff x="0" y="0"/>
-          <a:chExt cx="0" cy="0"/>
-        </a:xfrm>
-      </p:grpSpPr>
-      <p:sp>
-        <p:nvSpPr>
-          <p:cNvPr id="2" name="Titel 1">
-            <a:extLst>
-              <a:ext uri="{FF2B5EF4-FFF2-40B4-BE49-F238E27FC236}">
-                <a16:creationId xmlns:a16="http://schemas.microsoft.com/office/drawing/2014/main" id="{6A5892FC-DBFE-4D3E-B13A-E2F1C0CC2256}"/>
-              </a:ext>
-            </a:extLst>
-          </p:cNvPr>
-          <p:cNvSpPr>
-            <a:spLocks noGrp="1"/>
-          </p:cNvSpPr>
-          <p:nvPr>
-            <p:ph type="title"/>
-          </p:nvPr>
-        </p:nvSpPr>
-        <p:spPr/>
-        <p:txBody>
-          <a:bodyPr/>
-          <a:lstStyle/>
-          <a:p>
-            <a:r>
-              <a:rPr lang="de-DE" dirty="0"/>
-              <a:t>Datenmodell</a:t>
-            </a:r>
-          </a:p>
-        </p:txBody>
-      </p:sp>
-      <p:pic>
-        <p:nvPicPr>
-          <p:cNvPr id="9" name="Inhaltsplatzhalter 8">
-            <a:extLst>
-              <a:ext uri="{FF2B5EF4-FFF2-40B4-BE49-F238E27FC236}">
-                <a16:creationId xmlns:a16="http://schemas.microsoft.com/office/drawing/2014/main" id="{D63F8477-796D-4700-BCCD-4F3DB9F516EA}"/>
-              </a:ext>
-            </a:extLst>
-          </p:cNvPr>
-          <p:cNvPicPr>
-            <a:picLocks noGrp="1" noChangeAspect="1"/>
-          </p:cNvPicPr>
-          <p:nvPr>
-            <p:ph idx="1"/>
-          </p:nvPr>
-        </p:nvPicPr>
-        <p:blipFill>
-          <a:blip r:embed="rId2"/>
-          <a:stretch>
-            <a:fillRect/>
-          </a:stretch>
-        </p:blipFill>
-        <p:spPr>
-          <a:xfrm>
-            <a:off x="4285788" y="1825625"/>
-            <a:ext cx="3620424" cy="4351338"/>
-          </a:xfrm>
-          <a:prstGeom prst="rect">
-            <a:avLst/>
-          </a:prstGeom>
-        </p:spPr>
-      </p:pic>
-    </p:spTree>
-    <p:extLst>
-      <p:ext uri="{BB962C8B-B14F-4D97-AF65-F5344CB8AC3E}">
-        <p14:creationId xmlns:p14="http://schemas.microsoft.com/office/powerpoint/2010/main" val="3018434883"/>
-      </p:ext>
-    </p:extLst>
-  </p:cSld>
-  <p:clrMapOvr>
-    <a:masterClrMapping/>
-  </p:clrMapOvr>
-</p:sld>
-</file>
-
-<file path=ppt/slides/slide24.xml><?xml version="1.0" encoding="utf-8"?>
-<p:sld xmlns:a="http://schemas.openxmlformats.org/drawingml/2006/main" xmlns:r="http://schemas.openxmlformats.org/officeDocument/2006/relationships" xmlns:p="http://schemas.openxmlformats.org/presentationml/2006/main">
-  <p:cSld>
-    <p:spTree>
-      <p:nvGrpSpPr>
-        <p:cNvPr id="1" name=""/>
-        <p:cNvGrpSpPr/>
-        <p:nvPr/>
-      </p:nvGrpSpPr>
-      <p:grpSpPr>
-        <a:xfrm>
-          <a:off x="0" y="0"/>
-          <a:ext cx="0" cy="0"/>
-          <a:chOff x="0" y="0"/>
-          <a:chExt cx="0" cy="0"/>
-        </a:xfrm>
-      </p:grpSpPr>
-      <p:sp>
-        <p:nvSpPr>
-          <p:cNvPr id="2" name="Titel 1">
-            <a:extLst>
-              <a:ext uri="{FF2B5EF4-FFF2-40B4-BE49-F238E27FC236}">
-                <a16:creationId xmlns:a16="http://schemas.microsoft.com/office/drawing/2014/main" id="{6A5892FC-DBFE-4D3E-B13A-E2F1C0CC2256}"/>
-              </a:ext>
-            </a:extLst>
-          </p:cNvPr>
-          <p:cNvSpPr>
-            <a:spLocks noGrp="1"/>
-          </p:cNvSpPr>
-          <p:nvPr>
-            <p:ph type="title"/>
-          </p:nvPr>
-        </p:nvSpPr>
-        <p:spPr/>
-        <p:txBody>
-          <a:bodyPr/>
-          <a:lstStyle/>
-          <a:p>
-            <a:r>
-              <a:rPr lang="de-DE" dirty="0"/>
-              <a:t>Datenmodell</a:t>
-            </a:r>
-          </a:p>
-        </p:txBody>
-      </p:sp>
-      <p:pic>
-        <p:nvPicPr>
-          <p:cNvPr id="4" name="Inhaltsplatzhalter 3">
-            <a:extLst>
-              <a:ext uri="{FF2B5EF4-FFF2-40B4-BE49-F238E27FC236}">
-                <a16:creationId xmlns:a16="http://schemas.microsoft.com/office/drawing/2014/main" id="{F2396138-9F3C-4A25-911B-3203874A3A67}"/>
-              </a:ext>
-            </a:extLst>
-          </p:cNvPr>
-          <p:cNvPicPr>
-            <a:picLocks noGrp="1" noChangeAspect="1"/>
-          </p:cNvPicPr>
-          <p:nvPr>
-            <p:ph idx="1"/>
-          </p:nvPr>
-        </p:nvPicPr>
-        <p:blipFill>
-          <a:blip r:embed="rId2"/>
-          <a:stretch>
-            <a:fillRect/>
-          </a:stretch>
-        </p:blipFill>
-        <p:spPr>
-          <a:xfrm>
-            <a:off x="1489587" y="2371597"/>
-            <a:ext cx="8229600" cy="3200400"/>
-          </a:xfrm>
-          <a:prstGeom prst="rect">
-            <a:avLst/>
-          </a:prstGeom>
-        </p:spPr>
-      </p:pic>
-      <p:pic>
-        <p:nvPicPr>
-          <p:cNvPr id="3" name="Grafik 2">
-            <a:extLst>
-              <a:ext uri="{FF2B5EF4-FFF2-40B4-BE49-F238E27FC236}">
-                <a16:creationId xmlns:a16="http://schemas.microsoft.com/office/drawing/2014/main" id="{5905E8AD-CE61-43AC-B4F0-0B572E6CE4BE}"/>
-              </a:ext>
-            </a:extLst>
-          </p:cNvPr>
-          <p:cNvPicPr>
-            <a:picLocks noChangeAspect="1"/>
-          </p:cNvPicPr>
-          <p:nvPr/>
-        </p:nvPicPr>
-        <p:blipFill>
-          <a:blip r:embed="rId3"/>
-          <a:stretch>
-            <a:fillRect/>
-          </a:stretch>
-        </p:blipFill>
-        <p:spPr>
-          <a:xfrm>
-            <a:off x="2617840" y="1727559"/>
-            <a:ext cx="6209071" cy="4979987"/>
-          </a:xfrm>
-          <a:prstGeom prst="rect">
-            <a:avLst/>
-          </a:prstGeom>
-        </p:spPr>
-      </p:pic>
-      <p:pic>
-        <p:nvPicPr>
-          <p:cNvPr id="5" name="Grafik 4">
-            <a:extLst>
-              <a:ext uri="{FF2B5EF4-FFF2-40B4-BE49-F238E27FC236}">
-                <a16:creationId xmlns:a16="http://schemas.microsoft.com/office/drawing/2014/main" id="{7161A4EF-114F-42A9-944D-041EE94E33DB}"/>
-              </a:ext>
-            </a:extLst>
-          </p:cNvPr>
-          <p:cNvPicPr>
-            <a:picLocks noChangeAspect="1"/>
-          </p:cNvPicPr>
-          <p:nvPr/>
-        </p:nvPicPr>
-        <p:blipFill>
-          <a:blip r:embed="rId4"/>
-          <a:stretch>
-            <a:fillRect/>
-          </a:stretch>
-        </p:blipFill>
-        <p:spPr>
-          <a:xfrm>
-            <a:off x="2383862" y="5154971"/>
-            <a:ext cx="6677025" cy="1552575"/>
-          </a:xfrm>
-          <a:prstGeom prst="rect">
-            <a:avLst/>
-          </a:prstGeom>
-        </p:spPr>
-      </p:pic>
-    </p:spTree>
-    <p:extLst>
-      <p:ext uri="{BB962C8B-B14F-4D97-AF65-F5344CB8AC3E}">
-        <p14:creationId xmlns:p14="http://schemas.microsoft.com/office/powerpoint/2010/main" val="4178148343"/>
-      </p:ext>
-    </p:extLst>
-  </p:cSld>
-  <p:clrMapOvr>
-    <a:masterClrMapping/>
-  </p:clrMapOvr>
-  <p:timing>
-    <p:tnLst>
-      <p:par>
-        <p:cTn id="1" dur="indefinite" restart="never" nodeType="tmRoot">
-          <p:childTnLst>
-            <p:seq concurrent="1" nextAc="seek">
-              <p:cTn id="2" dur="indefinite" nodeType="mainSeq">
-                <p:childTnLst>
-                  <p:par>
-                    <p:cTn id="3" fill="hold">
-                      <p:stCondLst>
-                        <p:cond delay="indefinite"/>
-                        <p:cond evt="onBegin" delay="0">
-                          <p:tn val="2"/>
-                        </p:cond>
-                      </p:stCondLst>
-                      <p:childTnLst>
-                        <p:par>
-                          <p:cTn id="4" fill="hold">
-                            <p:stCondLst>
-                              <p:cond delay="0"/>
-                            </p:stCondLst>
-                            <p:childTnLst>
-                              <p:par>
-                                <p:cTn id="5" presetID="6" presetClass="emph" presetSubtype="0" fill="hold" nodeType="withEffect">
-                                  <p:stCondLst>
-                                    <p:cond delay="3000"/>
-                                  </p:stCondLst>
-                                  <p:childTnLst>
-                                    <p:animScale>
-                                      <p:cBhvr>
-                                        <p:cTn id="6" dur="3000" fill="hold"/>
-                                        <p:tgtEl>
-                                          <p:spTgt spid="4"/>
-                                        </p:tgtEl>
-                                      </p:cBhvr>
-                                      <p:by x="150000" y="150000"/>
-                                    </p:animScale>
                                   </p:childTnLst>
                                 </p:cTn>
                               </p:par>
@@ -8112,7 +7394,7 @@
                             </p:stCondLst>
                             <p:childTnLst>
                               <p:par>
-                                <p:cTn id="9" presetID="1" presetClass="entr" presetSubtype="0" fill="hold" nodeType="clickEffect">
+                                <p:cTn id="9" presetID="1" presetClass="entr" presetSubtype="0" fill="hold" grpId="0" nodeType="clickEffect">
                                   <p:stCondLst>
                                     <p:cond delay="0"/>
                                   </p:stCondLst>
@@ -8125,7 +7407,11 @@
                                           </p:stCondLst>
                                         </p:cTn>
                                         <p:tgtEl>
-                                          <p:spTgt spid="3"/>
+                                          <p:spTgt spid="3">
+                                            <p:txEl>
+                                              <p:pRg st="2" end="2"/>
+                                            </p:txEl>
+                                          </p:spTgt>
                                         </p:tgtEl>
                                         <p:attrNameLst>
                                           <p:attrName>style.visibility</p:attrName>
@@ -8157,7 +7443,7 @@
                             </p:stCondLst>
                             <p:childTnLst>
                               <p:par>
-                                <p:cTn id="13" presetID="1" presetClass="entr" presetSubtype="0" fill="hold" nodeType="clickEffect">
+                                <p:cTn id="13" presetID="1" presetClass="entr" presetSubtype="0" fill="hold" grpId="0" nodeType="clickEffect">
                                   <p:stCondLst>
                                     <p:cond delay="0"/>
                                   </p:stCondLst>
@@ -8170,7 +7456,60 @@
                                           </p:stCondLst>
                                         </p:cTn>
                                         <p:tgtEl>
-                                          <p:spTgt spid="5"/>
+                                          <p:spTgt spid="3">
+                                            <p:txEl>
+                                              <p:pRg st="3" end="3"/>
+                                            </p:txEl>
+                                          </p:spTgt>
+                                        </p:tgtEl>
+                                        <p:attrNameLst>
+                                          <p:attrName>style.visibility</p:attrName>
+                                        </p:attrNameLst>
+                                      </p:cBhvr>
+                                      <p:to>
+                                        <p:strVal val="visible"/>
+                                      </p:to>
+                                    </p:set>
+                                  </p:childTnLst>
+                                </p:cTn>
+                              </p:par>
+                            </p:childTnLst>
+                          </p:cTn>
+                        </p:par>
+                      </p:childTnLst>
+                    </p:cTn>
+                  </p:par>
+                  <p:par>
+                    <p:cTn id="15" fill="hold">
+                      <p:stCondLst>
+                        <p:cond delay="indefinite"/>
+                      </p:stCondLst>
+                      <p:childTnLst>
+                        <p:par>
+                          <p:cTn id="16" fill="hold">
+                            <p:stCondLst>
+                              <p:cond delay="0"/>
+                            </p:stCondLst>
+                            <p:childTnLst>
+                              <p:par>
+                                <p:cTn id="17" presetID="1" presetClass="entr" presetSubtype="0" fill="hold" grpId="0" nodeType="clickEffect">
+                                  <p:stCondLst>
+                                    <p:cond delay="0"/>
+                                  </p:stCondLst>
+                                  <p:childTnLst>
+                                    <p:set>
+                                      <p:cBhvr>
+                                        <p:cTn id="18" dur="1" fill="hold">
+                                          <p:stCondLst>
+                                            <p:cond delay="0"/>
+                                          </p:stCondLst>
+                                        </p:cTn>
+                                        <p:tgtEl>
+                                          <p:spTgt spid="3">
+                                            <p:txEl>
+                                              <p:pRg st="4" end="4"/>
+                                            </p:txEl>
+                                          </p:spTgt>
                                         </p:tgtEl>
                                         <p:attrNameLst>
                                           <p:attrName>style.visibility</p:attrName>
@@ -8210,921 +7549,9 @@
         </p:cTn>
       </p:par>
     </p:tnLst>
-  </p:timing>
-</p:sld>
-</file>
-
-<file path=ppt/slides/slide25.xml><?xml version="1.0" encoding="utf-8"?>
-<p:sld xmlns:a="http://schemas.openxmlformats.org/drawingml/2006/main" xmlns:r="http://schemas.openxmlformats.org/officeDocument/2006/relationships" xmlns:p="http://schemas.openxmlformats.org/presentationml/2006/main">
-  <p:cSld>
-    <p:spTree>
-      <p:nvGrpSpPr>
-        <p:cNvPr id="1" name=""/>
-        <p:cNvGrpSpPr/>
-        <p:nvPr/>
-      </p:nvGrpSpPr>
-      <p:grpSpPr>
-        <a:xfrm>
-          <a:off x="0" y="0"/>
-          <a:ext cx="0" cy="0"/>
-          <a:chOff x="0" y="0"/>
-          <a:chExt cx="0" cy="0"/>
-        </a:xfrm>
-      </p:grpSpPr>
-      <p:sp>
-        <p:nvSpPr>
-          <p:cNvPr id="2" name="Titel 1">
-            <a:extLst>
-              <a:ext uri="{FF2B5EF4-FFF2-40B4-BE49-F238E27FC236}">
-                <a16:creationId xmlns:a16="http://schemas.microsoft.com/office/drawing/2014/main" id="{A6DAC2EB-FBDB-469B-83E3-7431C355CB50}"/>
-              </a:ext>
-            </a:extLst>
-          </p:cNvPr>
-          <p:cNvSpPr>
-            <a:spLocks noGrp="1"/>
-          </p:cNvSpPr>
-          <p:nvPr>
-            <p:ph type="title"/>
-          </p:nvPr>
-        </p:nvSpPr>
-        <p:spPr/>
-        <p:txBody>
-          <a:bodyPr/>
-          <a:lstStyle/>
-          <a:p>
-            <a:r>
-              <a:rPr lang="de-DE" dirty="0"/>
-              <a:t>Anzeige: Übersicht</a:t>
-            </a:r>
-          </a:p>
-        </p:txBody>
-      </p:sp>
-      <p:pic>
-        <p:nvPicPr>
-          <p:cNvPr id="4" name="Inhaltsplatzhalter 3">
-            <a:extLst>
-              <a:ext uri="{FF2B5EF4-FFF2-40B4-BE49-F238E27FC236}">
-                <a16:creationId xmlns:a16="http://schemas.microsoft.com/office/drawing/2014/main" id="{D54EEABE-B356-49BC-86BA-AEF8057A880E}"/>
-              </a:ext>
-            </a:extLst>
-          </p:cNvPr>
-          <p:cNvPicPr>
-            <a:picLocks noGrp="1" noChangeAspect="1"/>
-          </p:cNvPicPr>
-          <p:nvPr>
-            <p:ph idx="1"/>
-          </p:nvPr>
-        </p:nvPicPr>
-        <p:blipFill>
-          <a:blip r:embed="rId2"/>
-          <a:stretch>
-            <a:fillRect/>
-          </a:stretch>
-        </p:blipFill>
-        <p:spPr>
-          <a:xfrm>
-            <a:off x="3189119" y="1348253"/>
-            <a:ext cx="5962623" cy="4744204"/>
-          </a:xfrm>
-          <a:prstGeom prst="rect">
-            <a:avLst/>
-          </a:prstGeom>
-        </p:spPr>
-      </p:pic>
-    </p:spTree>
-    <p:extLst>
-      <p:ext uri="{BB962C8B-B14F-4D97-AF65-F5344CB8AC3E}">
-        <p14:creationId xmlns:p14="http://schemas.microsoft.com/office/powerpoint/2010/main" val="174903478"/>
-      </p:ext>
-    </p:extLst>
-  </p:cSld>
-  <p:clrMapOvr>
-    <a:masterClrMapping/>
-  </p:clrMapOvr>
-  <p:timing>
-    <p:tnLst>
-      <p:par>
-        <p:cTn id="1" dur="indefinite" restart="never" nodeType="tmRoot">
-          <p:childTnLst>
-            <p:seq concurrent="1" nextAc="seek">
-              <p:cTn id="2" dur="indefinite" nodeType="mainSeq">
-                <p:childTnLst>
-                  <p:par>
-                    <p:cTn id="3" fill="hold">
-                      <p:stCondLst>
-                        <p:cond delay="indefinite"/>
-                        <p:cond evt="onBegin" delay="0">
-                          <p:tn val="2"/>
-                        </p:cond>
-                      </p:stCondLst>
-                      <p:childTnLst>
-                        <p:par>
-                          <p:cTn id="4" fill="hold">
-                            <p:stCondLst>
-                              <p:cond delay="0"/>
-                            </p:stCondLst>
-                            <p:childTnLst>
-                              <p:par>
-                                <p:cTn id="5" presetID="6" presetClass="emph" presetSubtype="0" fill="hold" nodeType="afterEffect">
-                                  <p:stCondLst>
-                                    <p:cond delay="5000"/>
-                                  </p:stCondLst>
-                                  <p:childTnLst>
-                                    <p:animScale>
-                                      <p:cBhvr>
-                                        <p:cTn id="6" dur="2000" fill="hold"/>
-                                        <p:tgtEl>
-                                          <p:spTgt spid="4"/>
-                                        </p:tgtEl>
-                                      </p:cBhvr>
-                                      <p:by x="150000" y="150000"/>
-                                    </p:animScale>
-                                  </p:childTnLst>
-                                </p:cTn>
-                              </p:par>
-                            </p:childTnLst>
-                          </p:cTn>
-                        </p:par>
-                      </p:childTnLst>
-                    </p:cTn>
-                  </p:par>
-                </p:childTnLst>
-              </p:cTn>
-              <p:prevCondLst>
-                <p:cond evt="onPrev" delay="0">
-                  <p:tgtEl>
-                    <p:sldTgt/>
-                  </p:tgtEl>
-                </p:cond>
-              </p:prevCondLst>
-              <p:nextCondLst>
-                <p:cond evt="onNext" delay="0">
-                  <p:tgtEl>
-                    <p:sldTgt/>
-                  </p:tgtEl>
-                </p:cond>
-              </p:nextCondLst>
-            </p:seq>
-          </p:childTnLst>
-        </p:cTn>
-      </p:par>
-    </p:tnLst>
-  </p:timing>
-</p:sld>
-</file>
-
-<file path=ppt/slides/slide26.xml><?xml version="1.0" encoding="utf-8"?>
-<p:sld xmlns:a="http://schemas.openxmlformats.org/drawingml/2006/main" xmlns:r="http://schemas.openxmlformats.org/officeDocument/2006/relationships" xmlns:p="http://schemas.openxmlformats.org/presentationml/2006/main">
-  <p:cSld>
-    <p:spTree>
-      <p:nvGrpSpPr>
-        <p:cNvPr id="1" name=""/>
-        <p:cNvGrpSpPr/>
-        <p:nvPr/>
-      </p:nvGrpSpPr>
-      <p:grpSpPr>
-        <a:xfrm>
-          <a:off x="0" y="0"/>
-          <a:ext cx="0" cy="0"/>
-          <a:chOff x="0" y="0"/>
-          <a:chExt cx="0" cy="0"/>
-        </a:xfrm>
-      </p:grpSpPr>
-      <p:sp>
-        <p:nvSpPr>
-          <p:cNvPr id="2" name="Titel 1">
-            <a:extLst>
-              <a:ext uri="{FF2B5EF4-FFF2-40B4-BE49-F238E27FC236}">
-                <a16:creationId xmlns:a16="http://schemas.microsoft.com/office/drawing/2014/main" id="{E7049DCC-8CFD-47DE-973F-3D5DB6887D3E}"/>
-              </a:ext>
-            </a:extLst>
-          </p:cNvPr>
-          <p:cNvSpPr>
-            <a:spLocks noGrp="1"/>
-          </p:cNvSpPr>
-          <p:nvPr>
-            <p:ph type="title"/>
-          </p:nvPr>
-        </p:nvSpPr>
-        <p:spPr/>
-        <p:txBody>
-          <a:bodyPr/>
-          <a:lstStyle/>
-          <a:p>
-            <a:r>
-              <a:rPr lang="de-DE" dirty="0"/>
-              <a:t>Detailansicht Erfolge</a:t>
-            </a:r>
-          </a:p>
-        </p:txBody>
-      </p:sp>
-      <p:pic>
-        <p:nvPicPr>
-          <p:cNvPr id="4" name="Inhaltsplatzhalter 3">
-            <a:extLst>
-              <a:ext uri="{FF2B5EF4-FFF2-40B4-BE49-F238E27FC236}">
-                <a16:creationId xmlns:a16="http://schemas.microsoft.com/office/drawing/2014/main" id="{BCADC9F2-61D2-4D90-BBFF-18FEE1AA8CB9}"/>
-              </a:ext>
-            </a:extLst>
-          </p:cNvPr>
-          <p:cNvPicPr>
-            <a:picLocks noGrp="1" noChangeAspect="1"/>
-          </p:cNvPicPr>
-          <p:nvPr>
-            <p:ph idx="1"/>
-          </p:nvPr>
-        </p:nvPicPr>
-        <p:blipFill>
-          <a:blip r:embed="rId2"/>
-          <a:stretch>
-            <a:fillRect/>
-          </a:stretch>
-        </p:blipFill>
-        <p:spPr>
-          <a:xfrm>
-            <a:off x="838200" y="2665831"/>
-            <a:ext cx="10515600" cy="2670925"/>
-          </a:xfrm>
-          <a:prstGeom prst="rect">
-            <a:avLst/>
-          </a:prstGeom>
-        </p:spPr>
-      </p:pic>
-    </p:spTree>
-    <p:extLst>
-      <p:ext uri="{BB962C8B-B14F-4D97-AF65-F5344CB8AC3E}">
-        <p14:creationId xmlns:p14="http://schemas.microsoft.com/office/powerpoint/2010/main" val="3268895002"/>
-      </p:ext>
-    </p:extLst>
-  </p:cSld>
-  <p:clrMapOvr>
-    <a:masterClrMapping/>
-  </p:clrMapOvr>
-</p:sld>
-</file>
-
-<file path=ppt/slides/slide27.xml><?xml version="1.0" encoding="utf-8"?>
-<p:sld xmlns:a="http://schemas.openxmlformats.org/drawingml/2006/main" xmlns:r="http://schemas.openxmlformats.org/officeDocument/2006/relationships" xmlns:p="http://schemas.openxmlformats.org/presentationml/2006/main">
-  <p:cSld>
-    <p:spTree>
-      <p:nvGrpSpPr>
-        <p:cNvPr id="1" name=""/>
-        <p:cNvGrpSpPr/>
-        <p:nvPr/>
-      </p:nvGrpSpPr>
-      <p:grpSpPr>
-        <a:xfrm>
-          <a:off x="0" y="0"/>
-          <a:ext cx="0" cy="0"/>
-          <a:chOff x="0" y="0"/>
-          <a:chExt cx="0" cy="0"/>
-        </a:xfrm>
-      </p:grpSpPr>
-      <p:sp>
-        <p:nvSpPr>
-          <p:cNvPr id="2" name="Titel 1">
-            <a:extLst>
-              <a:ext uri="{FF2B5EF4-FFF2-40B4-BE49-F238E27FC236}">
-                <a16:creationId xmlns:a16="http://schemas.microsoft.com/office/drawing/2014/main" id="{E7049DCC-8CFD-47DE-973F-3D5DB6887D3E}"/>
-              </a:ext>
-            </a:extLst>
-          </p:cNvPr>
-          <p:cNvSpPr>
-            <a:spLocks noGrp="1"/>
-          </p:cNvSpPr>
-          <p:nvPr>
-            <p:ph type="title"/>
-          </p:nvPr>
-        </p:nvSpPr>
-        <p:spPr/>
-        <p:txBody>
-          <a:bodyPr/>
-          <a:lstStyle/>
-          <a:p>
-            <a:r>
-              <a:rPr lang="de-DE" dirty="0"/>
-              <a:t>Detailansicht Erfolge</a:t>
-            </a:r>
-          </a:p>
-        </p:txBody>
-      </p:sp>
-      <p:pic>
-        <p:nvPicPr>
-          <p:cNvPr id="6" name="Inhaltsplatzhalter 5">
-            <a:extLst>
-              <a:ext uri="{FF2B5EF4-FFF2-40B4-BE49-F238E27FC236}">
-                <a16:creationId xmlns:a16="http://schemas.microsoft.com/office/drawing/2014/main" id="{03838689-ACDA-40D4-A084-485C192B3C9A}"/>
-              </a:ext>
-            </a:extLst>
-          </p:cNvPr>
-          <p:cNvPicPr>
-            <a:picLocks noGrp="1" noChangeAspect="1"/>
-          </p:cNvPicPr>
-          <p:nvPr>
-            <p:ph idx="1"/>
-          </p:nvPr>
-        </p:nvPicPr>
-        <p:blipFill>
-          <a:blip r:embed="rId2"/>
-          <a:stretch>
-            <a:fillRect/>
-          </a:stretch>
-        </p:blipFill>
-        <p:spPr>
-          <a:xfrm>
-            <a:off x="838200" y="2676272"/>
-            <a:ext cx="10515600" cy="2650043"/>
-          </a:xfrm>
-          <a:prstGeom prst="rect">
-            <a:avLst/>
-          </a:prstGeom>
-        </p:spPr>
-      </p:pic>
-    </p:spTree>
-    <p:extLst>
-      <p:ext uri="{BB962C8B-B14F-4D97-AF65-F5344CB8AC3E}">
-        <p14:creationId xmlns:p14="http://schemas.microsoft.com/office/powerpoint/2010/main" val="3522325107"/>
-      </p:ext>
-    </p:extLst>
-  </p:cSld>
-  <p:clrMapOvr>
-    <a:masterClrMapping/>
-  </p:clrMapOvr>
-  <p:timing>
-    <p:tnLst>
-      <p:par>
-        <p:cTn id="1" dur="indefinite" restart="never" nodeType="tmRoot">
-          <p:childTnLst>
-            <p:seq concurrent="1" nextAc="seek">
-              <p:cTn id="2" dur="indefinite" nodeType="mainSeq">
-                <p:childTnLst>
-                  <p:par>
-                    <p:cTn id="3" fill="hold">
-                      <p:stCondLst>
-                        <p:cond delay="indefinite"/>
-                        <p:cond evt="onBegin" delay="0">
-                          <p:tn val="2"/>
-                        </p:cond>
-                      </p:stCondLst>
-                      <p:childTnLst>
-                        <p:par>
-                          <p:cTn id="4" fill="hold">
-                            <p:stCondLst>
-                              <p:cond delay="0"/>
-                            </p:stCondLst>
-                            <p:childTnLst>
-                              <p:par>
-                                <p:cTn id="5" presetID="42" presetClass="entr" presetSubtype="0" fill="hold" nodeType="withEffect">
-                                  <p:stCondLst>
-                                    <p:cond delay="0"/>
-                                  </p:stCondLst>
-                                  <p:childTnLst>
-                                    <p:set>
-                                      <p:cBhvr>
-                                        <p:cTn id="6" dur="1" fill="hold">
-                                          <p:stCondLst>
-                                            <p:cond delay="0"/>
-                                          </p:stCondLst>
-                                        </p:cTn>
-                                        <p:tgtEl>
-                                          <p:spTgt spid="6"/>
-                                        </p:tgtEl>
-                                        <p:attrNameLst>
-                                          <p:attrName>style.visibility</p:attrName>
-                                        </p:attrNameLst>
-                                      </p:cBhvr>
-                                      <p:to>
-                                        <p:strVal val="visible"/>
-                                      </p:to>
-                                    </p:set>
-                                    <p:animEffect transition="in" filter="fade">
-                                      <p:cBhvr>
-                                        <p:cTn id="7" dur="1000"/>
-                                        <p:tgtEl>
-                                          <p:spTgt spid="6"/>
-                                        </p:tgtEl>
-                                      </p:cBhvr>
-                                    </p:animEffect>
-                                    <p:anim calcmode="lin" valueType="num">
-                                      <p:cBhvr>
-                                        <p:cTn id="8" dur="1000" fill="hold"/>
-                                        <p:tgtEl>
-                                          <p:spTgt spid="6"/>
-                                        </p:tgtEl>
-                                        <p:attrNameLst>
-                                          <p:attrName>ppt_x</p:attrName>
-                                        </p:attrNameLst>
-                                      </p:cBhvr>
-                                      <p:tavLst>
-                                        <p:tav tm="0">
-                                          <p:val>
-                                            <p:strVal val="#ppt_x"/>
-                                          </p:val>
-                                        </p:tav>
-                                        <p:tav tm="100000">
-                                          <p:val>
-                                            <p:strVal val="#ppt_x"/>
-                                          </p:val>
-                                        </p:tav>
-                                      </p:tavLst>
-                                    </p:anim>
-                                    <p:anim calcmode="lin" valueType="num">
-                                      <p:cBhvr>
-                                        <p:cTn id="9" dur="1000" fill="hold"/>
-                                        <p:tgtEl>
-                                          <p:spTgt spid="6"/>
-                                        </p:tgtEl>
-                                        <p:attrNameLst>
-                                          <p:attrName>ppt_y</p:attrName>
-                                        </p:attrNameLst>
-                                      </p:cBhvr>
-                                      <p:tavLst>
-                                        <p:tav tm="0">
-                                          <p:val>
-                                            <p:strVal val="#ppt_y+.1"/>
-                                          </p:val>
-                                        </p:tav>
-                                        <p:tav tm="100000">
-                                          <p:val>
-                                            <p:strVal val="#ppt_y"/>
-                                          </p:val>
-                                        </p:tav>
-                                      </p:tavLst>
-                                    </p:anim>
-                                  </p:childTnLst>
-                                </p:cTn>
-                              </p:par>
-                            </p:childTnLst>
-                          </p:cTn>
-                        </p:par>
-                      </p:childTnLst>
-                    </p:cTn>
-                  </p:par>
-                </p:childTnLst>
-              </p:cTn>
-              <p:prevCondLst>
-                <p:cond evt="onPrev" delay="0">
-                  <p:tgtEl>
-                    <p:sldTgt/>
-                  </p:tgtEl>
-                </p:cond>
-              </p:prevCondLst>
-              <p:nextCondLst>
-                <p:cond evt="onNext" delay="0">
-                  <p:tgtEl>
-                    <p:sldTgt/>
-                  </p:tgtEl>
-                </p:cond>
-              </p:nextCondLst>
-            </p:seq>
-          </p:childTnLst>
-        </p:cTn>
-      </p:par>
-    </p:tnLst>
-  </p:timing>
-</p:sld>
-</file>
-
-<file path=ppt/slides/slide28.xml><?xml version="1.0" encoding="utf-8"?>
-<p:sld xmlns:a="http://schemas.openxmlformats.org/drawingml/2006/main" xmlns:r="http://schemas.openxmlformats.org/officeDocument/2006/relationships" xmlns:p="http://schemas.openxmlformats.org/presentationml/2006/main">
-  <p:cSld>
-    <p:spTree>
-      <p:nvGrpSpPr>
-        <p:cNvPr id="1" name=""/>
-        <p:cNvGrpSpPr/>
-        <p:nvPr/>
-      </p:nvGrpSpPr>
-      <p:grpSpPr>
-        <a:xfrm>
-          <a:off x="0" y="0"/>
-          <a:ext cx="0" cy="0"/>
-          <a:chOff x="0" y="0"/>
-          <a:chExt cx="0" cy="0"/>
-        </a:xfrm>
-      </p:grpSpPr>
-      <p:sp>
-        <p:nvSpPr>
-          <p:cNvPr id="2" name="Titel 1">
-            <a:extLst>
-              <a:ext uri="{FF2B5EF4-FFF2-40B4-BE49-F238E27FC236}">
-                <a16:creationId xmlns:a16="http://schemas.microsoft.com/office/drawing/2014/main" id="{E7049DCC-8CFD-47DE-973F-3D5DB6887D3E}"/>
-              </a:ext>
-            </a:extLst>
-          </p:cNvPr>
-          <p:cNvSpPr>
-            <a:spLocks noGrp="1"/>
-          </p:cNvSpPr>
-          <p:nvPr>
-            <p:ph type="title"/>
-          </p:nvPr>
-        </p:nvSpPr>
-        <p:spPr/>
-        <p:txBody>
-          <a:bodyPr/>
-          <a:lstStyle/>
-          <a:p>
-            <a:r>
-              <a:rPr lang="de-DE" dirty="0"/>
-              <a:t>Detailansicht Erfolge</a:t>
-            </a:r>
-          </a:p>
-        </p:txBody>
-      </p:sp>
-      <p:pic>
-        <p:nvPicPr>
-          <p:cNvPr id="7" name="Inhaltsplatzhalter 6">
-            <a:extLst>
-              <a:ext uri="{FF2B5EF4-FFF2-40B4-BE49-F238E27FC236}">
-                <a16:creationId xmlns:a16="http://schemas.microsoft.com/office/drawing/2014/main" id="{8A1E6539-67C7-4A9D-AC4E-EB5F5016194B}"/>
-              </a:ext>
-            </a:extLst>
-          </p:cNvPr>
-          <p:cNvPicPr>
-            <a:picLocks noGrp="1" noChangeAspect="1"/>
-          </p:cNvPicPr>
-          <p:nvPr>
-            <p:ph idx="1"/>
-          </p:nvPr>
-        </p:nvPicPr>
-        <p:blipFill>
-          <a:blip r:embed="rId2"/>
-          <a:stretch>
-            <a:fillRect/>
-          </a:stretch>
-        </p:blipFill>
-        <p:spPr>
-          <a:xfrm>
-            <a:off x="857250" y="2634456"/>
-            <a:ext cx="10477500" cy="2733675"/>
-          </a:xfrm>
-          <a:prstGeom prst="rect">
-            <a:avLst/>
-          </a:prstGeom>
-        </p:spPr>
-      </p:pic>
-    </p:spTree>
-    <p:extLst>
-      <p:ext uri="{BB962C8B-B14F-4D97-AF65-F5344CB8AC3E}">
-        <p14:creationId xmlns:p14="http://schemas.microsoft.com/office/powerpoint/2010/main" val="2005865198"/>
-      </p:ext>
-    </p:extLst>
-  </p:cSld>
-  <p:clrMapOvr>
-    <a:masterClrMapping/>
-  </p:clrMapOvr>
-  <p:timing>
-    <p:tnLst>
-      <p:par>
-        <p:cTn id="1" dur="indefinite" restart="never" nodeType="tmRoot">
-          <p:childTnLst>
-            <p:seq concurrent="1" nextAc="seek">
-              <p:cTn id="2" dur="indefinite" nodeType="mainSeq">
-                <p:childTnLst>
-                  <p:par>
-                    <p:cTn id="3" fill="hold">
-                      <p:stCondLst>
-                        <p:cond delay="indefinite"/>
-                        <p:cond evt="onBegin" delay="0">
-                          <p:tn val="2"/>
-                        </p:cond>
-                      </p:stCondLst>
-                      <p:childTnLst>
-                        <p:par>
-                          <p:cTn id="4" fill="hold">
-                            <p:stCondLst>
-                              <p:cond delay="0"/>
-                            </p:stCondLst>
-                            <p:childTnLst>
-                              <p:par>
-                                <p:cTn id="5" presetID="42" presetClass="entr" presetSubtype="0" fill="hold" nodeType="withEffect">
-                                  <p:stCondLst>
-                                    <p:cond delay="0"/>
-                                  </p:stCondLst>
-                                  <p:childTnLst>
-                                    <p:set>
-                                      <p:cBhvr>
-                                        <p:cTn id="6" dur="1" fill="hold">
-                                          <p:stCondLst>
-                                            <p:cond delay="0"/>
-                                          </p:stCondLst>
-                                        </p:cTn>
-                                        <p:tgtEl>
-                                          <p:spTgt spid="7"/>
-                                        </p:tgtEl>
-                                        <p:attrNameLst>
-                                          <p:attrName>style.visibility</p:attrName>
-                                        </p:attrNameLst>
-                                      </p:cBhvr>
-                                      <p:to>
-                                        <p:strVal val="visible"/>
-                                      </p:to>
-                                    </p:set>
-                                    <p:animEffect transition="in" filter="fade">
-                                      <p:cBhvr>
-                                        <p:cTn id="7" dur="1000"/>
-                                        <p:tgtEl>
-                                          <p:spTgt spid="7"/>
-                                        </p:tgtEl>
-                                      </p:cBhvr>
-                                    </p:animEffect>
-                                    <p:anim calcmode="lin" valueType="num">
-                                      <p:cBhvr>
-                                        <p:cTn id="8" dur="1000" fill="hold"/>
-                                        <p:tgtEl>
-                                          <p:spTgt spid="7"/>
-                                        </p:tgtEl>
-                                        <p:attrNameLst>
-                                          <p:attrName>ppt_x</p:attrName>
-                                        </p:attrNameLst>
-                                      </p:cBhvr>
-                                      <p:tavLst>
-                                        <p:tav tm="0">
-                                          <p:val>
-                                            <p:strVal val="#ppt_x"/>
-                                          </p:val>
-                                        </p:tav>
-                                        <p:tav tm="100000">
-                                          <p:val>
-                                            <p:strVal val="#ppt_x"/>
-                                          </p:val>
-                                        </p:tav>
-                                      </p:tavLst>
-                                    </p:anim>
-                                    <p:anim calcmode="lin" valueType="num">
-                                      <p:cBhvr>
-                                        <p:cTn id="9" dur="1000" fill="hold"/>
-                                        <p:tgtEl>
-                                          <p:spTgt spid="7"/>
-                                        </p:tgtEl>
-                                        <p:attrNameLst>
-                                          <p:attrName>ppt_y</p:attrName>
-                                        </p:attrNameLst>
-                                      </p:cBhvr>
-                                      <p:tavLst>
-                                        <p:tav tm="0">
-                                          <p:val>
-                                            <p:strVal val="#ppt_y+.1"/>
-                                          </p:val>
-                                        </p:tav>
-                                        <p:tav tm="100000">
-                                          <p:val>
-                                            <p:strVal val="#ppt_y"/>
-                                          </p:val>
-                                        </p:tav>
-                                      </p:tavLst>
-                                    </p:anim>
-                                  </p:childTnLst>
-                                </p:cTn>
-                              </p:par>
-                            </p:childTnLst>
-                          </p:cTn>
-                        </p:par>
-                      </p:childTnLst>
-                    </p:cTn>
-                  </p:par>
-                </p:childTnLst>
-              </p:cTn>
-              <p:prevCondLst>
-                <p:cond evt="onPrev" delay="0">
-                  <p:tgtEl>
-                    <p:sldTgt/>
-                  </p:tgtEl>
-                </p:cond>
-              </p:prevCondLst>
-              <p:nextCondLst>
-                <p:cond evt="onNext" delay="0">
-                  <p:tgtEl>
-                    <p:sldTgt/>
-                  </p:tgtEl>
-                </p:cond>
-              </p:nextCondLst>
-            </p:seq>
-          </p:childTnLst>
-        </p:cTn>
-      </p:par>
-    </p:tnLst>
-  </p:timing>
-</p:sld>
-</file>
-
-<file path=ppt/slides/slide29.xml><?xml version="1.0" encoding="utf-8"?>
-<p:sld xmlns:a="http://schemas.openxmlformats.org/drawingml/2006/main" xmlns:r="http://schemas.openxmlformats.org/officeDocument/2006/relationships" xmlns:p="http://schemas.openxmlformats.org/presentationml/2006/main">
-  <p:cSld>
-    <p:spTree>
-      <p:nvGrpSpPr>
-        <p:cNvPr id="1" name=""/>
-        <p:cNvGrpSpPr/>
-        <p:nvPr/>
-      </p:nvGrpSpPr>
-      <p:grpSpPr>
-        <a:xfrm>
-          <a:off x="0" y="0"/>
-          <a:ext cx="0" cy="0"/>
-          <a:chOff x="0" y="0"/>
-          <a:chExt cx="0" cy="0"/>
-        </a:xfrm>
-      </p:grpSpPr>
-      <p:sp>
-        <p:nvSpPr>
-          <p:cNvPr id="2" name="Titel 1">
-            <a:extLst>
-              <a:ext uri="{FF2B5EF4-FFF2-40B4-BE49-F238E27FC236}">
-                <a16:creationId xmlns:a16="http://schemas.microsoft.com/office/drawing/2014/main" id="{E7049DCC-8CFD-47DE-973F-3D5DB6887D3E}"/>
-              </a:ext>
-            </a:extLst>
-          </p:cNvPr>
-          <p:cNvSpPr>
-            <a:spLocks noGrp="1"/>
-          </p:cNvSpPr>
-          <p:nvPr>
-            <p:ph type="title"/>
-          </p:nvPr>
-        </p:nvSpPr>
-        <p:spPr/>
-        <p:txBody>
-          <a:bodyPr/>
-          <a:lstStyle/>
-          <a:p>
-            <a:r>
-              <a:rPr lang="de-DE" dirty="0"/>
-              <a:t>Detailansicht Erfolge</a:t>
-            </a:r>
-          </a:p>
-        </p:txBody>
-      </p:sp>
-      <p:pic>
-        <p:nvPicPr>
-          <p:cNvPr id="5" name="Inhaltsplatzhalter 4">
-            <a:extLst>
-              <a:ext uri="{FF2B5EF4-FFF2-40B4-BE49-F238E27FC236}">
-                <a16:creationId xmlns:a16="http://schemas.microsoft.com/office/drawing/2014/main" id="{83D125D3-82EC-4B6C-BF6F-5E0C64C31683}"/>
-              </a:ext>
-            </a:extLst>
-          </p:cNvPr>
-          <p:cNvPicPr>
-            <a:picLocks noGrp="1" noChangeAspect="1"/>
-          </p:cNvPicPr>
-          <p:nvPr>
-            <p:ph idx="1"/>
-          </p:nvPr>
-        </p:nvPicPr>
-        <p:blipFill>
-          <a:blip r:embed="rId2"/>
-          <a:stretch>
-            <a:fillRect/>
-          </a:stretch>
-        </p:blipFill>
-        <p:spPr>
-          <a:xfrm>
-            <a:off x="838200" y="2621419"/>
-            <a:ext cx="10515600" cy="2759750"/>
-          </a:xfrm>
-          <a:prstGeom prst="rect">
-            <a:avLst/>
-          </a:prstGeom>
-        </p:spPr>
-      </p:pic>
-    </p:spTree>
-    <p:extLst>
-      <p:ext uri="{BB962C8B-B14F-4D97-AF65-F5344CB8AC3E}">
-        <p14:creationId xmlns:p14="http://schemas.microsoft.com/office/powerpoint/2010/main" val="2115974875"/>
-      </p:ext>
-    </p:extLst>
-  </p:cSld>
-  <p:clrMapOvr>
-    <a:masterClrMapping/>
-  </p:clrMapOvr>
-  <p:timing>
-    <p:tnLst>
-      <p:par>
-        <p:cTn id="1" dur="indefinite" restart="never" nodeType="tmRoot">
-          <p:childTnLst>
-            <p:seq concurrent="1" nextAc="seek">
-              <p:cTn id="2" dur="indefinite" nodeType="mainSeq">
-                <p:childTnLst>
-                  <p:par>
-                    <p:cTn id="3" fill="hold">
-                      <p:stCondLst>
-                        <p:cond delay="indefinite"/>
-                        <p:cond evt="onBegin" delay="0">
-                          <p:tn val="2"/>
-                        </p:cond>
-                      </p:stCondLst>
-                      <p:childTnLst>
-                        <p:par>
-                          <p:cTn id="4" fill="hold">
-                            <p:stCondLst>
-                              <p:cond delay="0"/>
-                            </p:stCondLst>
-                            <p:childTnLst>
-                              <p:par>
-                                <p:cTn id="5" presetID="42" presetClass="entr" presetSubtype="0" fill="hold" nodeType="withEffect">
-                                  <p:stCondLst>
-                                    <p:cond delay="0"/>
-                                  </p:stCondLst>
-                                  <p:childTnLst>
-                                    <p:set>
-                                      <p:cBhvr>
-                                        <p:cTn id="6" dur="1" fill="hold">
-                                          <p:stCondLst>
-                                            <p:cond delay="0"/>
-                                          </p:stCondLst>
-                                        </p:cTn>
-                                        <p:tgtEl>
-                                          <p:spTgt spid="5"/>
-                                        </p:tgtEl>
-                                        <p:attrNameLst>
-                                          <p:attrName>style.visibility</p:attrName>
-                                        </p:attrNameLst>
-                                      </p:cBhvr>
-                                      <p:to>
-                                        <p:strVal val="visible"/>
-                                      </p:to>
-                                    </p:set>
-                                    <p:animEffect transition="in" filter="fade">
-                                      <p:cBhvr>
-                                        <p:cTn id="7" dur="1000"/>
-                                        <p:tgtEl>
-                                          <p:spTgt spid="5"/>
-                                        </p:tgtEl>
-                                      </p:cBhvr>
-                                    </p:animEffect>
-                                    <p:anim calcmode="lin" valueType="num">
-                                      <p:cBhvr>
-                                        <p:cTn id="8" dur="1000" fill="hold"/>
-                                        <p:tgtEl>
-                                          <p:spTgt spid="5"/>
-                                        </p:tgtEl>
-                                        <p:attrNameLst>
-                                          <p:attrName>ppt_x</p:attrName>
-                                        </p:attrNameLst>
-                                      </p:cBhvr>
-                                      <p:tavLst>
-                                        <p:tav tm="0">
-                                          <p:val>
-                                            <p:strVal val="#ppt_x"/>
-                                          </p:val>
-                                        </p:tav>
-                                        <p:tav tm="100000">
-                                          <p:val>
-                                            <p:strVal val="#ppt_x"/>
-                                          </p:val>
-                                        </p:tav>
-                                      </p:tavLst>
-                                    </p:anim>
-                                    <p:anim calcmode="lin" valueType="num">
-                                      <p:cBhvr>
-                                        <p:cTn id="9" dur="1000" fill="hold"/>
-                                        <p:tgtEl>
-                                          <p:spTgt spid="5"/>
-                                        </p:tgtEl>
-                                        <p:attrNameLst>
-                                          <p:attrName>ppt_y</p:attrName>
-                                        </p:attrNameLst>
-                                      </p:cBhvr>
-                                      <p:tavLst>
-                                        <p:tav tm="0">
-                                          <p:val>
-                                            <p:strVal val="#ppt_y+.1"/>
-                                          </p:val>
-                                        </p:tav>
-                                        <p:tav tm="100000">
-                                          <p:val>
-                                            <p:strVal val="#ppt_y"/>
-                                          </p:val>
-                                        </p:tav>
-                                      </p:tavLst>
-                                    </p:anim>
-                                  </p:childTnLst>
-                                </p:cTn>
-                              </p:par>
-                            </p:childTnLst>
-                          </p:cTn>
-                        </p:par>
-                      </p:childTnLst>
-                    </p:cTn>
-                  </p:par>
-                </p:childTnLst>
-              </p:cTn>
-              <p:prevCondLst>
-                <p:cond evt="onPrev" delay="0">
-                  <p:tgtEl>
-                    <p:sldTgt/>
-                  </p:tgtEl>
-                </p:cond>
-              </p:prevCondLst>
-              <p:nextCondLst>
-                <p:cond evt="onNext" delay="0">
-                  <p:tgtEl>
-                    <p:sldTgt/>
-                  </p:tgtEl>
-                </p:cond>
-              </p:nextCondLst>
-            </p:seq>
-          </p:childTnLst>
-        </p:cTn>
-      </p:par>
-    </p:tnLst>
+    <p:bldLst>
+      <p:bldP spid="3" grpId="0" build="p"/>
+    </p:bldLst>
   </p:timing>
 </p:sld>
 </file>
@@ -9151,7 +7578,7 @@
           <p:cNvPr id="2" name="Titel 1">
             <a:extLst>
               <a:ext uri="{FF2B5EF4-FFF2-40B4-BE49-F238E27FC236}">
-                <a16:creationId xmlns:a16="http://schemas.microsoft.com/office/drawing/2014/main" id="{68967AD6-4B66-499C-9709-D93450027A3F}"/>
+                <a16:creationId xmlns="" xmlns:a16="http://schemas.microsoft.com/office/drawing/2014/main" id="{D1DB8172-FA18-46B6-B99F-9749DF6F68AA}"/>
               </a:ext>
             </a:extLst>
           </p:cNvPr>
@@ -9169,7 +7596,158 @@
           <a:p>
             <a:r>
               <a:rPr lang="de-DE" dirty="0"/>
-              <a:t>Ausgangssituation</a:t>
+              <a:t>Projektziel</a:t>
+            </a:r>
+          </a:p>
+        </p:txBody>
+      </p:sp>
+      <p:sp>
+        <p:nvSpPr>
+          <p:cNvPr id="3" name="Inhaltsplatzhalter 2">
+            <a:extLst>
+              <a:ext uri="{FF2B5EF4-FFF2-40B4-BE49-F238E27FC236}">
+                <a16:creationId xmlns="" xmlns:a16="http://schemas.microsoft.com/office/drawing/2014/main" id="{566451EC-9B14-4E72-B801-DBD58CE76DFE}"/>
+              </a:ext>
+            </a:extLst>
+          </p:cNvPr>
+          <p:cNvSpPr>
+            <a:spLocks noGrp="1"/>
+          </p:cNvSpPr>
+          <p:nvPr>
+            <p:ph idx="1"/>
+          </p:nvPr>
+        </p:nvSpPr>
+        <p:spPr/>
+        <p:txBody>
+          <a:bodyPr/>
+          <a:lstStyle/>
+          <a:p>
+            <a:pPr marL="0" indent="0">
+              <a:buNone/>
+            </a:pPr>
+            <a:r>
+              <a:rPr lang="de-DE" dirty="0"/>
+              <a:t>Hinzufügen eines virtuellen Belohnungssytems</a:t>
+            </a:r>
+          </a:p>
+          <a:p>
+            <a:pPr marL="0" indent="0">
+              <a:buNone/>
+            </a:pPr>
+            <a:endParaRPr lang="de-DE" dirty="0"/>
+          </a:p>
+          <a:p>
+            <a:r>
+              <a:rPr lang="de-DE" dirty="0"/>
+              <a:t>Steigerung der Lernmotivation</a:t>
+            </a:r>
+          </a:p>
+          <a:p>
+            <a:r>
+              <a:rPr lang="de-DE" dirty="0"/>
+              <a:t>Regelmäßige / häufigere  Nutzung</a:t>
+            </a:r>
+          </a:p>
+          <a:p>
+            <a:endParaRPr lang="de-DE" dirty="0"/>
+          </a:p>
+          <a:p>
+            <a:r>
+              <a:rPr lang="de-DE" dirty="0"/>
+              <a:t>Nur für den Azubi sichtbar</a:t>
+            </a:r>
+          </a:p>
+          <a:p>
+            <a:r>
+              <a:rPr lang="de-DE" dirty="0"/>
+              <a:t>Einmal erreichte Auszeichnungen sollen dauerhaft </a:t>
+            </a:r>
+            <a:r>
+              <a:rPr lang="de-DE"/>
+              <a:t>angezeigt werden</a:t>
+            </a:r>
+          </a:p>
+          <a:p>
+            <a:endParaRPr lang="de-DE" dirty="0"/>
+          </a:p>
+          <a:p>
+            <a:endParaRPr lang="de-DE" dirty="0"/>
+          </a:p>
+          <a:p>
+            <a:pPr marL="0" indent="0">
+              <a:buNone/>
+            </a:pPr>
+            <a:endParaRPr lang="de-DE" dirty="0"/>
+          </a:p>
+          <a:p>
+            <a:pPr marL="0" indent="0">
+              <a:buNone/>
+            </a:pPr>
+            <a:endParaRPr lang="de-DE" dirty="0"/>
+          </a:p>
+        </p:txBody>
+      </p:sp>
+    </p:spTree>
+    <p:extLst>
+      <p:ext uri="{BB962C8B-B14F-4D97-AF65-F5344CB8AC3E}">
+        <p14:creationId xmlns:p14="http://schemas.microsoft.com/office/powerpoint/2010/main" val="1547934341"/>
+      </p:ext>
+    </p:extLst>
+  </p:cSld>
+  <p:clrMapOvr>
+    <a:masterClrMapping/>
+  </p:clrMapOvr>
+  <p:timing>
+    <p:tnLst>
+      <p:par>
+        <p:cTn id="1" dur="indefinite" restart="never" nodeType="tmRoot"/>
+      </p:par>
+    </p:tnLst>
+  </p:timing>
+</p:sld>
+</file>
+
+<file path=ppt/slides/slide4.xml><?xml version="1.0" encoding="utf-8"?>
+<p:sld xmlns:a="http://schemas.openxmlformats.org/drawingml/2006/main" xmlns:r="http://schemas.openxmlformats.org/officeDocument/2006/relationships" xmlns:p="http://schemas.openxmlformats.org/presentationml/2006/main">
+  <p:cSld>
+    <p:spTree>
+      <p:nvGrpSpPr>
+        <p:cNvPr id="1" name=""/>
+        <p:cNvGrpSpPr/>
+        <p:nvPr/>
+      </p:nvGrpSpPr>
+      <p:grpSpPr>
+        <a:xfrm>
+          <a:off x="0" y="0"/>
+          <a:ext cx="0" cy="0"/>
+          <a:chOff x="0" y="0"/>
+          <a:chExt cx="0" cy="0"/>
+        </a:xfrm>
+      </p:grpSpPr>
+      <p:sp>
+        <p:nvSpPr>
+          <p:cNvPr id="2" name="Titel 1">
+            <a:extLst>
+              <a:ext uri="{FF2B5EF4-FFF2-40B4-BE49-F238E27FC236}">
+                <a16:creationId xmlns="" xmlns:a16="http://schemas.microsoft.com/office/drawing/2014/main" id="{57A7D1AF-ECDA-4992-B356-7F17EE99EA6B}"/>
+              </a:ext>
+            </a:extLst>
+          </p:cNvPr>
+          <p:cNvSpPr>
+            <a:spLocks noGrp="1"/>
+          </p:cNvSpPr>
+          <p:nvPr>
+            <p:ph type="title"/>
+          </p:nvPr>
+        </p:nvSpPr>
+        <p:spPr/>
+        <p:txBody>
+          <a:bodyPr/>
+          <a:lstStyle/>
+          <a:p>
+            <a:r>
+              <a:rPr lang="de-DE" dirty="0"/>
+              <a:t>Projektziel</a:t>
             </a:r>
           </a:p>
         </p:txBody>
@@ -9179,7 +7757,104 @@
           <p:cNvPr id="4" name="Inhaltsplatzhalter 3">
             <a:extLst>
               <a:ext uri="{FF2B5EF4-FFF2-40B4-BE49-F238E27FC236}">
-                <a16:creationId xmlns:a16="http://schemas.microsoft.com/office/drawing/2014/main" id="{0503B92E-9ED4-4677-8CFC-62E55880550E}"/>
+                <a16:creationId xmlns="" xmlns:a16="http://schemas.microsoft.com/office/drawing/2014/main" id="{CF65CBB4-A99D-49CC-A36B-696F80C1E9A4}"/>
+              </a:ext>
+            </a:extLst>
+          </p:cNvPr>
+          <p:cNvPicPr>
+            <a:picLocks noGrp="1" noChangeAspect="1"/>
+          </p:cNvPicPr>
+          <p:nvPr>
+            <p:ph idx="1"/>
+          </p:nvPr>
+        </p:nvPicPr>
+        <p:blipFill>
+          <a:blip r:embed="rId2"/>
+          <a:stretch>
+            <a:fillRect/>
+          </a:stretch>
+        </p:blipFill>
+        <p:spPr>
+          <a:xfrm>
+            <a:off x="2090697" y="1825625"/>
+            <a:ext cx="8010605" cy="4351338"/>
+          </a:xfrm>
+          <a:prstGeom prst="rect">
+            <a:avLst/>
+          </a:prstGeom>
+        </p:spPr>
+      </p:pic>
+    </p:spTree>
+    <p:extLst>
+      <p:ext uri="{BB962C8B-B14F-4D97-AF65-F5344CB8AC3E}">
+        <p14:creationId xmlns:p14="http://schemas.microsoft.com/office/powerpoint/2010/main" val="2141439856"/>
+      </p:ext>
+    </p:extLst>
+  </p:cSld>
+  <p:clrMapOvr>
+    <a:masterClrMapping/>
+  </p:clrMapOvr>
+  <p:timing>
+    <p:tnLst>
+      <p:par>
+        <p:cTn id="1" dur="indefinite" restart="never" nodeType="tmRoot"/>
+      </p:par>
+    </p:tnLst>
+  </p:timing>
+</p:sld>
+</file>
+
+<file path=ppt/slides/slide5.xml><?xml version="1.0" encoding="utf-8"?>
+<p:sld xmlns:a="http://schemas.openxmlformats.org/drawingml/2006/main" xmlns:r="http://schemas.openxmlformats.org/officeDocument/2006/relationships" xmlns:p="http://schemas.openxmlformats.org/presentationml/2006/main">
+  <p:cSld>
+    <p:spTree>
+      <p:nvGrpSpPr>
+        <p:cNvPr id="1" name=""/>
+        <p:cNvGrpSpPr/>
+        <p:nvPr/>
+      </p:nvGrpSpPr>
+      <p:grpSpPr>
+        <a:xfrm>
+          <a:off x="0" y="0"/>
+          <a:ext cx="0" cy="0"/>
+          <a:chOff x="0" y="0"/>
+          <a:chExt cx="0" cy="0"/>
+        </a:xfrm>
+      </p:grpSpPr>
+      <p:sp>
+        <p:nvSpPr>
+          <p:cNvPr id="2" name="Titel 1">
+            <a:extLst>
+              <a:ext uri="{FF2B5EF4-FFF2-40B4-BE49-F238E27FC236}">
+                <a16:creationId xmlns="" xmlns:a16="http://schemas.microsoft.com/office/drawing/2014/main" id="{68967AD6-4B66-499C-9709-D93450027A3F}"/>
+              </a:ext>
+            </a:extLst>
+          </p:cNvPr>
+          <p:cNvSpPr>
+            <a:spLocks noGrp="1"/>
+          </p:cNvSpPr>
+          <p:nvPr>
+            <p:ph type="title"/>
+          </p:nvPr>
+        </p:nvSpPr>
+        <p:spPr/>
+        <p:txBody>
+          <a:bodyPr/>
+          <a:lstStyle/>
+          <a:p>
+            <a:r>
+              <a:rPr lang="de-DE" dirty="0"/>
+              <a:t>Ausgangssituation</a:t>
+            </a:r>
+          </a:p>
+        </p:txBody>
+      </p:sp>
+      <p:pic>
+        <p:nvPicPr>
+          <p:cNvPr id="4" name="Inhaltsplatzhalter 3">
+            <a:extLst>
+              <a:ext uri="{FF2B5EF4-FFF2-40B4-BE49-F238E27FC236}">
+                <a16:creationId xmlns="" xmlns:a16="http://schemas.microsoft.com/office/drawing/2014/main" id="{0503B92E-9ED4-4677-8CFC-62E55880550E}"/>
               </a:ext>
             </a:extLst>
           </p:cNvPr>
@@ -9224,7 +7899,7 @@
 </p:sld>
 </file>
 
-<file path=ppt/slides/slide30.xml><?xml version="1.0" encoding="utf-8"?>
+<file path=ppt/slides/slide6.xml><?xml version="1.0" encoding="utf-8"?>
 <p:sld xmlns:a="http://schemas.openxmlformats.org/drawingml/2006/main" xmlns:r="http://schemas.openxmlformats.org/officeDocument/2006/relationships" xmlns:p="http://schemas.openxmlformats.org/presentationml/2006/main">
   <p:cSld>
     <p:spTree>
@@ -9246,7 +7921,7 @@
           <p:cNvPr id="2" name="Titel 1">
             <a:extLst>
               <a:ext uri="{FF2B5EF4-FFF2-40B4-BE49-F238E27FC236}">
-                <a16:creationId xmlns:a16="http://schemas.microsoft.com/office/drawing/2014/main" id="{E7049DCC-8CFD-47DE-973F-3D5DB6887D3E}"/>
+                <a16:creationId xmlns="" xmlns:a16="http://schemas.microsoft.com/office/drawing/2014/main" id="{D47BB04B-ED8B-4809-9C01-AB828EF993C8}"/>
               </a:ext>
             </a:extLst>
           </p:cNvPr>
@@ -9264,37 +7939,114 @@
           <a:p>
             <a:r>
               <a:rPr lang="de-DE" dirty="0"/>
-              <a:t>Detailansicht Erfolge</a:t>
-            </a:r>
+              <a:t>Ist-Analyse</a:t>
+            </a:r>
+          </a:p>
+        </p:txBody>
+      </p:sp>
+      <p:sp>
+        <p:nvSpPr>
+          <p:cNvPr id="9" name="Inhaltsplatzhalter 8">
+            <a:extLst>
+              <a:ext uri="{FF2B5EF4-FFF2-40B4-BE49-F238E27FC236}">
+                <a16:creationId xmlns="" xmlns:a16="http://schemas.microsoft.com/office/drawing/2014/main" id="{F98C8157-60D9-4BAE-8BCC-69E55AFBDE2B}"/>
+              </a:ext>
+            </a:extLst>
+          </p:cNvPr>
+          <p:cNvSpPr>
+            <a:spLocks noGrp="1"/>
+          </p:cNvSpPr>
+          <p:nvPr>
+            <p:ph idx="1"/>
+          </p:nvPr>
+        </p:nvSpPr>
+        <p:spPr/>
+        <p:txBody>
+          <a:bodyPr/>
+          <a:lstStyle/>
+          <a:p>
+            <a:pPr marL="0" indent="0">
+              <a:buNone/>
+            </a:pPr>
+            <a:r>
+              <a:rPr lang="de-DE" dirty="0"/>
+              <a:t>	Das Karteikarten-Prinzip</a:t>
+            </a:r>
+          </a:p>
+          <a:p>
+            <a:pPr marL="0" indent="0">
+              <a:buNone/>
+            </a:pPr>
+            <a:endParaRPr lang="de-DE" dirty="0"/>
           </a:p>
         </p:txBody>
       </p:sp>
       <p:pic>
         <p:nvPicPr>
-          <p:cNvPr id="6" name="Inhaltsplatzhalter 5">
-            <a:extLst>
-              <a:ext uri="{FF2B5EF4-FFF2-40B4-BE49-F238E27FC236}">
-                <a16:creationId xmlns:a16="http://schemas.microsoft.com/office/drawing/2014/main" id="{E3465320-DA33-400D-A650-A54DA3F76695}"/>
+          <p:cNvPr id="11" name="Grafik 10">
+            <a:extLst>
+              <a:ext uri="{FF2B5EF4-FFF2-40B4-BE49-F238E27FC236}">
+                <a16:creationId xmlns="" xmlns:a16="http://schemas.microsoft.com/office/drawing/2014/main" id="{7876F6B8-BCD2-43BC-A73C-8FD69C02E377}"/>
               </a:ext>
             </a:extLst>
           </p:cNvPr>
           <p:cNvPicPr>
-            <a:picLocks noGrp="1" noChangeAspect="1"/>
+            <a:picLocks noChangeAspect="1"/>
           </p:cNvPicPr>
-          <p:nvPr>
-            <p:ph idx="1"/>
-          </p:nvPr>
+          <p:nvPr/>
         </p:nvPicPr>
         <p:blipFill>
-          <a:blip r:embed="rId2"/>
+          <a:blip r:embed="rId2">
+            <a:extLst>
+              <a:ext uri="{28A0092B-C50C-407E-A947-70E740481C1C}">
+                <a14:useLocalDpi xmlns:a14="http://schemas.microsoft.com/office/drawing/2010/main" val="0"/>
+              </a:ext>
+            </a:extLst>
+          </a:blip>
           <a:stretch>
             <a:fillRect/>
           </a:stretch>
         </p:blipFill>
         <p:spPr>
           <a:xfrm>
-            <a:off x="838200" y="2615189"/>
-            <a:ext cx="10515600" cy="2772209"/>
+            <a:off x="345763" y="2762362"/>
+            <a:ext cx="5394612" cy="2477864"/>
+          </a:xfrm>
+          <a:prstGeom prst="rect">
+            <a:avLst/>
+          </a:prstGeom>
+        </p:spPr>
+      </p:pic>
+      <p:pic>
+        <p:nvPicPr>
+          <p:cNvPr id="10" name="Grafik 9">
+            <a:extLst>
+              <a:ext uri="{FF2B5EF4-FFF2-40B4-BE49-F238E27FC236}">
+                <a16:creationId xmlns="" xmlns:a16="http://schemas.microsoft.com/office/drawing/2014/main" id="{9E405220-9B7E-423F-B860-B2C545DE7948}"/>
+              </a:ext>
+            </a:extLst>
+          </p:cNvPr>
+          <p:cNvPicPr>
+            <a:picLocks noChangeAspect="1"/>
+          </p:cNvPicPr>
+          <p:nvPr/>
+        </p:nvPicPr>
+        <p:blipFill>
+          <a:blip r:embed="rId3">
+            <a:extLst>
+              <a:ext uri="{28A0092B-C50C-407E-A947-70E740481C1C}">
+                <a14:useLocalDpi xmlns:a14="http://schemas.microsoft.com/office/drawing/2010/main" val="0"/>
+              </a:ext>
+            </a:extLst>
+          </a:blip>
+          <a:stretch>
+            <a:fillRect/>
+          </a:stretch>
+        </p:blipFill>
+        <p:spPr>
+          <a:xfrm>
+            <a:off x="6006614" y="2762362"/>
+            <a:ext cx="5902216" cy="2477864"/>
           </a:xfrm>
           <a:prstGeom prst="rect">
             <a:avLst/>
@@ -9304,149 +8056,17 @@
     </p:spTree>
     <p:extLst>
       <p:ext uri="{BB962C8B-B14F-4D97-AF65-F5344CB8AC3E}">
-        <p14:creationId xmlns:p14="http://schemas.microsoft.com/office/powerpoint/2010/main" val="2601210061"/>
+        <p14:creationId xmlns:p14="http://schemas.microsoft.com/office/powerpoint/2010/main" val="596445241"/>
       </p:ext>
     </p:extLst>
   </p:cSld>
   <p:clrMapOvr>
     <a:masterClrMapping/>
   </p:clrMapOvr>
-  <p:timing>
-    <p:tnLst>
-      <p:par>
-        <p:cTn id="1" dur="indefinite" restart="never" nodeType="tmRoot">
-          <p:childTnLst>
-            <p:seq concurrent="1" nextAc="seek">
-              <p:cTn id="2" dur="indefinite" nodeType="mainSeq">
-                <p:childTnLst>
-                  <p:par>
-                    <p:cTn id="3" fill="hold">
-                      <p:stCondLst>
-                        <p:cond delay="indefinite"/>
-                        <p:cond evt="onBegin" delay="0">
-                          <p:tn val="2"/>
-                        </p:cond>
-                      </p:stCondLst>
-                      <p:childTnLst>
-                        <p:par>
-                          <p:cTn id="4" fill="hold">
-                            <p:stCondLst>
-                              <p:cond delay="0"/>
-                            </p:stCondLst>
-                            <p:childTnLst>
-                              <p:par>
-                                <p:cTn id="5" presetID="42" presetClass="entr" presetSubtype="0" fill="hold" nodeType="withEffect">
-                                  <p:stCondLst>
-                                    <p:cond delay="0"/>
-                                  </p:stCondLst>
-                                  <p:childTnLst>
-                                    <p:set>
-                                      <p:cBhvr>
-                                        <p:cTn id="6" dur="1" fill="hold">
-                                          <p:stCondLst>
-                                            <p:cond delay="0"/>
-                                          </p:stCondLst>
-                                        </p:cTn>
-                                        <p:tgtEl>
-                                          <p:spTgt spid="6"/>
-                                        </p:tgtEl>
-                                        <p:attrNameLst>
-                                          <p:attrName>style.visibility</p:attrName>
-                                        </p:attrNameLst>
-                                      </p:cBhvr>
-                                      <p:to>
-                                        <p:strVal val="visible"/>
-                                      </p:to>
-                                    </p:set>
-                                    <p:animEffect transition="in" filter="fade">
-                                      <p:cBhvr>
-                                        <p:cTn id="7" dur="1000"/>
-                                        <p:tgtEl>
-                                          <p:spTgt spid="6"/>
-                                        </p:tgtEl>
-                                      </p:cBhvr>
-                                    </p:animEffect>
-                                    <p:anim calcmode="lin" valueType="num">
-                                      <p:cBhvr>
-                                        <p:cTn id="8" dur="1000" fill="hold"/>
-                                        <p:tgtEl>
-                                          <p:spTgt spid="6"/>
-                                        </p:tgtEl>
-                                        <p:attrNameLst>
-                                          <p:attrName>ppt_x</p:attrName>
-                                        </p:attrNameLst>
-                                      </p:cBhvr>
-                                      <p:tavLst>
-                                        <p:tav tm="0">
-                                          <p:val>
-                                            <p:strVal val="#ppt_x"/>
-                                          </p:val>
-                                        </p:tav>
-                                        <p:tav tm="100000">
-                                          <p:val>
-                                            <p:strVal val="#ppt_x"/>
-                                          </p:val>
-                                        </p:tav>
-                                      </p:tavLst>
-                                    </p:anim>
-                                    <p:anim calcmode="lin" valueType="num">
-                                      <p:cBhvr>
-                                        <p:cTn id="9" dur="1000" fill="hold"/>
-                                        <p:tgtEl>
-                                          <p:spTgt spid="6"/>
-                                        </p:tgtEl>
-                                        <p:attrNameLst>
-                                          <p:attrName>ppt_y</p:attrName>
-                                        </p:attrNameLst>
-                                      </p:cBhvr>
-                                      <p:tavLst>
-                                        <p:tav tm="0">
-                                          <p:val>
-                                            <p:strVal val="#ppt_y+.1"/>
-                                          </p:val>
-                                        </p:tav>
-                                        <p:tav tm="100000">
-                                          <p:val>
-                                            <p:strVal val="#ppt_y"/>
-                                          </p:val>
-                                        </p:tav>
-                                      </p:tavLst>
-                                    </p:anim>
-                                  </p:childTnLst>
-                                </p:cTn>
-                              </p:par>
-                            </p:childTnLst>
-                          </p:cTn>
-                        </p:par>
-                      </p:childTnLst>
-                    </p:cTn>
-                  </p:par>
-                </p:childTnLst>
-              </p:cTn>
-              <p:prevCondLst>
-                <p:cond evt="onPrev" delay="0">
-                  <p:tgtEl>
-                    <p:sldTgt/>
-                  </p:tgtEl>
-                </p:cond>
-              </p:prevCondLst>
-              <p:nextCondLst>
-                <p:cond evt="onNext" delay="0">
-                  <p:tgtEl>
-                    <p:sldTgt/>
-                  </p:tgtEl>
-                </p:cond>
-              </p:nextCondLst>
-            </p:seq>
-          </p:childTnLst>
-        </p:cTn>
-      </p:par>
-    </p:tnLst>
-  </p:timing>
 </p:sld>
 </file>
 
-<file path=ppt/slides/slide31.xml><?xml version="1.0" encoding="utf-8"?>
+<file path=ppt/slides/slide7.xml><?xml version="1.0" encoding="utf-8"?>
 <p:sld xmlns:a="http://schemas.openxmlformats.org/drawingml/2006/main" xmlns:r="http://schemas.openxmlformats.org/officeDocument/2006/relationships" xmlns:p="http://schemas.openxmlformats.org/presentationml/2006/main">
   <p:cSld>
     <p:spTree>
@@ -9468,7 +8088,7 @@
           <p:cNvPr id="2" name="Titel 1">
             <a:extLst>
               <a:ext uri="{FF2B5EF4-FFF2-40B4-BE49-F238E27FC236}">
-                <a16:creationId xmlns:a16="http://schemas.microsoft.com/office/drawing/2014/main" id="{E7049DCC-8CFD-47DE-973F-3D5DB6887D3E}"/>
+                <a16:creationId xmlns="" xmlns:a16="http://schemas.microsoft.com/office/drawing/2014/main" id="{17A18140-6249-434C-B4C4-970BB70D228B}"/>
               </a:ext>
             </a:extLst>
           </p:cNvPr>
@@ -9486,17 +8106,17 @@
           <a:p>
             <a:r>
               <a:rPr lang="de-DE" dirty="0"/>
-              <a:t>Detailansicht Erfolge</a:t>
+              <a:t>Zielplattform</a:t>
             </a:r>
           </a:p>
         </p:txBody>
       </p:sp>
       <p:pic>
         <p:nvPicPr>
-          <p:cNvPr id="5" name="Inhaltsplatzhalter 4">
-            <a:extLst>
-              <a:ext uri="{FF2B5EF4-FFF2-40B4-BE49-F238E27FC236}">
-                <a16:creationId xmlns:a16="http://schemas.microsoft.com/office/drawing/2014/main" id="{F2667631-9840-436C-ABA7-983D28C815FD}"/>
+          <p:cNvPr id="13" name="Inhaltsplatzhalter 12">
+            <a:extLst>
+              <a:ext uri="{FF2B5EF4-FFF2-40B4-BE49-F238E27FC236}">
+                <a16:creationId xmlns="" xmlns:a16="http://schemas.microsoft.com/office/drawing/2014/main" id="{3BEF544E-4270-4D98-8217-2DFC57554FCE}"/>
               </a:ext>
             </a:extLst>
           </p:cNvPr>
@@ -9508,15 +8128,90 @@
           </p:nvPr>
         </p:nvPicPr>
         <p:blipFill>
-          <a:blip r:embed="rId2"/>
+          <a:blip r:embed="rId3">
+            <a:extLst>
+              <a:ext uri="{28A0092B-C50C-407E-A947-70E740481C1C}">
+                <a14:useLocalDpi xmlns:a14="http://schemas.microsoft.com/office/drawing/2010/main" val="0"/>
+              </a:ext>
+            </a:extLst>
+          </a:blip>
           <a:stretch>
             <a:fillRect/>
           </a:stretch>
         </p:blipFill>
         <p:spPr>
           <a:xfrm>
-            <a:off x="838200" y="2576416"/>
-            <a:ext cx="10515600" cy="2849756"/>
+            <a:off x="1720850" y="2713831"/>
+            <a:ext cx="2857500" cy="1685925"/>
+          </a:xfrm>
+        </p:spPr>
+      </p:pic>
+      <p:pic>
+        <p:nvPicPr>
+          <p:cNvPr id="24" name="Grafik 23">
+            <a:extLst>
+              <a:ext uri="{FF2B5EF4-FFF2-40B4-BE49-F238E27FC236}">
+                <a16:creationId xmlns="" xmlns:a16="http://schemas.microsoft.com/office/drawing/2014/main" id="{0483F592-6E75-420A-B308-9321EDCBB4CB}"/>
+              </a:ext>
+            </a:extLst>
+          </p:cNvPr>
+          <p:cNvPicPr>
+            <a:picLocks noChangeAspect="1"/>
+          </p:cNvPicPr>
+          <p:nvPr/>
+        </p:nvPicPr>
+        <p:blipFill>
+          <a:blip r:embed="rId4" cstate="print">
+            <a:extLst>
+              <a:ext uri="{28A0092B-C50C-407E-A947-70E740481C1C}">
+                <a14:useLocalDpi xmlns:a14="http://schemas.microsoft.com/office/drawing/2010/main" val="0"/>
+              </a:ext>
+            </a:extLst>
+          </a:blip>
+          <a:stretch>
+            <a:fillRect/>
+          </a:stretch>
+        </p:blipFill>
+        <p:spPr>
+          <a:xfrm>
+            <a:off x="5499100" y="2672556"/>
+            <a:ext cx="1727200" cy="1727200"/>
+          </a:xfrm>
+          <a:prstGeom prst="rect">
+            <a:avLst/>
+          </a:prstGeom>
+        </p:spPr>
+      </p:pic>
+      <p:pic>
+        <p:nvPicPr>
+          <p:cNvPr id="28" name="Grafik 27">
+            <a:extLst>
+              <a:ext uri="{FF2B5EF4-FFF2-40B4-BE49-F238E27FC236}">
+                <a16:creationId xmlns="" xmlns:a16="http://schemas.microsoft.com/office/drawing/2014/main" id="{DBAABB11-9F38-40A3-AB92-DA843B22D6A0}"/>
+              </a:ext>
+            </a:extLst>
+          </p:cNvPr>
+          <p:cNvPicPr>
+            <a:picLocks noChangeAspect="1"/>
+          </p:cNvPicPr>
+          <p:nvPr/>
+        </p:nvPicPr>
+        <p:blipFill>
+          <a:blip r:embed="rId5" cstate="print">
+            <a:extLst>
+              <a:ext uri="{28A0092B-C50C-407E-A947-70E740481C1C}">
+                <a14:useLocalDpi xmlns:a14="http://schemas.microsoft.com/office/drawing/2010/main" val="0"/>
+              </a:ext>
+            </a:extLst>
+          </a:blip>
+          <a:stretch>
+            <a:fillRect/>
+          </a:stretch>
+        </p:blipFill>
+        <p:spPr>
+          <a:xfrm>
+            <a:off x="8502652" y="2901401"/>
+            <a:ext cx="1098548" cy="1269510"/>
           </a:xfrm>
           <a:prstGeom prst="rect">
             <a:avLst/>
@@ -9526,7 +8221,7 @@
     </p:spTree>
     <p:extLst>
       <p:ext uri="{BB962C8B-B14F-4D97-AF65-F5344CB8AC3E}">
-        <p14:creationId xmlns:p14="http://schemas.microsoft.com/office/powerpoint/2010/main" val="240661978"/>
+        <p14:creationId xmlns:p14="http://schemas.microsoft.com/office/powerpoint/2010/main" val="3069643818"/>
       </p:ext>
     </p:extLst>
   </p:cSld>
@@ -9536,139 +8231,14 @@
   <p:timing>
     <p:tnLst>
       <p:par>
-        <p:cTn id="1" dur="indefinite" restart="never" nodeType="tmRoot">
-          <p:childTnLst>
-            <p:seq concurrent="1" nextAc="seek">
-              <p:cTn id="2" dur="indefinite" nodeType="mainSeq">
-                <p:childTnLst>
-                  <p:par>
-                    <p:cTn id="3" fill="hold">
-                      <p:stCondLst>
-                        <p:cond delay="indefinite"/>
-                        <p:cond evt="onBegin" delay="0">
-                          <p:tn val="2"/>
-                        </p:cond>
-                      </p:stCondLst>
-                      <p:childTnLst>
-                        <p:par>
-                          <p:cTn id="4" fill="hold">
-                            <p:stCondLst>
-                              <p:cond delay="0"/>
-                            </p:stCondLst>
-                            <p:childTnLst>
-                              <p:par>
-                                <p:cTn id="5" presetID="42" presetClass="entr" presetSubtype="0" fill="hold" nodeType="withEffect">
-                                  <p:stCondLst>
-                                    <p:cond delay="0"/>
-                                  </p:stCondLst>
-                                  <p:childTnLst>
-                                    <p:set>
-                                      <p:cBhvr>
-                                        <p:cTn id="6" dur="1" fill="hold">
-                                          <p:stCondLst>
-                                            <p:cond delay="0"/>
-                                          </p:stCondLst>
-                                        </p:cTn>
-                                        <p:tgtEl>
-                                          <p:spTgt spid="5"/>
-                                        </p:tgtEl>
-                                        <p:attrNameLst>
-                                          <p:attrName>style.visibility</p:attrName>
-                                        </p:attrNameLst>
-                                      </p:cBhvr>
-                                      <p:to>
-                                        <p:strVal val="visible"/>
-                                      </p:to>
-                                    </p:set>
-                                    <p:animEffect transition="in" filter="fade">
-                                      <p:cBhvr>
-                                        <p:cTn id="7" dur="1000"/>
-                                        <p:tgtEl>
-                                          <p:spTgt spid="5"/>
-                                        </p:tgtEl>
-                                      </p:cBhvr>
-                                    </p:animEffect>
-                                    <p:anim calcmode="lin" valueType="num">
-                                      <p:cBhvr>
-                                        <p:cTn id="8" dur="1000" fill="hold"/>
-                                        <p:tgtEl>
-                                          <p:spTgt spid="5"/>
-                                        </p:tgtEl>
-                                        <p:attrNameLst>
-                                          <p:attrName>ppt_x</p:attrName>
-                                        </p:attrNameLst>
-                                      </p:cBhvr>
-                                      <p:tavLst>
-                                        <p:tav tm="0">
-                                          <p:val>
-                                            <p:strVal val="#ppt_x"/>
-                                          </p:val>
-                                        </p:tav>
-                                        <p:tav tm="100000">
-                                          <p:val>
-                                            <p:strVal val="#ppt_x"/>
-                                          </p:val>
-                                        </p:tav>
-                                      </p:tavLst>
-                                    </p:anim>
-                                    <p:anim calcmode="lin" valueType="num">
-                                      <p:cBhvr>
-                                        <p:cTn id="9" dur="1000" fill="hold"/>
-                                        <p:tgtEl>
-                                          <p:spTgt spid="5"/>
-                                        </p:tgtEl>
-                                        <p:attrNameLst>
-                                          <p:attrName>ppt_y</p:attrName>
-                                        </p:attrNameLst>
-                                      </p:cBhvr>
-                                      <p:tavLst>
-                                        <p:tav tm="0">
-                                          <p:val>
-                                            <p:strVal val="#ppt_y+.1"/>
-                                          </p:val>
-                                        </p:tav>
-                                        <p:tav tm="100000">
-                                          <p:val>
-                                            <p:strVal val="#ppt_y"/>
-                                          </p:val>
-                                        </p:tav>
-                                      </p:tavLst>
-                                    </p:anim>
-                                  </p:childTnLst>
-                                </p:cTn>
-                              </p:par>
-                            </p:childTnLst>
-                          </p:cTn>
-                        </p:par>
-                      </p:childTnLst>
-                    </p:cTn>
-                  </p:par>
-                </p:childTnLst>
-              </p:cTn>
-              <p:prevCondLst>
-                <p:cond evt="onPrev" delay="0">
-                  <p:tgtEl>
-                    <p:sldTgt/>
-                  </p:tgtEl>
-                </p:cond>
-              </p:prevCondLst>
-              <p:nextCondLst>
-                <p:cond evt="onNext" delay="0">
-                  <p:tgtEl>
-                    <p:sldTgt/>
-                  </p:tgtEl>
-                </p:cond>
-              </p:nextCondLst>
-            </p:seq>
-          </p:childTnLst>
-        </p:cTn>
+        <p:cTn id="1" dur="indefinite" restart="never" nodeType="tmRoot"/>
       </p:par>
     </p:tnLst>
   </p:timing>
 </p:sld>
 </file>
 
-<file path=ppt/slides/slide32.xml><?xml version="1.0" encoding="utf-8"?>
+<file path=ppt/slides/slide8.xml><?xml version="1.0" encoding="utf-8"?>
 <p:sld xmlns:a="http://schemas.openxmlformats.org/drawingml/2006/main" xmlns:r="http://schemas.openxmlformats.org/officeDocument/2006/relationships" xmlns:p="http://schemas.openxmlformats.org/presentationml/2006/main">
   <p:cSld>
     <p:spTree>
@@ -9690,7 +8260,7 @@
           <p:cNvPr id="2" name="Titel 1">
             <a:extLst>
               <a:ext uri="{FF2B5EF4-FFF2-40B4-BE49-F238E27FC236}">
-                <a16:creationId xmlns:a16="http://schemas.microsoft.com/office/drawing/2014/main" id="{E7049DCC-8CFD-47DE-973F-3D5DB6887D3E}"/>
+                <a16:creationId xmlns="" xmlns:a16="http://schemas.microsoft.com/office/drawing/2014/main" id="{D1110B85-4AA9-49D1-B7A6-365D88A37AA6}"/>
               </a:ext>
             </a:extLst>
           </p:cNvPr>
@@ -9708,551 +8278,101 @@
           <a:p>
             <a:r>
               <a:rPr lang="de-DE" dirty="0"/>
-              <a:t>Detailansicht Erfolge</a:t>
-            </a:r>
-          </a:p>
-        </p:txBody>
-      </p:sp>
-      <p:pic>
-        <p:nvPicPr>
-          <p:cNvPr id="6" name="Inhaltsplatzhalter 5">
-            <a:extLst>
-              <a:ext uri="{FF2B5EF4-FFF2-40B4-BE49-F238E27FC236}">
-                <a16:creationId xmlns:a16="http://schemas.microsoft.com/office/drawing/2014/main" id="{F97271CA-C96F-4C0D-93B2-79066ECFB54A}"/>
-              </a:ext>
-            </a:extLst>
-          </p:cNvPr>
-          <p:cNvPicPr>
-            <a:picLocks noGrp="1" noChangeAspect="1"/>
-          </p:cNvPicPr>
+              <a:t>Pflichtenheft (Auszug)</a:t>
+            </a:r>
+          </a:p>
+        </p:txBody>
+      </p:sp>
+      <p:sp>
+        <p:nvSpPr>
+          <p:cNvPr id="3" name="Inhaltsplatzhalter 2">
+            <a:extLst>
+              <a:ext uri="{FF2B5EF4-FFF2-40B4-BE49-F238E27FC236}">
+                <a16:creationId xmlns="" xmlns:a16="http://schemas.microsoft.com/office/drawing/2014/main" id="{3779B985-E8E2-42BD-813C-1ED7D62A13CC}"/>
+              </a:ext>
+            </a:extLst>
+          </p:cNvPr>
+          <p:cNvSpPr>
+            <a:spLocks noGrp="1"/>
+          </p:cNvSpPr>
           <p:nvPr>
             <p:ph idx="1"/>
           </p:nvPr>
-        </p:nvPicPr>
-        <p:blipFill>
-          <a:blip r:embed="rId2"/>
-          <a:stretch>
-            <a:fillRect/>
-          </a:stretch>
-        </p:blipFill>
-        <p:spPr>
-          <a:xfrm>
-            <a:off x="838200" y="2630935"/>
-            <a:ext cx="10515600" cy="2740717"/>
-          </a:xfrm>
-          <a:prstGeom prst="rect">
-            <a:avLst/>
-          </a:prstGeom>
-        </p:spPr>
-      </p:pic>
+        </p:nvSpPr>
+        <p:spPr/>
+        <p:txBody>
+          <a:bodyPr>
+            <a:normAutofit fontScale="92500" lnSpcReduction="20000"/>
+          </a:bodyPr>
+          <a:lstStyle/>
+          <a:p>
+            <a:pPr marL="0" indent="0">
+              <a:buNone/>
+            </a:pPr>
+            <a:endParaRPr lang="de-DE" dirty="0"/>
+          </a:p>
+          <a:p>
+            <a:r>
+              <a:rPr lang="de-DE" dirty="0"/>
+              <a:t>Bestehende Klassen (z. B. Benutzer) sollen nach Möglichkeit erweitert werden. </a:t>
+            </a:r>
+          </a:p>
+          <a:p>
+            <a:r>
+              <a:rPr lang="de-DE" dirty="0"/>
+              <a:t>Die Speicherung der Auszeichnungen findet über das Framework statt (keine direkten Einträge in der Datenbank erzeugen, sondern dem bisherigen Paradigma folgen und erzeugte Klassen-Modelle abspeichern). </a:t>
+            </a:r>
+          </a:p>
+          <a:p>
+            <a:r>
+              <a:rPr lang="de-DE" dirty="0"/>
+              <a:t>Die Fall-Überprüfungen und das Speichern der Ergebnisse finden nach dem Einloggen des Benutzers statt. Hierzu soll ein </a:t>
+            </a:r>
+            <a:r>
+              <a:rPr lang="de-DE" i="1" dirty="0" err="1"/>
+              <a:t>EventListener</a:t>
+            </a:r>
+            <a:r>
+              <a:rPr lang="de-DE" i="1" dirty="0"/>
+              <a:t> </a:t>
+            </a:r>
+            <a:r>
+              <a:rPr lang="de-DE" dirty="0"/>
+              <a:t>angelegt werden, damit die Prüfung bei einem späteren Betrieb täglich zu einer festen Uhrzeit stattfinden kann. </a:t>
+            </a:r>
+          </a:p>
+          <a:p>
+            <a:r>
+              <a:rPr lang="de-DE" dirty="0"/>
+              <a:t>Quelle der zu verwendenden Piktogramme: fontawesome.io/</a:t>
+            </a:r>
+            <a:r>
+              <a:rPr lang="de-DE" dirty="0" err="1"/>
+              <a:t>icons</a:t>
+            </a:r>
+            <a:r>
+              <a:rPr lang="de-DE" dirty="0"/>
+              <a:t>/ </a:t>
+            </a:r>
+          </a:p>
+          <a:p>
+            <a:r>
+              <a:rPr lang="de-DE" dirty="0"/>
+              <a:t>Darstellung: Das Design baut auf schon bestehenden Inhalten auf; hierzu sind bereits existierende Klassen erneut zu verwenden: </a:t>
+            </a:r>
+          </a:p>
+          <a:p>
+            <a:endParaRPr lang="de-DE" dirty="0"/>
+          </a:p>
+          <a:p>
+            <a:endParaRPr lang="de-DE" dirty="0"/>
+          </a:p>
+        </p:txBody>
+      </p:sp>
     </p:spTree>
     <p:extLst>
       <p:ext uri="{BB962C8B-B14F-4D97-AF65-F5344CB8AC3E}">
-        <p14:creationId xmlns:p14="http://schemas.microsoft.com/office/powerpoint/2010/main" val="3912940474"/>
-      </p:ext>
-    </p:extLst>
-  </p:cSld>
-  <p:clrMapOvr>
-    <a:masterClrMapping/>
-  </p:clrMapOvr>
-  <p:timing>
-    <p:tnLst>
-      <p:par>
-        <p:cTn id="1" dur="indefinite" restart="never" nodeType="tmRoot">
-          <p:childTnLst>
-            <p:seq concurrent="1" nextAc="seek">
-              <p:cTn id="2" dur="indefinite" nodeType="mainSeq">
-                <p:childTnLst>
-                  <p:par>
-                    <p:cTn id="3" fill="hold">
-                      <p:stCondLst>
-                        <p:cond delay="indefinite"/>
-                        <p:cond evt="onBegin" delay="0">
-                          <p:tn val="2"/>
-                        </p:cond>
-                      </p:stCondLst>
-                      <p:childTnLst>
-                        <p:par>
-                          <p:cTn id="4" fill="hold">
-                            <p:stCondLst>
-                              <p:cond delay="0"/>
-                            </p:stCondLst>
-                            <p:childTnLst>
-                              <p:par>
-                                <p:cTn id="5" presetID="42" presetClass="entr" presetSubtype="0" fill="hold" nodeType="withEffect">
-                                  <p:stCondLst>
-                                    <p:cond delay="0"/>
-                                  </p:stCondLst>
-                                  <p:childTnLst>
-                                    <p:set>
-                                      <p:cBhvr>
-                                        <p:cTn id="6" dur="1" fill="hold">
-                                          <p:stCondLst>
-                                            <p:cond delay="0"/>
-                                          </p:stCondLst>
-                                        </p:cTn>
-                                        <p:tgtEl>
-                                          <p:spTgt spid="6"/>
-                                        </p:tgtEl>
-                                        <p:attrNameLst>
-                                          <p:attrName>style.visibility</p:attrName>
-                                        </p:attrNameLst>
-                                      </p:cBhvr>
-                                      <p:to>
-                                        <p:strVal val="visible"/>
-                                      </p:to>
-                                    </p:set>
-                                    <p:animEffect transition="in" filter="fade">
-                                      <p:cBhvr>
-                                        <p:cTn id="7" dur="1000"/>
-                                        <p:tgtEl>
-                                          <p:spTgt spid="6"/>
-                                        </p:tgtEl>
-                                      </p:cBhvr>
-                                    </p:animEffect>
-                                    <p:anim calcmode="lin" valueType="num">
-                                      <p:cBhvr>
-                                        <p:cTn id="8" dur="1000" fill="hold"/>
-                                        <p:tgtEl>
-                                          <p:spTgt spid="6"/>
-                                        </p:tgtEl>
-                                        <p:attrNameLst>
-                                          <p:attrName>ppt_x</p:attrName>
-                                        </p:attrNameLst>
-                                      </p:cBhvr>
-                                      <p:tavLst>
-                                        <p:tav tm="0">
-                                          <p:val>
-                                            <p:strVal val="#ppt_x"/>
-                                          </p:val>
-                                        </p:tav>
-                                        <p:tav tm="100000">
-                                          <p:val>
-                                            <p:strVal val="#ppt_x"/>
-                                          </p:val>
-                                        </p:tav>
-                                      </p:tavLst>
-                                    </p:anim>
-                                    <p:anim calcmode="lin" valueType="num">
-                                      <p:cBhvr>
-                                        <p:cTn id="9" dur="1000" fill="hold"/>
-                                        <p:tgtEl>
-                                          <p:spTgt spid="6"/>
-                                        </p:tgtEl>
-                                        <p:attrNameLst>
-                                          <p:attrName>ppt_y</p:attrName>
-                                        </p:attrNameLst>
-                                      </p:cBhvr>
-                                      <p:tavLst>
-                                        <p:tav tm="0">
-                                          <p:val>
-                                            <p:strVal val="#ppt_y+.1"/>
-                                          </p:val>
-                                        </p:tav>
-                                        <p:tav tm="100000">
-                                          <p:val>
-                                            <p:strVal val="#ppt_y"/>
-                                          </p:val>
-                                        </p:tav>
-                                      </p:tavLst>
-                                    </p:anim>
-                                  </p:childTnLst>
-                                </p:cTn>
-                              </p:par>
-                            </p:childTnLst>
-                          </p:cTn>
-                        </p:par>
-                      </p:childTnLst>
-                    </p:cTn>
-                  </p:par>
-                </p:childTnLst>
-              </p:cTn>
-              <p:prevCondLst>
-                <p:cond evt="onPrev" delay="0">
-                  <p:tgtEl>
-                    <p:sldTgt/>
-                  </p:tgtEl>
-                </p:cond>
-              </p:prevCondLst>
-              <p:nextCondLst>
-                <p:cond evt="onNext" delay="0">
-                  <p:tgtEl>
-                    <p:sldTgt/>
-                  </p:tgtEl>
-                </p:cond>
-              </p:nextCondLst>
-            </p:seq>
-          </p:childTnLst>
-        </p:cTn>
-      </p:par>
-    </p:tnLst>
-  </p:timing>
-</p:sld>
-</file>
-
-<file path=ppt/slides/slide33.xml><?xml version="1.0" encoding="utf-8"?>
-<p:sld xmlns:a="http://schemas.openxmlformats.org/drawingml/2006/main" xmlns:r="http://schemas.openxmlformats.org/officeDocument/2006/relationships" xmlns:p="http://schemas.openxmlformats.org/presentationml/2006/main">
-  <p:cSld>
-    <p:spTree>
-      <p:nvGrpSpPr>
-        <p:cNvPr id="1" name=""/>
-        <p:cNvGrpSpPr/>
-        <p:nvPr/>
-      </p:nvGrpSpPr>
-      <p:grpSpPr>
-        <a:xfrm>
-          <a:off x="0" y="0"/>
-          <a:ext cx="0" cy="0"/>
-          <a:chOff x="0" y="0"/>
-          <a:chExt cx="0" cy="0"/>
-        </a:xfrm>
-      </p:grpSpPr>
-      <p:sp>
-        <p:nvSpPr>
-          <p:cNvPr id="2" name="Titel 1">
-            <a:extLst>
-              <a:ext uri="{FF2B5EF4-FFF2-40B4-BE49-F238E27FC236}">
-                <a16:creationId xmlns:a16="http://schemas.microsoft.com/office/drawing/2014/main" id="{E7049DCC-8CFD-47DE-973F-3D5DB6887D3E}"/>
-              </a:ext>
-            </a:extLst>
-          </p:cNvPr>
-          <p:cNvSpPr>
-            <a:spLocks noGrp="1"/>
-          </p:cNvSpPr>
-          <p:nvPr>
-            <p:ph type="title"/>
-          </p:nvPr>
-        </p:nvSpPr>
-        <p:spPr/>
-        <p:txBody>
-          <a:bodyPr/>
-          <a:lstStyle/>
-          <a:p>
-            <a:r>
-              <a:rPr lang="de-DE" dirty="0"/>
-              <a:t>Detailansicht Erfolge</a:t>
-            </a:r>
-          </a:p>
-        </p:txBody>
-      </p:sp>
-      <p:pic>
-        <p:nvPicPr>
-          <p:cNvPr id="5" name="Inhaltsplatzhalter 4">
-            <a:extLst>
-              <a:ext uri="{FF2B5EF4-FFF2-40B4-BE49-F238E27FC236}">
-                <a16:creationId xmlns:a16="http://schemas.microsoft.com/office/drawing/2014/main" id="{7983B562-8220-4E84-AD4C-223DB5067952}"/>
-              </a:ext>
-            </a:extLst>
-          </p:cNvPr>
-          <p:cNvPicPr>
-            <a:picLocks noGrp="1" noChangeAspect="1"/>
-          </p:cNvPicPr>
-          <p:nvPr>
-            <p:ph idx="1"/>
-          </p:nvPr>
-        </p:nvPicPr>
-        <p:blipFill>
-          <a:blip r:embed="rId2"/>
-          <a:stretch>
-            <a:fillRect/>
-          </a:stretch>
-        </p:blipFill>
-        <p:spPr>
-          <a:xfrm>
-            <a:off x="852487" y="2605881"/>
-            <a:ext cx="10487025" cy="2790825"/>
-          </a:xfrm>
-          <a:prstGeom prst="rect">
-            <a:avLst/>
-          </a:prstGeom>
-        </p:spPr>
-      </p:pic>
-    </p:spTree>
-    <p:extLst>
-      <p:ext uri="{BB962C8B-B14F-4D97-AF65-F5344CB8AC3E}">
-        <p14:creationId xmlns:p14="http://schemas.microsoft.com/office/powerpoint/2010/main" val="567354831"/>
-      </p:ext>
-    </p:extLst>
-  </p:cSld>
-  <p:clrMapOvr>
-    <a:masterClrMapping/>
-  </p:clrMapOvr>
-  <p:timing>
-    <p:tnLst>
-      <p:par>
-        <p:cTn id="1" dur="indefinite" restart="never" nodeType="tmRoot">
-          <p:childTnLst>
-            <p:seq concurrent="1" nextAc="seek">
-              <p:cTn id="2" dur="indefinite" nodeType="mainSeq">
-                <p:childTnLst>
-                  <p:par>
-                    <p:cTn id="3" fill="hold">
-                      <p:stCondLst>
-                        <p:cond delay="indefinite"/>
-                        <p:cond evt="onBegin" delay="0">
-                          <p:tn val="2"/>
-                        </p:cond>
-                      </p:stCondLst>
-                      <p:childTnLst>
-                        <p:par>
-                          <p:cTn id="4" fill="hold">
-                            <p:stCondLst>
-                              <p:cond delay="0"/>
-                            </p:stCondLst>
-                            <p:childTnLst>
-                              <p:par>
-                                <p:cTn id="5" presetID="42" presetClass="entr" presetSubtype="0" fill="hold" nodeType="withEffect">
-                                  <p:stCondLst>
-                                    <p:cond delay="0"/>
-                                  </p:stCondLst>
-                                  <p:childTnLst>
-                                    <p:set>
-                                      <p:cBhvr>
-                                        <p:cTn id="6" dur="1" fill="hold">
-                                          <p:stCondLst>
-                                            <p:cond delay="0"/>
-                                          </p:stCondLst>
-                                        </p:cTn>
-                                        <p:tgtEl>
-                                          <p:spTgt spid="5"/>
-                                        </p:tgtEl>
-                                        <p:attrNameLst>
-                                          <p:attrName>style.visibility</p:attrName>
-                                        </p:attrNameLst>
-                                      </p:cBhvr>
-                                      <p:to>
-                                        <p:strVal val="visible"/>
-                                      </p:to>
-                                    </p:set>
-                                    <p:animEffect transition="in" filter="fade">
-                                      <p:cBhvr>
-                                        <p:cTn id="7" dur="1000"/>
-                                        <p:tgtEl>
-                                          <p:spTgt spid="5"/>
-                                        </p:tgtEl>
-                                      </p:cBhvr>
-                                    </p:animEffect>
-                                    <p:anim calcmode="lin" valueType="num">
-                                      <p:cBhvr>
-                                        <p:cTn id="8" dur="1000" fill="hold"/>
-                                        <p:tgtEl>
-                                          <p:spTgt spid="5"/>
-                                        </p:tgtEl>
-                                        <p:attrNameLst>
-                                          <p:attrName>ppt_x</p:attrName>
-                                        </p:attrNameLst>
-                                      </p:cBhvr>
-                                      <p:tavLst>
-                                        <p:tav tm="0">
-                                          <p:val>
-                                            <p:strVal val="#ppt_x"/>
-                                          </p:val>
-                                        </p:tav>
-                                        <p:tav tm="100000">
-                                          <p:val>
-                                            <p:strVal val="#ppt_x"/>
-                                          </p:val>
-                                        </p:tav>
-                                      </p:tavLst>
-                                    </p:anim>
-                                    <p:anim calcmode="lin" valueType="num">
-                                      <p:cBhvr>
-                                        <p:cTn id="9" dur="1000" fill="hold"/>
-                                        <p:tgtEl>
-                                          <p:spTgt spid="5"/>
-                                        </p:tgtEl>
-                                        <p:attrNameLst>
-                                          <p:attrName>ppt_y</p:attrName>
-                                        </p:attrNameLst>
-                                      </p:cBhvr>
-                                      <p:tavLst>
-                                        <p:tav tm="0">
-                                          <p:val>
-                                            <p:strVal val="#ppt_y+.1"/>
-                                          </p:val>
-                                        </p:tav>
-                                        <p:tav tm="100000">
-                                          <p:val>
-                                            <p:strVal val="#ppt_y"/>
-                                          </p:val>
-                                        </p:tav>
-                                      </p:tavLst>
-                                    </p:anim>
-                                  </p:childTnLst>
-                                </p:cTn>
-                              </p:par>
-                            </p:childTnLst>
-                          </p:cTn>
-                        </p:par>
-                      </p:childTnLst>
-                    </p:cTn>
-                  </p:par>
-                </p:childTnLst>
-              </p:cTn>
-              <p:prevCondLst>
-                <p:cond evt="onPrev" delay="0">
-                  <p:tgtEl>
-                    <p:sldTgt/>
-                  </p:tgtEl>
-                </p:cond>
-              </p:prevCondLst>
-              <p:nextCondLst>
-                <p:cond evt="onNext" delay="0">
-                  <p:tgtEl>
-                    <p:sldTgt/>
-                  </p:tgtEl>
-                </p:cond>
-              </p:nextCondLst>
-            </p:seq>
-          </p:childTnLst>
-        </p:cTn>
-      </p:par>
-    </p:tnLst>
-  </p:timing>
-</p:sld>
-</file>
-
-<file path=ppt/slides/slide34.xml><?xml version="1.0" encoding="utf-8"?>
-<p:sld xmlns:a="http://schemas.openxmlformats.org/drawingml/2006/main" xmlns:r="http://schemas.openxmlformats.org/officeDocument/2006/relationships" xmlns:p="http://schemas.openxmlformats.org/presentationml/2006/main">
-  <p:cSld>
-    <p:spTree>
-      <p:nvGrpSpPr>
-        <p:cNvPr id="1" name=""/>
-        <p:cNvGrpSpPr/>
-        <p:nvPr/>
-      </p:nvGrpSpPr>
-      <p:grpSpPr>
-        <a:xfrm>
-          <a:off x="0" y="0"/>
-          <a:ext cx="0" cy="0"/>
-          <a:chOff x="0" y="0"/>
-          <a:chExt cx="0" cy="0"/>
-        </a:xfrm>
-      </p:grpSpPr>
-      <p:sp>
-        <p:nvSpPr>
-          <p:cNvPr id="2" name="Titel 1">
-            <a:extLst>
-              <a:ext uri="{FF2B5EF4-FFF2-40B4-BE49-F238E27FC236}">
-                <a16:creationId xmlns:a16="http://schemas.microsoft.com/office/drawing/2014/main" id="{03048C56-B70C-4C18-8726-8EC195C96535}"/>
-              </a:ext>
-            </a:extLst>
-          </p:cNvPr>
-          <p:cNvSpPr>
-            <a:spLocks noGrp="1"/>
-          </p:cNvSpPr>
-          <p:nvPr>
-            <p:ph type="title"/>
-          </p:nvPr>
-        </p:nvSpPr>
-        <p:spPr/>
-        <p:txBody>
-          <a:bodyPr/>
-          <a:lstStyle/>
-          <a:p>
-            <a:r>
-              <a:rPr lang="de-DE" dirty="0"/>
-              <a:t>Algorithmen</a:t>
-            </a:r>
-          </a:p>
-        </p:txBody>
-      </p:sp>
-      <p:pic>
-        <p:nvPicPr>
-          <p:cNvPr id="4" name="Inhaltsplatzhalter 3">
-            <a:extLst>
-              <a:ext uri="{FF2B5EF4-FFF2-40B4-BE49-F238E27FC236}">
-                <a16:creationId xmlns:a16="http://schemas.microsoft.com/office/drawing/2014/main" id="{506ABF52-A50C-45D1-9C7B-B62253EEB0B7}"/>
-              </a:ext>
-            </a:extLst>
-          </p:cNvPr>
-          <p:cNvPicPr>
-            <a:picLocks noGrp="1" noChangeAspect="1"/>
-          </p:cNvPicPr>
-          <p:nvPr>
-            <p:ph idx="1"/>
-          </p:nvPr>
-        </p:nvPicPr>
-        <p:blipFill>
-          <a:blip r:embed="rId2"/>
-          <a:stretch>
-            <a:fillRect/>
-          </a:stretch>
-        </p:blipFill>
-        <p:spPr>
-          <a:xfrm>
-            <a:off x="142538" y="1893697"/>
-            <a:ext cx="5353692" cy="4829743"/>
-          </a:xfrm>
-          <a:prstGeom prst="rect">
-            <a:avLst/>
-          </a:prstGeom>
-        </p:spPr>
-      </p:pic>
-      <p:pic>
-        <p:nvPicPr>
-          <p:cNvPr id="6" name="Grafik 5">
-            <a:extLst>
-              <a:ext uri="{FF2B5EF4-FFF2-40B4-BE49-F238E27FC236}">
-                <a16:creationId xmlns:a16="http://schemas.microsoft.com/office/drawing/2014/main" id="{35D38D1A-C41E-4CC2-83EB-3B09F5381EFD}"/>
-              </a:ext>
-            </a:extLst>
-          </p:cNvPr>
-          <p:cNvPicPr>
-            <a:picLocks noChangeAspect="1"/>
-          </p:cNvPicPr>
-          <p:nvPr/>
-        </p:nvPicPr>
-        <p:blipFill>
-          <a:blip r:embed="rId3"/>
-          <a:stretch>
-            <a:fillRect/>
-          </a:stretch>
-        </p:blipFill>
-        <p:spPr>
-          <a:xfrm>
-            <a:off x="5264544" y="162116"/>
-            <a:ext cx="6630330" cy="1684080"/>
-          </a:xfrm>
-          <a:prstGeom prst="rect">
-            <a:avLst/>
-          </a:prstGeom>
-        </p:spPr>
-      </p:pic>
-      <p:pic>
-        <p:nvPicPr>
-          <p:cNvPr id="7" name="Grafik 6">
-            <a:extLst>
-              <a:ext uri="{FF2B5EF4-FFF2-40B4-BE49-F238E27FC236}">
-                <a16:creationId xmlns:a16="http://schemas.microsoft.com/office/drawing/2014/main" id="{9A7F4E87-2236-4762-BB6E-B4972A8EC1F2}"/>
-              </a:ext>
-            </a:extLst>
-          </p:cNvPr>
-          <p:cNvPicPr>
-            <a:picLocks noChangeAspect="1"/>
-          </p:cNvPicPr>
-          <p:nvPr/>
-        </p:nvPicPr>
-        <p:blipFill>
-          <a:blip r:embed="rId4"/>
-          <a:stretch>
-            <a:fillRect/>
-          </a:stretch>
-        </p:blipFill>
-        <p:spPr>
-          <a:xfrm>
-            <a:off x="5670042" y="1893697"/>
-            <a:ext cx="6451652" cy="4829743"/>
-          </a:xfrm>
-          <a:prstGeom prst="rect">
-            <a:avLst/>
-          </a:prstGeom>
-        </p:spPr>
-      </p:pic>
-    </p:spTree>
-    <p:extLst>
-      <p:ext uri="{BB962C8B-B14F-4D97-AF65-F5344CB8AC3E}">
-        <p14:creationId xmlns:p14="http://schemas.microsoft.com/office/powerpoint/2010/main" val="1534719175"/>
+        <p14:creationId xmlns:p14="http://schemas.microsoft.com/office/powerpoint/2010/main" val="3473342525"/>
       </p:ext>
     </p:extLst>
   </p:cSld>
@@ -10280,7 +8400,7 @@
                             </p:stCondLst>
                             <p:childTnLst>
                               <p:par>
-                                <p:cTn id="5" presetID="1" presetClass="entr" presetSubtype="0" fill="hold" nodeType="clickEffect">
+                                <p:cTn id="5" presetID="1" presetClass="entr" presetSubtype="0" fill="hold" grpId="0" nodeType="clickEffect">
                                   <p:stCondLst>
                                     <p:cond delay="0"/>
                                   </p:stCondLst>
@@ -10293,7 +8413,11 @@
                                           </p:stCondLst>
                                         </p:cTn>
                                         <p:tgtEl>
-                                          <p:spTgt spid="4"/>
+                                          <p:spTgt spid="3">
+                                            <p:txEl>
+                                              <p:pRg st="1" end="1"/>
+                                            </p:txEl>
+                                          </p:spTgt>
                                         </p:tgtEl>
                                         <p:attrNameLst>
                                           <p:attrName>style.visibility</p:attrName>
@@ -10325,7 +8449,7 @@
                             </p:stCondLst>
                             <p:childTnLst>
                               <p:par>
-                                <p:cTn id="9" presetID="1" presetClass="entr" presetSubtype="0" fill="hold" nodeType="clickEffect">
+                                <p:cTn id="9" presetID="1" presetClass="entr" presetSubtype="0" fill="hold" grpId="0" nodeType="clickEffect">
                                   <p:stCondLst>
                                     <p:cond delay="0"/>
                                   </p:stCondLst>
@@ -10338,7 +8462,158 @@
                                           </p:stCondLst>
                                         </p:cTn>
                                         <p:tgtEl>
-                                          <p:spTgt spid="7"/>
+                                          <p:spTgt spid="3">
+                                            <p:txEl>
+                                              <p:pRg st="2" end="2"/>
+                                            </p:txEl>
+                                          </p:spTgt>
+                                        </p:tgtEl>
+                                        <p:attrNameLst>
+                                          <p:attrName>style.visibility</p:attrName>
+                                        </p:attrNameLst>
+                                      </p:cBhvr>
+                                      <p:to>
+                                        <p:strVal val="visible"/>
+                                      </p:to>
+                                    </p:set>
+                                  </p:childTnLst>
+                                </p:cTn>
+                              </p:par>
+                            </p:childTnLst>
+                          </p:cTn>
+                        </p:par>
+                      </p:childTnLst>
+                    </p:cTn>
+                  </p:par>
+                  <p:par>
+                    <p:cTn id="11" fill="hold">
+                      <p:stCondLst>
+                        <p:cond delay="indefinite"/>
+                      </p:stCondLst>
+                      <p:childTnLst>
+                        <p:par>
+                          <p:cTn id="12" fill="hold">
+                            <p:stCondLst>
+                              <p:cond delay="0"/>
+                            </p:stCondLst>
+                            <p:childTnLst>
+                              <p:par>
+                                <p:cTn id="13" presetID="1" presetClass="entr" presetSubtype="0" fill="hold" grpId="0" nodeType="clickEffect">
+                                  <p:stCondLst>
+                                    <p:cond delay="0"/>
+                                  </p:stCondLst>
+                                  <p:childTnLst>
+                                    <p:set>
+                                      <p:cBhvr>
+                                        <p:cTn id="14" dur="1" fill="hold">
+                                          <p:stCondLst>
+                                            <p:cond delay="0"/>
+                                          </p:stCondLst>
+                                        </p:cTn>
+                                        <p:tgtEl>
+                                          <p:spTgt spid="3">
+                                            <p:txEl>
+                                              <p:pRg st="3" end="3"/>
+                                            </p:txEl>
+                                          </p:spTgt>
+                                        </p:tgtEl>
+                                        <p:attrNameLst>
+                                          <p:attrName>style.visibility</p:attrName>
+                                        </p:attrNameLst>
+                                      </p:cBhvr>
+                                      <p:to>
+                                        <p:strVal val="visible"/>
+                                      </p:to>
+                                    </p:set>
+                                  </p:childTnLst>
+                                </p:cTn>
+                              </p:par>
+                            </p:childTnLst>
+                          </p:cTn>
+                        </p:par>
+                      </p:childTnLst>
+                    </p:cTn>
+                  </p:par>
+                  <p:par>
+                    <p:cTn id="15" fill="hold">
+                      <p:stCondLst>
+                        <p:cond delay="indefinite"/>
+                      </p:stCondLst>
+                      <p:childTnLst>
+                        <p:par>
+                          <p:cTn id="16" fill="hold">
+                            <p:stCondLst>
+                              <p:cond delay="0"/>
+                            </p:stCondLst>
+                            <p:childTnLst>
+                              <p:par>
+                                <p:cTn id="17" presetID="1" presetClass="entr" presetSubtype="0" fill="hold" grpId="0" nodeType="clickEffect">
+                                  <p:stCondLst>
+                                    <p:cond delay="0"/>
+                                  </p:stCondLst>
+                                  <p:childTnLst>
+                                    <p:set>
+                                      <p:cBhvr>
+                                        <p:cTn id="18" dur="1" fill="hold">
+                                          <p:stCondLst>
+                                            <p:cond delay="0"/>
+                                          </p:stCondLst>
+                                        </p:cTn>
+                                        <p:tgtEl>
+                                          <p:spTgt spid="3">
+                                            <p:txEl>
+                                              <p:pRg st="4" end="4"/>
+                                            </p:txEl>
+                                          </p:spTgt>
+                                        </p:tgtEl>
+                                        <p:attrNameLst>
+                                          <p:attrName>style.visibility</p:attrName>
+                                        </p:attrNameLst>
+                                      </p:cBhvr>
+                                      <p:to>
+                                        <p:strVal val="visible"/>
+                                      </p:to>
+                                    </p:set>
+                                  </p:childTnLst>
+                                </p:cTn>
+                              </p:par>
+                            </p:childTnLst>
+                          </p:cTn>
+                        </p:par>
+                      </p:childTnLst>
+                    </p:cTn>
+                  </p:par>
+                  <p:par>
+                    <p:cTn id="19" fill="hold">
+                      <p:stCondLst>
+                        <p:cond delay="indefinite"/>
+                      </p:stCondLst>
+                      <p:childTnLst>
+                        <p:par>
+                          <p:cTn id="20" fill="hold">
+                            <p:stCondLst>
+                              <p:cond delay="0"/>
+                            </p:stCondLst>
+                            <p:childTnLst>
+                              <p:par>
+                                <p:cTn id="21" presetID="1" presetClass="entr" presetSubtype="0" fill="hold" grpId="0" nodeType="clickEffect">
+                                  <p:stCondLst>
+                                    <p:cond delay="0"/>
+                                  </p:stCondLst>
+                                  <p:childTnLst>
+                                    <p:set>
+                                      <p:cBhvr>
+                                        <p:cTn id="22" dur="1" fill="hold">
+                                          <p:stCondLst>
+                                            <p:cond delay="0"/>
+                                          </p:stCondLst>
+                                        </p:cTn>
+                                        <p:tgtEl>
+                                          <p:spTgt spid="3">
+                                            <p:txEl>
+                                              <p:pRg st="5" end="5"/>
+                                            </p:txEl>
+                                          </p:spTgt>
                                         </p:tgtEl>
                                         <p:attrNameLst>
                                           <p:attrName>style.visibility</p:attrName>
@@ -10378,1138 +8653,10 @@
         </p:cTn>
       </p:par>
     </p:tnLst>
+    <p:bldLst>
+      <p:bldP spid="3" grpId="0" build="p"/>
+    </p:bldLst>
   </p:timing>
-</p:sld>
-</file>
-
-<file path=ppt/slides/slide4.xml><?xml version="1.0" encoding="utf-8"?>
-<p:sld xmlns:a="http://schemas.openxmlformats.org/drawingml/2006/main" xmlns:r="http://schemas.openxmlformats.org/officeDocument/2006/relationships" xmlns:p="http://schemas.openxmlformats.org/presentationml/2006/main">
-  <p:cSld>
-    <p:spTree>
-      <p:nvGrpSpPr>
-        <p:cNvPr id="1" name=""/>
-        <p:cNvGrpSpPr/>
-        <p:nvPr/>
-      </p:nvGrpSpPr>
-      <p:grpSpPr>
-        <a:xfrm>
-          <a:off x="0" y="0"/>
-          <a:ext cx="0" cy="0"/>
-          <a:chOff x="0" y="0"/>
-          <a:chExt cx="0" cy="0"/>
-        </a:xfrm>
-      </p:grpSpPr>
-      <p:sp>
-        <p:nvSpPr>
-          <p:cNvPr id="2" name="Titel 1">
-            <a:extLst>
-              <a:ext uri="{FF2B5EF4-FFF2-40B4-BE49-F238E27FC236}">
-                <a16:creationId xmlns:a16="http://schemas.microsoft.com/office/drawing/2014/main" id="{D1DB8172-FA18-46B6-B99F-9749DF6F68AA}"/>
-              </a:ext>
-            </a:extLst>
-          </p:cNvPr>
-          <p:cNvSpPr>
-            <a:spLocks noGrp="1"/>
-          </p:cNvSpPr>
-          <p:nvPr>
-            <p:ph type="title"/>
-          </p:nvPr>
-        </p:nvSpPr>
-        <p:spPr/>
-        <p:txBody>
-          <a:bodyPr/>
-          <a:lstStyle/>
-          <a:p>
-            <a:r>
-              <a:rPr lang="de-DE" dirty="0"/>
-              <a:t>Projektziel</a:t>
-            </a:r>
-          </a:p>
-        </p:txBody>
-      </p:sp>
-      <p:sp>
-        <p:nvSpPr>
-          <p:cNvPr id="3" name="Inhaltsplatzhalter 2">
-            <a:extLst>
-              <a:ext uri="{FF2B5EF4-FFF2-40B4-BE49-F238E27FC236}">
-                <a16:creationId xmlns:a16="http://schemas.microsoft.com/office/drawing/2014/main" id="{566451EC-9B14-4E72-B801-DBD58CE76DFE}"/>
-              </a:ext>
-            </a:extLst>
-          </p:cNvPr>
-          <p:cNvSpPr>
-            <a:spLocks noGrp="1"/>
-          </p:cNvSpPr>
-          <p:nvPr>
-            <p:ph idx="1"/>
-          </p:nvPr>
-        </p:nvSpPr>
-        <p:spPr/>
-        <p:txBody>
-          <a:bodyPr/>
-          <a:lstStyle/>
-          <a:p>
-            <a:pPr marL="0" indent="0">
-              <a:buNone/>
-            </a:pPr>
-            <a:r>
-              <a:rPr lang="de-DE" dirty="0"/>
-              <a:t>Hinzufügen eines virtuellen Belohnungssytems</a:t>
-            </a:r>
-          </a:p>
-          <a:p>
-            <a:pPr marL="0" indent="0">
-              <a:buNone/>
-            </a:pPr>
-            <a:endParaRPr lang="de-DE" dirty="0"/>
-          </a:p>
-          <a:p>
-            <a:r>
-              <a:rPr lang="de-DE" dirty="0"/>
-              <a:t>Steigerung der Lernmotivation</a:t>
-            </a:r>
-          </a:p>
-          <a:p>
-            <a:r>
-              <a:rPr lang="de-DE" dirty="0"/>
-              <a:t>Regelmäßige / häufigere  Nutzung</a:t>
-            </a:r>
-          </a:p>
-          <a:p>
-            <a:endParaRPr lang="de-DE" dirty="0"/>
-          </a:p>
-          <a:p>
-            <a:r>
-              <a:rPr lang="de-DE" dirty="0"/>
-              <a:t>Nur für den Azubi sichtbar</a:t>
-            </a:r>
-          </a:p>
-          <a:p>
-            <a:r>
-              <a:rPr lang="de-DE" dirty="0"/>
-              <a:t>Einmal erreichte Auszeichnungen sollen dauerhaft </a:t>
-            </a:r>
-            <a:r>
-              <a:rPr lang="de-DE"/>
-              <a:t>angezeigt werden</a:t>
-            </a:r>
-          </a:p>
-          <a:p>
-            <a:endParaRPr lang="de-DE" dirty="0"/>
-          </a:p>
-          <a:p>
-            <a:endParaRPr lang="de-DE" dirty="0"/>
-          </a:p>
-          <a:p>
-            <a:pPr marL="0" indent="0">
-              <a:buNone/>
-            </a:pPr>
-            <a:endParaRPr lang="de-DE" dirty="0"/>
-          </a:p>
-          <a:p>
-            <a:pPr marL="0" indent="0">
-              <a:buNone/>
-            </a:pPr>
-            <a:endParaRPr lang="de-DE" dirty="0"/>
-          </a:p>
-        </p:txBody>
-      </p:sp>
-    </p:spTree>
-    <p:extLst>
-      <p:ext uri="{BB962C8B-B14F-4D97-AF65-F5344CB8AC3E}">
-        <p14:creationId xmlns:p14="http://schemas.microsoft.com/office/powerpoint/2010/main" val="1547934341"/>
-      </p:ext>
-    </p:extLst>
-  </p:cSld>
-  <p:clrMapOvr>
-    <a:masterClrMapping/>
-  </p:clrMapOvr>
-</p:sld>
-</file>
-
-<file path=ppt/slides/slide5.xml><?xml version="1.0" encoding="utf-8"?>
-<p:sld xmlns:a="http://schemas.openxmlformats.org/drawingml/2006/main" xmlns:r="http://schemas.openxmlformats.org/officeDocument/2006/relationships" xmlns:p="http://schemas.openxmlformats.org/presentationml/2006/main">
-  <p:cSld>
-    <p:spTree>
-      <p:nvGrpSpPr>
-        <p:cNvPr id="1" name=""/>
-        <p:cNvGrpSpPr/>
-        <p:nvPr/>
-      </p:nvGrpSpPr>
-      <p:grpSpPr>
-        <a:xfrm>
-          <a:off x="0" y="0"/>
-          <a:ext cx="0" cy="0"/>
-          <a:chOff x="0" y="0"/>
-          <a:chExt cx="0" cy="0"/>
-        </a:xfrm>
-      </p:grpSpPr>
-      <p:sp>
-        <p:nvSpPr>
-          <p:cNvPr id="2" name="Titel 1">
-            <a:extLst>
-              <a:ext uri="{FF2B5EF4-FFF2-40B4-BE49-F238E27FC236}">
-                <a16:creationId xmlns:a16="http://schemas.microsoft.com/office/drawing/2014/main" id="{57A7D1AF-ECDA-4992-B356-7F17EE99EA6B}"/>
-              </a:ext>
-            </a:extLst>
-          </p:cNvPr>
-          <p:cNvSpPr>
-            <a:spLocks noGrp="1"/>
-          </p:cNvSpPr>
-          <p:nvPr>
-            <p:ph type="title"/>
-          </p:nvPr>
-        </p:nvSpPr>
-        <p:spPr/>
-        <p:txBody>
-          <a:bodyPr/>
-          <a:lstStyle/>
-          <a:p>
-            <a:r>
-              <a:rPr lang="de-DE" dirty="0"/>
-              <a:t>Projektziel</a:t>
-            </a:r>
-          </a:p>
-        </p:txBody>
-      </p:sp>
-      <p:pic>
-        <p:nvPicPr>
-          <p:cNvPr id="4" name="Inhaltsplatzhalter 3">
-            <a:extLst>
-              <a:ext uri="{FF2B5EF4-FFF2-40B4-BE49-F238E27FC236}">
-                <a16:creationId xmlns:a16="http://schemas.microsoft.com/office/drawing/2014/main" id="{CF65CBB4-A99D-49CC-A36B-696F80C1E9A4}"/>
-              </a:ext>
-            </a:extLst>
-          </p:cNvPr>
-          <p:cNvPicPr>
-            <a:picLocks noGrp="1" noChangeAspect="1"/>
-          </p:cNvPicPr>
-          <p:nvPr>
-            <p:ph idx="1"/>
-          </p:nvPr>
-        </p:nvPicPr>
-        <p:blipFill>
-          <a:blip r:embed="rId2"/>
-          <a:stretch>
-            <a:fillRect/>
-          </a:stretch>
-        </p:blipFill>
-        <p:spPr>
-          <a:xfrm>
-            <a:off x="2090697" y="1825625"/>
-            <a:ext cx="8010605" cy="4351338"/>
-          </a:xfrm>
-          <a:prstGeom prst="rect">
-            <a:avLst/>
-          </a:prstGeom>
-        </p:spPr>
-      </p:pic>
-    </p:spTree>
-    <p:extLst>
-      <p:ext uri="{BB962C8B-B14F-4D97-AF65-F5344CB8AC3E}">
-        <p14:creationId xmlns:p14="http://schemas.microsoft.com/office/powerpoint/2010/main" val="2141439856"/>
-      </p:ext>
-    </p:extLst>
-  </p:cSld>
-  <p:clrMapOvr>
-    <a:masterClrMapping/>
-  </p:clrMapOvr>
-</p:sld>
-</file>
-
-<file path=ppt/slides/slide6.xml><?xml version="1.0" encoding="utf-8"?>
-<p:sld xmlns:a="http://schemas.openxmlformats.org/drawingml/2006/main" xmlns:r="http://schemas.openxmlformats.org/officeDocument/2006/relationships" xmlns:p="http://schemas.openxmlformats.org/presentationml/2006/main">
-  <p:cSld>
-    <p:spTree>
-      <p:nvGrpSpPr>
-        <p:cNvPr id="1" name=""/>
-        <p:cNvGrpSpPr/>
-        <p:nvPr/>
-      </p:nvGrpSpPr>
-      <p:grpSpPr>
-        <a:xfrm>
-          <a:off x="0" y="0"/>
-          <a:ext cx="0" cy="0"/>
-          <a:chOff x="0" y="0"/>
-          <a:chExt cx="0" cy="0"/>
-        </a:xfrm>
-      </p:grpSpPr>
-      <p:sp>
-        <p:nvSpPr>
-          <p:cNvPr id="2" name="Titel 1">
-            <a:extLst>
-              <a:ext uri="{FF2B5EF4-FFF2-40B4-BE49-F238E27FC236}">
-                <a16:creationId xmlns:a16="http://schemas.microsoft.com/office/drawing/2014/main" id="{D1110B85-4AA9-49D1-B7A6-365D88A37AA6}"/>
-              </a:ext>
-            </a:extLst>
-          </p:cNvPr>
-          <p:cNvSpPr>
-            <a:spLocks noGrp="1"/>
-          </p:cNvSpPr>
-          <p:nvPr>
-            <p:ph type="title"/>
-          </p:nvPr>
-        </p:nvSpPr>
-        <p:spPr/>
-        <p:txBody>
-          <a:bodyPr/>
-          <a:lstStyle/>
-          <a:p>
-            <a:r>
-              <a:rPr lang="de-DE" dirty="0"/>
-              <a:t>Pflichtenheft (Auszug)</a:t>
-            </a:r>
-          </a:p>
-        </p:txBody>
-      </p:sp>
-      <p:sp>
-        <p:nvSpPr>
-          <p:cNvPr id="3" name="Inhaltsplatzhalter 2">
-            <a:extLst>
-              <a:ext uri="{FF2B5EF4-FFF2-40B4-BE49-F238E27FC236}">
-                <a16:creationId xmlns:a16="http://schemas.microsoft.com/office/drawing/2014/main" id="{3779B985-E8E2-42BD-813C-1ED7D62A13CC}"/>
-              </a:ext>
-            </a:extLst>
-          </p:cNvPr>
-          <p:cNvSpPr>
-            <a:spLocks noGrp="1"/>
-          </p:cNvSpPr>
-          <p:nvPr>
-            <p:ph idx="1"/>
-          </p:nvPr>
-        </p:nvSpPr>
-        <p:spPr/>
-        <p:txBody>
-          <a:bodyPr>
-            <a:normAutofit fontScale="85000" lnSpcReduction="10000"/>
-          </a:bodyPr>
-          <a:lstStyle/>
-          <a:p>
-            <a:endParaRPr lang="de-DE" dirty="0"/>
-          </a:p>
-          <a:p>
-            <a:r>
-              <a:rPr lang="de-DE" dirty="0"/>
-              <a:t>Ein vollständig ausgefülltes Benutzerprofil </a:t>
-            </a:r>
-          </a:p>
-          <a:p>
-            <a:r>
-              <a:rPr lang="de-DE" dirty="0"/>
-              <a:t>Wenn erstmalig jede Frage mindestens einmal beantwortet wurde </a:t>
-            </a:r>
-          </a:p>
-          <a:p>
-            <a:r>
-              <a:rPr lang="de-DE" dirty="0"/>
-              <a:t>Wenn sich erstmalig keine Frage mehr in dem ersten Karteikartenfach befindet </a:t>
-            </a:r>
-          </a:p>
-          <a:p>
-            <a:r>
-              <a:rPr lang="de-DE" dirty="0"/>
-              <a:t>Wenn sich erstmalig keine Frage mehr in dem zweiten Karteikartenfach befindet </a:t>
-            </a:r>
-          </a:p>
-          <a:p>
-            <a:r>
-              <a:rPr lang="de-DE" dirty="0"/>
-              <a:t>Wenn sich erstmalig keine Frage mehr in dem dritten Karteikartenfach befindet </a:t>
-            </a:r>
-          </a:p>
-          <a:p>
-            <a:r>
-              <a:rPr lang="de-DE" dirty="0"/>
-              <a:t>Tägliches Einloggen an Werktagen der Vorwoche – diese Auszeichnung ist temporär und die Bedingung dafür wird bei jeder Überprüfung erneut abgefragt. </a:t>
-            </a:r>
-          </a:p>
-          <a:p>
-            <a:r>
-              <a:rPr lang="de-DE" dirty="0"/>
-              <a:t>Das Einloggen in das System außerhalb der täglichen Arbeitszeit </a:t>
-            </a:r>
-          </a:p>
-          <a:p>
-            <a:endParaRPr lang="de-DE" dirty="0"/>
-          </a:p>
-          <a:p>
-            <a:endParaRPr lang="de-DE" dirty="0"/>
-          </a:p>
-        </p:txBody>
-      </p:sp>
-    </p:spTree>
-    <p:extLst>
-      <p:ext uri="{BB962C8B-B14F-4D97-AF65-F5344CB8AC3E}">
-        <p14:creationId xmlns:p14="http://schemas.microsoft.com/office/powerpoint/2010/main" val="1502599875"/>
-      </p:ext>
-    </p:extLst>
-  </p:cSld>
-  <p:clrMapOvr>
-    <a:masterClrMapping/>
-  </p:clrMapOvr>
-</p:sld>
-</file>
-
-<file path=ppt/slides/slide7.xml><?xml version="1.0" encoding="utf-8"?>
-<p:sld xmlns:a="http://schemas.openxmlformats.org/drawingml/2006/main" xmlns:r="http://schemas.openxmlformats.org/officeDocument/2006/relationships" xmlns:p="http://schemas.openxmlformats.org/presentationml/2006/main">
-  <p:cSld>
-    <p:spTree>
-      <p:nvGrpSpPr>
-        <p:cNvPr id="1" name=""/>
-        <p:cNvGrpSpPr/>
-        <p:nvPr/>
-      </p:nvGrpSpPr>
-      <p:grpSpPr>
-        <a:xfrm>
-          <a:off x="0" y="0"/>
-          <a:ext cx="0" cy="0"/>
-          <a:chOff x="0" y="0"/>
-          <a:chExt cx="0" cy="0"/>
-        </a:xfrm>
-      </p:grpSpPr>
-      <p:sp>
-        <p:nvSpPr>
-          <p:cNvPr id="2" name="Titel 1">
-            <a:extLst>
-              <a:ext uri="{FF2B5EF4-FFF2-40B4-BE49-F238E27FC236}">
-                <a16:creationId xmlns:a16="http://schemas.microsoft.com/office/drawing/2014/main" id="{D1110B85-4AA9-49D1-B7A6-365D88A37AA6}"/>
-              </a:ext>
-            </a:extLst>
-          </p:cNvPr>
-          <p:cNvSpPr>
-            <a:spLocks noGrp="1"/>
-          </p:cNvSpPr>
-          <p:nvPr>
-            <p:ph type="title"/>
-          </p:nvPr>
-        </p:nvSpPr>
-        <p:spPr/>
-        <p:txBody>
-          <a:bodyPr/>
-          <a:lstStyle/>
-          <a:p>
-            <a:r>
-              <a:rPr lang="de-DE" dirty="0"/>
-              <a:t>Pflichtenheft (Auszug)</a:t>
-            </a:r>
-          </a:p>
-        </p:txBody>
-      </p:sp>
-      <p:sp>
-        <p:nvSpPr>
-          <p:cNvPr id="3" name="Inhaltsplatzhalter 2">
-            <a:extLst>
-              <a:ext uri="{FF2B5EF4-FFF2-40B4-BE49-F238E27FC236}">
-                <a16:creationId xmlns:a16="http://schemas.microsoft.com/office/drawing/2014/main" id="{3779B985-E8E2-42BD-813C-1ED7D62A13CC}"/>
-              </a:ext>
-            </a:extLst>
-          </p:cNvPr>
-          <p:cNvSpPr>
-            <a:spLocks noGrp="1"/>
-          </p:cNvSpPr>
-          <p:nvPr>
-            <p:ph idx="1"/>
-          </p:nvPr>
-        </p:nvSpPr>
-        <p:spPr/>
-        <p:txBody>
-          <a:bodyPr>
-            <a:normAutofit fontScale="92500" lnSpcReduction="20000"/>
-          </a:bodyPr>
-          <a:lstStyle/>
-          <a:p>
-            <a:pPr marL="0" indent="0">
-              <a:buNone/>
-            </a:pPr>
-            <a:endParaRPr lang="de-DE" dirty="0"/>
-          </a:p>
-          <a:p>
-            <a:r>
-              <a:rPr lang="de-DE" dirty="0"/>
-              <a:t>Bestehende Klassen (z. B. Benutzer) sollen nach Möglichkeit erweitert werden. </a:t>
-            </a:r>
-          </a:p>
-          <a:p>
-            <a:r>
-              <a:rPr lang="de-DE" dirty="0"/>
-              <a:t>Die Speicherung der Auszeichnungen findet über das Framework statt (keine direkten Einträge in der Datenbank erzeugen, sondern dem bisherigen Paradigma folgen und erzeugte Klassen-Modelle abspeichern). </a:t>
-            </a:r>
-          </a:p>
-          <a:p>
-            <a:r>
-              <a:rPr lang="de-DE" dirty="0"/>
-              <a:t>Die Fall-Überprüfungen und das Speichern der Ergebnisse finden nach dem Einloggen des Benutzers statt. Hierzu soll ein </a:t>
-            </a:r>
-            <a:r>
-              <a:rPr lang="de-DE" i="1" dirty="0" err="1"/>
-              <a:t>EventListener</a:t>
-            </a:r>
-            <a:r>
-              <a:rPr lang="de-DE" i="1" dirty="0"/>
-              <a:t> </a:t>
-            </a:r>
-            <a:r>
-              <a:rPr lang="de-DE" dirty="0"/>
-              <a:t>angelegt werden, damit die Prüfung bei einem späteren Betrieb täglich zu einer festen Uhrzeit stattfinden kann. </a:t>
-            </a:r>
-          </a:p>
-          <a:p>
-            <a:r>
-              <a:rPr lang="de-DE" dirty="0"/>
-              <a:t>Quelle der zu verwendenden Piktogramme: fontawesome.io/</a:t>
-            </a:r>
-            <a:r>
-              <a:rPr lang="de-DE" dirty="0" err="1"/>
-              <a:t>icons</a:t>
-            </a:r>
-            <a:r>
-              <a:rPr lang="de-DE" dirty="0"/>
-              <a:t>/ </a:t>
-            </a:r>
-          </a:p>
-          <a:p>
-            <a:r>
-              <a:rPr lang="de-DE" dirty="0"/>
-              <a:t>Darstellung: Das Design baut auf schon bestehenden Inhalten auf; hierzu sind bereits existierende Klassen erneut zu verwenden: </a:t>
-            </a:r>
-          </a:p>
-          <a:p>
-            <a:endParaRPr lang="de-DE" dirty="0"/>
-          </a:p>
-          <a:p>
-            <a:endParaRPr lang="de-DE" dirty="0"/>
-          </a:p>
-        </p:txBody>
-      </p:sp>
-    </p:spTree>
-    <p:extLst>
-      <p:ext uri="{BB962C8B-B14F-4D97-AF65-F5344CB8AC3E}">
-        <p14:creationId xmlns:p14="http://schemas.microsoft.com/office/powerpoint/2010/main" val="3473342525"/>
-      </p:ext>
-    </p:extLst>
-  </p:cSld>
-  <p:clrMapOvr>
-    <a:masterClrMapping/>
-  </p:clrMapOvr>
-</p:sld>
-</file>
-
-<file path=ppt/slides/slide8.xml><?xml version="1.0" encoding="utf-8"?>
-<p:sld xmlns:a="http://schemas.openxmlformats.org/drawingml/2006/main" xmlns:r="http://schemas.openxmlformats.org/officeDocument/2006/relationships" xmlns:p="http://schemas.openxmlformats.org/presentationml/2006/main">
-  <p:cSld>
-    <p:spTree>
-      <p:nvGrpSpPr>
-        <p:cNvPr id="1" name=""/>
-        <p:cNvGrpSpPr/>
-        <p:nvPr/>
-      </p:nvGrpSpPr>
-      <p:grpSpPr>
-        <a:xfrm>
-          <a:off x="0" y="0"/>
-          <a:ext cx="0" cy="0"/>
-          <a:chOff x="0" y="0"/>
-          <a:chExt cx="0" cy="0"/>
-        </a:xfrm>
-      </p:grpSpPr>
-      <p:sp>
-        <p:nvSpPr>
-          <p:cNvPr id="2" name="Titel 1">
-            <a:extLst>
-              <a:ext uri="{FF2B5EF4-FFF2-40B4-BE49-F238E27FC236}">
-                <a16:creationId xmlns:a16="http://schemas.microsoft.com/office/drawing/2014/main" id="{91C93F55-BE83-4869-8D9F-D1161467E88F}"/>
-              </a:ext>
-            </a:extLst>
-          </p:cNvPr>
-          <p:cNvSpPr>
-            <a:spLocks noGrp="1"/>
-          </p:cNvSpPr>
-          <p:nvPr>
-            <p:ph type="title"/>
-          </p:nvPr>
-        </p:nvSpPr>
-        <p:spPr/>
-        <p:txBody>
-          <a:bodyPr/>
-          <a:lstStyle/>
-          <a:p>
-            <a:r>
-              <a:rPr lang="de-DE" dirty="0"/>
-              <a:t>Planung der Projektdauer</a:t>
-            </a:r>
-          </a:p>
-        </p:txBody>
-      </p:sp>
-      <p:graphicFrame>
-        <p:nvGraphicFramePr>
-          <p:cNvPr id="4" name="Inhaltsplatzhalter 3">
-            <a:extLst>
-              <a:ext uri="{FF2B5EF4-FFF2-40B4-BE49-F238E27FC236}">
-                <a16:creationId xmlns:a16="http://schemas.microsoft.com/office/drawing/2014/main" id="{E3D9382D-9965-46E0-BD11-EDEA148EB4EF}"/>
-              </a:ext>
-            </a:extLst>
-          </p:cNvPr>
-          <p:cNvGraphicFramePr>
-            <a:graphicFrameLocks noGrp="1"/>
-          </p:cNvGraphicFramePr>
-          <p:nvPr>
-            <p:ph idx="1"/>
-            <p:extLst>
-              <p:ext uri="{D42A27DB-BD31-4B8C-83A1-F6EECF244321}">
-                <p14:modId xmlns:p14="http://schemas.microsoft.com/office/powerpoint/2010/main" val="3862811144"/>
-              </p:ext>
-            </p:extLst>
-          </p:nvPr>
-        </p:nvGraphicFramePr>
-        <p:xfrm>
-          <a:off x="838200" y="1825625"/>
-          <a:ext cx="10515600" cy="3708400"/>
-        </p:xfrm>
-        <a:graphic>
-          <a:graphicData uri="http://schemas.openxmlformats.org/drawingml/2006/table">
-            <a:tbl>
-              <a:tblPr firstRow="1" bandRow="1">
-                <a:tableStyleId>{5C22544A-7EE6-4342-B048-85BDC9FD1C3A}</a:tableStyleId>
-              </a:tblPr>
-              <a:tblGrid>
-                <a:gridCol w="6768548">
-                  <a:extLst>
-                    <a:ext uri="{9D8B030D-6E8A-4147-A177-3AD203B41FA5}">
-                      <a16:colId xmlns:a16="http://schemas.microsoft.com/office/drawing/2014/main" val="1733617500"/>
-                    </a:ext>
-                  </a:extLst>
-                </a:gridCol>
-                <a:gridCol w="3747052">
-                  <a:extLst>
-                    <a:ext uri="{9D8B030D-6E8A-4147-A177-3AD203B41FA5}">
-                      <a16:colId xmlns:a16="http://schemas.microsoft.com/office/drawing/2014/main" val="3909980163"/>
-                    </a:ext>
-                  </a:extLst>
-                </a:gridCol>
-              </a:tblGrid>
-              <a:tr h="370840">
-                <a:tc>
-                  <a:txBody>
-                    <a:bodyPr/>
-                    <a:lstStyle/>
-                    <a:p>
-                      <a:r>
-                        <a:rPr lang="de-DE" dirty="0"/>
-                        <a:t>Projektdauer</a:t>
-                      </a:r>
-                    </a:p>
-                  </a:txBody>
-                  <a:tcPr/>
-                </a:tc>
-                <a:tc>
-                  <a:txBody>
-                    <a:bodyPr/>
-                    <a:lstStyle/>
-                    <a:p>
-                      <a:r>
-                        <a:rPr lang="de-DE" dirty="0"/>
-                        <a:t>70 Stunden</a:t>
-                      </a:r>
-                    </a:p>
-                  </a:txBody>
-                  <a:tcPr/>
-                </a:tc>
-                <a:extLst>
-                  <a:ext uri="{0D108BD9-81ED-4DB2-BD59-A6C34878D82A}">
-                    <a16:rowId xmlns:a16="http://schemas.microsoft.com/office/drawing/2014/main" val="1639083182"/>
-                  </a:ext>
-                </a:extLst>
-              </a:tr>
-              <a:tr h="370840">
-                <a:tc>
-                  <a:txBody>
-                    <a:bodyPr/>
-                    <a:lstStyle/>
-                    <a:p>
-                      <a:pPr marL="0" marR="0" lvl="0" indent="0" algn="l" defTabSz="914400" rtl="0" eaLnBrk="1" fontAlgn="auto" latinLnBrk="0" hangingPunct="1">
-                        <a:lnSpc>
-                          <a:spcPct val="100000"/>
-                        </a:lnSpc>
-                        <a:spcBef>
-                          <a:spcPts val="0"/>
-                        </a:spcBef>
-                        <a:spcAft>
-                          <a:spcPts val="0"/>
-                        </a:spcAft>
-                        <a:buClrTx/>
-                        <a:buSzTx/>
-                        <a:buFontTx/>
-                        <a:buNone/>
-                        <a:tabLst/>
-                        <a:defRPr/>
-                      </a:pPr>
-                      <a:r>
-                        <a:rPr lang="de-DE" sz="1800" b="1" i="0" u="none" strike="noStrike" kern="1200" baseline="0" dirty="0">
-                          <a:solidFill>
-                            <a:schemeClr val="dk1"/>
-                          </a:solidFill>
-                          <a:latin typeface="+mn-lt"/>
-                          <a:ea typeface="+mn-ea"/>
-                          <a:cs typeface="+mn-cs"/>
-                        </a:rPr>
-                        <a:t>Analyse </a:t>
-                      </a:r>
-                      <a:r>
-                        <a:rPr lang="de-DE" sz="1800" b="0" i="0" u="none" strike="noStrike" kern="1200" baseline="0" dirty="0">
-                          <a:solidFill>
-                            <a:schemeClr val="dk1"/>
-                          </a:solidFill>
-                          <a:latin typeface="+mn-lt"/>
-                          <a:ea typeface="+mn-ea"/>
-                          <a:cs typeface="+mn-cs"/>
-                        </a:rPr>
-                        <a:t>	</a:t>
-                      </a:r>
-                    </a:p>
-                  </a:txBody>
-                  <a:tcPr/>
-                </a:tc>
-                <a:tc>
-                  <a:txBody>
-                    <a:bodyPr/>
-                    <a:lstStyle/>
-                    <a:p>
-                      <a:pPr marL="0" marR="0" lvl="0" indent="0" algn="l" defTabSz="914400" rtl="0" eaLnBrk="1" fontAlgn="auto" latinLnBrk="0" hangingPunct="1">
-                        <a:lnSpc>
-                          <a:spcPct val="100000"/>
-                        </a:lnSpc>
-                        <a:spcBef>
-                          <a:spcPts val="0"/>
-                        </a:spcBef>
-                        <a:spcAft>
-                          <a:spcPts val="0"/>
-                        </a:spcAft>
-                        <a:buClrTx/>
-                        <a:buSzTx/>
-                        <a:buFontTx/>
-                        <a:buNone/>
-                        <a:tabLst/>
-                        <a:defRPr/>
-                      </a:pPr>
-                      <a:r>
-                        <a:rPr lang="de-DE" sz="1800" b="1" i="0" u="none" strike="noStrike" kern="1200" baseline="0" dirty="0">
-                          <a:solidFill>
-                            <a:schemeClr val="dk1"/>
-                          </a:solidFill>
-                          <a:latin typeface="+mn-lt"/>
-                          <a:ea typeface="+mn-ea"/>
-                          <a:cs typeface="+mn-cs"/>
-                        </a:rPr>
-                        <a:t>9 Stunden</a:t>
-                      </a:r>
-                      <a:endParaRPr lang="de-DE" sz="1800" b="0" i="0" u="none" strike="noStrike" kern="1200" baseline="0" dirty="0">
-                        <a:solidFill>
-                          <a:schemeClr val="dk1"/>
-                        </a:solidFill>
-                        <a:latin typeface="+mn-lt"/>
-                        <a:ea typeface="+mn-ea"/>
-                        <a:cs typeface="+mn-cs"/>
-                      </a:endParaRPr>
-                    </a:p>
-                  </a:txBody>
-                  <a:tcPr/>
-                </a:tc>
-                <a:extLst>
-                  <a:ext uri="{0D108BD9-81ED-4DB2-BD59-A6C34878D82A}">
-                    <a16:rowId xmlns:a16="http://schemas.microsoft.com/office/drawing/2014/main" val="837934755"/>
-                  </a:ext>
-                </a:extLst>
-              </a:tr>
-              <a:tr h="370840">
-                <a:tc>
-                  <a:txBody>
-                    <a:bodyPr/>
-                    <a:lstStyle/>
-                    <a:p>
-                      <a:pPr lvl="1"/>
-                      <a:r>
-                        <a:rPr lang="de-DE" sz="1800" b="0" i="0" u="none" strike="noStrike" kern="1200" baseline="0" dirty="0">
-                          <a:solidFill>
-                            <a:schemeClr val="dk1"/>
-                          </a:solidFill>
-                          <a:latin typeface="+mn-lt"/>
-                          <a:ea typeface="+mn-ea"/>
-                          <a:cs typeface="+mn-cs"/>
-                        </a:rPr>
-                        <a:t>Ist-Analyse/Bestandsanalyse 	</a:t>
-                      </a:r>
-                    </a:p>
-                  </a:txBody>
-                  <a:tcPr/>
-                </a:tc>
-                <a:tc>
-                  <a:txBody>
-                    <a:bodyPr/>
-                    <a:lstStyle/>
-                    <a:p>
-                      <a:pPr lvl="1"/>
-                      <a:r>
-                        <a:rPr lang="de-DE" dirty="0"/>
-                        <a:t>3 Stunden</a:t>
-                      </a:r>
-                    </a:p>
-                  </a:txBody>
-                  <a:tcPr/>
-                </a:tc>
-                <a:extLst>
-                  <a:ext uri="{0D108BD9-81ED-4DB2-BD59-A6C34878D82A}">
-                    <a16:rowId xmlns:a16="http://schemas.microsoft.com/office/drawing/2014/main" val="3202217314"/>
-                  </a:ext>
-                </a:extLst>
-              </a:tr>
-              <a:tr h="370840">
-                <a:tc>
-                  <a:txBody>
-                    <a:bodyPr/>
-                    <a:lstStyle/>
-                    <a:p>
-                      <a:pPr marL="457200" marR="0" lvl="1" indent="0" algn="l" defTabSz="914400" rtl="0" eaLnBrk="1" fontAlgn="auto" latinLnBrk="0" hangingPunct="1">
-                        <a:lnSpc>
-                          <a:spcPct val="100000"/>
-                        </a:lnSpc>
-                        <a:spcBef>
-                          <a:spcPts val="0"/>
-                        </a:spcBef>
-                        <a:spcAft>
-                          <a:spcPts val="0"/>
-                        </a:spcAft>
-                        <a:buClrTx/>
-                        <a:buSzTx/>
-                        <a:buFontTx/>
-                        <a:buNone/>
-                        <a:tabLst/>
-                        <a:defRPr/>
-                      </a:pPr>
-                      <a:r>
-                        <a:rPr lang="de-DE" sz="1800" b="0" i="0" u="none" strike="noStrike" kern="1200" baseline="0" dirty="0">
-                          <a:solidFill>
-                            <a:schemeClr val="dk1"/>
-                          </a:solidFill>
-                          <a:latin typeface="+mn-lt"/>
-                          <a:ea typeface="+mn-ea"/>
-                          <a:cs typeface="+mn-cs"/>
-                        </a:rPr>
-                        <a:t>Analyse des bestehenden Quellcodes</a:t>
-                      </a:r>
-                    </a:p>
-                  </a:txBody>
-                  <a:tcPr/>
-                </a:tc>
-                <a:tc>
-                  <a:txBody>
-                    <a:bodyPr/>
-                    <a:lstStyle/>
-                    <a:p>
-                      <a:pPr lvl="1"/>
-                      <a:r>
-                        <a:rPr lang="de-DE" dirty="0"/>
-                        <a:t>3 Stunden</a:t>
-                      </a:r>
-                    </a:p>
-                  </a:txBody>
-                  <a:tcPr/>
-                </a:tc>
-                <a:extLst>
-                  <a:ext uri="{0D108BD9-81ED-4DB2-BD59-A6C34878D82A}">
-                    <a16:rowId xmlns:a16="http://schemas.microsoft.com/office/drawing/2014/main" val="1868646853"/>
-                  </a:ext>
-                </a:extLst>
-              </a:tr>
-              <a:tr h="370840">
-                <a:tc>
-                  <a:txBody>
-                    <a:bodyPr/>
-                    <a:lstStyle/>
-                    <a:p>
-                      <a:pPr marL="457200" marR="0" lvl="1" indent="0" algn="l" defTabSz="914400" rtl="0" eaLnBrk="1" fontAlgn="auto" latinLnBrk="0" hangingPunct="1">
-                        <a:lnSpc>
-                          <a:spcPct val="100000"/>
-                        </a:lnSpc>
-                        <a:spcBef>
-                          <a:spcPts val="0"/>
-                        </a:spcBef>
-                        <a:spcAft>
-                          <a:spcPts val="0"/>
-                        </a:spcAft>
-                        <a:buClrTx/>
-                        <a:buSzTx/>
-                        <a:buFontTx/>
-                        <a:buNone/>
-                        <a:tabLst/>
-                        <a:defRPr/>
-                      </a:pPr>
-                      <a:r>
-                        <a:rPr lang="de-DE" sz="1800" b="0" i="0" u="none" strike="noStrike" kern="1200" baseline="0" dirty="0">
-                          <a:solidFill>
-                            <a:schemeClr val="dk1"/>
-                          </a:solidFill>
-                          <a:latin typeface="+mn-lt"/>
-                          <a:ea typeface="+mn-ea"/>
-                          <a:cs typeface="+mn-cs"/>
-                        </a:rPr>
-                        <a:t>Analyse der Wirtschaftlichkeit</a:t>
-                      </a:r>
-                    </a:p>
-                  </a:txBody>
-                  <a:tcPr/>
-                </a:tc>
-                <a:tc>
-                  <a:txBody>
-                    <a:bodyPr/>
-                    <a:lstStyle/>
-                    <a:p>
-                      <a:pPr lvl="1"/>
-                      <a:r>
-                        <a:rPr lang="de-DE" dirty="0"/>
-                        <a:t>3 Stunden</a:t>
-                      </a:r>
-                    </a:p>
-                  </a:txBody>
-                  <a:tcPr/>
-                </a:tc>
-                <a:extLst>
-                  <a:ext uri="{0D108BD9-81ED-4DB2-BD59-A6C34878D82A}">
-                    <a16:rowId xmlns:a16="http://schemas.microsoft.com/office/drawing/2014/main" val="1962358713"/>
-                  </a:ext>
-                </a:extLst>
-              </a:tr>
-              <a:tr h="370840">
-                <a:tc>
-                  <a:txBody>
-                    <a:bodyPr/>
-                    <a:lstStyle/>
-                    <a:p>
-                      <a:r>
-                        <a:rPr lang="de-DE" b="1" dirty="0"/>
-                        <a:t>Entwurf</a:t>
-                      </a:r>
-                    </a:p>
-                  </a:txBody>
-                  <a:tcPr/>
-                </a:tc>
-                <a:tc>
-                  <a:txBody>
-                    <a:bodyPr/>
-                    <a:lstStyle/>
-                    <a:p>
-                      <a:r>
-                        <a:rPr lang="de-DE" b="1" dirty="0"/>
-                        <a:t>10 Stunden</a:t>
-                      </a:r>
-                    </a:p>
-                  </a:txBody>
-                  <a:tcPr/>
-                </a:tc>
-                <a:extLst>
-                  <a:ext uri="{0D108BD9-81ED-4DB2-BD59-A6C34878D82A}">
-                    <a16:rowId xmlns:a16="http://schemas.microsoft.com/office/drawing/2014/main" val="1573357262"/>
-                  </a:ext>
-                </a:extLst>
-              </a:tr>
-              <a:tr h="370840">
-                <a:tc>
-                  <a:txBody>
-                    <a:bodyPr/>
-                    <a:lstStyle/>
-                    <a:p>
-                      <a:pPr marL="457200" marR="0" lvl="1" indent="0" algn="l" defTabSz="914400" rtl="0" eaLnBrk="1" fontAlgn="auto" latinLnBrk="0" hangingPunct="1">
-                        <a:lnSpc>
-                          <a:spcPct val="100000"/>
-                        </a:lnSpc>
-                        <a:spcBef>
-                          <a:spcPts val="0"/>
-                        </a:spcBef>
-                        <a:spcAft>
-                          <a:spcPts val="0"/>
-                        </a:spcAft>
-                        <a:buClrTx/>
-                        <a:buSzTx/>
-                        <a:buFontTx/>
-                        <a:buNone/>
-                        <a:tabLst/>
-                        <a:defRPr/>
-                      </a:pPr>
-                      <a:r>
-                        <a:rPr lang="de-DE" sz="1800" b="0" i="0" u="none" strike="noStrike" kern="1200" baseline="0" dirty="0">
-                          <a:solidFill>
-                            <a:schemeClr val="dk1"/>
-                          </a:solidFill>
-                          <a:latin typeface="+mn-lt"/>
-                          <a:ea typeface="+mn-ea"/>
-                          <a:cs typeface="+mn-cs"/>
-                        </a:rPr>
-                        <a:t>Use-Case-Diagramm</a:t>
-                      </a:r>
-                    </a:p>
-                  </a:txBody>
-                  <a:tcPr/>
-                </a:tc>
-                <a:tc>
-                  <a:txBody>
-                    <a:bodyPr/>
-                    <a:lstStyle/>
-                    <a:p>
-                      <a:pPr lvl="1"/>
-                      <a:r>
-                        <a:rPr lang="de-DE" dirty="0"/>
-                        <a:t>2 Stunden</a:t>
-                      </a:r>
-                    </a:p>
-                  </a:txBody>
-                  <a:tcPr/>
-                </a:tc>
-                <a:extLst>
-                  <a:ext uri="{0D108BD9-81ED-4DB2-BD59-A6C34878D82A}">
-                    <a16:rowId xmlns:a16="http://schemas.microsoft.com/office/drawing/2014/main" val="849129635"/>
-                  </a:ext>
-                </a:extLst>
-              </a:tr>
-              <a:tr h="370840">
-                <a:tc>
-                  <a:txBody>
-                    <a:bodyPr/>
-                    <a:lstStyle/>
-                    <a:p>
-                      <a:pPr marL="457200" marR="0" lvl="1" indent="0" algn="l" defTabSz="914400" rtl="0" eaLnBrk="1" fontAlgn="auto" latinLnBrk="0" hangingPunct="1">
-                        <a:lnSpc>
-                          <a:spcPct val="100000"/>
-                        </a:lnSpc>
-                        <a:spcBef>
-                          <a:spcPts val="0"/>
-                        </a:spcBef>
-                        <a:spcAft>
-                          <a:spcPts val="0"/>
-                        </a:spcAft>
-                        <a:buClrTx/>
-                        <a:buSzTx/>
-                        <a:buFontTx/>
-                        <a:buNone/>
-                        <a:tabLst/>
-                        <a:defRPr/>
-                      </a:pPr>
-                      <a:r>
-                        <a:rPr lang="de-DE" sz="1800" b="0" i="0" u="none" strike="noStrike" kern="1200" baseline="0" dirty="0">
-                          <a:solidFill>
-                            <a:schemeClr val="dk1"/>
-                          </a:solidFill>
-                          <a:latin typeface="+mn-lt"/>
-                          <a:ea typeface="+mn-ea"/>
-                          <a:cs typeface="+mn-cs"/>
-                        </a:rPr>
-                        <a:t>Entity-Relationship-Modell</a:t>
-                      </a:r>
-                      <a:endParaRPr lang="de-DE" dirty="0"/>
-                    </a:p>
-                  </a:txBody>
-                  <a:tcPr/>
-                </a:tc>
-                <a:tc>
-                  <a:txBody>
-                    <a:bodyPr/>
-                    <a:lstStyle/>
-                    <a:p>
-                      <a:pPr lvl="1"/>
-                      <a:r>
-                        <a:rPr lang="de-DE" dirty="0"/>
-                        <a:t>2 Stunden</a:t>
-                      </a:r>
-                    </a:p>
-                  </a:txBody>
-                  <a:tcPr/>
-                </a:tc>
-                <a:extLst>
-                  <a:ext uri="{0D108BD9-81ED-4DB2-BD59-A6C34878D82A}">
-                    <a16:rowId xmlns:a16="http://schemas.microsoft.com/office/drawing/2014/main" val="1356485163"/>
-                  </a:ext>
-                </a:extLst>
-              </a:tr>
-              <a:tr h="370840">
-                <a:tc>
-                  <a:txBody>
-                    <a:bodyPr/>
-                    <a:lstStyle/>
-                    <a:p>
-                      <a:pPr lvl="1"/>
-                      <a:r>
-                        <a:rPr lang="de-DE" dirty="0"/>
-                        <a:t>Programmablaufplan</a:t>
-                      </a:r>
-                    </a:p>
-                  </a:txBody>
-                  <a:tcPr/>
-                </a:tc>
-                <a:tc>
-                  <a:txBody>
-                    <a:bodyPr/>
-                    <a:lstStyle/>
-                    <a:p>
-                      <a:pPr lvl="1"/>
-                      <a:r>
-                        <a:rPr lang="de-DE" dirty="0"/>
-                        <a:t>3 Stunden</a:t>
-                      </a:r>
-                    </a:p>
-                  </a:txBody>
-                  <a:tcPr/>
-                </a:tc>
-                <a:extLst>
-                  <a:ext uri="{0D108BD9-81ED-4DB2-BD59-A6C34878D82A}">
-                    <a16:rowId xmlns:a16="http://schemas.microsoft.com/office/drawing/2014/main" val="1110640885"/>
-                  </a:ext>
-                </a:extLst>
-              </a:tr>
-              <a:tr h="370840">
-                <a:tc>
-                  <a:txBody>
-                    <a:bodyPr/>
-                    <a:lstStyle/>
-                    <a:p>
-                      <a:pPr lvl="1"/>
-                      <a:r>
-                        <a:rPr lang="de-DE" dirty="0"/>
-                        <a:t>Pflichtenheft</a:t>
-                      </a:r>
-                    </a:p>
-                  </a:txBody>
-                  <a:tcPr/>
-                </a:tc>
-                <a:tc>
-                  <a:txBody>
-                    <a:bodyPr/>
-                    <a:lstStyle/>
-                    <a:p>
-                      <a:pPr lvl="1"/>
-                      <a:r>
-                        <a:rPr lang="de-DE" dirty="0"/>
-                        <a:t>3 Stunden</a:t>
-                      </a:r>
-                    </a:p>
-                  </a:txBody>
-                  <a:tcPr/>
-                </a:tc>
-                <a:extLst>
-                  <a:ext uri="{0D108BD9-81ED-4DB2-BD59-A6C34878D82A}">
-                    <a16:rowId xmlns:a16="http://schemas.microsoft.com/office/drawing/2014/main" val="3792739540"/>
-                  </a:ext>
-                </a:extLst>
-              </a:tr>
-            </a:tbl>
-          </a:graphicData>
-        </a:graphic>
-      </p:graphicFrame>
-    </p:spTree>
-    <p:extLst>
-      <p:ext uri="{BB962C8B-B14F-4D97-AF65-F5344CB8AC3E}">
-        <p14:creationId xmlns:p14="http://schemas.microsoft.com/office/powerpoint/2010/main" val="2717616441"/>
-      </p:ext>
-    </p:extLst>
-  </p:cSld>
-  <p:clrMapOvr>
-    <a:masterClrMapping/>
-  </p:clrMapOvr>
 </p:sld>
 </file>
 
@@ -11535,7 +8682,7 @@
           <p:cNvPr id="2" name="Titel 1">
             <a:extLst>
               <a:ext uri="{FF2B5EF4-FFF2-40B4-BE49-F238E27FC236}">
-                <a16:creationId xmlns:a16="http://schemas.microsoft.com/office/drawing/2014/main" id="{91C93F55-BE83-4869-8D9F-D1161467E88F}"/>
+                <a16:creationId xmlns="" xmlns:a16="http://schemas.microsoft.com/office/drawing/2014/main" id="{91C93F55-BE83-4869-8D9F-D1161467E88F}"/>
               </a:ext>
             </a:extLst>
           </p:cNvPr>
@@ -11560,13 +8707,7 @@
       </p:sp>
       <p:graphicFrame>
         <p:nvGraphicFramePr>
-          <p:cNvPr id="4" name="Inhaltsplatzhalter 3">
-            <a:extLst>
-              <a:ext uri="{FF2B5EF4-FFF2-40B4-BE49-F238E27FC236}">
-                <a16:creationId xmlns:a16="http://schemas.microsoft.com/office/drawing/2014/main" id="{E3D9382D-9965-46E0-BD11-EDEA148EB4EF}"/>
-              </a:ext>
-            </a:extLst>
-          </p:cNvPr>
+          <p:cNvPr id="10" name="Inhaltsplatzhalter 9"/>
           <p:cNvGraphicFramePr>
             <a:graphicFrameLocks noGrp="1"/>
           </p:cNvGraphicFramePr>
@@ -11574,487 +8715,384 @@
             <p:ph idx="1"/>
             <p:extLst>
               <p:ext uri="{D42A27DB-BD31-4B8C-83A1-F6EECF244321}">
-                <p14:modId xmlns:p14="http://schemas.microsoft.com/office/powerpoint/2010/main" val="4245867215"/>
+                <p14:modId xmlns:p14="http://schemas.microsoft.com/office/powerpoint/2010/main" val="171448710"/>
               </p:ext>
             </p:extLst>
           </p:nvPr>
         </p:nvGraphicFramePr>
         <p:xfrm>
-          <a:off x="838200" y="1825625"/>
-          <a:ext cx="10515600" cy="3337560"/>
+          <a:off x="838200" y="2196556"/>
+          <a:ext cx="10515600" cy="3330246"/>
         </p:xfrm>
         <a:graphic>
           <a:graphicData uri="http://schemas.openxmlformats.org/drawingml/2006/table">
             <a:tbl>
               <a:tblPr firstRow="1" bandRow="1">
-                <a:tableStyleId>{5C22544A-7EE6-4342-B048-85BDC9FD1C3A}</a:tableStyleId>
+                <a:tableStyleId>{93296810-A885-4BE3-A3E7-6D5BEEA58F35}</a:tableStyleId>
               </a:tblPr>
               <a:tblGrid>
-                <a:gridCol w="6781800">
-                  <a:extLst>
-                    <a:ext uri="{9D8B030D-6E8A-4147-A177-3AD203B41FA5}">
-                      <a16:colId xmlns:a16="http://schemas.microsoft.com/office/drawing/2014/main" val="1733617500"/>
-                    </a:ext>
-                  </a:extLst>
-                </a:gridCol>
-                <a:gridCol w="3733800">
-                  <a:extLst>
-                    <a:ext uri="{9D8B030D-6E8A-4147-A177-3AD203B41FA5}">
-                      <a16:colId xmlns:a16="http://schemas.microsoft.com/office/drawing/2014/main" val="3909980163"/>
-                    </a:ext>
-                  </a:extLst>
-                </a:gridCol>
+                <a:gridCol w="5257800"/>
+                <a:gridCol w="5257800"/>
               </a:tblGrid>
-              <a:tr h="370840">
+              <a:tr h="556933">
                 <a:tc>
                   <a:txBody>
                     <a:bodyPr/>
                     <a:lstStyle/>
                     <a:p>
+                      <a:pPr>
+                        <a:lnSpc>
+                          <a:spcPct val="107000"/>
+                        </a:lnSpc>
+                        <a:spcAft>
+                          <a:spcPts val="0"/>
+                        </a:spcAft>
+                      </a:pPr>
                       <a:r>
-                        <a:rPr lang="de-DE" dirty="0"/>
+                        <a:rPr lang="de-DE" sz="2400" dirty="0">
+                          <a:effectLst/>
+                        </a:rPr>
                         <a:t>Projektdauer</a:t>
                       </a:r>
+                      <a:endParaRPr lang="de-DE" sz="2400" dirty="0">
+                        <a:effectLst/>
+                        <a:latin typeface="Calibri" panose="020F0502020204030204" pitchFamily="34" charset="0"/>
+                        <a:ea typeface="Calibri" panose="020F0502020204030204" pitchFamily="34" charset="0"/>
+                        <a:cs typeface="Times New Roman" panose="02020603050405020304" pitchFamily="18" charset="0"/>
+                      </a:endParaRPr>
                     </a:p>
                   </a:txBody>
-                  <a:tcPr/>
+                  <a:tcPr marL="44450" marR="44450" marT="0" marB="0" anchor="ctr"/>
                 </a:tc>
                 <a:tc>
                   <a:txBody>
                     <a:bodyPr/>
                     <a:lstStyle/>
                     <a:p>
+                      <a:pPr algn="ctr">
+                        <a:lnSpc>
+                          <a:spcPct val="107000"/>
+                        </a:lnSpc>
+                        <a:spcAft>
+                          <a:spcPts val="0"/>
+                        </a:spcAft>
+                      </a:pPr>
                       <a:r>
-                        <a:rPr lang="de-DE" dirty="0"/>
+                        <a:rPr lang="de-DE" sz="2400">
+                          <a:effectLst/>
+                        </a:rPr>
                         <a:t>70 Stunden</a:t>
                       </a:r>
+                      <a:endParaRPr lang="de-DE" sz="2400">
+                        <a:effectLst/>
+                        <a:latin typeface="Calibri" panose="020F0502020204030204" pitchFamily="34" charset="0"/>
+                        <a:ea typeface="Calibri" panose="020F0502020204030204" pitchFamily="34" charset="0"/>
+                        <a:cs typeface="Times New Roman" panose="02020603050405020304" pitchFamily="18" charset="0"/>
+                      </a:endParaRPr>
                     </a:p>
                   </a:txBody>
-                  <a:tcPr/>
+                  <a:tcPr marL="44450" marR="44450" marT="0" marB="0" anchor="ctr"/>
                 </a:tc>
-                <a:extLst>
-                  <a:ext uri="{0D108BD9-81ED-4DB2-BD59-A6C34878D82A}">
-                    <a16:rowId xmlns:a16="http://schemas.microsoft.com/office/drawing/2014/main" val="1639083182"/>
-                  </a:ext>
-                </a:extLst>
               </a:tr>
-              <a:tr h="370840">
+              <a:tr h="556933">
                 <a:tc>
                   <a:txBody>
                     <a:bodyPr/>
                     <a:lstStyle/>
                     <a:p>
-                      <a:pPr marL="0" marR="0" lvl="0" indent="0" algn="l" defTabSz="914400" rtl="0" eaLnBrk="1" fontAlgn="auto" latinLnBrk="0" hangingPunct="1">
+                      <a:pPr>
                         <a:lnSpc>
-                          <a:spcPct val="100000"/>
+                          <a:spcPct val="107000"/>
                         </a:lnSpc>
-                        <a:spcBef>
-                          <a:spcPts val="0"/>
-                        </a:spcBef>
                         <a:spcAft>
                           <a:spcPts val="0"/>
                         </a:spcAft>
-                        <a:buClrTx/>
-                        <a:buSzTx/>
-                        <a:buFontTx/>
-                        <a:buNone/>
-                        <a:tabLst/>
-                        <a:defRPr/>
                       </a:pPr>
                       <a:r>
-                        <a:rPr lang="de-DE" sz="1800" b="1" i="0" u="none" strike="noStrike" kern="1200" baseline="0" dirty="0">
-                          <a:solidFill>
-                            <a:schemeClr val="dk1"/>
-                          </a:solidFill>
-                          <a:latin typeface="+mn-lt"/>
-                          <a:ea typeface="+mn-ea"/>
-                          <a:cs typeface="+mn-cs"/>
+                        <a:rPr lang="de-DE" sz="2400" dirty="0">
+                          <a:effectLst/>
                         </a:rPr>
-                        <a:t>Realisierung</a:t>
+                        <a:t>Analyse</a:t>
                       </a:r>
+                      <a:endParaRPr lang="de-DE" sz="2400" dirty="0">
+                        <a:effectLst/>
+                        <a:latin typeface="Calibri" panose="020F0502020204030204" pitchFamily="34" charset="0"/>
+                        <a:ea typeface="Calibri" panose="020F0502020204030204" pitchFamily="34" charset="0"/>
+                        <a:cs typeface="Times New Roman" panose="02020603050405020304" pitchFamily="18" charset="0"/>
+                      </a:endParaRPr>
                     </a:p>
                   </a:txBody>
-                  <a:tcPr/>
+                  <a:tcPr marL="44450" marR="44450" marT="0" marB="0" anchor="ctr"/>
                 </a:tc>
                 <a:tc>
                   <a:txBody>
                     <a:bodyPr/>
                     <a:lstStyle/>
                     <a:p>
-                      <a:pPr marL="0" marR="0" lvl="0" indent="0" algn="l" defTabSz="914400" rtl="0" eaLnBrk="1" fontAlgn="auto" latinLnBrk="0" hangingPunct="1">
+                      <a:pPr algn="ctr">
                         <a:lnSpc>
-                          <a:spcPct val="100000"/>
+                          <a:spcPct val="107000"/>
                         </a:lnSpc>
-                        <a:spcBef>
-                          <a:spcPts val="0"/>
-                        </a:spcBef>
                         <a:spcAft>
                           <a:spcPts val="0"/>
                         </a:spcAft>
-                        <a:buClrTx/>
-                        <a:buSzTx/>
-                        <a:buFontTx/>
-                        <a:buNone/>
-                        <a:tabLst/>
-                        <a:defRPr/>
                       </a:pPr>
                       <a:r>
-                        <a:rPr lang="de-DE" sz="1800" b="1" i="0" u="none" strike="noStrike" kern="1200" baseline="0" dirty="0">
-                          <a:solidFill>
-                            <a:schemeClr val="dk1"/>
-                          </a:solidFill>
-                          <a:latin typeface="+mn-lt"/>
-                          <a:ea typeface="+mn-ea"/>
-                          <a:cs typeface="+mn-cs"/>
+                        <a:rPr lang="de-DE" sz="2400">
+                          <a:effectLst/>
                         </a:rPr>
-                        <a:t>22 Stunden</a:t>
+                        <a:t>9 Stunden</a:t>
                       </a:r>
+                      <a:endParaRPr lang="de-DE" sz="2400">
+                        <a:effectLst/>
+                        <a:latin typeface="Calibri" panose="020F0502020204030204" pitchFamily="34" charset="0"/>
+                        <a:ea typeface="Calibri" panose="020F0502020204030204" pitchFamily="34" charset="0"/>
+                        <a:cs typeface="Times New Roman" panose="02020603050405020304" pitchFamily="18" charset="0"/>
+                      </a:endParaRPr>
                     </a:p>
                   </a:txBody>
-                  <a:tcPr/>
+                  <a:tcPr marL="44450" marR="44450" marT="0" marB="0" anchor="ctr"/>
                 </a:tc>
-                <a:extLst>
-                  <a:ext uri="{0D108BD9-81ED-4DB2-BD59-A6C34878D82A}">
-                    <a16:rowId xmlns:a16="http://schemas.microsoft.com/office/drawing/2014/main" val="837934755"/>
-                  </a:ext>
-                </a:extLst>
               </a:tr>
-              <a:tr h="370840">
+              <a:tr h="545581">
                 <a:tc>
                   <a:txBody>
                     <a:bodyPr/>
                     <a:lstStyle/>
                     <a:p>
-                      <a:pPr lvl="1"/>
+                      <a:pPr>
+                        <a:lnSpc>
+                          <a:spcPct val="107000"/>
+                        </a:lnSpc>
+                        <a:spcAft>
+                          <a:spcPts val="0"/>
+                        </a:spcAft>
+                      </a:pPr>
                       <a:r>
-                        <a:rPr lang="de-DE" sz="1800" b="0" i="0" u="none" strike="noStrike" kern="1200" baseline="0" dirty="0">
-                          <a:solidFill>
-                            <a:schemeClr val="dk1"/>
-                          </a:solidFill>
-                          <a:latin typeface="+mn-lt"/>
-                          <a:ea typeface="+mn-ea"/>
-                          <a:cs typeface="+mn-cs"/>
+                        <a:rPr lang="de-DE" sz="2400" dirty="0">
+                          <a:effectLst/>
                         </a:rPr>
-                        <a:t>Installation / Konfiguration</a:t>
+                        <a:t>Entwurf</a:t>
                       </a:r>
+                      <a:endParaRPr lang="de-DE" sz="2400" dirty="0">
+                        <a:effectLst/>
+                        <a:latin typeface="Calibri" panose="020F0502020204030204" pitchFamily="34" charset="0"/>
+                        <a:ea typeface="Calibri" panose="020F0502020204030204" pitchFamily="34" charset="0"/>
+                        <a:cs typeface="Times New Roman" panose="02020603050405020304" pitchFamily="18" charset="0"/>
+                      </a:endParaRPr>
                     </a:p>
                   </a:txBody>
-                  <a:tcPr/>
+                  <a:tcPr marL="44450" marR="44450" marT="0" marB="0" anchor="ctr"/>
                 </a:tc>
                 <a:tc>
                   <a:txBody>
                     <a:bodyPr/>
                     <a:lstStyle/>
                     <a:p>
-                      <a:pPr lvl="1"/>
+                      <a:pPr algn="ctr">
+                        <a:lnSpc>
+                          <a:spcPct val="107000"/>
+                        </a:lnSpc>
+                        <a:spcAft>
+                          <a:spcPts val="0"/>
+                        </a:spcAft>
+                      </a:pPr>
                       <a:r>
-                        <a:rPr lang="de-DE" dirty="0"/>
-                        <a:t>2 Stunden</a:t>
+                        <a:rPr lang="de-DE" sz="2400" dirty="0">
+                          <a:effectLst/>
+                        </a:rPr>
+                        <a:t>10 Stunden</a:t>
                       </a:r>
+                      <a:endParaRPr lang="de-DE" sz="2400" dirty="0">
+                        <a:effectLst/>
+                        <a:latin typeface="Calibri" panose="020F0502020204030204" pitchFamily="34" charset="0"/>
+                        <a:ea typeface="Calibri" panose="020F0502020204030204" pitchFamily="34" charset="0"/>
+                        <a:cs typeface="Times New Roman" panose="02020603050405020304" pitchFamily="18" charset="0"/>
+                      </a:endParaRPr>
                     </a:p>
                   </a:txBody>
-                  <a:tcPr/>
+                  <a:tcPr marL="44450" marR="44450" marT="0" marB="0" anchor="ctr"/>
                 </a:tc>
-                <a:extLst>
-                  <a:ext uri="{0D108BD9-81ED-4DB2-BD59-A6C34878D82A}">
-                    <a16:rowId xmlns:a16="http://schemas.microsoft.com/office/drawing/2014/main" val="3202217314"/>
-                  </a:ext>
-                </a:extLst>
               </a:tr>
-              <a:tr h="370840">
+              <a:tr h="556933">
                 <a:tc>
                   <a:txBody>
                     <a:bodyPr/>
                     <a:lstStyle/>
                     <a:p>
-                      <a:pPr marL="457200" marR="0" lvl="1" indent="0" algn="l" defTabSz="914400" rtl="0" eaLnBrk="1" fontAlgn="auto" latinLnBrk="0" hangingPunct="1">
+                      <a:pPr>
                         <a:lnSpc>
-                          <a:spcPct val="100000"/>
+                          <a:spcPct val="107000"/>
                         </a:lnSpc>
-                        <a:spcBef>
-                          <a:spcPts val="0"/>
-                        </a:spcBef>
                         <a:spcAft>
                           <a:spcPts val="0"/>
                         </a:spcAft>
-                        <a:buClrTx/>
-                        <a:buSzTx/>
-                        <a:buFontTx/>
-                        <a:buNone/>
-                        <a:tabLst/>
-                        <a:defRPr/>
                       </a:pPr>
                       <a:r>
-                        <a:rPr lang="de-DE" sz="1800" b="0" i="0" u="none" strike="noStrike" kern="1200" baseline="0" dirty="0">
-                          <a:solidFill>
-                            <a:schemeClr val="dk1"/>
-                          </a:solidFill>
-                          <a:latin typeface="+mn-lt"/>
-                          <a:ea typeface="+mn-ea"/>
-                          <a:cs typeface="+mn-cs"/>
+                        <a:rPr lang="de-DE" sz="2400">
+                          <a:effectLst/>
                         </a:rPr>
-                        <a:t>Modell „Erfolge“ erstellen und Datenbank migrieren 	</a:t>
+                        <a:t>Realisierung</a:t>
                       </a:r>
+                      <a:endParaRPr lang="de-DE" sz="2400">
+                        <a:effectLst/>
+                        <a:latin typeface="Calibri" panose="020F0502020204030204" pitchFamily="34" charset="0"/>
+                        <a:ea typeface="Calibri" panose="020F0502020204030204" pitchFamily="34" charset="0"/>
+                        <a:cs typeface="Times New Roman" panose="02020603050405020304" pitchFamily="18" charset="0"/>
+                      </a:endParaRPr>
                     </a:p>
                   </a:txBody>
-                  <a:tcPr/>
+                  <a:tcPr marL="44450" marR="44450" marT="0" marB="0" anchor="ctr"/>
                 </a:tc>
                 <a:tc>
                   <a:txBody>
                     <a:bodyPr/>
                     <a:lstStyle/>
                     <a:p>
-                      <a:pPr lvl="1"/>
+                      <a:pPr algn="ctr">
+                        <a:lnSpc>
+                          <a:spcPct val="107000"/>
+                        </a:lnSpc>
+                        <a:spcAft>
+                          <a:spcPts val="0"/>
+                        </a:spcAft>
+                      </a:pPr>
                       <a:r>
-                        <a:rPr lang="de-DE" dirty="0"/>
-                        <a:t>2 Stunden</a:t>
+                        <a:rPr lang="de-DE" sz="2400" dirty="0">
+                          <a:effectLst/>
+                        </a:rPr>
+                        <a:t>22 Stunden</a:t>
                       </a:r>
+                      <a:endParaRPr lang="de-DE" sz="2400" dirty="0">
+                        <a:effectLst/>
+                        <a:latin typeface="Calibri" panose="020F0502020204030204" pitchFamily="34" charset="0"/>
+                        <a:ea typeface="Calibri" panose="020F0502020204030204" pitchFamily="34" charset="0"/>
+                        <a:cs typeface="Times New Roman" panose="02020603050405020304" pitchFamily="18" charset="0"/>
+                      </a:endParaRPr>
                     </a:p>
                   </a:txBody>
-                  <a:tcPr/>
+                  <a:tcPr marL="44450" marR="44450" marT="0" marB="0" anchor="ctr"/>
                 </a:tc>
-                <a:extLst>
-                  <a:ext uri="{0D108BD9-81ED-4DB2-BD59-A6C34878D82A}">
-                    <a16:rowId xmlns:a16="http://schemas.microsoft.com/office/drawing/2014/main" val="1868646853"/>
-                  </a:ext>
-                </a:extLst>
               </a:tr>
-              <a:tr h="370840">
+              <a:tr h="556933">
                 <a:tc>
                   <a:txBody>
                     <a:bodyPr/>
                     <a:lstStyle/>
                     <a:p>
-                      <a:pPr marL="457200" marR="0" lvl="1" indent="0" algn="l" defTabSz="914400" rtl="0" eaLnBrk="1" fontAlgn="auto" latinLnBrk="0" hangingPunct="1">
+                      <a:pPr>
                         <a:lnSpc>
-                          <a:spcPct val="100000"/>
+                          <a:spcPct val="107000"/>
                         </a:lnSpc>
-                        <a:spcBef>
-                          <a:spcPts val="0"/>
-                        </a:spcBef>
                         <a:spcAft>
                           <a:spcPts val="0"/>
                         </a:spcAft>
-                        <a:buClrTx/>
-                        <a:buSzTx/>
-                        <a:buFontTx/>
-                        <a:buNone/>
-                        <a:tabLst/>
-                        <a:defRPr/>
                       </a:pPr>
                       <a:r>
-                        <a:rPr lang="de-DE" sz="1800" b="0" i="0" u="none" strike="noStrike" kern="1200" baseline="0" dirty="0">
-                          <a:solidFill>
-                            <a:schemeClr val="dk1"/>
-                          </a:solidFill>
-                          <a:latin typeface="+mn-lt"/>
-                          <a:ea typeface="+mn-ea"/>
-                          <a:cs typeface="+mn-cs"/>
+                        <a:rPr lang="de-DE" sz="2400">
+                          <a:effectLst/>
                         </a:rPr>
-                        <a:t>Menü-Auswahl „Erfolge“ hinzufügen</a:t>
+                        <a:t>Tests</a:t>
                       </a:r>
+                      <a:endParaRPr lang="de-DE" sz="2400">
+                        <a:effectLst/>
+                        <a:latin typeface="Calibri" panose="020F0502020204030204" pitchFamily="34" charset="0"/>
+                        <a:ea typeface="Calibri" panose="020F0502020204030204" pitchFamily="34" charset="0"/>
+                        <a:cs typeface="Times New Roman" panose="02020603050405020304" pitchFamily="18" charset="0"/>
+                      </a:endParaRPr>
                     </a:p>
                   </a:txBody>
-                  <a:tcPr/>
+                  <a:tcPr marL="44450" marR="44450" marT="0" marB="0" anchor="ctr"/>
                 </a:tc>
                 <a:tc>
                   <a:txBody>
                     <a:bodyPr/>
                     <a:lstStyle/>
                     <a:p>
-                      <a:pPr lvl="1"/>
+                      <a:pPr algn="ctr">
+                        <a:lnSpc>
+                          <a:spcPct val="107000"/>
+                        </a:lnSpc>
+                        <a:spcAft>
+                          <a:spcPts val="0"/>
+                        </a:spcAft>
+                      </a:pPr>
                       <a:r>
-                        <a:rPr lang="de-DE" dirty="0"/>
-                        <a:t>1 Stunde</a:t>
+                        <a:rPr lang="de-DE" sz="2400" dirty="0">
+                          <a:effectLst/>
+                        </a:rPr>
+                        <a:t>12 Stunden</a:t>
                       </a:r>
+                      <a:endParaRPr lang="de-DE" sz="2400" dirty="0">
+                        <a:effectLst/>
+                        <a:latin typeface="Calibri" panose="020F0502020204030204" pitchFamily="34" charset="0"/>
+                        <a:ea typeface="Calibri" panose="020F0502020204030204" pitchFamily="34" charset="0"/>
+                        <a:cs typeface="Times New Roman" panose="02020603050405020304" pitchFamily="18" charset="0"/>
+                      </a:endParaRPr>
                     </a:p>
                   </a:txBody>
-                  <a:tcPr/>
+                  <a:tcPr marL="44450" marR="44450" marT="0" marB="0" anchor="ctr"/>
                 </a:tc>
-                <a:extLst>
-                  <a:ext uri="{0D108BD9-81ED-4DB2-BD59-A6C34878D82A}">
-                    <a16:rowId xmlns:a16="http://schemas.microsoft.com/office/drawing/2014/main" val="1962358713"/>
-                  </a:ext>
-                </a:extLst>
               </a:tr>
-              <a:tr h="370840">
+              <a:tr h="556933">
                 <a:tc>
                   <a:txBody>
                     <a:bodyPr/>
                     <a:lstStyle/>
                     <a:p>
-                      <a:pPr lvl="1"/>
+                      <a:pPr>
+                        <a:lnSpc>
+                          <a:spcPct val="107000"/>
+                        </a:lnSpc>
+                        <a:spcAft>
+                          <a:spcPts val="0"/>
+                        </a:spcAft>
+                      </a:pPr>
                       <a:r>
-                        <a:rPr lang="de-DE" b="0" dirty="0"/>
-                        <a:t>Erstellung: Ansicht „Erfolge“</a:t>
+                        <a:rPr lang="de-DE" sz="2400" dirty="0">
+                          <a:effectLst/>
+                        </a:rPr>
+                        <a:t>Dokumentation</a:t>
                       </a:r>
+                      <a:endParaRPr lang="de-DE" sz="2400" dirty="0">
+                        <a:effectLst/>
+                        <a:latin typeface="Calibri" panose="020F0502020204030204" pitchFamily="34" charset="0"/>
+                        <a:ea typeface="Calibri" panose="020F0502020204030204" pitchFamily="34" charset="0"/>
+                        <a:cs typeface="Times New Roman" panose="02020603050405020304" pitchFamily="18" charset="0"/>
+                      </a:endParaRPr>
                     </a:p>
                   </a:txBody>
-                  <a:tcPr/>
+                  <a:tcPr marL="44450" marR="44450" marT="0" marB="0" anchor="ctr"/>
                 </a:tc>
                 <a:tc>
                   <a:txBody>
                     <a:bodyPr/>
                     <a:lstStyle/>
                     <a:p>
-                      <a:pPr lvl="1"/>
-                      <a:r>
-                        <a:rPr lang="de-DE" b="0" dirty="0"/>
-                        <a:t>2 Stunden</a:t>
-                      </a:r>
-                    </a:p>
-                  </a:txBody>
-                  <a:tcPr/>
-                </a:tc>
-                <a:extLst>
-                  <a:ext uri="{0D108BD9-81ED-4DB2-BD59-A6C34878D82A}">
-                    <a16:rowId xmlns:a16="http://schemas.microsoft.com/office/drawing/2014/main" val="1573357262"/>
-                  </a:ext>
-                </a:extLst>
-              </a:tr>
-              <a:tr h="370840">
-                <a:tc>
-                  <a:txBody>
-                    <a:bodyPr/>
-                    <a:lstStyle/>
-                    <a:p>
-                      <a:pPr marL="457200" marR="0" lvl="1" indent="0" algn="l" defTabSz="914400" rtl="0" eaLnBrk="1" fontAlgn="auto" latinLnBrk="0" hangingPunct="1">
+                      <a:pPr algn="ctr">
                         <a:lnSpc>
-                          <a:spcPct val="100000"/>
+                          <a:spcPct val="107000"/>
                         </a:lnSpc>
-                        <a:spcBef>
-                          <a:spcPts val="0"/>
-                        </a:spcBef>
                         <a:spcAft>
                           <a:spcPts val="0"/>
                         </a:spcAft>
-                        <a:buClrTx/>
-                        <a:buSzTx/>
-                        <a:buFontTx/>
-                        <a:buNone/>
-                        <a:tabLst/>
-                        <a:defRPr/>
                       </a:pPr>
                       <a:r>
-                        <a:rPr lang="de-DE" sz="1800" b="0" i="0" u="none" strike="noStrike" kern="1200" baseline="0" dirty="0">
-                          <a:solidFill>
-                            <a:schemeClr val="dk1"/>
-                          </a:solidFill>
-                          <a:latin typeface="+mn-lt"/>
-                          <a:ea typeface="+mn-ea"/>
-                          <a:cs typeface="+mn-cs"/>
+                        <a:rPr lang="de-DE" sz="2400" dirty="0">
+                          <a:effectLst/>
                         </a:rPr>
-                        <a:t>Erstellung: Detailansicht</a:t>
+                        <a:t>17 Stunden</a:t>
                       </a:r>
+                      <a:endParaRPr lang="de-DE" sz="2400" dirty="0">
+                        <a:effectLst/>
+                        <a:latin typeface="Calibri" panose="020F0502020204030204" pitchFamily="34" charset="0"/>
+                        <a:ea typeface="Calibri" panose="020F0502020204030204" pitchFamily="34" charset="0"/>
+                        <a:cs typeface="Times New Roman" panose="02020603050405020304" pitchFamily="18" charset="0"/>
+                      </a:endParaRPr>
                     </a:p>
                   </a:txBody>
-                  <a:tcPr/>
+                  <a:tcPr marL="44450" marR="44450" marT="0" marB="0" anchor="ctr"/>
                 </a:tc>
-                <a:tc>
-                  <a:txBody>
-                    <a:bodyPr/>
-                    <a:lstStyle/>
-                    <a:p>
-                      <a:pPr lvl="1"/>
-                      <a:r>
-                        <a:rPr lang="de-DE" dirty="0"/>
-                        <a:t>2 Stunden</a:t>
-                      </a:r>
-                    </a:p>
-                  </a:txBody>
-                  <a:tcPr/>
-                </a:tc>
-                <a:extLst>
-                  <a:ext uri="{0D108BD9-81ED-4DB2-BD59-A6C34878D82A}">
-                    <a16:rowId xmlns:a16="http://schemas.microsoft.com/office/drawing/2014/main" val="849129635"/>
-                  </a:ext>
-                </a:extLst>
-              </a:tr>
-              <a:tr h="370840">
-                <a:tc>
-                  <a:txBody>
-                    <a:bodyPr/>
-                    <a:lstStyle/>
-                    <a:p>
-                      <a:pPr marL="457200" marR="0" lvl="1" indent="0" algn="l" defTabSz="914400" rtl="0" eaLnBrk="1" fontAlgn="auto" latinLnBrk="0" hangingPunct="1">
-                        <a:lnSpc>
-                          <a:spcPct val="100000"/>
-                        </a:lnSpc>
-                        <a:spcBef>
-                          <a:spcPts val="0"/>
-                        </a:spcBef>
-                        <a:spcAft>
-                          <a:spcPts val="0"/>
-                        </a:spcAft>
-                        <a:buClrTx/>
-                        <a:buSzTx/>
-                        <a:buFontTx/>
-                        <a:buNone/>
-                        <a:tabLst/>
-                        <a:defRPr/>
-                      </a:pPr>
-                      <a:r>
-                        <a:rPr lang="de-DE" dirty="0"/>
-                        <a:t>Algorithmen zur Erkennung von Lernerfolgen</a:t>
-                      </a:r>
-                    </a:p>
-                  </a:txBody>
-                  <a:tcPr/>
-                </a:tc>
-                <a:tc>
-                  <a:txBody>
-                    <a:bodyPr/>
-                    <a:lstStyle/>
-                    <a:p>
-                      <a:pPr lvl="1"/>
-                      <a:r>
-                        <a:rPr lang="de-DE" dirty="0"/>
-                        <a:t>12 Stunden</a:t>
-                      </a:r>
-                    </a:p>
-                  </a:txBody>
-                  <a:tcPr/>
-                </a:tc>
-                <a:extLst>
-                  <a:ext uri="{0D108BD9-81ED-4DB2-BD59-A6C34878D82A}">
-                    <a16:rowId xmlns:a16="http://schemas.microsoft.com/office/drawing/2014/main" val="1356485163"/>
-                  </a:ext>
-                </a:extLst>
-              </a:tr>
-              <a:tr h="370840">
-                <a:tc>
-                  <a:txBody>
-                    <a:bodyPr/>
-                    <a:lstStyle/>
-                    <a:p>
-                      <a:pPr lvl="1"/>
-                      <a:r>
-                        <a:rPr lang="de-DE" dirty="0"/>
-                        <a:t>Event zur Ausführung der Überprüfung und Speicherung</a:t>
-                      </a:r>
-                    </a:p>
-                  </a:txBody>
-                  <a:tcPr/>
-                </a:tc>
-                <a:tc>
-                  <a:txBody>
-                    <a:bodyPr/>
-                    <a:lstStyle/>
-                    <a:p>
-                      <a:pPr lvl="1"/>
-                      <a:r>
-                        <a:rPr lang="de-DE" dirty="0"/>
-                        <a:t>1 Stunde</a:t>
-                      </a:r>
-                    </a:p>
-                  </a:txBody>
-                  <a:tcPr/>
-                </a:tc>
-                <a:extLst>
-                  <a:ext uri="{0D108BD9-81ED-4DB2-BD59-A6C34878D82A}">
-                    <a16:rowId xmlns:a16="http://schemas.microsoft.com/office/drawing/2014/main" val="1110640885"/>
-                  </a:ext>
-                </a:extLst>
               </a:tr>
             </a:tbl>
           </a:graphicData>
@@ -12063,13 +9101,20 @@
     </p:spTree>
     <p:extLst>
       <p:ext uri="{BB962C8B-B14F-4D97-AF65-F5344CB8AC3E}">
-        <p14:creationId xmlns:p14="http://schemas.microsoft.com/office/powerpoint/2010/main" val="292892584"/>
+        <p14:creationId xmlns:p14="http://schemas.microsoft.com/office/powerpoint/2010/main" val="2544832585"/>
       </p:ext>
     </p:extLst>
   </p:cSld>
   <p:clrMapOvr>
     <a:masterClrMapping/>
   </p:clrMapOvr>
+  <p:timing>
+    <p:tnLst>
+      <p:par>
+        <p:cTn id="1" dur="indefinite" restart="never" nodeType="tmRoot"/>
+      </p:par>
+    </p:tnLst>
+  </p:timing>
 </p:sld>
 </file>
 

--- a/presentation/Präsentation.pptx
+++ b/presentation/Präsentation.pptx
@@ -11,10 +11,10 @@
     <p:sldId id="259" r:id="rId2"/>
     <p:sldId id="258" r:id="rId3"/>
     <p:sldId id="261" r:id="rId4"/>
-    <p:sldId id="262" r:id="rId5"/>
-    <p:sldId id="260" r:id="rId6"/>
-    <p:sldId id="270" r:id="rId7"/>
-    <p:sldId id="277" r:id="rId8"/>
+    <p:sldId id="277" r:id="rId5"/>
+    <p:sldId id="262" r:id="rId6"/>
+    <p:sldId id="260" r:id="rId7"/>
+    <p:sldId id="270" r:id="rId8"/>
     <p:sldId id="264" r:id="rId9"/>
     <p:sldId id="267" r:id="rId10"/>
     <p:sldId id="272" r:id="rId11"/>
@@ -35,102 +35,127 @@
     <a:defPPr>
       <a:defRPr lang="de-DE"/>
     </a:defPPr>
-    <a:lvl1pPr marL="0" algn="l" defTabSz="914400" rtl="0" eaLnBrk="1" latinLnBrk="0" hangingPunct="1">
-      <a:defRPr sz="1800" kern="1200">
+    <a:lvl1pPr algn="l" rtl="0" fontAlgn="base">
+      <a:spcBef>
+        <a:spcPct val="0"/>
+      </a:spcBef>
+      <a:spcAft>
+        <a:spcPct val="0"/>
+      </a:spcAft>
+      <a:defRPr kern="1200">
         <a:solidFill>
           <a:schemeClr val="tx1"/>
         </a:solidFill>
-        <a:latin typeface="+mn-lt"/>
+        <a:latin typeface="Arial" charset="0"/>
         <a:ea typeface="+mn-ea"/>
-        <a:cs typeface="+mn-cs"/>
+        <a:cs typeface="Arial" charset="0"/>
       </a:defRPr>
     </a:lvl1pPr>
-    <a:lvl2pPr marL="457200" algn="l" defTabSz="914400" rtl="0" eaLnBrk="1" latinLnBrk="0" hangingPunct="1">
-      <a:defRPr sz="1800" kern="1200">
+    <a:lvl2pPr marL="457200" algn="l" rtl="0" fontAlgn="base">
+      <a:spcBef>
+        <a:spcPct val="0"/>
+      </a:spcBef>
+      <a:spcAft>
+        <a:spcPct val="0"/>
+      </a:spcAft>
+      <a:defRPr kern="1200">
         <a:solidFill>
           <a:schemeClr val="tx1"/>
         </a:solidFill>
-        <a:latin typeface="+mn-lt"/>
+        <a:latin typeface="Arial" charset="0"/>
         <a:ea typeface="+mn-ea"/>
-        <a:cs typeface="+mn-cs"/>
+        <a:cs typeface="Arial" charset="0"/>
       </a:defRPr>
     </a:lvl2pPr>
-    <a:lvl3pPr marL="914400" algn="l" defTabSz="914400" rtl="0" eaLnBrk="1" latinLnBrk="0" hangingPunct="1">
-      <a:defRPr sz="1800" kern="1200">
+    <a:lvl3pPr marL="914400" algn="l" rtl="0" fontAlgn="base">
+      <a:spcBef>
+        <a:spcPct val="0"/>
+      </a:spcBef>
+      <a:spcAft>
+        <a:spcPct val="0"/>
+      </a:spcAft>
+      <a:defRPr kern="1200">
         <a:solidFill>
           <a:schemeClr val="tx1"/>
         </a:solidFill>
-        <a:latin typeface="+mn-lt"/>
+        <a:latin typeface="Arial" charset="0"/>
         <a:ea typeface="+mn-ea"/>
-        <a:cs typeface="+mn-cs"/>
+        <a:cs typeface="Arial" charset="0"/>
       </a:defRPr>
     </a:lvl3pPr>
-    <a:lvl4pPr marL="1371600" algn="l" defTabSz="914400" rtl="0" eaLnBrk="1" latinLnBrk="0" hangingPunct="1">
-      <a:defRPr sz="1800" kern="1200">
+    <a:lvl4pPr marL="1371600" algn="l" rtl="0" fontAlgn="base">
+      <a:spcBef>
+        <a:spcPct val="0"/>
+      </a:spcBef>
+      <a:spcAft>
+        <a:spcPct val="0"/>
+      </a:spcAft>
+      <a:defRPr kern="1200">
         <a:solidFill>
           <a:schemeClr val="tx1"/>
         </a:solidFill>
-        <a:latin typeface="+mn-lt"/>
+        <a:latin typeface="Arial" charset="0"/>
         <a:ea typeface="+mn-ea"/>
-        <a:cs typeface="+mn-cs"/>
+        <a:cs typeface="Arial" charset="0"/>
       </a:defRPr>
     </a:lvl4pPr>
-    <a:lvl5pPr marL="1828800" algn="l" defTabSz="914400" rtl="0" eaLnBrk="1" latinLnBrk="0" hangingPunct="1">
-      <a:defRPr sz="1800" kern="1200">
+    <a:lvl5pPr marL="1828800" algn="l" rtl="0" fontAlgn="base">
+      <a:spcBef>
+        <a:spcPct val="0"/>
+      </a:spcBef>
+      <a:spcAft>
+        <a:spcPct val="0"/>
+      </a:spcAft>
+      <a:defRPr kern="1200">
         <a:solidFill>
           <a:schemeClr val="tx1"/>
         </a:solidFill>
-        <a:latin typeface="+mn-lt"/>
+        <a:latin typeface="Arial" charset="0"/>
         <a:ea typeface="+mn-ea"/>
-        <a:cs typeface="+mn-cs"/>
+        <a:cs typeface="Arial" charset="0"/>
       </a:defRPr>
     </a:lvl5pPr>
     <a:lvl6pPr marL="2286000" algn="l" defTabSz="914400" rtl="0" eaLnBrk="1" latinLnBrk="0" hangingPunct="1">
-      <a:defRPr sz="1800" kern="1200">
+      <a:defRPr kern="1200">
         <a:solidFill>
           <a:schemeClr val="tx1"/>
         </a:solidFill>
-        <a:latin typeface="+mn-lt"/>
+        <a:latin typeface="Arial" charset="0"/>
         <a:ea typeface="+mn-ea"/>
-        <a:cs typeface="+mn-cs"/>
+        <a:cs typeface="Arial" charset="0"/>
       </a:defRPr>
     </a:lvl6pPr>
     <a:lvl7pPr marL="2743200" algn="l" defTabSz="914400" rtl="0" eaLnBrk="1" latinLnBrk="0" hangingPunct="1">
-      <a:defRPr sz="1800" kern="1200">
+      <a:defRPr kern="1200">
         <a:solidFill>
           <a:schemeClr val="tx1"/>
         </a:solidFill>
-        <a:latin typeface="+mn-lt"/>
+        <a:latin typeface="Arial" charset="0"/>
         <a:ea typeface="+mn-ea"/>
-        <a:cs typeface="+mn-cs"/>
+        <a:cs typeface="Arial" charset="0"/>
       </a:defRPr>
     </a:lvl7pPr>
     <a:lvl8pPr marL="3200400" algn="l" defTabSz="914400" rtl="0" eaLnBrk="1" latinLnBrk="0" hangingPunct="1">
-      <a:defRPr sz="1800" kern="1200">
+      <a:defRPr kern="1200">
         <a:solidFill>
           <a:schemeClr val="tx1"/>
         </a:solidFill>
-        <a:latin typeface="+mn-lt"/>
+        <a:latin typeface="Arial" charset="0"/>
         <a:ea typeface="+mn-ea"/>
-        <a:cs typeface="+mn-cs"/>
+        <a:cs typeface="Arial" charset="0"/>
       </a:defRPr>
     </a:lvl8pPr>
     <a:lvl9pPr marL="3657600" algn="l" defTabSz="914400" rtl="0" eaLnBrk="1" latinLnBrk="0" hangingPunct="1">
-      <a:defRPr sz="1800" kern="1200">
+      <a:defRPr kern="1200">
         <a:solidFill>
           <a:schemeClr val="tx1"/>
         </a:solidFill>
-        <a:latin typeface="+mn-lt"/>
+        <a:latin typeface="Arial" charset="0"/>
         <a:ea typeface="+mn-ea"/>
-        <a:cs typeface="+mn-cs"/>
+        <a:cs typeface="Arial" charset="0"/>
       </a:defRPr>
     </a:lvl9pPr>
   </p:defaultTextStyle>
-  <p:extLst>
-    <p:ext uri="{EFAFB233-063F-42B5-8137-9DF3F51BA10A}">
-      <p15:sldGuideLst xmlns:p15="http://schemas.microsoft.com/office/powerpoint/2012/main"/>
-    </p:ext>
-  </p:extLst>
 </p:presentation>
 </file>
 
@@ -178,11 +203,23 @@
         <p:txBody>
           <a:bodyPr vert="horz" lIns="91440" tIns="45720" rIns="91440" bIns="45720" rtlCol="0"/>
           <a:lstStyle>
-            <a:lvl1pPr algn="l">
-              <a:defRPr sz="1200"/>
+            <a:lvl1pPr algn="l" fontAlgn="auto">
+              <a:spcBef>
+                <a:spcPts val="0"/>
+              </a:spcBef>
+              <a:spcAft>
+                <a:spcPts val="0"/>
+              </a:spcAft>
+              <a:defRPr sz="1200">
+                <a:latin typeface="+mn-lt"/>
+                <a:cs typeface="+mn-cs"/>
+              </a:defRPr>
             </a:lvl1pPr>
           </a:lstStyle>
           <a:p>
+            <a:pPr>
+              <a:defRPr/>
+            </a:pPr>
             <a:endParaRPr lang="de-DE"/>
           </a:p>
         </p:txBody>
@@ -209,14 +246,29 @@
         <p:txBody>
           <a:bodyPr vert="horz" lIns="91440" tIns="45720" rIns="91440" bIns="45720" rtlCol="0"/>
           <a:lstStyle>
-            <a:lvl1pPr algn="r">
-              <a:defRPr sz="1200"/>
+            <a:lvl1pPr algn="r" fontAlgn="auto">
+              <a:spcBef>
+                <a:spcPts val="0"/>
+              </a:spcBef>
+              <a:spcAft>
+                <a:spcPts val="0"/>
+              </a:spcAft>
+              <a:defRPr sz="1200" smtClean="0">
+                <a:latin typeface="+mn-lt"/>
+                <a:cs typeface="+mn-cs"/>
+              </a:defRPr>
             </a:lvl1pPr>
           </a:lstStyle>
           <a:p>
-            <a:fld id="{37C89F99-EB9F-4B03-A2AD-54F2C15EA0F1}" type="datetimeFigureOut">
-              <a:rPr lang="de-DE" smtClean="0"/>
-              <a:t>19.06.2018</a:t>
+            <a:pPr>
+              <a:defRPr/>
+            </a:pPr>
+            <a:fld id="{741308F4-92AD-435E-8BF3-66EADFD9C842}" type="datetimeFigureOut">
+              <a:rPr lang="de-DE"/>
+              <a:pPr>
+                <a:defRPr/>
+              </a:pPr>
+              <a:t>20.06.2018</a:t>
             </a:fld>
             <a:endParaRPr lang="de-DE"/>
           </a:p>
@@ -251,7 +303,8 @@
           <a:bodyPr vert="horz" lIns="91440" tIns="45720" rIns="91440" bIns="45720" rtlCol="0" anchor="ctr"/>
           <a:lstStyle/>
           <a:p>
-            <a:endParaRPr lang="de-DE"/>
+            <a:pPr lvl="0"/>
+            <a:endParaRPr lang="de-DE" noProof="0"/>
           </a:p>
         </p:txBody>
       </p:sp>
@@ -280,35 +333,35 @@
           <a:p>
             <a:pPr lvl="0"/>
             <a:r>
-              <a:rPr lang="de-DE"/>
+              <a:rPr lang="de-DE" noProof="0"/>
               <a:t>Mastertextformat bearbeiten</a:t>
             </a:r>
           </a:p>
           <a:p>
             <a:pPr lvl="1"/>
             <a:r>
-              <a:rPr lang="de-DE"/>
+              <a:rPr lang="de-DE" noProof="0"/>
               <a:t>Zweite Ebene</a:t>
             </a:r>
           </a:p>
           <a:p>
             <a:pPr lvl="2"/>
             <a:r>
-              <a:rPr lang="de-DE"/>
+              <a:rPr lang="de-DE" noProof="0"/>
               <a:t>Dritte Ebene</a:t>
             </a:r>
           </a:p>
           <a:p>
             <a:pPr lvl="3"/>
             <a:r>
-              <a:rPr lang="de-DE"/>
+              <a:rPr lang="de-DE" noProof="0"/>
               <a:t>Vierte Ebene</a:t>
             </a:r>
           </a:p>
           <a:p>
             <a:pPr lvl="4"/>
             <a:r>
-              <a:rPr lang="de-DE"/>
+              <a:rPr lang="de-DE" noProof="0"/>
               <a:t>Fünfte Ebene</a:t>
             </a:r>
           </a:p>
@@ -336,11 +389,23 @@
         <p:txBody>
           <a:bodyPr vert="horz" lIns="91440" tIns="45720" rIns="91440" bIns="45720" rtlCol="0" anchor="b"/>
           <a:lstStyle>
-            <a:lvl1pPr algn="l">
-              <a:defRPr sz="1200"/>
+            <a:lvl1pPr algn="l" fontAlgn="auto">
+              <a:spcBef>
+                <a:spcPts val="0"/>
+              </a:spcBef>
+              <a:spcAft>
+                <a:spcPts val="0"/>
+              </a:spcAft>
+              <a:defRPr sz="1200">
+                <a:latin typeface="+mn-lt"/>
+                <a:cs typeface="+mn-cs"/>
+              </a:defRPr>
             </a:lvl1pPr>
           </a:lstStyle>
           <a:p>
+            <a:pPr>
+              <a:defRPr/>
+            </a:pPr>
             <a:endParaRPr lang="de-DE"/>
           </a:p>
         </p:txBody>
@@ -367,13 +432,28 @@
         <p:txBody>
           <a:bodyPr vert="horz" lIns="91440" tIns="45720" rIns="91440" bIns="45720" rtlCol="0" anchor="b"/>
           <a:lstStyle>
-            <a:lvl1pPr algn="r">
-              <a:defRPr sz="1200"/>
+            <a:lvl1pPr algn="r" fontAlgn="auto">
+              <a:spcBef>
+                <a:spcPts val="0"/>
+              </a:spcBef>
+              <a:spcAft>
+                <a:spcPts val="0"/>
+              </a:spcAft>
+              <a:defRPr sz="1200" smtClean="0">
+                <a:latin typeface="+mn-lt"/>
+                <a:cs typeface="+mn-cs"/>
+              </a:defRPr>
             </a:lvl1pPr>
           </a:lstStyle>
           <a:p>
-            <a:fld id="{0A3AF1A8-D6D1-4E87-ABD4-EA4028B32502}" type="slidenum">
-              <a:rPr lang="de-DE" smtClean="0"/>
+            <a:pPr>
+              <a:defRPr/>
+            </a:pPr>
+            <a:fld id="{03FD25AF-FC77-4669-A8C2-C029BCD34DBB}" type="slidenum">
+              <a:rPr lang="de-DE"/>
+              <a:pPr>
+                <a:defRPr/>
+              </a:pPr>
               <a:t>‹Nr.›</a:t>
             </a:fld>
             <a:endParaRPr lang="de-DE"/>
@@ -381,15 +461,16 @@
         </p:txBody>
       </p:sp>
     </p:spTree>
-    <p:extLst>
-      <p:ext uri="{BB962C8B-B14F-4D97-AF65-F5344CB8AC3E}">
-        <p14:creationId xmlns:p14="http://schemas.microsoft.com/office/powerpoint/2010/main" val="2558577749"/>
-      </p:ext>
-    </p:extLst>
   </p:cSld>
   <p:clrMap bg1="lt1" tx1="dk1" bg2="lt2" tx2="dk2" accent1="accent1" accent2="accent2" accent3="accent3" accent4="accent4" accent5="accent5" accent6="accent6" hlink="hlink" folHlink="folHlink"/>
   <p:notesStyle>
-    <a:lvl1pPr marL="0" algn="l" defTabSz="914400" rtl="0" eaLnBrk="1" latinLnBrk="0" hangingPunct="1">
+    <a:lvl1pPr algn="l" rtl="0" fontAlgn="base">
+      <a:spcBef>
+        <a:spcPct val="30000"/>
+      </a:spcBef>
+      <a:spcAft>
+        <a:spcPct val="0"/>
+      </a:spcAft>
       <a:defRPr sz="1200" kern="1200">
         <a:solidFill>
           <a:schemeClr val="tx1"/>
@@ -399,7 +480,13 @@
         <a:cs typeface="+mn-cs"/>
       </a:defRPr>
     </a:lvl1pPr>
-    <a:lvl2pPr marL="457200" algn="l" defTabSz="914400" rtl="0" eaLnBrk="1" latinLnBrk="0" hangingPunct="1">
+    <a:lvl2pPr marL="457200" algn="l" rtl="0" fontAlgn="base">
+      <a:spcBef>
+        <a:spcPct val="30000"/>
+      </a:spcBef>
+      <a:spcAft>
+        <a:spcPct val="0"/>
+      </a:spcAft>
       <a:defRPr sz="1200" kern="1200">
         <a:solidFill>
           <a:schemeClr val="tx1"/>
@@ -409,7 +496,13 @@
         <a:cs typeface="+mn-cs"/>
       </a:defRPr>
     </a:lvl2pPr>
-    <a:lvl3pPr marL="914400" algn="l" defTabSz="914400" rtl="0" eaLnBrk="1" latinLnBrk="0" hangingPunct="1">
+    <a:lvl3pPr marL="914400" algn="l" rtl="0" fontAlgn="base">
+      <a:spcBef>
+        <a:spcPct val="30000"/>
+      </a:spcBef>
+      <a:spcAft>
+        <a:spcPct val="0"/>
+      </a:spcAft>
       <a:defRPr sz="1200" kern="1200">
         <a:solidFill>
           <a:schemeClr val="tx1"/>
@@ -419,7 +512,13 @@
         <a:cs typeface="+mn-cs"/>
       </a:defRPr>
     </a:lvl3pPr>
-    <a:lvl4pPr marL="1371600" algn="l" defTabSz="914400" rtl="0" eaLnBrk="1" latinLnBrk="0" hangingPunct="1">
+    <a:lvl4pPr marL="1371600" algn="l" rtl="0" fontAlgn="base">
+      <a:spcBef>
+        <a:spcPct val="30000"/>
+      </a:spcBef>
+      <a:spcAft>
+        <a:spcPct val="0"/>
+      </a:spcAft>
       <a:defRPr sz="1200" kern="1200">
         <a:solidFill>
           <a:schemeClr val="tx1"/>
@@ -429,7 +528,13 @@
         <a:cs typeface="+mn-cs"/>
       </a:defRPr>
     </a:lvl4pPr>
-    <a:lvl5pPr marL="1828800" algn="l" defTabSz="914400" rtl="0" eaLnBrk="1" latinLnBrk="0" hangingPunct="1">
+    <a:lvl5pPr marL="1828800" algn="l" rtl="0" fontAlgn="base">
+      <a:spcBef>
+        <a:spcPct val="30000"/>
+      </a:spcBef>
+      <a:spcAft>
+        <a:spcPct val="0"/>
+      </a:spcAft>
       <a:defRPr sz="1200" kern="1200">
         <a:solidFill>
           <a:schemeClr val="tx1"/>
@@ -502,88 +607,55 @@
       </p:grpSpPr>
       <p:sp>
         <p:nvSpPr>
-          <p:cNvPr id="2" name="Folienbildplatzhalter 1"/>
-          <p:cNvSpPr>
-            <a:spLocks noGrp="1" noRot="1" noChangeAspect="1"/>
+          <p:cNvPr id="38914" name="Rectangle 2"/>
+          <p:cNvSpPr>
+            <a:spLocks noChangeArrowheads="1" noTextEdit="1"/>
           </p:cNvSpPr>
           <p:nvPr>
             <p:ph type="sldImg"/>
           </p:nvPr>
         </p:nvSpPr>
-        <p:spPr/>
-      </p:sp>
-      <p:sp>
-        <p:nvSpPr>
-          <p:cNvPr id="3" name="Notizenplatzhalter 2"/>
-          <p:cNvSpPr>
-            <a:spLocks noGrp="1"/>
+        <p:spPr bwMode="auto">
+          <a:noFill/>
+          <a:ln>
+            <a:solidFill>
+              <a:srgbClr val="000000"/>
+            </a:solidFill>
+            <a:miter lim="800000"/>
+            <a:headEnd/>
+            <a:tailEnd/>
+          </a:ln>
+        </p:spPr>
+      </p:sp>
+      <p:sp>
+        <p:nvSpPr>
+          <p:cNvPr id="38915" name="Rectangle 3"/>
+          <p:cNvSpPr>
+            <a:spLocks noChangeArrowheads="1"/>
           </p:cNvSpPr>
           <p:nvPr>
             <p:ph type="body" idx="1"/>
           </p:nvPr>
         </p:nvSpPr>
-        <p:spPr/>
-        <p:txBody>
-          <a:bodyPr/>
+        <p:spPr bwMode="auto">
+          <a:noFill/>
+        </p:spPr>
+        <p:txBody>
+          <a:bodyPr wrap="square" numCol="1" anchor="t" anchorCtr="0" compatLnSpc="1">
+            <a:prstTxWarp prst="textNoShape">
+              <a:avLst/>
+            </a:prstTxWarp>
+          </a:bodyPr>
           <a:lstStyle/>
           <a:p>
             <a:r>
-              <a:rPr lang="de-DE" sz="1200" b="0" i="0" u="none" strike="noStrike" kern="1200" baseline="0" dirty="0">
-                <a:solidFill>
-                  <a:schemeClr val="tx1"/>
-                </a:solidFill>
-                <a:latin typeface="+mn-lt"/>
-                <a:ea typeface="+mn-ea"/>
-                <a:cs typeface="+mn-cs"/>
-              </a:rPr>
-              <a:t>Anforderungen an die Hardware: Internetzugang, Standard-Browser auf einem beliebigen Endgerät sein. </a:t>
-            </a:r>
-          </a:p>
-          <a:p>
-            <a:r>
-              <a:rPr lang="de-DE" sz="1200" b="0" i="0" u="none" strike="noStrike" kern="1200" baseline="0" dirty="0">
-                <a:solidFill>
-                  <a:schemeClr val="tx1"/>
-                </a:solidFill>
-                <a:latin typeface="+mn-lt"/>
-                <a:ea typeface="+mn-ea"/>
-                <a:cs typeface="+mn-cs"/>
-              </a:rPr>
-              <a:t>Web-Applikation plattformunabhängig</a:t>
-            </a:r>
-            <a:endParaRPr lang="de-DE" dirty="0"/>
-          </a:p>
-        </p:txBody>
-      </p:sp>
-      <p:sp>
-        <p:nvSpPr>
-          <p:cNvPr id="4" name="Foliennummernplatzhalter 3"/>
-          <p:cNvSpPr>
-            <a:spLocks noGrp="1"/>
-          </p:cNvSpPr>
-          <p:nvPr>
-            <p:ph type="sldNum" sz="quarter" idx="10"/>
-          </p:nvPr>
-        </p:nvSpPr>
-        <p:spPr/>
-        <p:txBody>
-          <a:bodyPr/>
-          <a:lstStyle/>
-          <a:p>
-            <a:fld id="{0A3AF1A8-D6D1-4E87-ABD4-EA4028B32502}" type="slidenum">
               <a:rPr lang="de-DE" smtClean="0"/>
-              <a:t>7</a:t>
-            </a:fld>
-            <a:endParaRPr lang="de-DE"/>
+              <a:t>Auswahl von lobenswerten Lernverhalten</a:t>
+            </a:r>
           </a:p>
         </p:txBody>
       </p:sp>
     </p:spTree>
-    <p:extLst>
-      <p:ext uri="{BB962C8B-B14F-4D97-AF65-F5344CB8AC3E}">
-        <p14:creationId xmlns:p14="http://schemas.microsoft.com/office/powerpoint/2010/main" val="1066220766"/>
-      </p:ext>
-    </p:extLst>
   </p:cSld>
   <p:clrMapOvr>
     <a:masterClrMapping/>
@@ -610,7 +682,7 @@
       </p:grpSpPr>
       <p:sp>
         <p:nvSpPr>
-          <p:cNvPr id="2" name="Folienbildplatzhalter 1"/>
+          <p:cNvPr id="21505" name="Folienbildplatzhalter 1"/>
           <p:cNvSpPr>
             <a:spLocks noGrp="1" noRot="1" noChangeAspect="1"/>
           </p:cNvSpPr>
@@ -618,11 +690,21 @@
             <p:ph type="sldImg"/>
           </p:nvPr>
         </p:nvSpPr>
-        <p:spPr/>
-      </p:sp>
-      <p:sp>
-        <p:nvSpPr>
-          <p:cNvPr id="3" name="Notizenplatzhalter 2"/>
+        <p:spPr bwMode="auto">
+          <a:noFill/>
+          <a:ln>
+            <a:solidFill>
+              <a:srgbClr val="000000"/>
+            </a:solidFill>
+            <a:miter lim="800000"/>
+            <a:headEnd/>
+            <a:tailEnd/>
+          </a:ln>
+        </p:spPr>
+      </p:sp>
+      <p:sp>
+        <p:nvSpPr>
+          <p:cNvPr id="21506" name="Notizenplatzhalter 2"/>
           <p:cNvSpPr>
             <a:spLocks noGrp="1"/>
           </p:cNvSpPr>
@@ -630,52 +712,95 @@
             <p:ph type="body" idx="1"/>
           </p:nvPr>
         </p:nvSpPr>
-        <p:spPr/>
-        <p:txBody>
-          <a:bodyPr/>
+        <p:spPr bwMode="auto">
+          <a:noFill/>
+        </p:spPr>
+        <p:txBody>
+          <a:bodyPr wrap="square" numCol="1" anchor="t" anchorCtr="0" compatLnSpc="1">
+            <a:prstTxWarp prst="textNoShape">
+              <a:avLst/>
+            </a:prstTxWarp>
+          </a:bodyPr>
           <a:lstStyle/>
           <a:p>
-            <a:r>
-              <a:rPr lang="de-DE" dirty="0" smtClean="0"/>
-              <a:t>Zusätzlich</a:t>
-            </a:r>
-            <a:r>
-              <a:rPr lang="de-DE" baseline="0" dirty="0" smtClean="0"/>
-              <a:t> werden</a:t>
-            </a:r>
-            <a:endParaRPr lang="de-DE" dirty="0"/>
-          </a:p>
-        </p:txBody>
-      </p:sp>
-      <p:sp>
-        <p:nvSpPr>
-          <p:cNvPr id="4" name="Foliennummernplatzhalter 3"/>
-          <p:cNvSpPr>
-            <a:spLocks noGrp="1"/>
-          </p:cNvSpPr>
-          <p:nvPr>
-            <p:ph type="sldNum" sz="quarter" idx="10"/>
-          </p:nvPr>
-        </p:nvSpPr>
-        <p:spPr/>
-        <p:txBody>
-          <a:bodyPr/>
+            <a:pPr>
+              <a:spcBef>
+                <a:spcPct val="0"/>
+              </a:spcBef>
+            </a:pPr>
+            <a:r>
+              <a:rPr lang="de-DE" smtClean="0"/>
+              <a:t>Anforderungen an die Hardware: Internetzugang, Standard-Browser auf einem beliebigen Endgerät sein. </a:t>
+            </a:r>
+          </a:p>
+          <a:p>
+            <a:pPr>
+              <a:spcBef>
+                <a:spcPct val="0"/>
+              </a:spcBef>
+            </a:pPr>
+            <a:r>
+              <a:rPr lang="de-DE" smtClean="0"/>
+              <a:t>Web-Applikation plattformunabhängig -&gt; PHP</a:t>
+            </a:r>
+          </a:p>
+        </p:txBody>
+      </p:sp>
+      <p:sp>
+        <p:nvSpPr>
+          <p:cNvPr id="21507" name="Foliennummernplatzhalter 3"/>
+          <p:cNvSpPr>
+            <a:spLocks noGrp="1"/>
+          </p:cNvSpPr>
+          <p:nvPr>
+            <p:ph type="sldNum" sz="quarter" idx="5"/>
+          </p:nvPr>
+        </p:nvSpPr>
+        <p:spPr bwMode="auto">
+          <a:noFill/>
+          <a:ln>
+            <a:miter lim="800000"/>
+            <a:headEnd/>
+            <a:tailEnd/>
+          </a:ln>
+        </p:spPr>
+        <p:txBody>
+          <a:bodyPr wrap="square" numCol="1" anchorCtr="0" compatLnSpc="1">
+            <a:prstTxWarp prst="textNoShape">
+              <a:avLst/>
+            </a:prstTxWarp>
+          </a:bodyPr>
           <a:lstStyle/>
           <a:p>
-            <a:fld id="{0A3AF1A8-D6D1-4E87-ABD4-EA4028B32502}" type="slidenum">
-              <a:rPr lang="de-DE" smtClean="0"/>
-              <a:t>8</a:t>
+            <a:pPr fontAlgn="base">
+              <a:spcBef>
+                <a:spcPct val="0"/>
+              </a:spcBef>
+              <a:spcAft>
+                <a:spcPct val="0"/>
+              </a:spcAft>
+            </a:pPr>
+            <a:fld id="{43736CF0-613C-42A8-80FA-01962190A87B}" type="slidenum">
+              <a:rPr lang="de-DE">
+                <a:cs typeface="Arial" charset="0"/>
+              </a:rPr>
+              <a:pPr fontAlgn="base">
+                <a:spcBef>
+                  <a:spcPct val="0"/>
+                </a:spcBef>
+                <a:spcAft>
+                  <a:spcPct val="0"/>
+                </a:spcAft>
+              </a:pPr>
+              <a:t>4</a:t>
             </a:fld>
-            <a:endParaRPr lang="de-DE"/>
+            <a:endParaRPr lang="de-DE">
+              <a:cs typeface="Arial" charset="0"/>
+            </a:endParaRPr>
           </a:p>
         </p:txBody>
       </p:sp>
     </p:spTree>
-    <p:extLst>
-      <p:ext uri="{BB962C8B-B14F-4D97-AF65-F5344CB8AC3E}">
-        <p14:creationId xmlns:p14="http://schemas.microsoft.com/office/powerpoint/2010/main" val="1419939913"/>
-      </p:ext>
-    </p:extLst>
   </p:cSld>
   <p:clrMapOvr>
     <a:masterClrMapping/>
@@ -702,7 +827,7 @@
       </p:grpSpPr>
       <p:sp>
         <p:nvSpPr>
-          <p:cNvPr id="2" name="Folienbildplatzhalter 1"/>
+          <p:cNvPr id="23553" name="Folienbildplatzhalter 1"/>
           <p:cNvSpPr>
             <a:spLocks noGrp="1" noRot="1" noChangeAspect="1"/>
           </p:cNvSpPr>
@@ -710,11 +835,21 @@
             <p:ph type="sldImg"/>
           </p:nvPr>
         </p:nvSpPr>
-        <p:spPr/>
-      </p:sp>
-      <p:sp>
-        <p:nvSpPr>
-          <p:cNvPr id="3" name="Notizenplatzhalter 2"/>
+        <p:spPr bwMode="auto">
+          <a:noFill/>
+          <a:ln>
+            <a:solidFill>
+              <a:srgbClr val="000000"/>
+            </a:solidFill>
+            <a:miter lim="800000"/>
+            <a:headEnd/>
+            <a:tailEnd/>
+          </a:ln>
+        </p:spPr>
+      </p:sp>
+      <p:sp>
+        <p:nvSpPr>
+          <p:cNvPr id="23554" name="Notizenplatzhalter 2"/>
           <p:cNvSpPr>
             <a:spLocks noGrp="1"/>
           </p:cNvSpPr>
@@ -722,47 +857,81 @@
             <p:ph type="body" idx="1"/>
           </p:nvPr>
         </p:nvSpPr>
-        <p:spPr/>
-        <p:txBody>
-          <a:bodyPr/>
+        <p:spPr bwMode="auto">
+          <a:noFill/>
+        </p:spPr>
+        <p:txBody>
+          <a:bodyPr wrap="square" numCol="1" anchor="t" anchorCtr="0" compatLnSpc="1">
+            <a:prstTxWarp prst="textNoShape">
+              <a:avLst/>
+            </a:prstTxWarp>
+          </a:bodyPr>
           <a:lstStyle/>
           <a:p>
-            <a:r>
-              <a:rPr lang="de-DE" dirty="0"/>
-              <a:t>Amortisation: nicht monetärer Vorteil – messbar über Kontrollgruppe (nicht gewünscht)</a:t>
-            </a:r>
-          </a:p>
-        </p:txBody>
-      </p:sp>
-      <p:sp>
-        <p:nvSpPr>
-          <p:cNvPr id="4" name="Foliennummernplatzhalter 3"/>
-          <p:cNvSpPr>
-            <a:spLocks noGrp="1"/>
-          </p:cNvSpPr>
-          <p:nvPr>
-            <p:ph type="sldNum" sz="quarter" idx="10"/>
-          </p:nvPr>
-        </p:nvSpPr>
-        <p:spPr/>
-        <p:txBody>
-          <a:bodyPr/>
+            <a:pPr>
+              <a:spcBef>
+                <a:spcPct val="0"/>
+              </a:spcBef>
+            </a:pPr>
+            <a:endParaRPr lang="de-DE" smtClean="0"/>
+          </a:p>
+        </p:txBody>
+      </p:sp>
+      <p:sp>
+        <p:nvSpPr>
+          <p:cNvPr id="23555" name="Foliennummernplatzhalter 3"/>
+          <p:cNvSpPr>
+            <a:spLocks noGrp="1"/>
+          </p:cNvSpPr>
+          <p:nvPr>
+            <p:ph type="sldNum" sz="quarter" idx="5"/>
+          </p:nvPr>
+        </p:nvSpPr>
+        <p:spPr bwMode="auto">
+          <a:noFill/>
+          <a:ln>
+            <a:miter lim="800000"/>
+            <a:headEnd/>
+            <a:tailEnd/>
+          </a:ln>
+        </p:spPr>
+        <p:txBody>
+          <a:bodyPr wrap="square" numCol="1" anchorCtr="0" compatLnSpc="1">
+            <a:prstTxWarp prst="textNoShape">
+              <a:avLst/>
+            </a:prstTxWarp>
+          </a:bodyPr>
           <a:lstStyle/>
           <a:p>
-            <a:fld id="{0A3AF1A8-D6D1-4E87-ABD4-EA4028B32502}" type="slidenum">
-              <a:rPr lang="de-DE" smtClean="0"/>
-              <a:t>14</a:t>
+            <a:pPr fontAlgn="base">
+              <a:spcBef>
+                <a:spcPct val="0"/>
+              </a:spcBef>
+              <a:spcAft>
+                <a:spcPct val="0"/>
+              </a:spcAft>
+            </a:pPr>
+            <a:fld id="{66175FDB-FA7C-4501-B6B2-0591D18BBDC7}" type="slidenum">
+              <a:rPr lang="de-DE">
+                <a:cs typeface="Arial" charset="0"/>
+              </a:rPr>
+              <a:pPr fontAlgn="base">
+                <a:spcBef>
+                  <a:spcPct val="0"/>
+                </a:spcBef>
+                <a:spcAft>
+                  <a:spcPct val="0"/>
+                </a:spcAft>
+              </a:pPr>
+              <a:t>8</a:t>
             </a:fld>
-            <a:endParaRPr lang="de-DE"/>
+            <a:endParaRPr lang="de-DE">
+              <a:cs typeface="Arial" charset="0"/>
+            </a:endParaRPr>
           </a:p>
         </p:txBody>
       </p:sp>
     </p:spTree>
-    <p:extLst>
-      <p:ext uri="{BB962C8B-B14F-4D97-AF65-F5344CB8AC3E}">
-        <p14:creationId xmlns:p14="http://schemas.microsoft.com/office/powerpoint/2010/main" val="2347419170"/>
-      </p:ext>
-    </p:extLst>
   </p:cSld>
   <p:clrMapOvr>
     <a:masterClrMapping/>
@@ -770,40 +939,9 @@
 </p:notes>
 </file>
 
-<file path=ppt/slideLayouts/slideLayout1.xml><?xml version="1.0" encoding="utf-8"?>
-<p:sldLayout xmlns:a="http://schemas.openxmlformats.org/drawingml/2006/main" xmlns:r="http://schemas.openxmlformats.org/officeDocument/2006/relationships" xmlns:p="http://schemas.openxmlformats.org/presentationml/2006/main" type="title" preserve="1">
-  <p:cSld name="Titelfolie">
-    <p:bg>
-      <p:bgPr>
-        <a:gradFill>
-          <a:gsLst>
-            <a:gs pos="0">
-              <a:schemeClr val="bg1"/>
-            </a:gs>
-            <a:gs pos="57128">
-              <a:schemeClr val="accent6"/>
-            </a:gs>
-            <a:gs pos="29000">
-              <a:schemeClr val="accent1">
-                <a:lumMod val="5000"/>
-                <a:lumOff val="95000"/>
-              </a:schemeClr>
-            </a:gs>
-            <a:gs pos="100000">
-              <a:srgbClr val="008144"/>
-            </a:gs>
-            <a:gs pos="100000">
-              <a:srgbClr val="018243"/>
-            </a:gs>
-            <a:gs pos="100000">
-              <a:srgbClr val="018243"/>
-            </a:gs>
-          </a:gsLst>
-          <a:lin ang="5400000" scaled="1"/>
-        </a:gradFill>
-        <a:effectLst/>
-      </p:bgPr>
-    </p:bg>
+<file path=ppt/notesSlides/notesSlide4.xml><?xml version="1.0" encoding="utf-8"?>
+<p:notes xmlns:a="http://schemas.openxmlformats.org/drawingml/2006/main" xmlns:r="http://schemas.openxmlformats.org/officeDocument/2006/relationships" xmlns:p="http://schemas.openxmlformats.org/presentationml/2006/main">
+  <p:cSld>
     <p:spTree>
       <p:nvGrpSpPr>
         <p:cNvPr id="1" name=""/>
@@ -820,11 +958,218 @@
       </p:grpSpPr>
       <p:sp>
         <p:nvSpPr>
+          <p:cNvPr id="30721" name="Folienbildplatzhalter 1"/>
+          <p:cNvSpPr>
+            <a:spLocks noGrp="1" noRot="1" noChangeAspect="1"/>
+          </p:cNvSpPr>
+          <p:nvPr>
+            <p:ph type="sldImg"/>
+          </p:nvPr>
+        </p:nvSpPr>
+        <p:spPr bwMode="auto">
+          <a:noFill/>
+          <a:ln>
+            <a:solidFill>
+              <a:srgbClr val="000000"/>
+            </a:solidFill>
+            <a:miter lim="800000"/>
+            <a:headEnd/>
+            <a:tailEnd/>
+          </a:ln>
+        </p:spPr>
+      </p:sp>
+      <p:sp>
+        <p:nvSpPr>
+          <p:cNvPr id="30722" name="Notizenplatzhalter 2"/>
+          <p:cNvSpPr>
+            <a:spLocks noGrp="1"/>
+          </p:cNvSpPr>
+          <p:nvPr>
+            <p:ph type="body" idx="1"/>
+          </p:nvPr>
+        </p:nvSpPr>
+        <p:spPr bwMode="auto">
+          <a:noFill/>
+        </p:spPr>
+        <p:txBody>
+          <a:bodyPr wrap="square" numCol="1" anchor="t" anchorCtr="0" compatLnSpc="1">
+            <a:prstTxWarp prst="textNoShape">
+              <a:avLst/>
+            </a:prstTxWarp>
+          </a:bodyPr>
+          <a:lstStyle/>
+          <a:p>
+            <a:pPr>
+              <a:spcBef>
+                <a:spcPct val="0"/>
+              </a:spcBef>
+            </a:pPr>
+            <a:r>
+              <a:rPr lang="de-DE" smtClean="0"/>
+              <a:t>Amortisation: nicht monetärer Vorteil – messbar über Kontrollgruppe (nicht gewünscht)</a:t>
+            </a:r>
+          </a:p>
+        </p:txBody>
+      </p:sp>
+      <p:sp>
+        <p:nvSpPr>
+          <p:cNvPr id="30723" name="Foliennummernplatzhalter 3"/>
+          <p:cNvSpPr>
+            <a:spLocks noGrp="1"/>
+          </p:cNvSpPr>
+          <p:nvPr>
+            <p:ph type="sldNum" sz="quarter" idx="5"/>
+          </p:nvPr>
+        </p:nvSpPr>
+        <p:spPr bwMode="auto">
+          <a:noFill/>
+          <a:ln>
+            <a:miter lim="800000"/>
+            <a:headEnd/>
+            <a:tailEnd/>
+          </a:ln>
+        </p:spPr>
+        <p:txBody>
+          <a:bodyPr wrap="square" numCol="1" anchorCtr="0" compatLnSpc="1">
+            <a:prstTxWarp prst="textNoShape">
+              <a:avLst/>
+            </a:prstTxWarp>
+          </a:bodyPr>
+          <a:lstStyle/>
+          <a:p>
+            <a:pPr fontAlgn="base">
+              <a:spcBef>
+                <a:spcPct val="0"/>
+              </a:spcBef>
+              <a:spcAft>
+                <a:spcPct val="0"/>
+              </a:spcAft>
+            </a:pPr>
+            <a:fld id="{760E0347-4812-472B-BC64-5D548DCC0027}" type="slidenum">
+              <a:rPr lang="de-DE">
+                <a:cs typeface="Arial" charset="0"/>
+              </a:rPr>
+              <a:pPr fontAlgn="base">
+                <a:spcBef>
+                  <a:spcPct val="0"/>
+                </a:spcBef>
+                <a:spcAft>
+                  <a:spcPct val="0"/>
+                </a:spcAft>
+              </a:pPr>
+              <a:t>14</a:t>
+            </a:fld>
+            <a:endParaRPr lang="de-DE">
+              <a:cs typeface="Arial" charset="0"/>
+            </a:endParaRPr>
+          </a:p>
+        </p:txBody>
+      </p:sp>
+    </p:spTree>
+  </p:cSld>
+  <p:clrMapOvr>
+    <a:masterClrMapping/>
+  </p:clrMapOvr>
+</p:notes>
+</file>
+
+<file path=ppt/notesSlides/notesSlide5.xml><?xml version="1.0" encoding="utf-8"?>
+<p:notes xmlns:a="http://schemas.openxmlformats.org/drawingml/2006/main" xmlns:r="http://schemas.openxmlformats.org/officeDocument/2006/relationships" xmlns:p="http://schemas.openxmlformats.org/presentationml/2006/main">
+  <p:cSld>
+    <p:spTree>
+      <p:nvGrpSpPr>
+        <p:cNvPr id="1" name=""/>
+        <p:cNvGrpSpPr/>
+        <p:nvPr/>
+      </p:nvGrpSpPr>
+      <p:grpSpPr>
+        <a:xfrm>
+          <a:off x="0" y="0"/>
+          <a:ext cx="0" cy="0"/>
+          <a:chOff x="0" y="0"/>
+          <a:chExt cx="0" cy="0"/>
+        </a:xfrm>
+      </p:grpSpPr>
+      <p:sp>
+        <p:nvSpPr>
+          <p:cNvPr id="39938" name="Rectangle 2"/>
+          <p:cNvSpPr>
+            <a:spLocks noChangeArrowheads="1" noTextEdit="1"/>
+          </p:cNvSpPr>
+          <p:nvPr>
+            <p:ph type="sldImg"/>
+          </p:nvPr>
+        </p:nvSpPr>
+        <p:spPr bwMode="auto">
+          <a:noFill/>
+          <a:ln>
+            <a:solidFill>
+              <a:srgbClr val="000000"/>
+            </a:solidFill>
+            <a:miter lim="800000"/>
+            <a:headEnd/>
+            <a:tailEnd/>
+          </a:ln>
+        </p:spPr>
+      </p:sp>
+      <p:sp>
+        <p:nvSpPr>
+          <p:cNvPr id="39939" name="Rectangle 3"/>
+          <p:cNvSpPr>
+            <a:spLocks noChangeArrowheads="1"/>
+          </p:cNvSpPr>
+          <p:nvPr>
+            <p:ph type="body" idx="1"/>
+          </p:nvPr>
+        </p:nvSpPr>
+        <p:spPr bwMode="auto">
+          <a:noFill/>
+        </p:spPr>
+        <p:txBody>
+          <a:bodyPr wrap="square" numCol="1" anchor="t" anchorCtr="0" compatLnSpc="1">
+            <a:prstTxWarp prst="textNoShape">
+              <a:avLst/>
+            </a:prstTxWarp>
+          </a:bodyPr>
+          <a:lstStyle/>
+          <a:p>
+            <a:r>
+              <a:rPr lang="de-DE" smtClean="0"/>
+              <a:t>Bedingung prüfen / Speichern / Anzeige </a:t>
+            </a:r>
+          </a:p>
+        </p:txBody>
+      </p:sp>
+    </p:spTree>
+  </p:cSld>
+  <p:clrMapOvr>
+    <a:masterClrMapping/>
+  </p:clrMapOvr>
+</p:notes>
+</file>
+
+<file path=ppt/slideLayouts/slideLayout1.xml><?xml version="1.0" encoding="utf-8"?>
+<p:sldLayout xmlns:a="http://schemas.openxmlformats.org/drawingml/2006/main" xmlns:r="http://schemas.openxmlformats.org/officeDocument/2006/relationships" xmlns:p="http://schemas.openxmlformats.org/presentationml/2006/main" type="title" preserve="1">
+  <p:cSld name="Titelfolie">
+    <p:spTree>
+      <p:nvGrpSpPr>
+        <p:cNvPr id="1" name=""/>
+        <p:cNvGrpSpPr/>
+        <p:nvPr/>
+      </p:nvGrpSpPr>
+      <p:grpSpPr>
+        <a:xfrm>
+          <a:off x="0" y="0"/>
+          <a:ext cx="0" cy="0"/>
+          <a:chOff x="0" y="0"/>
+          <a:chExt cx="0" cy="0"/>
+        </a:xfrm>
+      </p:grpSpPr>
+      <p:sp>
+        <p:nvSpPr>
           <p:cNvPr id="2" name="Titel 1">
             <a:extLst>
-              <a:ext uri="{FF2B5EF4-FFF2-40B4-BE49-F238E27FC236}">
-                <a16:creationId xmlns="" xmlns:a16="http://schemas.microsoft.com/office/drawing/2014/main" id="{90F5AA6D-01C5-4C24-922D-1C4A6C9F6A56}"/>
-              </a:ext>
+              <a:ext uri="{FF2B5EF4-FFF2-40B4-BE49-F238E27FC236}"/>
             </a:extLst>
           </p:cNvPr>
           <p:cNvSpPr>
@@ -859,9 +1204,7 @@
         <p:nvSpPr>
           <p:cNvPr id="3" name="Untertitel 2">
             <a:extLst>
-              <a:ext uri="{FF2B5EF4-FFF2-40B4-BE49-F238E27FC236}">
-                <a16:creationId xmlns="" xmlns:a16="http://schemas.microsoft.com/office/drawing/2014/main" id="{FEA03AC2-668C-449C-BAEB-AE5D10DD0D6A}"/>
-              </a:ext>
+              <a:ext uri="{FF2B5EF4-FFF2-40B4-BE49-F238E27FC236}"/>
             </a:extLst>
           </p:cNvPr>
           <p:cNvSpPr>
@@ -929,9 +1272,7 @@
         <p:nvSpPr>
           <p:cNvPr id="4" name="Datumsplatzhalter 3">
             <a:extLst>
-              <a:ext uri="{FF2B5EF4-FFF2-40B4-BE49-F238E27FC236}">
-                <a16:creationId xmlns="" xmlns:a16="http://schemas.microsoft.com/office/drawing/2014/main" id="{43E4D73D-8988-49DB-BFE1-D88D6484C137}"/>
-              </a:ext>
+              <a:ext uri="{FF2B5EF4-FFF2-40B4-BE49-F238E27FC236}"/>
             </a:extLst>
           </p:cNvPr>
           <p:cNvSpPr>
@@ -944,11 +1285,21 @@
         <p:spPr/>
         <p:txBody>
           <a:bodyPr/>
-          <a:lstStyle/>
-          <a:p>
-            <a:fld id="{8158D37F-AE0D-46A3-81EA-F9A968D45D2E}" type="datetimeFigureOut">
-              <a:rPr lang="de-DE" smtClean="0"/>
-              <a:t>19.06.2018</a:t>
+          <a:lstStyle>
+            <a:lvl1pPr>
+              <a:defRPr/>
+            </a:lvl1pPr>
+          </a:lstStyle>
+          <a:p>
+            <a:pPr>
+              <a:defRPr/>
+            </a:pPr>
+            <a:fld id="{B01E606B-F9C5-45EF-A802-07111237B53A}" type="datetimeFigureOut">
+              <a:rPr lang="de-DE"/>
+              <a:pPr>
+                <a:defRPr/>
+              </a:pPr>
+              <a:t>20.06.2018</a:t>
             </a:fld>
             <a:endParaRPr lang="de-DE"/>
           </a:p>
@@ -958,9 +1309,7 @@
         <p:nvSpPr>
           <p:cNvPr id="5" name="Fußzeilenplatzhalter 4">
             <a:extLst>
-              <a:ext uri="{FF2B5EF4-FFF2-40B4-BE49-F238E27FC236}">
-                <a16:creationId xmlns="" xmlns:a16="http://schemas.microsoft.com/office/drawing/2014/main" id="{86D72493-FA83-4AF7-85C8-16A9DF74845F}"/>
-              </a:ext>
+              <a:ext uri="{FF2B5EF4-FFF2-40B4-BE49-F238E27FC236}"/>
             </a:extLst>
           </p:cNvPr>
           <p:cNvSpPr>
@@ -973,8 +1322,15 @@
         <p:spPr/>
         <p:txBody>
           <a:bodyPr/>
-          <a:lstStyle/>
-          <a:p>
+          <a:lstStyle>
+            <a:lvl1pPr>
+              <a:defRPr/>
+            </a:lvl1pPr>
+          </a:lstStyle>
+          <a:p>
+            <a:pPr>
+              <a:defRPr/>
+            </a:pPr>
             <a:endParaRPr lang="de-DE"/>
           </a:p>
         </p:txBody>
@@ -983,9 +1339,7 @@
         <p:nvSpPr>
           <p:cNvPr id="6" name="Foliennummernplatzhalter 5">
             <a:extLst>
-              <a:ext uri="{FF2B5EF4-FFF2-40B4-BE49-F238E27FC236}">
-                <a16:creationId xmlns="" xmlns:a16="http://schemas.microsoft.com/office/drawing/2014/main" id="{1822902C-CD68-472E-817A-2BA552A332AA}"/>
-              </a:ext>
+              <a:ext uri="{FF2B5EF4-FFF2-40B4-BE49-F238E27FC236}"/>
             </a:extLst>
           </p:cNvPr>
           <p:cNvSpPr>
@@ -998,10 +1352,20 @@
         <p:spPr/>
         <p:txBody>
           <a:bodyPr/>
-          <a:lstStyle/>
-          <a:p>
-            <a:fld id="{A2C0B978-9E72-4E00-B0A5-4C9B97B30325}" type="slidenum">
-              <a:rPr lang="de-DE" smtClean="0"/>
+          <a:lstStyle>
+            <a:lvl1pPr>
+              <a:defRPr/>
+            </a:lvl1pPr>
+          </a:lstStyle>
+          <a:p>
+            <a:pPr>
+              <a:defRPr/>
+            </a:pPr>
+            <a:fld id="{4978F819-45B8-4F64-9EA7-7A90F64431EC}" type="slidenum">
+              <a:rPr lang="de-DE"/>
+              <a:pPr>
+                <a:defRPr/>
+              </a:pPr>
               <a:t>‹Nr.›</a:t>
             </a:fld>
             <a:endParaRPr lang="de-DE"/>
@@ -1009,11 +1373,6 @@
         </p:txBody>
       </p:sp>
     </p:spTree>
-    <p:extLst>
-      <p:ext uri="{BB962C8B-B14F-4D97-AF65-F5344CB8AC3E}">
-        <p14:creationId xmlns:p14="http://schemas.microsoft.com/office/powerpoint/2010/main" val="2719042621"/>
-      </p:ext>
-    </p:extLst>
   </p:cSld>
   <p:clrMapOvr>
     <a:masterClrMapping/>
@@ -1042,9 +1401,7 @@
         <p:nvSpPr>
           <p:cNvPr id="2" name="Titel 1">
             <a:extLst>
-              <a:ext uri="{FF2B5EF4-FFF2-40B4-BE49-F238E27FC236}">
-                <a16:creationId xmlns="" xmlns:a16="http://schemas.microsoft.com/office/drawing/2014/main" id="{52D71095-C6F7-4028-B11B-612698C3850F}"/>
-              </a:ext>
+              <a:ext uri="{FF2B5EF4-FFF2-40B4-BE49-F238E27FC236}"/>
             </a:extLst>
           </p:cNvPr>
           <p:cNvSpPr>
@@ -1070,9 +1427,7 @@
         <p:nvSpPr>
           <p:cNvPr id="3" name="Vertikaler Textplatzhalter 2">
             <a:extLst>
-              <a:ext uri="{FF2B5EF4-FFF2-40B4-BE49-F238E27FC236}">
-                <a16:creationId xmlns="" xmlns:a16="http://schemas.microsoft.com/office/drawing/2014/main" id="{00106BE2-00F7-476A-A48E-5A0A531FC83B}"/>
-              </a:ext>
+              <a:ext uri="{FF2B5EF4-FFF2-40B4-BE49-F238E27FC236}"/>
             </a:extLst>
           </p:cNvPr>
           <p:cNvSpPr>
@@ -1127,9 +1482,7 @@
         <p:nvSpPr>
           <p:cNvPr id="4" name="Datumsplatzhalter 3">
             <a:extLst>
-              <a:ext uri="{FF2B5EF4-FFF2-40B4-BE49-F238E27FC236}">
-                <a16:creationId xmlns="" xmlns:a16="http://schemas.microsoft.com/office/drawing/2014/main" id="{404C97DE-AF89-405F-BC62-B7DE4D1E837C}"/>
-              </a:ext>
+              <a:ext uri="{FF2B5EF4-FFF2-40B4-BE49-F238E27FC236}"/>
             </a:extLst>
           </p:cNvPr>
           <p:cNvSpPr>
@@ -1142,11 +1495,21 @@
         <p:spPr/>
         <p:txBody>
           <a:bodyPr/>
-          <a:lstStyle/>
-          <a:p>
-            <a:fld id="{8158D37F-AE0D-46A3-81EA-F9A968D45D2E}" type="datetimeFigureOut">
-              <a:rPr lang="de-DE" smtClean="0"/>
-              <a:t>19.06.2018</a:t>
+          <a:lstStyle>
+            <a:lvl1pPr>
+              <a:defRPr/>
+            </a:lvl1pPr>
+          </a:lstStyle>
+          <a:p>
+            <a:pPr>
+              <a:defRPr/>
+            </a:pPr>
+            <a:fld id="{E25054C9-F8DB-4621-A09D-3BAF32C79806}" type="datetimeFigureOut">
+              <a:rPr lang="de-DE"/>
+              <a:pPr>
+                <a:defRPr/>
+              </a:pPr>
+              <a:t>20.06.2018</a:t>
             </a:fld>
             <a:endParaRPr lang="de-DE"/>
           </a:p>
@@ -1156,9 +1519,7 @@
         <p:nvSpPr>
           <p:cNvPr id="5" name="Fußzeilenplatzhalter 4">
             <a:extLst>
-              <a:ext uri="{FF2B5EF4-FFF2-40B4-BE49-F238E27FC236}">
-                <a16:creationId xmlns="" xmlns:a16="http://schemas.microsoft.com/office/drawing/2014/main" id="{2BBC2463-E3CD-4CC9-B23E-5AE74B8EA9A5}"/>
-              </a:ext>
+              <a:ext uri="{FF2B5EF4-FFF2-40B4-BE49-F238E27FC236}"/>
             </a:extLst>
           </p:cNvPr>
           <p:cNvSpPr>
@@ -1171,8 +1532,15 @@
         <p:spPr/>
         <p:txBody>
           <a:bodyPr/>
-          <a:lstStyle/>
-          <a:p>
+          <a:lstStyle>
+            <a:lvl1pPr>
+              <a:defRPr/>
+            </a:lvl1pPr>
+          </a:lstStyle>
+          <a:p>
+            <a:pPr>
+              <a:defRPr/>
+            </a:pPr>
             <a:endParaRPr lang="de-DE"/>
           </a:p>
         </p:txBody>
@@ -1181,9 +1549,7 @@
         <p:nvSpPr>
           <p:cNvPr id="6" name="Foliennummernplatzhalter 5">
             <a:extLst>
-              <a:ext uri="{FF2B5EF4-FFF2-40B4-BE49-F238E27FC236}">
-                <a16:creationId xmlns="" xmlns:a16="http://schemas.microsoft.com/office/drawing/2014/main" id="{21AB4D44-147E-4C2E-9C08-15E285C4873C}"/>
-              </a:ext>
+              <a:ext uri="{FF2B5EF4-FFF2-40B4-BE49-F238E27FC236}"/>
             </a:extLst>
           </p:cNvPr>
           <p:cNvSpPr>
@@ -1196,10 +1562,20 @@
         <p:spPr/>
         <p:txBody>
           <a:bodyPr/>
-          <a:lstStyle/>
-          <a:p>
-            <a:fld id="{A2C0B978-9E72-4E00-B0A5-4C9B97B30325}" type="slidenum">
-              <a:rPr lang="de-DE" smtClean="0"/>
+          <a:lstStyle>
+            <a:lvl1pPr>
+              <a:defRPr/>
+            </a:lvl1pPr>
+          </a:lstStyle>
+          <a:p>
+            <a:pPr>
+              <a:defRPr/>
+            </a:pPr>
+            <a:fld id="{173B257B-1C95-43F1-8108-D4C0075E8E9B}" type="slidenum">
+              <a:rPr lang="de-DE"/>
+              <a:pPr>
+                <a:defRPr/>
+              </a:pPr>
               <a:t>‹Nr.›</a:t>
             </a:fld>
             <a:endParaRPr lang="de-DE"/>
@@ -1207,11 +1583,6 @@
         </p:txBody>
       </p:sp>
     </p:spTree>
-    <p:extLst>
-      <p:ext uri="{BB962C8B-B14F-4D97-AF65-F5344CB8AC3E}">
-        <p14:creationId xmlns:p14="http://schemas.microsoft.com/office/powerpoint/2010/main" val="572456065"/>
-      </p:ext>
-    </p:extLst>
   </p:cSld>
   <p:clrMapOvr>
     <a:masterClrMapping/>
@@ -1240,9 +1611,7 @@
         <p:nvSpPr>
           <p:cNvPr id="2" name="Vertikaler Titel 1">
             <a:extLst>
-              <a:ext uri="{FF2B5EF4-FFF2-40B4-BE49-F238E27FC236}">
-                <a16:creationId xmlns="" xmlns:a16="http://schemas.microsoft.com/office/drawing/2014/main" id="{330B18E3-B7AA-4E1A-8E9D-22E20A898B85}"/>
-              </a:ext>
+              <a:ext uri="{FF2B5EF4-FFF2-40B4-BE49-F238E27FC236}"/>
             </a:extLst>
           </p:cNvPr>
           <p:cNvSpPr>
@@ -1273,9 +1642,7 @@
         <p:nvSpPr>
           <p:cNvPr id="3" name="Vertikaler Textplatzhalter 2">
             <a:extLst>
-              <a:ext uri="{FF2B5EF4-FFF2-40B4-BE49-F238E27FC236}">
-                <a16:creationId xmlns="" xmlns:a16="http://schemas.microsoft.com/office/drawing/2014/main" id="{46CE4EBA-5432-4172-AD00-93D62FD8F214}"/>
-              </a:ext>
+              <a:ext uri="{FF2B5EF4-FFF2-40B4-BE49-F238E27FC236}"/>
             </a:extLst>
           </p:cNvPr>
           <p:cNvSpPr>
@@ -1335,9 +1702,7 @@
         <p:nvSpPr>
           <p:cNvPr id="4" name="Datumsplatzhalter 3">
             <a:extLst>
-              <a:ext uri="{FF2B5EF4-FFF2-40B4-BE49-F238E27FC236}">
-                <a16:creationId xmlns="" xmlns:a16="http://schemas.microsoft.com/office/drawing/2014/main" id="{D68BFE2B-1F3A-4EFD-A184-2F03FD7EE655}"/>
-              </a:ext>
+              <a:ext uri="{FF2B5EF4-FFF2-40B4-BE49-F238E27FC236}"/>
             </a:extLst>
           </p:cNvPr>
           <p:cNvSpPr>
@@ -1350,11 +1715,21 @@
         <p:spPr/>
         <p:txBody>
           <a:bodyPr/>
-          <a:lstStyle/>
-          <a:p>
-            <a:fld id="{8158D37F-AE0D-46A3-81EA-F9A968D45D2E}" type="datetimeFigureOut">
-              <a:rPr lang="de-DE" smtClean="0"/>
-              <a:t>19.06.2018</a:t>
+          <a:lstStyle>
+            <a:lvl1pPr>
+              <a:defRPr/>
+            </a:lvl1pPr>
+          </a:lstStyle>
+          <a:p>
+            <a:pPr>
+              <a:defRPr/>
+            </a:pPr>
+            <a:fld id="{DBCF65AC-072A-4361-BD58-5531DADE1154}" type="datetimeFigureOut">
+              <a:rPr lang="de-DE"/>
+              <a:pPr>
+                <a:defRPr/>
+              </a:pPr>
+              <a:t>20.06.2018</a:t>
             </a:fld>
             <a:endParaRPr lang="de-DE"/>
           </a:p>
@@ -1364,9 +1739,7 @@
         <p:nvSpPr>
           <p:cNvPr id="5" name="Fußzeilenplatzhalter 4">
             <a:extLst>
-              <a:ext uri="{FF2B5EF4-FFF2-40B4-BE49-F238E27FC236}">
-                <a16:creationId xmlns="" xmlns:a16="http://schemas.microsoft.com/office/drawing/2014/main" id="{35EB1EF0-B2CD-42BC-8D54-CC4B54123713}"/>
-              </a:ext>
+              <a:ext uri="{FF2B5EF4-FFF2-40B4-BE49-F238E27FC236}"/>
             </a:extLst>
           </p:cNvPr>
           <p:cNvSpPr>
@@ -1379,8 +1752,15 @@
         <p:spPr/>
         <p:txBody>
           <a:bodyPr/>
-          <a:lstStyle/>
-          <a:p>
+          <a:lstStyle>
+            <a:lvl1pPr>
+              <a:defRPr/>
+            </a:lvl1pPr>
+          </a:lstStyle>
+          <a:p>
+            <a:pPr>
+              <a:defRPr/>
+            </a:pPr>
             <a:endParaRPr lang="de-DE"/>
           </a:p>
         </p:txBody>
@@ -1389,9 +1769,7 @@
         <p:nvSpPr>
           <p:cNvPr id="6" name="Foliennummernplatzhalter 5">
             <a:extLst>
-              <a:ext uri="{FF2B5EF4-FFF2-40B4-BE49-F238E27FC236}">
-                <a16:creationId xmlns="" xmlns:a16="http://schemas.microsoft.com/office/drawing/2014/main" id="{305F9E1F-7E71-42B4-8DDE-F34E4D354460}"/>
-              </a:ext>
+              <a:ext uri="{FF2B5EF4-FFF2-40B4-BE49-F238E27FC236}"/>
             </a:extLst>
           </p:cNvPr>
           <p:cNvSpPr>
@@ -1404,10 +1782,20 @@
         <p:spPr/>
         <p:txBody>
           <a:bodyPr/>
-          <a:lstStyle/>
-          <a:p>
-            <a:fld id="{A2C0B978-9E72-4E00-B0A5-4C9B97B30325}" type="slidenum">
-              <a:rPr lang="de-DE" smtClean="0"/>
+          <a:lstStyle>
+            <a:lvl1pPr>
+              <a:defRPr/>
+            </a:lvl1pPr>
+          </a:lstStyle>
+          <a:p>
+            <a:pPr>
+              <a:defRPr/>
+            </a:pPr>
+            <a:fld id="{D13BAB5B-5FB0-4A60-8F22-6765F6364E69}" type="slidenum">
+              <a:rPr lang="de-DE"/>
+              <a:pPr>
+                <a:defRPr/>
+              </a:pPr>
               <a:t>‹Nr.›</a:t>
             </a:fld>
             <a:endParaRPr lang="de-DE"/>
@@ -1415,11 +1803,6 @@
         </p:txBody>
       </p:sp>
     </p:spTree>
-    <p:extLst>
-      <p:ext uri="{BB962C8B-B14F-4D97-AF65-F5344CB8AC3E}">
-        <p14:creationId xmlns:p14="http://schemas.microsoft.com/office/powerpoint/2010/main" val="1861708544"/>
-      </p:ext>
-    </p:extLst>
   </p:cSld>
   <p:clrMapOvr>
     <a:masterClrMapping/>
@@ -1448,9 +1831,7 @@
         <p:nvSpPr>
           <p:cNvPr id="2" name="Titel 1">
             <a:extLst>
-              <a:ext uri="{FF2B5EF4-FFF2-40B4-BE49-F238E27FC236}">
-                <a16:creationId xmlns="" xmlns:a16="http://schemas.microsoft.com/office/drawing/2014/main" id="{6F1505F8-FE3C-49CF-AE21-6C5AA5F088F0}"/>
-              </a:ext>
+              <a:ext uri="{FF2B5EF4-FFF2-40B4-BE49-F238E27FC236}"/>
             </a:extLst>
           </p:cNvPr>
           <p:cNvSpPr>
@@ -1476,9 +1857,7 @@
         <p:nvSpPr>
           <p:cNvPr id="3" name="Inhaltsplatzhalter 2">
             <a:extLst>
-              <a:ext uri="{FF2B5EF4-FFF2-40B4-BE49-F238E27FC236}">
-                <a16:creationId xmlns="" xmlns:a16="http://schemas.microsoft.com/office/drawing/2014/main" id="{8DD2B2CA-3650-481D-81E6-C32BB6364252}"/>
-              </a:ext>
+              <a:ext uri="{FF2B5EF4-FFF2-40B4-BE49-F238E27FC236}"/>
             </a:extLst>
           </p:cNvPr>
           <p:cNvSpPr>
@@ -1533,9 +1912,7 @@
         <p:nvSpPr>
           <p:cNvPr id="4" name="Datumsplatzhalter 3">
             <a:extLst>
-              <a:ext uri="{FF2B5EF4-FFF2-40B4-BE49-F238E27FC236}">
-                <a16:creationId xmlns="" xmlns:a16="http://schemas.microsoft.com/office/drawing/2014/main" id="{D03A75FD-8D33-47BC-BD5C-F841094542E1}"/>
-              </a:ext>
+              <a:ext uri="{FF2B5EF4-FFF2-40B4-BE49-F238E27FC236}"/>
             </a:extLst>
           </p:cNvPr>
           <p:cNvSpPr>
@@ -1548,11 +1925,21 @@
         <p:spPr/>
         <p:txBody>
           <a:bodyPr/>
-          <a:lstStyle/>
-          <a:p>
-            <a:fld id="{8158D37F-AE0D-46A3-81EA-F9A968D45D2E}" type="datetimeFigureOut">
-              <a:rPr lang="de-DE" smtClean="0"/>
-              <a:t>19.06.2018</a:t>
+          <a:lstStyle>
+            <a:lvl1pPr>
+              <a:defRPr/>
+            </a:lvl1pPr>
+          </a:lstStyle>
+          <a:p>
+            <a:pPr>
+              <a:defRPr/>
+            </a:pPr>
+            <a:fld id="{D919C4DD-31A9-433F-A965-D9309D54CBEC}" type="datetimeFigureOut">
+              <a:rPr lang="de-DE"/>
+              <a:pPr>
+                <a:defRPr/>
+              </a:pPr>
+              <a:t>20.06.2018</a:t>
             </a:fld>
             <a:endParaRPr lang="de-DE"/>
           </a:p>
@@ -1562,9 +1949,7 @@
         <p:nvSpPr>
           <p:cNvPr id="5" name="Fußzeilenplatzhalter 4">
             <a:extLst>
-              <a:ext uri="{FF2B5EF4-FFF2-40B4-BE49-F238E27FC236}">
-                <a16:creationId xmlns="" xmlns:a16="http://schemas.microsoft.com/office/drawing/2014/main" id="{F28CBDA3-770C-40AC-A420-7491C5890C03}"/>
-              </a:ext>
+              <a:ext uri="{FF2B5EF4-FFF2-40B4-BE49-F238E27FC236}"/>
             </a:extLst>
           </p:cNvPr>
           <p:cNvSpPr>
@@ -1577,8 +1962,15 @@
         <p:spPr/>
         <p:txBody>
           <a:bodyPr/>
-          <a:lstStyle/>
-          <a:p>
+          <a:lstStyle>
+            <a:lvl1pPr>
+              <a:defRPr/>
+            </a:lvl1pPr>
+          </a:lstStyle>
+          <a:p>
+            <a:pPr>
+              <a:defRPr/>
+            </a:pPr>
             <a:endParaRPr lang="de-DE"/>
           </a:p>
         </p:txBody>
@@ -1587,9 +1979,7 @@
         <p:nvSpPr>
           <p:cNvPr id="6" name="Foliennummernplatzhalter 5">
             <a:extLst>
-              <a:ext uri="{FF2B5EF4-FFF2-40B4-BE49-F238E27FC236}">
-                <a16:creationId xmlns="" xmlns:a16="http://schemas.microsoft.com/office/drawing/2014/main" id="{13F1AE95-4281-49B7-8AB9-00AA1330B290}"/>
-              </a:ext>
+              <a:ext uri="{FF2B5EF4-FFF2-40B4-BE49-F238E27FC236}"/>
             </a:extLst>
           </p:cNvPr>
           <p:cNvSpPr>
@@ -1602,10 +1992,20 @@
         <p:spPr/>
         <p:txBody>
           <a:bodyPr/>
-          <a:lstStyle/>
-          <a:p>
-            <a:fld id="{A2C0B978-9E72-4E00-B0A5-4C9B97B30325}" type="slidenum">
-              <a:rPr lang="de-DE" smtClean="0"/>
+          <a:lstStyle>
+            <a:lvl1pPr>
+              <a:defRPr/>
+            </a:lvl1pPr>
+          </a:lstStyle>
+          <a:p>
+            <a:pPr>
+              <a:defRPr/>
+            </a:pPr>
+            <a:fld id="{FAF1A8F4-5295-45BB-AA05-A888893D844F}" type="slidenum">
+              <a:rPr lang="de-DE"/>
+              <a:pPr>
+                <a:defRPr/>
+              </a:pPr>
               <a:t>‹Nr.›</a:t>
             </a:fld>
             <a:endParaRPr lang="de-DE"/>
@@ -1613,11 +2013,6 @@
         </p:txBody>
       </p:sp>
     </p:spTree>
-    <p:extLst>
-      <p:ext uri="{BB962C8B-B14F-4D97-AF65-F5344CB8AC3E}">
-        <p14:creationId xmlns:p14="http://schemas.microsoft.com/office/powerpoint/2010/main" val="2681373921"/>
-      </p:ext>
-    </p:extLst>
   </p:cSld>
   <p:clrMapOvr>
     <a:masterClrMapping/>
@@ -1646,9 +2041,7 @@
         <p:nvSpPr>
           <p:cNvPr id="2" name="Titel 1">
             <a:extLst>
-              <a:ext uri="{FF2B5EF4-FFF2-40B4-BE49-F238E27FC236}">
-                <a16:creationId xmlns="" xmlns:a16="http://schemas.microsoft.com/office/drawing/2014/main" id="{07080C45-174C-453B-8D97-B433562D95A0}"/>
-              </a:ext>
+              <a:ext uri="{FF2B5EF4-FFF2-40B4-BE49-F238E27FC236}"/>
             </a:extLst>
           </p:cNvPr>
           <p:cNvSpPr>
@@ -1683,9 +2076,7 @@
         <p:nvSpPr>
           <p:cNvPr id="3" name="Textplatzhalter 2">
             <a:extLst>
-              <a:ext uri="{FF2B5EF4-FFF2-40B4-BE49-F238E27FC236}">
-                <a16:creationId xmlns="" xmlns:a16="http://schemas.microsoft.com/office/drawing/2014/main" id="{EB02B442-DFC9-4403-9D80-B337B189978B}"/>
-              </a:ext>
+              <a:ext uri="{FF2B5EF4-FFF2-40B4-BE49-F238E27FC236}"/>
             </a:extLst>
           </p:cNvPr>
           <p:cNvSpPr>
@@ -1808,9 +2199,7 @@
         <p:nvSpPr>
           <p:cNvPr id="4" name="Datumsplatzhalter 3">
             <a:extLst>
-              <a:ext uri="{FF2B5EF4-FFF2-40B4-BE49-F238E27FC236}">
-                <a16:creationId xmlns="" xmlns:a16="http://schemas.microsoft.com/office/drawing/2014/main" id="{44DED9BF-6583-4437-9895-8C3BBEE35FE1}"/>
-              </a:ext>
+              <a:ext uri="{FF2B5EF4-FFF2-40B4-BE49-F238E27FC236}"/>
             </a:extLst>
           </p:cNvPr>
           <p:cNvSpPr>
@@ -1823,11 +2212,21 @@
         <p:spPr/>
         <p:txBody>
           <a:bodyPr/>
-          <a:lstStyle/>
-          <a:p>
-            <a:fld id="{8158D37F-AE0D-46A3-81EA-F9A968D45D2E}" type="datetimeFigureOut">
-              <a:rPr lang="de-DE" smtClean="0"/>
-              <a:t>19.06.2018</a:t>
+          <a:lstStyle>
+            <a:lvl1pPr>
+              <a:defRPr/>
+            </a:lvl1pPr>
+          </a:lstStyle>
+          <a:p>
+            <a:pPr>
+              <a:defRPr/>
+            </a:pPr>
+            <a:fld id="{9E777F09-6CDA-429D-BC05-F8EED99335A2}" type="datetimeFigureOut">
+              <a:rPr lang="de-DE"/>
+              <a:pPr>
+                <a:defRPr/>
+              </a:pPr>
+              <a:t>20.06.2018</a:t>
             </a:fld>
             <a:endParaRPr lang="de-DE"/>
           </a:p>
@@ -1837,9 +2236,7 @@
         <p:nvSpPr>
           <p:cNvPr id="5" name="Fußzeilenplatzhalter 4">
             <a:extLst>
-              <a:ext uri="{FF2B5EF4-FFF2-40B4-BE49-F238E27FC236}">
-                <a16:creationId xmlns="" xmlns:a16="http://schemas.microsoft.com/office/drawing/2014/main" id="{9AB4EEE3-661D-468F-BB1B-3C267670E310}"/>
-              </a:ext>
+              <a:ext uri="{FF2B5EF4-FFF2-40B4-BE49-F238E27FC236}"/>
             </a:extLst>
           </p:cNvPr>
           <p:cNvSpPr>
@@ -1852,8 +2249,15 @@
         <p:spPr/>
         <p:txBody>
           <a:bodyPr/>
-          <a:lstStyle/>
-          <a:p>
+          <a:lstStyle>
+            <a:lvl1pPr>
+              <a:defRPr/>
+            </a:lvl1pPr>
+          </a:lstStyle>
+          <a:p>
+            <a:pPr>
+              <a:defRPr/>
+            </a:pPr>
             <a:endParaRPr lang="de-DE"/>
           </a:p>
         </p:txBody>
@@ -1862,9 +2266,7 @@
         <p:nvSpPr>
           <p:cNvPr id="6" name="Foliennummernplatzhalter 5">
             <a:extLst>
-              <a:ext uri="{FF2B5EF4-FFF2-40B4-BE49-F238E27FC236}">
-                <a16:creationId xmlns="" xmlns:a16="http://schemas.microsoft.com/office/drawing/2014/main" id="{63423D40-30D3-4935-AE09-B496E83AF011}"/>
-              </a:ext>
+              <a:ext uri="{FF2B5EF4-FFF2-40B4-BE49-F238E27FC236}"/>
             </a:extLst>
           </p:cNvPr>
           <p:cNvSpPr>
@@ -1877,10 +2279,20 @@
         <p:spPr/>
         <p:txBody>
           <a:bodyPr/>
-          <a:lstStyle/>
-          <a:p>
-            <a:fld id="{A2C0B978-9E72-4E00-B0A5-4C9B97B30325}" type="slidenum">
-              <a:rPr lang="de-DE" smtClean="0"/>
+          <a:lstStyle>
+            <a:lvl1pPr>
+              <a:defRPr/>
+            </a:lvl1pPr>
+          </a:lstStyle>
+          <a:p>
+            <a:pPr>
+              <a:defRPr/>
+            </a:pPr>
+            <a:fld id="{E7D6B325-1FF1-4BE4-96E7-56E85C7FA49C}" type="slidenum">
+              <a:rPr lang="de-DE"/>
+              <a:pPr>
+                <a:defRPr/>
+              </a:pPr>
               <a:t>‹Nr.›</a:t>
             </a:fld>
             <a:endParaRPr lang="de-DE"/>
@@ -1888,11 +2300,6 @@
         </p:txBody>
       </p:sp>
     </p:spTree>
-    <p:extLst>
-      <p:ext uri="{BB962C8B-B14F-4D97-AF65-F5344CB8AC3E}">
-        <p14:creationId xmlns:p14="http://schemas.microsoft.com/office/powerpoint/2010/main" val="574533265"/>
-      </p:ext>
-    </p:extLst>
   </p:cSld>
   <p:clrMapOvr>
     <a:masterClrMapping/>
@@ -1921,9 +2328,7 @@
         <p:nvSpPr>
           <p:cNvPr id="2" name="Titel 1">
             <a:extLst>
-              <a:ext uri="{FF2B5EF4-FFF2-40B4-BE49-F238E27FC236}">
-                <a16:creationId xmlns="" xmlns:a16="http://schemas.microsoft.com/office/drawing/2014/main" id="{8E2836AF-5FD5-4D88-8EA5-C418613CEB1E}"/>
-              </a:ext>
+              <a:ext uri="{FF2B5EF4-FFF2-40B4-BE49-F238E27FC236}"/>
             </a:extLst>
           </p:cNvPr>
           <p:cNvSpPr>
@@ -1949,9 +2354,7 @@
         <p:nvSpPr>
           <p:cNvPr id="3" name="Inhaltsplatzhalter 2">
             <a:extLst>
-              <a:ext uri="{FF2B5EF4-FFF2-40B4-BE49-F238E27FC236}">
-                <a16:creationId xmlns="" xmlns:a16="http://schemas.microsoft.com/office/drawing/2014/main" id="{8AA2CD94-90DA-4B86-9ED7-6690FFAA81D6}"/>
-              </a:ext>
+              <a:ext uri="{FF2B5EF4-FFF2-40B4-BE49-F238E27FC236}"/>
             </a:extLst>
           </p:cNvPr>
           <p:cNvSpPr>
@@ -2011,9 +2414,7 @@
         <p:nvSpPr>
           <p:cNvPr id="4" name="Inhaltsplatzhalter 3">
             <a:extLst>
-              <a:ext uri="{FF2B5EF4-FFF2-40B4-BE49-F238E27FC236}">
-                <a16:creationId xmlns="" xmlns:a16="http://schemas.microsoft.com/office/drawing/2014/main" id="{CFBFD70C-FEBB-45E1-A557-C4A8498357B1}"/>
-              </a:ext>
+              <a:ext uri="{FF2B5EF4-FFF2-40B4-BE49-F238E27FC236}"/>
             </a:extLst>
           </p:cNvPr>
           <p:cNvSpPr>
@@ -2071,11 +2472,9 @@
       </p:sp>
       <p:sp>
         <p:nvSpPr>
-          <p:cNvPr id="5" name="Datumsplatzhalter 4">
+          <p:cNvPr id="5" name="Datumsplatzhalter 3">
             <a:extLst>
-              <a:ext uri="{FF2B5EF4-FFF2-40B4-BE49-F238E27FC236}">
-                <a16:creationId xmlns="" xmlns:a16="http://schemas.microsoft.com/office/drawing/2014/main" id="{649C06EB-045F-4F4A-BBF1-31A43C0DCAF6}"/>
-              </a:ext>
+              <a:ext uri="{FF2B5EF4-FFF2-40B4-BE49-F238E27FC236}"/>
             </a:extLst>
           </p:cNvPr>
           <p:cNvSpPr>
@@ -2088,11 +2487,21 @@
         <p:spPr/>
         <p:txBody>
           <a:bodyPr/>
-          <a:lstStyle/>
-          <a:p>
-            <a:fld id="{8158D37F-AE0D-46A3-81EA-F9A968D45D2E}" type="datetimeFigureOut">
-              <a:rPr lang="de-DE" smtClean="0"/>
-              <a:t>19.06.2018</a:t>
+          <a:lstStyle>
+            <a:lvl1pPr>
+              <a:defRPr/>
+            </a:lvl1pPr>
+          </a:lstStyle>
+          <a:p>
+            <a:pPr>
+              <a:defRPr/>
+            </a:pPr>
+            <a:fld id="{C7D87235-237B-48E6-919B-4C937E38B6F7}" type="datetimeFigureOut">
+              <a:rPr lang="de-DE"/>
+              <a:pPr>
+                <a:defRPr/>
+              </a:pPr>
+              <a:t>20.06.2018</a:t>
             </a:fld>
             <a:endParaRPr lang="de-DE"/>
           </a:p>
@@ -2100,11 +2509,9 @@
       </p:sp>
       <p:sp>
         <p:nvSpPr>
-          <p:cNvPr id="6" name="Fußzeilenplatzhalter 5">
+          <p:cNvPr id="6" name="Fußzeilenplatzhalter 4">
             <a:extLst>
-              <a:ext uri="{FF2B5EF4-FFF2-40B4-BE49-F238E27FC236}">
-                <a16:creationId xmlns="" xmlns:a16="http://schemas.microsoft.com/office/drawing/2014/main" id="{CEDEDAFA-04DC-48B8-A4E8-E46221B81A10}"/>
-              </a:ext>
+              <a:ext uri="{FF2B5EF4-FFF2-40B4-BE49-F238E27FC236}"/>
             </a:extLst>
           </p:cNvPr>
           <p:cNvSpPr>
@@ -2117,19 +2524,24 @@
         <p:spPr/>
         <p:txBody>
           <a:bodyPr/>
-          <a:lstStyle/>
-          <a:p>
+          <a:lstStyle>
+            <a:lvl1pPr>
+              <a:defRPr/>
+            </a:lvl1pPr>
+          </a:lstStyle>
+          <a:p>
+            <a:pPr>
+              <a:defRPr/>
+            </a:pPr>
             <a:endParaRPr lang="de-DE"/>
           </a:p>
         </p:txBody>
       </p:sp>
       <p:sp>
         <p:nvSpPr>
-          <p:cNvPr id="7" name="Foliennummernplatzhalter 6">
+          <p:cNvPr id="7" name="Foliennummernplatzhalter 5">
             <a:extLst>
-              <a:ext uri="{FF2B5EF4-FFF2-40B4-BE49-F238E27FC236}">
-                <a16:creationId xmlns="" xmlns:a16="http://schemas.microsoft.com/office/drawing/2014/main" id="{DEF85FE7-3D8D-4191-BE26-ECDE7BE2D0F5}"/>
-              </a:ext>
+              <a:ext uri="{FF2B5EF4-FFF2-40B4-BE49-F238E27FC236}"/>
             </a:extLst>
           </p:cNvPr>
           <p:cNvSpPr>
@@ -2142,10 +2554,20 @@
         <p:spPr/>
         <p:txBody>
           <a:bodyPr/>
-          <a:lstStyle/>
-          <a:p>
-            <a:fld id="{A2C0B978-9E72-4E00-B0A5-4C9B97B30325}" type="slidenum">
-              <a:rPr lang="de-DE" smtClean="0"/>
+          <a:lstStyle>
+            <a:lvl1pPr>
+              <a:defRPr/>
+            </a:lvl1pPr>
+          </a:lstStyle>
+          <a:p>
+            <a:pPr>
+              <a:defRPr/>
+            </a:pPr>
+            <a:fld id="{AE3A0618-23C8-4DA1-996E-4C2EDF6E15F4}" type="slidenum">
+              <a:rPr lang="de-DE"/>
+              <a:pPr>
+                <a:defRPr/>
+              </a:pPr>
               <a:t>‹Nr.›</a:t>
             </a:fld>
             <a:endParaRPr lang="de-DE"/>
@@ -2153,11 +2575,6 @@
         </p:txBody>
       </p:sp>
     </p:spTree>
-    <p:extLst>
-      <p:ext uri="{BB962C8B-B14F-4D97-AF65-F5344CB8AC3E}">
-        <p14:creationId xmlns:p14="http://schemas.microsoft.com/office/powerpoint/2010/main" val="1253229485"/>
-      </p:ext>
-    </p:extLst>
   </p:cSld>
   <p:clrMapOvr>
     <a:masterClrMapping/>
@@ -2186,9 +2603,7 @@
         <p:nvSpPr>
           <p:cNvPr id="2" name="Titel 1">
             <a:extLst>
-              <a:ext uri="{FF2B5EF4-FFF2-40B4-BE49-F238E27FC236}">
-                <a16:creationId xmlns="" xmlns:a16="http://schemas.microsoft.com/office/drawing/2014/main" id="{B19C5BF1-525A-49A7-BD60-27EC0E02E82D}"/>
-              </a:ext>
+              <a:ext uri="{FF2B5EF4-FFF2-40B4-BE49-F238E27FC236}"/>
             </a:extLst>
           </p:cNvPr>
           <p:cNvSpPr>
@@ -2219,9 +2634,7 @@
         <p:nvSpPr>
           <p:cNvPr id="3" name="Textplatzhalter 2">
             <a:extLst>
-              <a:ext uri="{FF2B5EF4-FFF2-40B4-BE49-F238E27FC236}">
-                <a16:creationId xmlns="" xmlns:a16="http://schemas.microsoft.com/office/drawing/2014/main" id="{CA52EF98-A8D0-4345-B2E4-1511EDCA40B0}"/>
-              </a:ext>
+              <a:ext uri="{FF2B5EF4-FFF2-40B4-BE49-F238E27FC236}"/>
             </a:extLst>
           </p:cNvPr>
           <p:cNvSpPr>
@@ -2290,9 +2703,7 @@
         <p:nvSpPr>
           <p:cNvPr id="4" name="Inhaltsplatzhalter 3">
             <a:extLst>
-              <a:ext uri="{FF2B5EF4-FFF2-40B4-BE49-F238E27FC236}">
-                <a16:creationId xmlns="" xmlns:a16="http://schemas.microsoft.com/office/drawing/2014/main" id="{C3E8397B-06EC-4F84-BAC1-93D90E1FB93C}"/>
-              </a:ext>
+              <a:ext uri="{FF2B5EF4-FFF2-40B4-BE49-F238E27FC236}"/>
             </a:extLst>
           </p:cNvPr>
           <p:cNvSpPr>
@@ -2352,9 +2763,7 @@
         <p:nvSpPr>
           <p:cNvPr id="5" name="Textplatzhalter 4">
             <a:extLst>
-              <a:ext uri="{FF2B5EF4-FFF2-40B4-BE49-F238E27FC236}">
-                <a16:creationId xmlns="" xmlns:a16="http://schemas.microsoft.com/office/drawing/2014/main" id="{8BCF832A-0855-4EDD-94E0-9BD4DE9AA8E0}"/>
-              </a:ext>
+              <a:ext uri="{FF2B5EF4-FFF2-40B4-BE49-F238E27FC236}"/>
             </a:extLst>
           </p:cNvPr>
           <p:cNvSpPr>
@@ -2423,9 +2832,7 @@
         <p:nvSpPr>
           <p:cNvPr id="6" name="Inhaltsplatzhalter 5">
             <a:extLst>
-              <a:ext uri="{FF2B5EF4-FFF2-40B4-BE49-F238E27FC236}">
-                <a16:creationId xmlns="" xmlns:a16="http://schemas.microsoft.com/office/drawing/2014/main" id="{EFC8BDC3-7DBF-4F47-8FF8-A07F2FD51C05}"/>
-              </a:ext>
+              <a:ext uri="{FF2B5EF4-FFF2-40B4-BE49-F238E27FC236}"/>
             </a:extLst>
           </p:cNvPr>
           <p:cNvSpPr>
@@ -2483,11 +2890,9 @@
       </p:sp>
       <p:sp>
         <p:nvSpPr>
-          <p:cNvPr id="7" name="Datumsplatzhalter 6">
+          <p:cNvPr id="7" name="Datumsplatzhalter 3">
             <a:extLst>
-              <a:ext uri="{FF2B5EF4-FFF2-40B4-BE49-F238E27FC236}">
-                <a16:creationId xmlns="" xmlns:a16="http://schemas.microsoft.com/office/drawing/2014/main" id="{8FF08FF4-34EA-4621-B7C9-35D21A01B490}"/>
-              </a:ext>
+              <a:ext uri="{FF2B5EF4-FFF2-40B4-BE49-F238E27FC236}"/>
             </a:extLst>
           </p:cNvPr>
           <p:cNvSpPr>
@@ -2500,11 +2905,21 @@
         <p:spPr/>
         <p:txBody>
           <a:bodyPr/>
-          <a:lstStyle/>
-          <a:p>
-            <a:fld id="{8158D37F-AE0D-46A3-81EA-F9A968D45D2E}" type="datetimeFigureOut">
-              <a:rPr lang="de-DE" smtClean="0"/>
-              <a:t>19.06.2018</a:t>
+          <a:lstStyle>
+            <a:lvl1pPr>
+              <a:defRPr/>
+            </a:lvl1pPr>
+          </a:lstStyle>
+          <a:p>
+            <a:pPr>
+              <a:defRPr/>
+            </a:pPr>
+            <a:fld id="{5AF81A46-0AA9-4690-AD93-1D9204B253D3}" type="datetimeFigureOut">
+              <a:rPr lang="de-DE"/>
+              <a:pPr>
+                <a:defRPr/>
+              </a:pPr>
+              <a:t>20.06.2018</a:t>
             </a:fld>
             <a:endParaRPr lang="de-DE"/>
           </a:p>
@@ -2512,11 +2927,9 @@
       </p:sp>
       <p:sp>
         <p:nvSpPr>
-          <p:cNvPr id="8" name="Fußzeilenplatzhalter 7">
+          <p:cNvPr id="8" name="Fußzeilenplatzhalter 4">
             <a:extLst>
-              <a:ext uri="{FF2B5EF4-FFF2-40B4-BE49-F238E27FC236}">
-                <a16:creationId xmlns="" xmlns:a16="http://schemas.microsoft.com/office/drawing/2014/main" id="{BF80F7F0-752C-4113-868E-F54107458899}"/>
-              </a:ext>
+              <a:ext uri="{FF2B5EF4-FFF2-40B4-BE49-F238E27FC236}"/>
             </a:extLst>
           </p:cNvPr>
           <p:cNvSpPr>
@@ -2529,19 +2942,24 @@
         <p:spPr/>
         <p:txBody>
           <a:bodyPr/>
-          <a:lstStyle/>
-          <a:p>
+          <a:lstStyle>
+            <a:lvl1pPr>
+              <a:defRPr/>
+            </a:lvl1pPr>
+          </a:lstStyle>
+          <a:p>
+            <a:pPr>
+              <a:defRPr/>
+            </a:pPr>
             <a:endParaRPr lang="de-DE"/>
           </a:p>
         </p:txBody>
       </p:sp>
       <p:sp>
         <p:nvSpPr>
-          <p:cNvPr id="9" name="Foliennummernplatzhalter 8">
+          <p:cNvPr id="9" name="Foliennummernplatzhalter 5">
             <a:extLst>
-              <a:ext uri="{FF2B5EF4-FFF2-40B4-BE49-F238E27FC236}">
-                <a16:creationId xmlns="" xmlns:a16="http://schemas.microsoft.com/office/drawing/2014/main" id="{A2458472-6FCB-489F-8391-98D70DD4BBC2}"/>
-              </a:ext>
+              <a:ext uri="{FF2B5EF4-FFF2-40B4-BE49-F238E27FC236}"/>
             </a:extLst>
           </p:cNvPr>
           <p:cNvSpPr>
@@ -2554,10 +2972,20 @@
         <p:spPr/>
         <p:txBody>
           <a:bodyPr/>
-          <a:lstStyle/>
-          <a:p>
-            <a:fld id="{A2C0B978-9E72-4E00-B0A5-4C9B97B30325}" type="slidenum">
-              <a:rPr lang="de-DE" smtClean="0"/>
+          <a:lstStyle>
+            <a:lvl1pPr>
+              <a:defRPr/>
+            </a:lvl1pPr>
+          </a:lstStyle>
+          <a:p>
+            <a:pPr>
+              <a:defRPr/>
+            </a:pPr>
+            <a:fld id="{D6FC7DCA-3FD0-4435-B937-F9236E677DA7}" type="slidenum">
+              <a:rPr lang="de-DE"/>
+              <a:pPr>
+                <a:defRPr/>
+              </a:pPr>
               <a:t>‹Nr.›</a:t>
             </a:fld>
             <a:endParaRPr lang="de-DE"/>
@@ -2565,11 +2993,6 @@
         </p:txBody>
       </p:sp>
     </p:spTree>
-    <p:extLst>
-      <p:ext uri="{BB962C8B-B14F-4D97-AF65-F5344CB8AC3E}">
-        <p14:creationId xmlns:p14="http://schemas.microsoft.com/office/powerpoint/2010/main" val="3916496671"/>
-      </p:ext>
-    </p:extLst>
   </p:cSld>
   <p:clrMapOvr>
     <a:masterClrMapping/>
@@ -2598,9 +3021,7 @@
         <p:nvSpPr>
           <p:cNvPr id="2" name="Titel 1">
             <a:extLst>
-              <a:ext uri="{FF2B5EF4-FFF2-40B4-BE49-F238E27FC236}">
-                <a16:creationId xmlns="" xmlns:a16="http://schemas.microsoft.com/office/drawing/2014/main" id="{A37A7F07-94D7-478E-BDC7-E86248C211ED}"/>
-              </a:ext>
+              <a:ext uri="{FF2B5EF4-FFF2-40B4-BE49-F238E27FC236}"/>
             </a:extLst>
           </p:cNvPr>
           <p:cNvSpPr>
@@ -2624,11 +3045,9 @@
       </p:sp>
       <p:sp>
         <p:nvSpPr>
-          <p:cNvPr id="3" name="Datumsplatzhalter 2">
+          <p:cNvPr id="3" name="Datumsplatzhalter 3">
             <a:extLst>
-              <a:ext uri="{FF2B5EF4-FFF2-40B4-BE49-F238E27FC236}">
-                <a16:creationId xmlns="" xmlns:a16="http://schemas.microsoft.com/office/drawing/2014/main" id="{9AA9E15A-65C2-40FB-9B68-4B9BAC0CD09B}"/>
-              </a:ext>
+              <a:ext uri="{FF2B5EF4-FFF2-40B4-BE49-F238E27FC236}"/>
             </a:extLst>
           </p:cNvPr>
           <p:cNvSpPr>
@@ -2641,11 +3060,21 @@
         <p:spPr/>
         <p:txBody>
           <a:bodyPr/>
-          <a:lstStyle/>
-          <a:p>
-            <a:fld id="{8158D37F-AE0D-46A3-81EA-F9A968D45D2E}" type="datetimeFigureOut">
-              <a:rPr lang="de-DE" smtClean="0"/>
-              <a:t>19.06.2018</a:t>
+          <a:lstStyle>
+            <a:lvl1pPr>
+              <a:defRPr/>
+            </a:lvl1pPr>
+          </a:lstStyle>
+          <a:p>
+            <a:pPr>
+              <a:defRPr/>
+            </a:pPr>
+            <a:fld id="{63B2C638-40EF-4FB1-A4E7-99C255AECECB}" type="datetimeFigureOut">
+              <a:rPr lang="de-DE"/>
+              <a:pPr>
+                <a:defRPr/>
+              </a:pPr>
+              <a:t>20.06.2018</a:t>
             </a:fld>
             <a:endParaRPr lang="de-DE"/>
           </a:p>
@@ -2653,11 +3082,9 @@
       </p:sp>
       <p:sp>
         <p:nvSpPr>
-          <p:cNvPr id="4" name="Fußzeilenplatzhalter 3">
+          <p:cNvPr id="4" name="Fußzeilenplatzhalter 4">
             <a:extLst>
-              <a:ext uri="{FF2B5EF4-FFF2-40B4-BE49-F238E27FC236}">
-                <a16:creationId xmlns="" xmlns:a16="http://schemas.microsoft.com/office/drawing/2014/main" id="{9E03A6AF-EEF7-4A66-BECC-13DEC596FAFD}"/>
-              </a:ext>
+              <a:ext uri="{FF2B5EF4-FFF2-40B4-BE49-F238E27FC236}"/>
             </a:extLst>
           </p:cNvPr>
           <p:cNvSpPr>
@@ -2670,19 +3097,24 @@
         <p:spPr/>
         <p:txBody>
           <a:bodyPr/>
-          <a:lstStyle/>
-          <a:p>
+          <a:lstStyle>
+            <a:lvl1pPr>
+              <a:defRPr/>
+            </a:lvl1pPr>
+          </a:lstStyle>
+          <a:p>
+            <a:pPr>
+              <a:defRPr/>
+            </a:pPr>
             <a:endParaRPr lang="de-DE"/>
           </a:p>
         </p:txBody>
       </p:sp>
       <p:sp>
         <p:nvSpPr>
-          <p:cNvPr id="5" name="Foliennummernplatzhalter 4">
+          <p:cNvPr id="5" name="Foliennummernplatzhalter 5">
             <a:extLst>
-              <a:ext uri="{FF2B5EF4-FFF2-40B4-BE49-F238E27FC236}">
-                <a16:creationId xmlns="" xmlns:a16="http://schemas.microsoft.com/office/drawing/2014/main" id="{306925E2-924F-495A-8C6E-06820835269F}"/>
-              </a:ext>
+              <a:ext uri="{FF2B5EF4-FFF2-40B4-BE49-F238E27FC236}"/>
             </a:extLst>
           </p:cNvPr>
           <p:cNvSpPr>
@@ -2695,10 +3127,20 @@
         <p:spPr/>
         <p:txBody>
           <a:bodyPr/>
-          <a:lstStyle/>
-          <a:p>
-            <a:fld id="{A2C0B978-9E72-4E00-B0A5-4C9B97B30325}" type="slidenum">
-              <a:rPr lang="de-DE" smtClean="0"/>
+          <a:lstStyle>
+            <a:lvl1pPr>
+              <a:defRPr/>
+            </a:lvl1pPr>
+          </a:lstStyle>
+          <a:p>
+            <a:pPr>
+              <a:defRPr/>
+            </a:pPr>
+            <a:fld id="{EAF2064A-B01D-411F-9E8A-BD8363AC24F2}" type="slidenum">
+              <a:rPr lang="de-DE"/>
+              <a:pPr>
+                <a:defRPr/>
+              </a:pPr>
               <a:t>‹Nr.›</a:t>
             </a:fld>
             <a:endParaRPr lang="de-DE"/>
@@ -2706,11 +3148,6 @@
         </p:txBody>
       </p:sp>
     </p:spTree>
-    <p:extLst>
-      <p:ext uri="{BB962C8B-B14F-4D97-AF65-F5344CB8AC3E}">
-        <p14:creationId xmlns:p14="http://schemas.microsoft.com/office/powerpoint/2010/main" val="2248628530"/>
-      </p:ext>
-    </p:extLst>
   </p:cSld>
   <p:clrMapOvr>
     <a:masterClrMapping/>
@@ -2737,11 +3174,9 @@
       </p:grpSpPr>
       <p:sp>
         <p:nvSpPr>
-          <p:cNvPr id="2" name="Datumsplatzhalter 1">
+          <p:cNvPr id="2" name="Datumsplatzhalter 3">
             <a:extLst>
-              <a:ext uri="{FF2B5EF4-FFF2-40B4-BE49-F238E27FC236}">
-                <a16:creationId xmlns="" xmlns:a16="http://schemas.microsoft.com/office/drawing/2014/main" id="{C32D2923-770D-43E6-AA8E-C648047757DD}"/>
-              </a:ext>
+              <a:ext uri="{FF2B5EF4-FFF2-40B4-BE49-F238E27FC236}"/>
             </a:extLst>
           </p:cNvPr>
           <p:cNvSpPr>
@@ -2754,11 +3189,21 @@
         <p:spPr/>
         <p:txBody>
           <a:bodyPr/>
-          <a:lstStyle/>
-          <a:p>
-            <a:fld id="{8158D37F-AE0D-46A3-81EA-F9A968D45D2E}" type="datetimeFigureOut">
-              <a:rPr lang="de-DE" smtClean="0"/>
-              <a:t>19.06.2018</a:t>
+          <a:lstStyle>
+            <a:lvl1pPr>
+              <a:defRPr/>
+            </a:lvl1pPr>
+          </a:lstStyle>
+          <a:p>
+            <a:pPr>
+              <a:defRPr/>
+            </a:pPr>
+            <a:fld id="{6FE35F03-DAF1-4307-A7C2-4B102253659E}" type="datetimeFigureOut">
+              <a:rPr lang="de-DE"/>
+              <a:pPr>
+                <a:defRPr/>
+              </a:pPr>
+              <a:t>20.06.2018</a:t>
             </a:fld>
             <a:endParaRPr lang="de-DE"/>
           </a:p>
@@ -2766,11 +3211,9 @@
       </p:sp>
       <p:sp>
         <p:nvSpPr>
-          <p:cNvPr id="3" name="Fußzeilenplatzhalter 2">
+          <p:cNvPr id="3" name="Fußzeilenplatzhalter 4">
             <a:extLst>
-              <a:ext uri="{FF2B5EF4-FFF2-40B4-BE49-F238E27FC236}">
-                <a16:creationId xmlns="" xmlns:a16="http://schemas.microsoft.com/office/drawing/2014/main" id="{AFEAD50B-2189-4996-A580-7FF9B54B8A74}"/>
-              </a:ext>
+              <a:ext uri="{FF2B5EF4-FFF2-40B4-BE49-F238E27FC236}"/>
             </a:extLst>
           </p:cNvPr>
           <p:cNvSpPr>
@@ -2783,19 +3226,24 @@
         <p:spPr/>
         <p:txBody>
           <a:bodyPr/>
-          <a:lstStyle/>
-          <a:p>
+          <a:lstStyle>
+            <a:lvl1pPr>
+              <a:defRPr/>
+            </a:lvl1pPr>
+          </a:lstStyle>
+          <a:p>
+            <a:pPr>
+              <a:defRPr/>
+            </a:pPr>
             <a:endParaRPr lang="de-DE"/>
           </a:p>
         </p:txBody>
       </p:sp>
       <p:sp>
         <p:nvSpPr>
-          <p:cNvPr id="4" name="Foliennummernplatzhalter 3">
+          <p:cNvPr id="4" name="Foliennummernplatzhalter 5">
             <a:extLst>
-              <a:ext uri="{FF2B5EF4-FFF2-40B4-BE49-F238E27FC236}">
-                <a16:creationId xmlns="" xmlns:a16="http://schemas.microsoft.com/office/drawing/2014/main" id="{926F8FBF-0DB7-47B5-9A8D-1D7EDE7BB278}"/>
-              </a:ext>
+              <a:ext uri="{FF2B5EF4-FFF2-40B4-BE49-F238E27FC236}"/>
             </a:extLst>
           </p:cNvPr>
           <p:cNvSpPr>
@@ -2808,10 +3256,20 @@
         <p:spPr/>
         <p:txBody>
           <a:bodyPr/>
-          <a:lstStyle/>
-          <a:p>
-            <a:fld id="{A2C0B978-9E72-4E00-B0A5-4C9B97B30325}" type="slidenum">
-              <a:rPr lang="de-DE" smtClean="0"/>
+          <a:lstStyle>
+            <a:lvl1pPr>
+              <a:defRPr/>
+            </a:lvl1pPr>
+          </a:lstStyle>
+          <a:p>
+            <a:pPr>
+              <a:defRPr/>
+            </a:pPr>
+            <a:fld id="{F454CAEA-A908-41AB-B30F-1F7F2AB51B81}" type="slidenum">
+              <a:rPr lang="de-DE"/>
+              <a:pPr>
+                <a:defRPr/>
+              </a:pPr>
               <a:t>‹Nr.›</a:t>
             </a:fld>
             <a:endParaRPr lang="de-DE"/>
@@ -2819,11 +3277,6 @@
         </p:txBody>
       </p:sp>
     </p:spTree>
-    <p:extLst>
-      <p:ext uri="{BB962C8B-B14F-4D97-AF65-F5344CB8AC3E}">
-        <p14:creationId xmlns:p14="http://schemas.microsoft.com/office/powerpoint/2010/main" val="3420733214"/>
-      </p:ext>
-    </p:extLst>
   </p:cSld>
   <p:clrMapOvr>
     <a:masterClrMapping/>
@@ -2852,9 +3305,7 @@
         <p:nvSpPr>
           <p:cNvPr id="2" name="Titel 1">
             <a:extLst>
-              <a:ext uri="{FF2B5EF4-FFF2-40B4-BE49-F238E27FC236}">
-                <a16:creationId xmlns="" xmlns:a16="http://schemas.microsoft.com/office/drawing/2014/main" id="{7F28EFD0-5A20-46E6-89D9-2A2413C132FD}"/>
-              </a:ext>
+              <a:ext uri="{FF2B5EF4-FFF2-40B4-BE49-F238E27FC236}"/>
             </a:extLst>
           </p:cNvPr>
           <p:cNvSpPr>
@@ -2889,9 +3340,7 @@
         <p:nvSpPr>
           <p:cNvPr id="3" name="Inhaltsplatzhalter 2">
             <a:extLst>
-              <a:ext uri="{FF2B5EF4-FFF2-40B4-BE49-F238E27FC236}">
-                <a16:creationId xmlns="" xmlns:a16="http://schemas.microsoft.com/office/drawing/2014/main" id="{D555C490-B0BC-4345-9E45-1D72D158F64E}"/>
-              </a:ext>
+              <a:ext uri="{FF2B5EF4-FFF2-40B4-BE49-F238E27FC236}"/>
             </a:extLst>
           </p:cNvPr>
           <p:cNvSpPr>
@@ -2979,9 +3428,7 @@
         <p:nvSpPr>
           <p:cNvPr id="4" name="Textplatzhalter 3">
             <a:extLst>
-              <a:ext uri="{FF2B5EF4-FFF2-40B4-BE49-F238E27FC236}">
-                <a16:creationId xmlns="" xmlns:a16="http://schemas.microsoft.com/office/drawing/2014/main" id="{39652C35-7E37-430F-A69C-78097FF4AC2C}"/>
-              </a:ext>
+              <a:ext uri="{FF2B5EF4-FFF2-40B4-BE49-F238E27FC236}"/>
             </a:extLst>
           </p:cNvPr>
           <p:cNvSpPr>
@@ -3048,11 +3495,9 @@
       </p:sp>
       <p:sp>
         <p:nvSpPr>
-          <p:cNvPr id="5" name="Datumsplatzhalter 4">
+          <p:cNvPr id="5" name="Datumsplatzhalter 3">
             <a:extLst>
-              <a:ext uri="{FF2B5EF4-FFF2-40B4-BE49-F238E27FC236}">
-                <a16:creationId xmlns="" xmlns:a16="http://schemas.microsoft.com/office/drawing/2014/main" id="{4BCFE1AC-47DC-4D8C-ADBA-A6A0D1E93A3A}"/>
-              </a:ext>
+              <a:ext uri="{FF2B5EF4-FFF2-40B4-BE49-F238E27FC236}"/>
             </a:extLst>
           </p:cNvPr>
           <p:cNvSpPr>
@@ -3065,11 +3510,21 @@
         <p:spPr/>
         <p:txBody>
           <a:bodyPr/>
-          <a:lstStyle/>
-          <a:p>
-            <a:fld id="{8158D37F-AE0D-46A3-81EA-F9A968D45D2E}" type="datetimeFigureOut">
-              <a:rPr lang="de-DE" smtClean="0"/>
-              <a:t>19.06.2018</a:t>
+          <a:lstStyle>
+            <a:lvl1pPr>
+              <a:defRPr/>
+            </a:lvl1pPr>
+          </a:lstStyle>
+          <a:p>
+            <a:pPr>
+              <a:defRPr/>
+            </a:pPr>
+            <a:fld id="{D6A1B3F5-83EF-4CB6-8755-600D8550046B}" type="datetimeFigureOut">
+              <a:rPr lang="de-DE"/>
+              <a:pPr>
+                <a:defRPr/>
+              </a:pPr>
+              <a:t>20.06.2018</a:t>
             </a:fld>
             <a:endParaRPr lang="de-DE"/>
           </a:p>
@@ -3077,11 +3532,9 @@
       </p:sp>
       <p:sp>
         <p:nvSpPr>
-          <p:cNvPr id="6" name="Fußzeilenplatzhalter 5">
+          <p:cNvPr id="6" name="Fußzeilenplatzhalter 4">
             <a:extLst>
-              <a:ext uri="{FF2B5EF4-FFF2-40B4-BE49-F238E27FC236}">
-                <a16:creationId xmlns="" xmlns:a16="http://schemas.microsoft.com/office/drawing/2014/main" id="{B7E04A27-30DA-48F3-9358-1332151FFE6E}"/>
-              </a:ext>
+              <a:ext uri="{FF2B5EF4-FFF2-40B4-BE49-F238E27FC236}"/>
             </a:extLst>
           </p:cNvPr>
           <p:cNvSpPr>
@@ -3094,19 +3547,24 @@
         <p:spPr/>
         <p:txBody>
           <a:bodyPr/>
-          <a:lstStyle/>
-          <a:p>
+          <a:lstStyle>
+            <a:lvl1pPr>
+              <a:defRPr/>
+            </a:lvl1pPr>
+          </a:lstStyle>
+          <a:p>
+            <a:pPr>
+              <a:defRPr/>
+            </a:pPr>
             <a:endParaRPr lang="de-DE"/>
           </a:p>
         </p:txBody>
       </p:sp>
       <p:sp>
         <p:nvSpPr>
-          <p:cNvPr id="7" name="Foliennummernplatzhalter 6">
+          <p:cNvPr id="7" name="Foliennummernplatzhalter 5">
             <a:extLst>
-              <a:ext uri="{FF2B5EF4-FFF2-40B4-BE49-F238E27FC236}">
-                <a16:creationId xmlns="" xmlns:a16="http://schemas.microsoft.com/office/drawing/2014/main" id="{717052AD-A190-4FD0-AF75-13F02C8529BD}"/>
-              </a:ext>
+              <a:ext uri="{FF2B5EF4-FFF2-40B4-BE49-F238E27FC236}"/>
             </a:extLst>
           </p:cNvPr>
           <p:cNvSpPr>
@@ -3119,10 +3577,20 @@
         <p:spPr/>
         <p:txBody>
           <a:bodyPr/>
-          <a:lstStyle/>
-          <a:p>
-            <a:fld id="{A2C0B978-9E72-4E00-B0A5-4C9B97B30325}" type="slidenum">
-              <a:rPr lang="de-DE" smtClean="0"/>
+          <a:lstStyle>
+            <a:lvl1pPr>
+              <a:defRPr/>
+            </a:lvl1pPr>
+          </a:lstStyle>
+          <a:p>
+            <a:pPr>
+              <a:defRPr/>
+            </a:pPr>
+            <a:fld id="{92927F97-826F-4E04-AAFB-D28D0E2797B0}" type="slidenum">
+              <a:rPr lang="de-DE"/>
+              <a:pPr>
+                <a:defRPr/>
+              </a:pPr>
               <a:t>‹Nr.›</a:t>
             </a:fld>
             <a:endParaRPr lang="de-DE"/>
@@ -3130,11 +3598,6 @@
         </p:txBody>
       </p:sp>
     </p:spTree>
-    <p:extLst>
-      <p:ext uri="{BB962C8B-B14F-4D97-AF65-F5344CB8AC3E}">
-        <p14:creationId xmlns:p14="http://schemas.microsoft.com/office/powerpoint/2010/main" val="2217885026"/>
-      </p:ext>
-    </p:extLst>
   </p:cSld>
   <p:clrMapOvr>
     <a:masterClrMapping/>
@@ -3163,9 +3626,7 @@
         <p:nvSpPr>
           <p:cNvPr id="2" name="Titel 1">
             <a:extLst>
-              <a:ext uri="{FF2B5EF4-FFF2-40B4-BE49-F238E27FC236}">
-                <a16:creationId xmlns="" xmlns:a16="http://schemas.microsoft.com/office/drawing/2014/main" id="{19B91CF3-11D5-4C88-8AF3-4EECA2CC6CE6}"/>
-              </a:ext>
+              <a:ext uri="{FF2B5EF4-FFF2-40B4-BE49-F238E27FC236}"/>
             </a:extLst>
           </p:cNvPr>
           <p:cNvSpPr>
@@ -3200,9 +3661,7 @@
         <p:nvSpPr>
           <p:cNvPr id="3" name="Bildplatzhalter 2">
             <a:extLst>
-              <a:ext uri="{FF2B5EF4-FFF2-40B4-BE49-F238E27FC236}">
-                <a16:creationId xmlns="" xmlns:a16="http://schemas.microsoft.com/office/drawing/2014/main" id="{1FD7CFB9-0B80-4589-BDC4-F829514544A8}"/>
-              </a:ext>
+              <a:ext uri="{FF2B5EF4-FFF2-40B4-BE49-F238E27FC236}"/>
             </a:extLst>
           </p:cNvPr>
           <p:cNvSpPr>
@@ -3219,7 +3678,9 @@
           </a:xfrm>
         </p:spPr>
         <p:txBody>
-          <a:bodyPr/>
+          <a:bodyPr rtlCol="0">
+            <a:normAutofit/>
+          </a:bodyPr>
           <a:lstStyle>
             <a:lvl1pPr marL="0" indent="0">
               <a:buNone/>
@@ -3259,7 +3720,8 @@
             </a:lvl9pPr>
           </a:lstStyle>
           <a:p>
-            <a:endParaRPr lang="de-DE"/>
+            <a:pPr lvl="0"/>
+            <a:endParaRPr lang="de-DE" noProof="0"/>
           </a:p>
         </p:txBody>
       </p:sp>
@@ -3267,9 +3729,7 @@
         <p:nvSpPr>
           <p:cNvPr id="4" name="Textplatzhalter 3">
             <a:extLst>
-              <a:ext uri="{FF2B5EF4-FFF2-40B4-BE49-F238E27FC236}">
-                <a16:creationId xmlns="" xmlns:a16="http://schemas.microsoft.com/office/drawing/2014/main" id="{1CC1460E-DB5A-45F0-ADC1-4DE802B7C9ED}"/>
-              </a:ext>
+              <a:ext uri="{FF2B5EF4-FFF2-40B4-BE49-F238E27FC236}"/>
             </a:extLst>
           </p:cNvPr>
           <p:cNvSpPr>
@@ -3336,11 +3796,9 @@
       </p:sp>
       <p:sp>
         <p:nvSpPr>
-          <p:cNvPr id="5" name="Datumsplatzhalter 4">
+          <p:cNvPr id="5" name="Datumsplatzhalter 3">
             <a:extLst>
-              <a:ext uri="{FF2B5EF4-FFF2-40B4-BE49-F238E27FC236}">
-                <a16:creationId xmlns="" xmlns:a16="http://schemas.microsoft.com/office/drawing/2014/main" id="{706BEC78-697F-4DBC-9672-E89C7BA95BCC}"/>
-              </a:ext>
+              <a:ext uri="{FF2B5EF4-FFF2-40B4-BE49-F238E27FC236}"/>
             </a:extLst>
           </p:cNvPr>
           <p:cNvSpPr>
@@ -3353,11 +3811,21 @@
         <p:spPr/>
         <p:txBody>
           <a:bodyPr/>
-          <a:lstStyle/>
-          <a:p>
-            <a:fld id="{8158D37F-AE0D-46A3-81EA-F9A968D45D2E}" type="datetimeFigureOut">
-              <a:rPr lang="de-DE" smtClean="0"/>
-              <a:t>19.06.2018</a:t>
+          <a:lstStyle>
+            <a:lvl1pPr>
+              <a:defRPr/>
+            </a:lvl1pPr>
+          </a:lstStyle>
+          <a:p>
+            <a:pPr>
+              <a:defRPr/>
+            </a:pPr>
+            <a:fld id="{528ADCCC-ABAD-494E-AFDB-00001996CB58}" type="datetimeFigureOut">
+              <a:rPr lang="de-DE"/>
+              <a:pPr>
+                <a:defRPr/>
+              </a:pPr>
+              <a:t>20.06.2018</a:t>
             </a:fld>
             <a:endParaRPr lang="de-DE"/>
           </a:p>
@@ -3365,11 +3833,9 @@
       </p:sp>
       <p:sp>
         <p:nvSpPr>
-          <p:cNvPr id="6" name="Fußzeilenplatzhalter 5">
+          <p:cNvPr id="6" name="Fußzeilenplatzhalter 4">
             <a:extLst>
-              <a:ext uri="{FF2B5EF4-FFF2-40B4-BE49-F238E27FC236}">
-                <a16:creationId xmlns="" xmlns:a16="http://schemas.microsoft.com/office/drawing/2014/main" id="{E3901726-B80D-489A-AD44-F9143EEDDDD8}"/>
-              </a:ext>
+              <a:ext uri="{FF2B5EF4-FFF2-40B4-BE49-F238E27FC236}"/>
             </a:extLst>
           </p:cNvPr>
           <p:cNvSpPr>
@@ -3382,19 +3848,24 @@
         <p:spPr/>
         <p:txBody>
           <a:bodyPr/>
-          <a:lstStyle/>
-          <a:p>
+          <a:lstStyle>
+            <a:lvl1pPr>
+              <a:defRPr/>
+            </a:lvl1pPr>
+          </a:lstStyle>
+          <a:p>
+            <a:pPr>
+              <a:defRPr/>
+            </a:pPr>
             <a:endParaRPr lang="de-DE"/>
           </a:p>
         </p:txBody>
       </p:sp>
       <p:sp>
         <p:nvSpPr>
-          <p:cNvPr id="7" name="Foliennummernplatzhalter 6">
+          <p:cNvPr id="7" name="Foliennummernplatzhalter 5">
             <a:extLst>
-              <a:ext uri="{FF2B5EF4-FFF2-40B4-BE49-F238E27FC236}">
-                <a16:creationId xmlns="" xmlns:a16="http://schemas.microsoft.com/office/drawing/2014/main" id="{22CDEE5F-AA0D-4ED9-8304-C1DEE6B440A6}"/>
-              </a:ext>
+              <a:ext uri="{FF2B5EF4-FFF2-40B4-BE49-F238E27FC236}"/>
             </a:extLst>
           </p:cNvPr>
           <p:cNvSpPr>
@@ -3407,10 +3878,20 @@
         <p:spPr/>
         <p:txBody>
           <a:bodyPr/>
-          <a:lstStyle/>
-          <a:p>
-            <a:fld id="{A2C0B978-9E72-4E00-B0A5-4C9B97B30325}" type="slidenum">
-              <a:rPr lang="de-DE" smtClean="0"/>
+          <a:lstStyle>
+            <a:lvl1pPr>
+              <a:defRPr/>
+            </a:lvl1pPr>
+          </a:lstStyle>
+          <a:p>
+            <a:pPr>
+              <a:defRPr/>
+            </a:pPr>
+            <a:fld id="{B3B14317-5457-4038-979D-E10DD8075A5B}" type="slidenum">
+              <a:rPr lang="de-DE"/>
+              <a:pPr>
+                <a:defRPr/>
+              </a:pPr>
               <a:t>‹Nr.›</a:t>
             </a:fld>
             <a:endParaRPr lang="de-DE"/>
@@ -3418,11 +3899,6 @@
         </p:txBody>
       </p:sp>
     </p:spTree>
-    <p:extLst>
-      <p:ext uri="{BB962C8B-B14F-4D97-AF65-F5344CB8AC3E}">
-        <p14:creationId xmlns:p14="http://schemas.microsoft.com/office/powerpoint/2010/main" val="2995279996"/>
-      </p:ext>
-    </p:extLst>
   </p:cSld>
   <p:clrMapOvr>
     <a:masterClrMapping/>
@@ -3480,13 +3956,7 @@
       </p:grpSpPr>
       <p:sp>
         <p:nvSpPr>
-          <p:cNvPr id="2" name="Titelplatzhalter 1">
-            <a:extLst>
-              <a:ext uri="{FF2B5EF4-FFF2-40B4-BE49-F238E27FC236}">
-                <a16:creationId xmlns="" xmlns:a16="http://schemas.microsoft.com/office/drawing/2014/main" id="{12D38A2A-2AB3-4A5E-A639-D51F6A523157}"/>
-              </a:ext>
-            </a:extLst>
-          </p:cNvPr>
+          <p:cNvPr id="1026" name="Titelplatzhalter 1"/>
           <p:cNvSpPr>
             <a:spLocks noGrp="1"/>
           </p:cNvSpPr>
@@ -3494,23 +3964,33 @@
             <p:ph type="title"/>
           </p:nvPr>
         </p:nvSpPr>
-        <p:spPr>
+        <p:spPr bwMode="auto">
           <a:xfrm>
-            <a:off x="1838130" y="365125"/>
-            <a:ext cx="9515669" cy="1325563"/>
+            <a:off x="1838325" y="365125"/>
+            <a:ext cx="9515475" cy="1325563"/>
           </a:xfrm>
           <a:prstGeom prst="rect">
             <a:avLst/>
           </a:prstGeom>
+          <a:noFill/>
+          <a:ln w="9525">
+            <a:noFill/>
+            <a:miter lim="800000"/>
+            <a:headEnd/>
+            <a:tailEnd/>
+          </a:ln>
         </p:spPr>
         <p:txBody>
-          <a:bodyPr vert="horz" lIns="91440" tIns="45720" rIns="91440" bIns="45720" rtlCol="0" anchor="ctr">
-            <a:normAutofit/>
+          <a:bodyPr vert="horz" wrap="square" lIns="91440" tIns="45720" rIns="91440" bIns="45720" numCol="1" anchor="ctr" anchorCtr="0" compatLnSpc="1">
+            <a:prstTxWarp prst="textNoShape">
+              <a:avLst/>
+            </a:prstTxWarp>
           </a:bodyPr>
           <a:lstStyle/>
           <a:p>
-            <a:r>
-              <a:rPr lang="de-DE" dirty="0"/>
+            <a:pPr lvl="0"/>
+            <a:r>
+              <a:rPr lang="de-DE" smtClean="0"/>
               <a:t>  Mastertitelformat bearbeiten</a:t>
             </a:r>
           </a:p>
@@ -3518,13 +3998,7 @@
       </p:sp>
       <p:sp>
         <p:nvSpPr>
-          <p:cNvPr id="3" name="Textplatzhalter 2">
-            <a:extLst>
-              <a:ext uri="{FF2B5EF4-FFF2-40B4-BE49-F238E27FC236}">
-                <a16:creationId xmlns="" xmlns:a16="http://schemas.microsoft.com/office/drawing/2014/main" id="{C8EA3A0A-4F5F-4897-AA7B-B80A32141677}"/>
-              </a:ext>
-            </a:extLst>
-          </p:cNvPr>
+          <p:cNvPr id="1027" name="Textplatzhalter 2"/>
           <p:cNvSpPr>
             <a:spLocks noGrp="1"/>
           </p:cNvSpPr>
@@ -3532,7 +4006,7 @@
             <p:ph type="body" idx="1"/>
           </p:nvPr>
         </p:nvSpPr>
-        <p:spPr>
+        <p:spPr bwMode="auto">
           <a:xfrm>
             <a:off x="838200" y="1825625"/>
             <a:ext cx="10515600" cy="4351338"/>
@@ -3540,44 +4014,53 @@
           <a:prstGeom prst="rect">
             <a:avLst/>
           </a:prstGeom>
+          <a:noFill/>
+          <a:ln w="9525">
+            <a:noFill/>
+            <a:miter lim="800000"/>
+            <a:headEnd/>
+            <a:tailEnd/>
+          </a:ln>
         </p:spPr>
         <p:txBody>
-          <a:bodyPr vert="horz" lIns="91440" tIns="45720" rIns="91440" bIns="45720" rtlCol="0">
-            <a:normAutofit/>
+          <a:bodyPr vert="horz" wrap="square" lIns="91440" tIns="45720" rIns="91440" bIns="45720" numCol="1" anchor="t" anchorCtr="0" compatLnSpc="1">
+            <a:prstTxWarp prst="textNoShape">
+              <a:avLst/>
+            </a:prstTxWarp>
           </a:bodyPr>
           <a:lstStyle/>
           <a:p>
             <a:pPr lvl="0"/>
             <a:r>
-              <a:rPr lang="de-DE"/>
+              <a:rPr lang="de-DE" smtClean="0"/>
               <a:t>Mastertextformat bearbeiten</a:t>
             </a:r>
           </a:p>
           <a:p>
             <a:pPr lvl="1"/>
             <a:r>
-              <a:rPr lang="de-DE"/>
+              <a:rPr lang="de-DE" smtClean="0"/>
               <a:t>Zweite Ebene</a:t>
             </a:r>
           </a:p>
           <a:p>
             <a:pPr lvl="2"/>
             <a:r>
-              <a:rPr lang="de-DE"/>
+              <a:rPr lang="de-DE" smtClean="0"/>
               <a:t>Dritte Ebene</a:t>
             </a:r>
           </a:p>
           <a:p>
             <a:pPr lvl="3"/>
             <a:r>
-              <a:rPr lang="de-DE"/>
+              <a:rPr lang="de-DE" smtClean="0"/>
               <a:t>Vierte Ebene</a:t>
             </a:r>
           </a:p>
           <a:p>
             <a:pPr lvl="4"/>
             <a:r>
-              <a:rPr lang="de-DE"/>
+              <a:rPr lang="de-DE" smtClean="0"/>
               <a:t>Fünfte Ebene</a:t>
             </a:r>
           </a:p>
@@ -3587,9 +4070,7 @@
         <p:nvSpPr>
           <p:cNvPr id="4" name="Datumsplatzhalter 3">
             <a:extLst>
-              <a:ext uri="{FF2B5EF4-FFF2-40B4-BE49-F238E27FC236}">
-                <a16:creationId xmlns="" xmlns:a16="http://schemas.microsoft.com/office/drawing/2014/main" id="{8EAAB192-A9C9-4DCE-8B9C-9F673826C155}"/>
-              </a:ext>
+              <a:ext uri="{FF2B5EF4-FFF2-40B4-BE49-F238E27FC236}"/>
             </a:extLst>
           </p:cNvPr>
           <p:cNvSpPr>
@@ -3611,20 +4092,34 @@
         <p:txBody>
           <a:bodyPr vert="horz" lIns="91440" tIns="45720" rIns="91440" bIns="45720" rtlCol="0" anchor="ctr"/>
           <a:lstStyle>
-            <a:lvl1pPr algn="l">
-              <a:defRPr sz="1200">
+            <a:lvl1pPr algn="l" fontAlgn="auto">
+              <a:spcBef>
+                <a:spcPts val="0"/>
+              </a:spcBef>
+              <a:spcAft>
+                <a:spcPts val="0"/>
+              </a:spcAft>
+              <a:defRPr sz="1200" smtClean="0">
                 <a:solidFill>
                   <a:schemeClr val="tx1">
                     <a:tint val="75000"/>
                   </a:schemeClr>
                 </a:solidFill>
+                <a:latin typeface="+mn-lt"/>
+                <a:cs typeface="+mn-cs"/>
               </a:defRPr>
             </a:lvl1pPr>
           </a:lstStyle>
           <a:p>
-            <a:fld id="{8158D37F-AE0D-46A3-81EA-F9A968D45D2E}" type="datetimeFigureOut">
-              <a:rPr lang="de-DE" smtClean="0"/>
-              <a:t>19.06.2018</a:t>
+            <a:pPr>
+              <a:defRPr/>
+            </a:pPr>
+            <a:fld id="{0704D803-26E1-428D-B0C7-6D1A36900A99}" type="datetimeFigureOut">
+              <a:rPr lang="de-DE"/>
+              <a:pPr>
+                <a:defRPr/>
+              </a:pPr>
+              <a:t>20.06.2018</a:t>
             </a:fld>
             <a:endParaRPr lang="de-DE"/>
           </a:p>
@@ -3634,9 +4129,7 @@
         <p:nvSpPr>
           <p:cNvPr id="5" name="Fußzeilenplatzhalter 4">
             <a:extLst>
-              <a:ext uri="{FF2B5EF4-FFF2-40B4-BE49-F238E27FC236}">
-                <a16:creationId xmlns="" xmlns:a16="http://schemas.microsoft.com/office/drawing/2014/main" id="{E3BF9D4E-72E8-433B-8F6D-3B78FFF82F62}"/>
-              </a:ext>
+              <a:ext uri="{FF2B5EF4-FFF2-40B4-BE49-F238E27FC236}"/>
             </a:extLst>
           </p:cNvPr>
           <p:cNvSpPr>
@@ -3658,17 +4151,28 @@
         <p:txBody>
           <a:bodyPr vert="horz" lIns="91440" tIns="45720" rIns="91440" bIns="45720" rtlCol="0" anchor="ctr"/>
           <a:lstStyle>
-            <a:lvl1pPr algn="ctr">
+            <a:lvl1pPr algn="ctr" fontAlgn="auto">
+              <a:spcBef>
+                <a:spcPts val="0"/>
+              </a:spcBef>
+              <a:spcAft>
+                <a:spcPts val="0"/>
+              </a:spcAft>
               <a:defRPr sz="1200">
                 <a:solidFill>
                   <a:schemeClr val="tx1">
                     <a:tint val="75000"/>
                   </a:schemeClr>
                 </a:solidFill>
+                <a:latin typeface="+mn-lt"/>
+                <a:cs typeface="+mn-cs"/>
               </a:defRPr>
             </a:lvl1pPr>
           </a:lstStyle>
           <a:p>
+            <a:pPr>
+              <a:defRPr/>
+            </a:pPr>
             <a:endParaRPr lang="de-DE"/>
           </a:p>
         </p:txBody>
@@ -3677,9 +4181,7 @@
         <p:nvSpPr>
           <p:cNvPr id="6" name="Foliennummernplatzhalter 5">
             <a:extLst>
-              <a:ext uri="{FF2B5EF4-FFF2-40B4-BE49-F238E27FC236}">
-                <a16:creationId xmlns="" xmlns:a16="http://schemas.microsoft.com/office/drawing/2014/main" id="{7E65AA23-E066-4E0C-B500-896A028C020F}"/>
-              </a:ext>
+              <a:ext uri="{FF2B5EF4-FFF2-40B4-BE49-F238E27FC236}"/>
             </a:extLst>
           </p:cNvPr>
           <p:cNvSpPr>
@@ -3701,19 +4203,33 @@
         <p:txBody>
           <a:bodyPr vert="horz" lIns="91440" tIns="45720" rIns="91440" bIns="45720" rtlCol="0" anchor="ctr"/>
           <a:lstStyle>
-            <a:lvl1pPr algn="r">
-              <a:defRPr sz="1200">
+            <a:lvl1pPr algn="r" fontAlgn="auto">
+              <a:spcBef>
+                <a:spcPts val="0"/>
+              </a:spcBef>
+              <a:spcAft>
+                <a:spcPts val="0"/>
+              </a:spcAft>
+              <a:defRPr sz="1200" smtClean="0">
                 <a:solidFill>
                   <a:schemeClr val="tx1">
                     <a:tint val="75000"/>
                   </a:schemeClr>
                 </a:solidFill>
+                <a:latin typeface="+mn-lt"/>
+                <a:cs typeface="+mn-cs"/>
               </a:defRPr>
             </a:lvl1pPr>
           </a:lstStyle>
           <a:p>
-            <a:fld id="{A2C0B978-9E72-4E00-B0A5-4C9B97B30325}" type="slidenum">
-              <a:rPr lang="de-DE" smtClean="0"/>
+            <a:pPr>
+              <a:defRPr/>
+            </a:pPr>
+            <a:fld id="{781498E8-B2C6-438E-B13F-4A0AFA77A952}" type="slidenum">
+              <a:rPr lang="de-DE"/>
+              <a:pPr>
+                <a:defRPr/>
+              </a:pPr>
               <a:t>‹Nr.›</a:t>
             </a:fld>
             <a:endParaRPr lang="de-DE"/>
@@ -3722,50 +4238,41 @@
       </p:sp>
       <p:pic>
         <p:nvPicPr>
-          <p:cNvPr id="8" name="Grafik 7">
-            <a:extLst>
-              <a:ext uri="{FF2B5EF4-FFF2-40B4-BE49-F238E27FC236}">
-                <a16:creationId xmlns="" xmlns:a16="http://schemas.microsoft.com/office/drawing/2014/main" id="{1AC0BF7E-72E6-41AB-9638-53815E40983E}"/>
-              </a:ext>
-            </a:extLst>
-          </p:cNvPr>
+          <p:cNvPr id="1031" name="Grafik 7"/>
           <p:cNvPicPr>
             <a:picLocks noChangeAspect="1"/>
           </p:cNvPicPr>
           <p:nvPr userDrawn="1"/>
         </p:nvPicPr>
         <p:blipFill>
-          <a:blip r:embed="rId13">
-            <a:extLst>
-              <a:ext uri="{28A0092B-C50C-407E-A947-70E740481C1C}">
-                <a14:useLocalDpi xmlns:a14="http://schemas.microsoft.com/office/drawing/2010/main" val="0"/>
-              </a:ext>
-            </a:extLst>
-          </a:blip>
+          <a:blip r:embed="rId13"/>
+          <a:srcRect/>
           <a:stretch>
             <a:fillRect/>
           </a:stretch>
         </p:blipFill>
-        <p:spPr>
+        <p:spPr bwMode="auto">
           <a:xfrm>
-            <a:off x="241041" y="185738"/>
+            <a:off x="241300" y="185738"/>
             <a:ext cx="1428750" cy="571500"/>
           </a:xfrm>
           <a:prstGeom prst="rect">
             <a:avLst/>
           </a:prstGeom>
+          <a:noFill/>
+          <a:ln w="9525">
+            <a:noFill/>
+            <a:miter lim="800000"/>
+            <a:headEnd/>
+            <a:tailEnd/>
+          </a:ln>
         </p:spPr>
       </p:pic>
     </p:spTree>
-    <p:extLst>
-      <p:ext uri="{BB962C8B-B14F-4D97-AF65-F5344CB8AC3E}">
-        <p14:creationId xmlns:p14="http://schemas.microsoft.com/office/powerpoint/2010/main" val="1337113914"/>
-      </p:ext>
-    </p:extLst>
   </p:cSld>
   <p:clrMap bg1="lt1" tx1="dk1" bg2="lt2" tx2="dk2" accent1="accent1" accent2="accent2" accent3="accent3" accent4="accent4" accent5="accent5" accent6="accent6" hlink="hlink" folHlink="folHlink"/>
   <p:sldLayoutIdLst>
-    <p:sldLayoutId id="2147483649" r:id="rId1"/>
+    <p:sldLayoutId id="2147483660" r:id="rId1"/>
     <p:sldLayoutId id="2147483650" r:id="rId2"/>
     <p:sldLayoutId id="2147483651" r:id="rId3"/>
     <p:sldLayoutId id="2147483652" r:id="rId4"/>
@@ -3779,14 +4286,16 @@
   </p:sldLayoutIdLst>
   <p:txStyles>
     <p:titleStyle>
-      <a:lvl1pPr algn="l" defTabSz="914400" rtl="0" eaLnBrk="1" latinLnBrk="0" hangingPunct="1">
+      <a:lvl1pPr algn="l" rtl="0" fontAlgn="base">
         <a:lnSpc>
           <a:spcPct val="90000"/>
         </a:lnSpc>
         <a:spcBef>
           <a:spcPct val="0"/>
         </a:spcBef>
-        <a:buNone/>
+        <a:spcAft>
+          <a:spcPct val="0"/>
+        </a:spcAft>
         <a:defRPr sz="4400" kern="1200">
           <a:solidFill>
             <a:schemeClr val="tx1"/>
@@ -3796,16 +4305,155 @@
           <a:cs typeface="+mj-cs"/>
         </a:defRPr>
       </a:lvl1pPr>
+      <a:lvl2pPr algn="l" rtl="0" fontAlgn="base">
+        <a:lnSpc>
+          <a:spcPct val="90000"/>
+        </a:lnSpc>
+        <a:spcBef>
+          <a:spcPct val="0"/>
+        </a:spcBef>
+        <a:spcAft>
+          <a:spcPct val="0"/>
+        </a:spcAft>
+        <a:defRPr sz="4400">
+          <a:solidFill>
+            <a:schemeClr val="tx1"/>
+          </a:solidFill>
+          <a:latin typeface="Calibri Light" pitchFamily="34" charset="0"/>
+        </a:defRPr>
+      </a:lvl2pPr>
+      <a:lvl3pPr algn="l" rtl="0" fontAlgn="base">
+        <a:lnSpc>
+          <a:spcPct val="90000"/>
+        </a:lnSpc>
+        <a:spcBef>
+          <a:spcPct val="0"/>
+        </a:spcBef>
+        <a:spcAft>
+          <a:spcPct val="0"/>
+        </a:spcAft>
+        <a:defRPr sz="4400">
+          <a:solidFill>
+            <a:schemeClr val="tx1"/>
+          </a:solidFill>
+          <a:latin typeface="Calibri Light" pitchFamily="34" charset="0"/>
+        </a:defRPr>
+      </a:lvl3pPr>
+      <a:lvl4pPr algn="l" rtl="0" fontAlgn="base">
+        <a:lnSpc>
+          <a:spcPct val="90000"/>
+        </a:lnSpc>
+        <a:spcBef>
+          <a:spcPct val="0"/>
+        </a:spcBef>
+        <a:spcAft>
+          <a:spcPct val="0"/>
+        </a:spcAft>
+        <a:defRPr sz="4400">
+          <a:solidFill>
+            <a:schemeClr val="tx1"/>
+          </a:solidFill>
+          <a:latin typeface="Calibri Light" pitchFamily="34" charset="0"/>
+        </a:defRPr>
+      </a:lvl4pPr>
+      <a:lvl5pPr algn="l" rtl="0" fontAlgn="base">
+        <a:lnSpc>
+          <a:spcPct val="90000"/>
+        </a:lnSpc>
+        <a:spcBef>
+          <a:spcPct val="0"/>
+        </a:spcBef>
+        <a:spcAft>
+          <a:spcPct val="0"/>
+        </a:spcAft>
+        <a:defRPr sz="4400">
+          <a:solidFill>
+            <a:schemeClr val="tx1"/>
+          </a:solidFill>
+          <a:latin typeface="Calibri Light" pitchFamily="34" charset="0"/>
+        </a:defRPr>
+      </a:lvl5pPr>
+      <a:lvl6pPr marL="457200" algn="l" rtl="0" fontAlgn="base">
+        <a:lnSpc>
+          <a:spcPct val="90000"/>
+        </a:lnSpc>
+        <a:spcBef>
+          <a:spcPct val="0"/>
+        </a:spcBef>
+        <a:spcAft>
+          <a:spcPct val="0"/>
+        </a:spcAft>
+        <a:defRPr sz="4400">
+          <a:solidFill>
+            <a:schemeClr val="tx1"/>
+          </a:solidFill>
+          <a:latin typeface="Calibri Light" pitchFamily="34" charset="0"/>
+        </a:defRPr>
+      </a:lvl6pPr>
+      <a:lvl7pPr marL="914400" algn="l" rtl="0" fontAlgn="base">
+        <a:lnSpc>
+          <a:spcPct val="90000"/>
+        </a:lnSpc>
+        <a:spcBef>
+          <a:spcPct val="0"/>
+        </a:spcBef>
+        <a:spcAft>
+          <a:spcPct val="0"/>
+        </a:spcAft>
+        <a:defRPr sz="4400">
+          <a:solidFill>
+            <a:schemeClr val="tx1"/>
+          </a:solidFill>
+          <a:latin typeface="Calibri Light" pitchFamily="34" charset="0"/>
+        </a:defRPr>
+      </a:lvl7pPr>
+      <a:lvl8pPr marL="1371600" algn="l" rtl="0" fontAlgn="base">
+        <a:lnSpc>
+          <a:spcPct val="90000"/>
+        </a:lnSpc>
+        <a:spcBef>
+          <a:spcPct val="0"/>
+        </a:spcBef>
+        <a:spcAft>
+          <a:spcPct val="0"/>
+        </a:spcAft>
+        <a:defRPr sz="4400">
+          <a:solidFill>
+            <a:schemeClr val="tx1"/>
+          </a:solidFill>
+          <a:latin typeface="Calibri Light" pitchFamily="34" charset="0"/>
+        </a:defRPr>
+      </a:lvl8pPr>
+      <a:lvl9pPr marL="1828800" algn="l" rtl="0" fontAlgn="base">
+        <a:lnSpc>
+          <a:spcPct val="90000"/>
+        </a:lnSpc>
+        <a:spcBef>
+          <a:spcPct val="0"/>
+        </a:spcBef>
+        <a:spcAft>
+          <a:spcPct val="0"/>
+        </a:spcAft>
+        <a:defRPr sz="4400">
+          <a:solidFill>
+            <a:schemeClr val="tx1"/>
+          </a:solidFill>
+          <a:latin typeface="Calibri Light" pitchFamily="34" charset="0"/>
+        </a:defRPr>
+      </a:lvl9pPr>
     </p:titleStyle>
     <p:bodyStyle>
-      <a:lvl1pPr marL="228600" indent="-228600" algn="l" defTabSz="914400" rtl="0" eaLnBrk="1" latinLnBrk="0" hangingPunct="1">
+      <a:lvl1pPr marL="228600" indent="-228600" algn="l" rtl="0" fontAlgn="base">
         <a:lnSpc>
           <a:spcPct val="90000"/>
         </a:lnSpc>
         <a:spcBef>
           <a:spcPts val="1000"/>
         </a:spcBef>
-        <a:buFont typeface="Arial" panose="020B0604020202020204" pitchFamily="34" charset="0"/>
+        <a:spcAft>
+          <a:spcPct val="0"/>
+        </a:spcAft>
+        <a:buFont typeface="Arial" charset="0"/>
         <a:buChar char="•"/>
         <a:defRPr sz="2800" kern="1200">
           <a:solidFill>
@@ -3816,14 +4464,17 @@
           <a:cs typeface="+mn-cs"/>
         </a:defRPr>
       </a:lvl1pPr>
-      <a:lvl2pPr marL="685800" indent="-228600" algn="l" defTabSz="914400" rtl="0" eaLnBrk="1" latinLnBrk="0" hangingPunct="1">
+      <a:lvl2pPr marL="685800" indent="-228600" algn="l" rtl="0" fontAlgn="base">
         <a:lnSpc>
           <a:spcPct val="90000"/>
         </a:lnSpc>
         <a:spcBef>
           <a:spcPts val="500"/>
         </a:spcBef>
-        <a:buFont typeface="Arial" panose="020B0604020202020204" pitchFamily="34" charset="0"/>
+        <a:spcAft>
+          <a:spcPct val="0"/>
+        </a:spcAft>
+        <a:buFont typeface="Arial" charset="0"/>
         <a:buChar char="•"/>
         <a:defRPr sz="2400" kern="1200">
           <a:solidFill>
@@ -3834,14 +4485,17 @@
           <a:cs typeface="+mn-cs"/>
         </a:defRPr>
       </a:lvl2pPr>
-      <a:lvl3pPr marL="1143000" indent="-228600" algn="l" defTabSz="914400" rtl="0" eaLnBrk="1" latinLnBrk="0" hangingPunct="1">
+      <a:lvl3pPr marL="1143000" indent="-228600" algn="l" rtl="0" fontAlgn="base">
         <a:lnSpc>
           <a:spcPct val="90000"/>
         </a:lnSpc>
         <a:spcBef>
           <a:spcPts val="500"/>
         </a:spcBef>
-        <a:buFont typeface="Arial" panose="020B0604020202020204" pitchFamily="34" charset="0"/>
+        <a:spcAft>
+          <a:spcPct val="0"/>
+        </a:spcAft>
+        <a:buFont typeface="Arial" charset="0"/>
         <a:buChar char="•"/>
         <a:defRPr sz="2000" kern="1200">
           <a:solidFill>
@@ -3852,16 +4506,19 @@
           <a:cs typeface="+mn-cs"/>
         </a:defRPr>
       </a:lvl3pPr>
-      <a:lvl4pPr marL="1600200" indent="-228600" algn="l" defTabSz="914400" rtl="0" eaLnBrk="1" latinLnBrk="0" hangingPunct="1">
+      <a:lvl4pPr marL="1600200" indent="-228600" algn="l" rtl="0" fontAlgn="base">
         <a:lnSpc>
           <a:spcPct val="90000"/>
         </a:lnSpc>
         <a:spcBef>
           <a:spcPts val="500"/>
         </a:spcBef>
-        <a:buFont typeface="Arial" panose="020B0604020202020204" pitchFamily="34" charset="0"/>
+        <a:spcAft>
+          <a:spcPct val="0"/>
+        </a:spcAft>
+        <a:buFont typeface="Arial" charset="0"/>
         <a:buChar char="•"/>
-        <a:defRPr sz="1800" kern="1200">
+        <a:defRPr kern="1200">
           <a:solidFill>
             <a:schemeClr val="tx1"/>
           </a:solidFill>
@@ -3870,16 +4527,19 @@
           <a:cs typeface="+mn-cs"/>
         </a:defRPr>
       </a:lvl4pPr>
-      <a:lvl5pPr marL="2057400" indent="-228600" algn="l" defTabSz="914400" rtl="0" eaLnBrk="1" latinLnBrk="0" hangingPunct="1">
+      <a:lvl5pPr marL="2057400" indent="-228600" algn="l" rtl="0" fontAlgn="base">
         <a:lnSpc>
           <a:spcPct val="90000"/>
         </a:lnSpc>
         <a:spcBef>
           <a:spcPts val="500"/>
         </a:spcBef>
-        <a:buFont typeface="Arial" panose="020B0604020202020204" pitchFamily="34" charset="0"/>
+        <a:spcAft>
+          <a:spcPct val="0"/>
+        </a:spcAft>
+        <a:buFont typeface="Arial" charset="0"/>
         <a:buChar char="•"/>
-        <a:defRPr sz="1800" kern="1200">
+        <a:defRPr kern="1200">
           <a:solidFill>
             <a:schemeClr val="tx1"/>
           </a:solidFill>
@@ -4081,9 +4741,7 @@
         <p:nvSpPr>
           <p:cNvPr id="2" name="Titel 1">
             <a:extLst>
-              <a:ext uri="{FF2B5EF4-FFF2-40B4-BE49-F238E27FC236}">
-                <a16:creationId xmlns="" xmlns:a16="http://schemas.microsoft.com/office/drawing/2014/main" id="{1C1B7F39-D2FC-4382-B93B-04F7546D27B1}"/>
-              </a:ext>
+              <a:ext uri="{FF2B5EF4-FFF2-40B4-BE49-F238E27FC236}"/>
             </a:extLst>
           </p:cNvPr>
           <p:cNvSpPr>
@@ -4095,11 +4753,17 @@
         </p:nvSpPr>
         <p:spPr/>
         <p:txBody>
-          <a:bodyPr>
+          <a:bodyPr rtlCol="0">
             <a:normAutofit fontScale="90000"/>
           </a:bodyPr>
           <a:lstStyle/>
           <a:p>
+            <a:pPr fontAlgn="auto">
+              <a:spcAft>
+                <a:spcPts val="0"/>
+              </a:spcAft>
+              <a:defRPr/>
+            </a:pPr>
             <a:r>
               <a:rPr lang="de-DE" b="1" dirty="0" smtClean="0"/>
               <a:t/>
@@ -4125,13 +4789,7 @@
       </p:sp>
       <p:sp>
         <p:nvSpPr>
-          <p:cNvPr id="3" name="Untertitel 2">
-            <a:extLst>
-              <a:ext uri="{FF2B5EF4-FFF2-40B4-BE49-F238E27FC236}">
-                <a16:creationId xmlns="" xmlns:a16="http://schemas.microsoft.com/office/drawing/2014/main" id="{C20F0346-9DB5-4477-AEA4-8B49C3623E87}"/>
-              </a:ext>
-            </a:extLst>
-          </p:cNvPr>
+          <p:cNvPr id="14338" name="Untertitel 2"/>
           <p:cNvSpPr>
             <a:spLocks noGrp="1"/>
           </p:cNvSpPr>
@@ -4144,22 +4802,17 @@
           <a:bodyPr/>
           <a:lstStyle/>
           <a:p>
-            <a:endParaRPr lang="de-DE" b="1" dirty="0"/>
-          </a:p>
-          <a:p>
-            <a:r>
-              <a:rPr lang="de-DE" b="1" dirty="0"/>
+            <a:endParaRPr lang="de-DE" b="1" smtClean="0"/>
+          </a:p>
+          <a:p>
+            <a:r>
+              <a:rPr lang="de-DE" b="1" smtClean="0"/>
               <a:t> Hinzufügen eines virtuellen Belohnungssystems </a:t>
             </a:r>
           </a:p>
         </p:txBody>
       </p:sp>
     </p:spTree>
-    <p:extLst>
-      <p:ext uri="{BB962C8B-B14F-4D97-AF65-F5344CB8AC3E}">
-        <p14:creationId xmlns:p14="http://schemas.microsoft.com/office/powerpoint/2010/main" val="1100172352"/>
-      </p:ext>
-    </p:extLst>
   </p:cSld>
   <p:clrMapOvr>
     <a:masterClrMapping/>
@@ -4193,55 +4846,54 @@
       </p:grpSpPr>
       <p:sp>
         <p:nvSpPr>
-          <p:cNvPr id="2" name="Titel 1">
+          <p:cNvPr id="25601" name="Titel 1"/>
+          <p:cNvSpPr>
+            <a:spLocks noGrp="1"/>
+          </p:cNvSpPr>
+          <p:nvPr>
+            <p:ph type="title"/>
+          </p:nvPr>
+        </p:nvSpPr>
+        <p:spPr/>
+        <p:txBody>
+          <a:bodyPr/>
+          <a:lstStyle/>
+          <a:p>
+            <a:r>
+              <a:rPr lang="de-DE" smtClean="0"/>
+              <a:t>Welche Hard- / Software wird benötigt?</a:t>
+            </a:r>
+          </a:p>
+        </p:txBody>
+      </p:sp>
+      <p:sp>
+        <p:nvSpPr>
+          <p:cNvPr id="3" name="Inhaltsplatzhalter 2">
             <a:extLst>
-              <a:ext uri="{FF2B5EF4-FFF2-40B4-BE49-F238E27FC236}">
-                <a16:creationId xmlns="" xmlns:a16="http://schemas.microsoft.com/office/drawing/2014/main" id="{30460E20-103C-4D1A-9B15-5493EB2BB268}"/>
-              </a:ext>
+              <a:ext uri="{FF2B5EF4-FFF2-40B4-BE49-F238E27FC236}"/>
             </a:extLst>
           </p:cNvPr>
           <p:cNvSpPr>
             <a:spLocks noGrp="1"/>
           </p:cNvSpPr>
           <p:nvPr>
-            <p:ph type="title"/>
+            <p:ph idx="1"/>
           </p:nvPr>
         </p:nvSpPr>
         <p:spPr/>
         <p:txBody>
-          <a:bodyPr/>
+          <a:bodyPr rtlCol="0">
+            <a:normAutofit/>
+          </a:bodyPr>
           <a:lstStyle/>
           <a:p>
-            <a:r>
-              <a:rPr lang="de-DE" dirty="0"/>
-              <a:t>Welche Hard- / Software wird benötigt?</a:t>
-            </a:r>
-          </a:p>
-        </p:txBody>
-      </p:sp>
-      <p:sp>
-        <p:nvSpPr>
-          <p:cNvPr id="3" name="Inhaltsplatzhalter 2">
-            <a:extLst>
-              <a:ext uri="{FF2B5EF4-FFF2-40B4-BE49-F238E27FC236}">
-                <a16:creationId xmlns="" xmlns:a16="http://schemas.microsoft.com/office/drawing/2014/main" id="{0EC54D58-2FCC-470A-BDE6-45C9C0124ABE}"/>
-              </a:ext>
-            </a:extLst>
-          </p:cNvPr>
-          <p:cNvSpPr>
-            <a:spLocks noGrp="1"/>
-          </p:cNvSpPr>
-          <p:nvPr>
-            <p:ph idx="1"/>
-          </p:nvPr>
-        </p:nvSpPr>
-        <p:spPr/>
-        <p:txBody>
-          <a:bodyPr/>
-          <a:lstStyle/>
-          <a:p>
-            <a:pPr marL="0" indent="0">
+            <a:pPr marL="0" indent="0" fontAlgn="auto">
+              <a:spcAft>
+                <a:spcPts val="0"/>
+              </a:spcAft>
+              <a:buFont typeface="Arial" panose="020B0604020202020204" pitchFamily="34" charset="0"/>
               <a:buNone/>
+              <a:defRPr/>
             </a:pPr>
             <a:r>
               <a:rPr lang="de-DE" b="1" dirty="0"/>
@@ -4249,43 +4901,72 @@
             </a:r>
           </a:p>
           <a:p>
-            <a:pPr marL="0" indent="0">
+            <a:pPr marL="0" indent="0" fontAlgn="auto">
+              <a:spcAft>
+                <a:spcPts val="0"/>
+              </a:spcAft>
+              <a:buFont typeface="Arial" panose="020B0604020202020204" pitchFamily="34" charset="0"/>
               <a:buNone/>
+              <a:defRPr/>
             </a:pPr>
             <a:endParaRPr lang="de-DE" dirty="0"/>
           </a:p>
           <a:p>
+            <a:pPr fontAlgn="auto">
+              <a:spcAft>
+                <a:spcPts val="0"/>
+              </a:spcAft>
+              <a:buFont typeface="Arial" panose="020B0604020202020204" pitchFamily="34" charset="0"/>
+              <a:buChar char="•"/>
+              <a:defRPr/>
+            </a:pPr>
             <a:r>
               <a:rPr lang="de-DE" dirty="0"/>
               <a:t>PC mit Intel i3 530 CPU, 4 GB RAM, 500 GB Festplatte </a:t>
             </a:r>
           </a:p>
           <a:p>
+            <a:pPr fontAlgn="auto">
+              <a:spcAft>
+                <a:spcPts val="0"/>
+              </a:spcAft>
+              <a:buFont typeface="Arial" panose="020B0604020202020204" pitchFamily="34" charset="0"/>
+              <a:buChar char="•"/>
+              <a:defRPr/>
+            </a:pPr>
             <a:r>
               <a:rPr lang="de-DE" dirty="0"/>
               <a:t>Peripherie: Monitor, Tastatur, Maus, Netzwerkkarte </a:t>
             </a:r>
           </a:p>
           <a:p>
+            <a:pPr fontAlgn="auto">
+              <a:spcAft>
+                <a:spcPts val="0"/>
+              </a:spcAft>
+              <a:buFont typeface="Arial" panose="020B0604020202020204" pitchFamily="34" charset="0"/>
+              <a:buChar char="•"/>
+              <a:defRPr/>
+            </a:pPr>
             <a:r>
               <a:rPr lang="de-DE" dirty="0"/>
               <a:t>Internetzugang </a:t>
             </a:r>
           </a:p>
           <a:p>
-            <a:pPr marL="0" indent="0">
+            <a:pPr marL="0" indent="0" fontAlgn="auto">
+              <a:spcAft>
+                <a:spcPts val="0"/>
+              </a:spcAft>
+              <a:buFont typeface="Arial" panose="020B0604020202020204" pitchFamily="34" charset="0"/>
               <a:buNone/>
+              <a:defRPr/>
             </a:pPr>
             <a:endParaRPr lang="de-DE" dirty="0"/>
           </a:p>
         </p:txBody>
       </p:sp>
     </p:spTree>
-    <p:extLst>
-      <p:ext uri="{BB962C8B-B14F-4D97-AF65-F5344CB8AC3E}">
-        <p14:creationId xmlns:p14="http://schemas.microsoft.com/office/powerpoint/2010/main" val="1846393364"/>
-      </p:ext>
-    </p:extLst>
   </p:cSld>
   <p:clrMapOvr>
     <a:masterClrMapping/>
@@ -4453,57 +5134,54 @@
       </p:grpSpPr>
       <p:sp>
         <p:nvSpPr>
-          <p:cNvPr id="2" name="Titel 1">
+          <p:cNvPr id="26625" name="Titel 1"/>
+          <p:cNvSpPr>
+            <a:spLocks noGrp="1"/>
+          </p:cNvSpPr>
+          <p:nvPr>
+            <p:ph type="title"/>
+          </p:nvPr>
+        </p:nvSpPr>
+        <p:spPr/>
+        <p:txBody>
+          <a:bodyPr/>
+          <a:lstStyle/>
+          <a:p>
+            <a:r>
+              <a:rPr lang="de-DE" smtClean="0"/>
+              <a:t>Welche Hard- / Software wird benötigt?</a:t>
+            </a:r>
+          </a:p>
+        </p:txBody>
+      </p:sp>
+      <p:sp>
+        <p:nvSpPr>
+          <p:cNvPr id="3" name="Inhaltsplatzhalter 2">
             <a:extLst>
-              <a:ext uri="{FF2B5EF4-FFF2-40B4-BE49-F238E27FC236}">
-                <a16:creationId xmlns="" xmlns:a16="http://schemas.microsoft.com/office/drawing/2014/main" id="{30460E20-103C-4D1A-9B15-5493EB2BB268}"/>
-              </a:ext>
+              <a:ext uri="{FF2B5EF4-FFF2-40B4-BE49-F238E27FC236}"/>
             </a:extLst>
           </p:cNvPr>
           <p:cNvSpPr>
             <a:spLocks noGrp="1"/>
           </p:cNvSpPr>
           <p:nvPr>
-            <p:ph type="title"/>
+            <p:ph idx="1"/>
           </p:nvPr>
         </p:nvSpPr>
         <p:spPr/>
         <p:txBody>
-          <a:bodyPr/>
-          <a:lstStyle/>
-          <a:p>
-            <a:r>
-              <a:rPr lang="de-DE" dirty="0"/>
-              <a:t>Welche Hard- / Software wird benötigt?</a:t>
-            </a:r>
-          </a:p>
-        </p:txBody>
-      </p:sp>
-      <p:sp>
-        <p:nvSpPr>
-          <p:cNvPr id="3" name="Inhaltsplatzhalter 2">
-            <a:extLst>
-              <a:ext uri="{FF2B5EF4-FFF2-40B4-BE49-F238E27FC236}">
-                <a16:creationId xmlns="" xmlns:a16="http://schemas.microsoft.com/office/drawing/2014/main" id="{0EC54D58-2FCC-470A-BDE6-45C9C0124ABE}"/>
-              </a:ext>
-            </a:extLst>
-          </p:cNvPr>
-          <p:cNvSpPr>
-            <a:spLocks noGrp="1"/>
-          </p:cNvSpPr>
-          <p:nvPr>
-            <p:ph idx="1"/>
-          </p:nvPr>
-        </p:nvSpPr>
-        <p:spPr/>
-        <p:txBody>
-          <a:bodyPr>
+          <a:bodyPr rtlCol="0">
             <a:normAutofit fontScale="92500" lnSpcReduction="20000"/>
           </a:bodyPr>
           <a:lstStyle/>
           <a:p>
-            <a:pPr marL="0" indent="0">
+            <a:pPr marL="0" indent="0" fontAlgn="auto">
+              <a:spcAft>
+                <a:spcPts val="0"/>
+              </a:spcAft>
+              <a:buFont typeface="Arial" panose="020B0604020202020204" pitchFamily="34" charset="0"/>
               <a:buNone/>
+              <a:defRPr/>
             </a:pPr>
             <a:r>
               <a:rPr lang="de-DE" b="1" dirty="0"/>
@@ -4511,18 +5189,39 @@
             </a:r>
           </a:p>
           <a:p>
-            <a:pPr marL="0" indent="0">
+            <a:pPr marL="0" indent="0" fontAlgn="auto">
+              <a:spcAft>
+                <a:spcPts val="0"/>
+              </a:spcAft>
+              <a:buFont typeface="Arial" panose="020B0604020202020204" pitchFamily="34" charset="0"/>
               <a:buNone/>
+              <a:defRPr/>
             </a:pPr>
             <a:endParaRPr lang="de-DE" dirty="0"/>
           </a:p>
           <a:p>
+            <a:pPr fontAlgn="auto">
+              <a:spcAft>
+                <a:spcPts val="0"/>
+              </a:spcAft>
+              <a:buFont typeface="Arial" panose="020B0604020202020204" pitchFamily="34" charset="0"/>
+              <a:buChar char="•"/>
+              <a:defRPr/>
+            </a:pPr>
             <a:r>
               <a:rPr lang="de-DE" dirty="0"/>
               <a:t>Betriebssystem: Microsoft Windows 10 Pro </a:t>
             </a:r>
           </a:p>
           <a:p>
+            <a:pPr fontAlgn="auto">
+              <a:spcAft>
+                <a:spcPts val="0"/>
+              </a:spcAft>
+              <a:buFont typeface="Arial" panose="020B0604020202020204" pitchFamily="34" charset="0"/>
+              <a:buChar char="•"/>
+              <a:defRPr/>
+            </a:pPr>
             <a:r>
               <a:rPr lang="en-US" dirty="0"/>
               <a:t>Office-</a:t>
@@ -4537,12 +5236,28 @@
             </a:r>
           </a:p>
           <a:p>
+            <a:pPr fontAlgn="auto">
+              <a:spcAft>
+                <a:spcPts val="0"/>
+              </a:spcAft>
+              <a:buFont typeface="Arial" panose="020B0604020202020204" pitchFamily="34" charset="0"/>
+              <a:buChar char="•"/>
+              <a:defRPr/>
+            </a:pPr>
             <a:r>
               <a:rPr lang="de-DE" dirty="0"/>
               <a:t>IDE/Texteditor mit Code-Vervollständigung: Sublime Text V3.0 </a:t>
             </a:r>
           </a:p>
           <a:p>
+            <a:pPr fontAlgn="auto">
+              <a:spcAft>
+                <a:spcPts val="0"/>
+              </a:spcAft>
+              <a:buFont typeface="Arial" panose="020B0604020202020204" pitchFamily="34" charset="0"/>
+              <a:buChar char="•"/>
+              <a:defRPr/>
+            </a:pPr>
             <a:r>
               <a:rPr lang="de-DE" i="1" dirty="0"/>
               <a:t>Laravel</a:t>
@@ -4561,18 +5276,42 @@
             </a:r>
           </a:p>
           <a:p>
+            <a:pPr fontAlgn="auto">
+              <a:spcAft>
+                <a:spcPts val="0"/>
+              </a:spcAft>
+              <a:buFont typeface="Arial" panose="020B0604020202020204" pitchFamily="34" charset="0"/>
+              <a:buChar char="•"/>
+              <a:defRPr/>
+            </a:pPr>
             <a:r>
               <a:rPr lang="de-DE" dirty="0"/>
               <a:t>Internetbrowser: Mozilla Firefox, Google Chrome oder Microsoft Internet Explorer Project Libre Version 1.6.2 </a:t>
             </a:r>
           </a:p>
           <a:p>
+            <a:pPr fontAlgn="auto">
+              <a:spcAft>
+                <a:spcPts val="0"/>
+              </a:spcAft>
+              <a:buFont typeface="Arial" panose="020B0604020202020204" pitchFamily="34" charset="0"/>
+              <a:buChar char="•"/>
+              <a:defRPr/>
+            </a:pPr>
             <a:r>
               <a:rPr lang="de-DE" dirty="0"/>
               <a:t>Online-Tool draw.io (UML-Grafiken)</a:t>
             </a:r>
           </a:p>
           <a:p>
+            <a:pPr fontAlgn="auto">
+              <a:spcAft>
+                <a:spcPts val="0"/>
+              </a:spcAft>
+              <a:buFont typeface="Arial" panose="020B0604020202020204" pitchFamily="34" charset="0"/>
+              <a:buChar char="•"/>
+              <a:defRPr/>
+            </a:pPr>
             <a:r>
               <a:rPr lang="de-DE" dirty="0" err="1"/>
               <a:t>DbVisualizer</a:t>
@@ -4580,19 +5319,19 @@
             <a:endParaRPr lang="de-DE" dirty="0"/>
           </a:p>
           <a:p>
-            <a:pPr marL="0" indent="0">
+            <a:pPr marL="0" indent="0" fontAlgn="auto">
+              <a:spcAft>
+                <a:spcPts val="0"/>
+              </a:spcAft>
+              <a:buFont typeface="Arial" panose="020B0604020202020204" pitchFamily="34" charset="0"/>
               <a:buNone/>
+              <a:defRPr/>
             </a:pPr>
             <a:endParaRPr lang="de-DE" dirty="0"/>
           </a:p>
         </p:txBody>
       </p:sp>
     </p:spTree>
-    <p:extLst>
-      <p:ext uri="{BB962C8B-B14F-4D97-AF65-F5344CB8AC3E}">
-        <p14:creationId xmlns:p14="http://schemas.microsoft.com/office/powerpoint/2010/main" val="1403766730"/>
-      </p:ext>
-    </p:extLst>
   </p:cSld>
   <p:clrMapOvr>
     <a:masterClrMapping/>
@@ -4902,55 +5641,54 @@
       </p:grpSpPr>
       <p:sp>
         <p:nvSpPr>
-          <p:cNvPr id="2" name="Titel 1">
+          <p:cNvPr id="27649" name="Titel 1"/>
+          <p:cNvSpPr>
+            <a:spLocks noGrp="1"/>
+          </p:cNvSpPr>
+          <p:nvPr>
+            <p:ph type="title"/>
+          </p:nvPr>
+        </p:nvSpPr>
+        <p:spPr/>
+        <p:txBody>
+          <a:bodyPr/>
+          <a:lstStyle/>
+          <a:p>
+            <a:r>
+              <a:rPr lang="de-DE" smtClean="0"/>
+              <a:t>Wirtschaftlichkeit</a:t>
+            </a:r>
+          </a:p>
+        </p:txBody>
+      </p:sp>
+      <p:sp>
+        <p:nvSpPr>
+          <p:cNvPr id="3" name="Inhaltsplatzhalter 2">
             <a:extLst>
-              <a:ext uri="{FF2B5EF4-FFF2-40B4-BE49-F238E27FC236}">
-                <a16:creationId xmlns="" xmlns:a16="http://schemas.microsoft.com/office/drawing/2014/main" id="{DF2E4927-128B-49C3-9365-8AC4B053BCF5}"/>
-              </a:ext>
+              <a:ext uri="{FF2B5EF4-FFF2-40B4-BE49-F238E27FC236}"/>
             </a:extLst>
           </p:cNvPr>
           <p:cNvSpPr>
             <a:spLocks noGrp="1"/>
           </p:cNvSpPr>
           <p:nvPr>
-            <p:ph type="title"/>
+            <p:ph idx="1"/>
           </p:nvPr>
         </p:nvSpPr>
         <p:spPr/>
         <p:txBody>
-          <a:bodyPr/>
+          <a:bodyPr rtlCol="0">
+            <a:normAutofit/>
+          </a:bodyPr>
           <a:lstStyle/>
           <a:p>
-            <a:r>
-              <a:rPr lang="de-DE" dirty="0"/>
-              <a:t>Wirtschaftlichkeit</a:t>
-            </a:r>
-          </a:p>
-        </p:txBody>
-      </p:sp>
-      <p:sp>
-        <p:nvSpPr>
-          <p:cNvPr id="3" name="Inhaltsplatzhalter 2">
-            <a:extLst>
-              <a:ext uri="{FF2B5EF4-FFF2-40B4-BE49-F238E27FC236}">
-                <a16:creationId xmlns="" xmlns:a16="http://schemas.microsoft.com/office/drawing/2014/main" id="{4E9A3F29-3C84-4B95-ABA6-246CA708B5D6}"/>
-              </a:ext>
-            </a:extLst>
-          </p:cNvPr>
-          <p:cNvSpPr>
-            <a:spLocks noGrp="1"/>
-          </p:cNvSpPr>
-          <p:nvPr>
-            <p:ph idx="1"/>
-          </p:nvPr>
-        </p:nvSpPr>
-        <p:spPr/>
-        <p:txBody>
-          <a:bodyPr/>
-          <a:lstStyle/>
-          <a:p>
-            <a:pPr marL="0" indent="0">
+            <a:pPr marL="0" indent="0" fontAlgn="auto">
+              <a:spcAft>
+                <a:spcPts val="0"/>
+              </a:spcAft>
+              <a:buFont typeface="Arial" panose="020B0604020202020204" pitchFamily="34" charset="0"/>
               <a:buNone/>
+              <a:defRPr/>
             </a:pPr>
             <a:r>
               <a:rPr lang="de-DE" b="1" dirty="0" err="1"/>
@@ -4970,14 +5708,24 @@
             </a:r>
           </a:p>
           <a:p>
-            <a:pPr marL="0" indent="0">
+            <a:pPr marL="0" indent="0" fontAlgn="auto">
+              <a:spcAft>
+                <a:spcPts val="0"/>
+              </a:spcAft>
+              <a:buFont typeface="Arial" panose="020B0604020202020204" pitchFamily="34" charset="0"/>
               <a:buNone/>
+              <a:defRPr/>
             </a:pPr>
             <a:endParaRPr lang="de-DE" dirty="0"/>
           </a:p>
           <a:p>
-            <a:pPr marL="0" indent="0">
+            <a:pPr marL="0" indent="0" fontAlgn="auto">
+              <a:spcAft>
+                <a:spcPts val="0"/>
+              </a:spcAft>
+              <a:buFont typeface="Arial" panose="020B0604020202020204" pitchFamily="34" charset="0"/>
               <a:buNone/>
+              <a:defRPr/>
             </a:pPr>
             <a:r>
               <a:rPr lang="de-DE" dirty="0"/>
@@ -4985,18 +5733,42 @@
             </a:r>
           </a:p>
           <a:p>
+            <a:pPr fontAlgn="auto">
+              <a:spcAft>
+                <a:spcPts val="0"/>
+              </a:spcAft>
+              <a:buFont typeface="Arial" panose="020B0604020202020204" pitchFamily="34" charset="0"/>
+              <a:buChar char="•"/>
+              <a:defRPr/>
+            </a:pPr>
             <a:r>
               <a:rPr lang="de-DE" dirty="0"/>
               <a:t>Fertiger Fragenkatalog nur bei speziellen Themen (z.B. Führerschein)</a:t>
             </a:r>
           </a:p>
           <a:p>
+            <a:pPr fontAlgn="auto">
+              <a:spcAft>
+                <a:spcPts val="0"/>
+              </a:spcAft>
+              <a:buFont typeface="Arial" panose="020B0604020202020204" pitchFamily="34" charset="0"/>
+              <a:buChar char="•"/>
+              <a:defRPr/>
+            </a:pPr>
             <a:r>
               <a:rPr lang="de-DE" dirty="0"/>
               <a:t>Prüfungsmodus – individuell gestaltbar</a:t>
             </a:r>
           </a:p>
           <a:p>
+            <a:pPr fontAlgn="auto">
+              <a:spcAft>
+                <a:spcPts val="0"/>
+              </a:spcAft>
+              <a:buFont typeface="Arial" panose="020B0604020202020204" pitchFamily="34" charset="0"/>
+              <a:buChar char="•"/>
+              <a:defRPr/>
+            </a:pPr>
             <a:r>
               <a:rPr lang="de-DE" dirty="0"/>
               <a:t>Kommunikation mit pädagogisch geschultem Fachpersonal</a:t>
@@ -5005,11 +5777,6 @@
         </p:txBody>
       </p:sp>
     </p:spTree>
-    <p:extLst>
-      <p:ext uri="{BB962C8B-B14F-4D97-AF65-F5344CB8AC3E}">
-        <p14:creationId xmlns:p14="http://schemas.microsoft.com/office/powerpoint/2010/main" val="4252411260"/>
-      </p:ext>
-    </p:extLst>
   </p:cSld>
   <p:clrMapOvr>
     <a:masterClrMapping/>
@@ -5213,57 +5980,54 @@
       </p:grpSpPr>
       <p:sp>
         <p:nvSpPr>
-          <p:cNvPr id="2" name="Titel 1">
+          <p:cNvPr id="28673" name="Titel 1"/>
+          <p:cNvSpPr>
+            <a:spLocks noGrp="1"/>
+          </p:cNvSpPr>
+          <p:nvPr>
+            <p:ph type="title"/>
+          </p:nvPr>
+        </p:nvSpPr>
+        <p:spPr/>
+        <p:txBody>
+          <a:bodyPr/>
+          <a:lstStyle/>
+          <a:p>
+            <a:r>
+              <a:rPr lang="de-DE" smtClean="0"/>
+              <a:t>Wirtschaftlichkeit </a:t>
+            </a:r>
+          </a:p>
+        </p:txBody>
+      </p:sp>
+      <p:sp>
+        <p:nvSpPr>
+          <p:cNvPr id="3" name="Inhaltsplatzhalter 2">
             <a:extLst>
-              <a:ext uri="{FF2B5EF4-FFF2-40B4-BE49-F238E27FC236}">
-                <a16:creationId xmlns="" xmlns:a16="http://schemas.microsoft.com/office/drawing/2014/main" id="{DF2E4927-128B-49C3-9365-8AC4B053BCF5}"/>
-              </a:ext>
+              <a:ext uri="{FF2B5EF4-FFF2-40B4-BE49-F238E27FC236}"/>
             </a:extLst>
           </p:cNvPr>
           <p:cNvSpPr>
             <a:spLocks noGrp="1"/>
           </p:cNvSpPr>
           <p:nvPr>
-            <p:ph type="title"/>
+            <p:ph idx="1"/>
           </p:nvPr>
         </p:nvSpPr>
         <p:spPr/>
         <p:txBody>
-          <a:bodyPr/>
-          <a:lstStyle/>
-          <a:p>
-            <a:r>
-              <a:rPr lang="de-DE" dirty="0"/>
-              <a:t>Wirtschaftlichkeit </a:t>
-            </a:r>
-          </a:p>
-        </p:txBody>
-      </p:sp>
-      <p:sp>
-        <p:nvSpPr>
-          <p:cNvPr id="3" name="Inhaltsplatzhalter 2">
-            <a:extLst>
-              <a:ext uri="{FF2B5EF4-FFF2-40B4-BE49-F238E27FC236}">
-                <a16:creationId xmlns="" xmlns:a16="http://schemas.microsoft.com/office/drawing/2014/main" id="{4E9A3F29-3C84-4B95-ABA6-246CA708B5D6}"/>
-              </a:ext>
-            </a:extLst>
-          </p:cNvPr>
-          <p:cNvSpPr>
-            <a:spLocks noGrp="1"/>
-          </p:cNvSpPr>
-          <p:nvPr>
-            <p:ph idx="1"/>
-          </p:nvPr>
-        </p:nvSpPr>
-        <p:spPr/>
-        <p:txBody>
-          <a:bodyPr>
+          <a:bodyPr rtlCol="0">
             <a:normAutofit/>
           </a:bodyPr>
           <a:lstStyle/>
           <a:p>
-            <a:pPr marL="0" indent="0">
+            <a:pPr marL="0" indent="0" fontAlgn="auto">
+              <a:spcAft>
+                <a:spcPts val="0"/>
+              </a:spcAft>
+              <a:buFont typeface="Arial" panose="020B0604020202020204" pitchFamily="34" charset="0"/>
               <a:buNone/>
+              <a:defRPr/>
             </a:pPr>
             <a:r>
               <a:rPr lang="de-DE" dirty="0"/>
@@ -5271,14 +6035,24 @@
             </a:r>
           </a:p>
           <a:p>
-            <a:pPr marL="0" indent="0">
+            <a:pPr marL="0" indent="0" fontAlgn="auto">
+              <a:spcAft>
+                <a:spcPts val="0"/>
+              </a:spcAft>
+              <a:buFont typeface="Arial" panose="020B0604020202020204" pitchFamily="34" charset="0"/>
               <a:buNone/>
+              <a:defRPr/>
             </a:pPr>
             <a:endParaRPr lang="de-DE" dirty="0"/>
           </a:p>
           <a:p>
-            <a:pPr marL="0" indent="0">
+            <a:pPr marL="0" indent="0" fontAlgn="auto">
+              <a:spcAft>
+                <a:spcPts val="0"/>
+              </a:spcAft>
+              <a:buFont typeface="Arial" panose="020B0604020202020204" pitchFamily="34" charset="0"/>
               <a:buNone/>
+              <a:defRPr/>
             </a:pPr>
             <a:r>
               <a:rPr lang="de-DE" dirty="0"/>
@@ -5286,8 +6060,13 @@
             </a:r>
           </a:p>
           <a:p>
-            <a:pPr marL="0" indent="0">
+            <a:pPr marL="0" indent="0" fontAlgn="auto">
+              <a:spcAft>
+                <a:spcPts val="0"/>
+              </a:spcAft>
+              <a:buFont typeface="Arial" panose="020B0604020202020204" pitchFamily="34" charset="0"/>
               <a:buNone/>
+              <a:defRPr/>
             </a:pPr>
             <a:r>
               <a:rPr lang="de-DE" dirty="0"/>
@@ -5295,39 +6074,80 @@
             </a:r>
           </a:p>
           <a:p>
+            <a:pPr fontAlgn="auto">
+              <a:spcAft>
+                <a:spcPts val="0"/>
+              </a:spcAft>
+              <a:buFont typeface="Arial" panose="020B0604020202020204" pitchFamily="34" charset="0"/>
+              <a:buChar char="•"/>
+              <a:defRPr/>
+            </a:pPr>
             <a:endParaRPr lang="de-DE" dirty="0"/>
           </a:p>
           <a:p>
-            <a:pPr lvl="1"/>
+            <a:pPr lvl="1" fontAlgn="auto">
+              <a:spcAft>
+                <a:spcPts val="0"/>
+              </a:spcAft>
+              <a:buFont typeface="Arial" panose="020B0604020202020204" pitchFamily="34" charset="0"/>
+              <a:buChar char="•"/>
+              <a:defRPr/>
+            </a:pPr>
             <a:r>
               <a:rPr lang="de-DE" dirty="0"/>
               <a:t>Gebäudekosten (Miete, Heizung, Stromverbrauch, ...) </a:t>
             </a:r>
           </a:p>
           <a:p>
-            <a:pPr lvl="1"/>
+            <a:pPr lvl="1" fontAlgn="auto">
+              <a:spcAft>
+                <a:spcPts val="0"/>
+              </a:spcAft>
+              <a:buFont typeface="Arial" panose="020B0604020202020204" pitchFamily="34" charset="0"/>
+              <a:buChar char="•"/>
+              <a:defRPr/>
+            </a:pPr>
             <a:r>
               <a:rPr lang="de-DE" dirty="0"/>
               <a:t>Büroverbrauchsmaterialien </a:t>
             </a:r>
           </a:p>
           <a:p>
-            <a:pPr lvl="1"/>
+            <a:pPr lvl="1" fontAlgn="auto">
+              <a:spcAft>
+                <a:spcPts val="0"/>
+              </a:spcAft>
+              <a:buFont typeface="Arial" panose="020B0604020202020204" pitchFamily="34" charset="0"/>
+              <a:buChar char="•"/>
+              <a:defRPr/>
+            </a:pPr>
             <a:r>
               <a:rPr lang="de-DE" dirty="0"/>
               <a:t>Hardware-Nutzung eines EDV-Arbeitsplatzes </a:t>
             </a:r>
           </a:p>
           <a:p>
-            <a:pPr lvl="1"/>
+            <a:pPr lvl="1" fontAlgn="auto">
+              <a:spcAft>
+                <a:spcPts val="0"/>
+              </a:spcAft>
+              <a:buFont typeface="Arial" panose="020B0604020202020204" pitchFamily="34" charset="0"/>
+              <a:buChar char="•"/>
+              <a:defRPr/>
+            </a:pPr>
             <a:r>
               <a:rPr lang="de-DE" dirty="0"/>
               <a:t>Lizenzgebühren für Standard-Software</a:t>
             </a:r>
           </a:p>
           <a:p>
-            <a:pPr marL="0" indent="0">
+            <a:pPr marL="0" indent="0" fontAlgn="auto">
+              <a:spcAft>
+                <a:spcPts val="0"/>
+              </a:spcAft>
+              <a:buFont typeface="Arial" panose="020B0604020202020204" pitchFamily="34" charset="0"/>
               <a:buNone/>
+              <a:defRPr/>
             </a:pPr>
             <a:endParaRPr lang="de-DE" dirty="0"/>
           </a:p>
@@ -5335,13 +6155,7 @@
       </p:sp>
       <p:sp>
         <p:nvSpPr>
-          <p:cNvPr id="4" name="AutoShape 2" descr="Bildergebnis für gif euro">
-            <a:extLst>
-              <a:ext uri="{FF2B5EF4-FFF2-40B4-BE49-F238E27FC236}">
-                <a16:creationId xmlns="" xmlns:a16="http://schemas.microsoft.com/office/drawing/2014/main" id="{E4E320B1-CDCB-44B5-96A8-4370940F7F04}"/>
-              </a:ext>
-            </a:extLst>
-          </p:cNvPr>
+          <p:cNvPr id="28675" name="AutoShape 2" descr="Bildergebnis für gif euro"/>
           <p:cNvSpPr>
             <a:spLocks noChangeAspect="1" noChangeArrowheads="1"/>
           </p:cNvSpPr>
@@ -5356,34 +6170,24 @@
             <a:avLst/>
           </a:prstGeom>
           <a:noFill/>
-          <a:extLst>
-            <a:ext uri="{909E8E84-426E-40DD-AFC4-6F175D3DCCD1}">
-              <a14:hiddenFill xmlns:a14="http://schemas.microsoft.com/office/drawing/2010/main">
-                <a:solidFill>
-                  <a:srgbClr val="FFFFFF"/>
-                </a:solidFill>
-              </a14:hiddenFill>
-            </a:ext>
-          </a:extLst>
+          <a:ln w="9525">
+            <a:noFill/>
+            <a:miter lim="800000"/>
+            <a:headEnd/>
+            <a:tailEnd/>
+          </a:ln>
         </p:spPr>
         <p:txBody>
-          <a:bodyPr vert="horz" wrap="square" lIns="91440" tIns="45720" rIns="91440" bIns="45720" numCol="1" anchor="t" anchorCtr="0" compatLnSpc="1">
-            <a:prstTxWarp prst="textNoShape">
-              <a:avLst/>
-            </a:prstTxWarp>
-          </a:bodyPr>
+          <a:bodyPr/>
           <a:lstStyle/>
           <a:p>
-            <a:endParaRPr lang="de-DE"/>
+            <a:endParaRPr lang="de-DE">
+              <a:latin typeface="Calibri" pitchFamily="34" charset="0"/>
+            </a:endParaRPr>
           </a:p>
         </p:txBody>
       </p:sp>
     </p:spTree>
-    <p:extLst>
-      <p:ext uri="{BB962C8B-B14F-4D97-AF65-F5344CB8AC3E}">
-        <p14:creationId xmlns:p14="http://schemas.microsoft.com/office/powerpoint/2010/main" val="1026294359"/>
-      </p:ext>
-    </p:extLst>
   </p:cSld>
   <p:clrMapOvr>
     <a:masterClrMapping/>
@@ -5582,57 +6386,54 @@
       </p:grpSpPr>
       <p:sp>
         <p:nvSpPr>
-          <p:cNvPr id="2" name="Titel 1">
+          <p:cNvPr id="29697" name="Titel 1"/>
+          <p:cNvSpPr>
+            <a:spLocks noGrp="1"/>
+          </p:cNvSpPr>
+          <p:nvPr>
+            <p:ph type="title"/>
+          </p:nvPr>
+        </p:nvSpPr>
+        <p:spPr/>
+        <p:txBody>
+          <a:bodyPr/>
+          <a:lstStyle/>
+          <a:p>
+            <a:r>
+              <a:rPr lang="de-DE" smtClean="0"/>
+              <a:t>Wirtschaftlichkeit </a:t>
+            </a:r>
+          </a:p>
+        </p:txBody>
+      </p:sp>
+      <p:sp>
+        <p:nvSpPr>
+          <p:cNvPr id="3" name="Inhaltsplatzhalter 2">
             <a:extLst>
-              <a:ext uri="{FF2B5EF4-FFF2-40B4-BE49-F238E27FC236}">
-                <a16:creationId xmlns="" xmlns:a16="http://schemas.microsoft.com/office/drawing/2014/main" id="{DF2E4927-128B-49C3-9365-8AC4B053BCF5}"/>
-              </a:ext>
+              <a:ext uri="{FF2B5EF4-FFF2-40B4-BE49-F238E27FC236}"/>
             </a:extLst>
           </p:cNvPr>
           <p:cNvSpPr>
             <a:spLocks noGrp="1"/>
           </p:cNvSpPr>
           <p:nvPr>
-            <p:ph type="title"/>
+            <p:ph idx="1"/>
           </p:nvPr>
         </p:nvSpPr>
         <p:spPr/>
         <p:txBody>
-          <a:bodyPr/>
-          <a:lstStyle/>
-          <a:p>
-            <a:r>
-              <a:rPr lang="de-DE" dirty="0"/>
-              <a:t>Wirtschaftlichkeit </a:t>
-            </a:r>
-          </a:p>
-        </p:txBody>
-      </p:sp>
-      <p:sp>
-        <p:nvSpPr>
-          <p:cNvPr id="3" name="Inhaltsplatzhalter 2">
-            <a:extLst>
-              <a:ext uri="{FF2B5EF4-FFF2-40B4-BE49-F238E27FC236}">
-                <a16:creationId xmlns="" xmlns:a16="http://schemas.microsoft.com/office/drawing/2014/main" id="{4E9A3F29-3C84-4B95-ABA6-246CA708B5D6}"/>
-              </a:ext>
-            </a:extLst>
-          </p:cNvPr>
-          <p:cNvSpPr>
-            <a:spLocks noGrp="1"/>
-          </p:cNvSpPr>
-          <p:nvPr>
-            <p:ph idx="1"/>
-          </p:nvPr>
-        </p:nvSpPr>
-        <p:spPr/>
-        <p:txBody>
-          <a:bodyPr>
+          <a:bodyPr rtlCol="0">
             <a:normAutofit/>
           </a:bodyPr>
           <a:lstStyle/>
           <a:p>
-            <a:pPr marL="0" indent="0">
+            <a:pPr marL="0" indent="0" fontAlgn="auto">
+              <a:spcAft>
+                <a:spcPts val="0"/>
+              </a:spcAft>
+              <a:buFont typeface="Arial" panose="020B0604020202020204" pitchFamily="34" charset="0"/>
               <a:buNone/>
+              <a:defRPr/>
             </a:pPr>
             <a:r>
               <a:rPr lang="de-DE" dirty="0"/>
@@ -5640,14 +6441,24 @@
             </a:r>
           </a:p>
           <a:p>
-            <a:pPr marL="0" indent="0">
+            <a:pPr marL="0" indent="0" fontAlgn="auto">
+              <a:spcAft>
+                <a:spcPts val="0"/>
+              </a:spcAft>
+              <a:buFont typeface="Arial" panose="020B0604020202020204" pitchFamily="34" charset="0"/>
               <a:buNone/>
+              <a:defRPr/>
             </a:pPr>
             <a:endParaRPr lang="de-DE" dirty="0"/>
           </a:p>
           <a:p>
-            <a:pPr marL="0" indent="0">
+            <a:pPr marL="0" indent="0" fontAlgn="auto">
+              <a:spcAft>
+                <a:spcPts val="0"/>
+              </a:spcAft>
+              <a:buFont typeface="Arial" panose="020B0604020202020204" pitchFamily="34" charset="0"/>
               <a:buNone/>
+              <a:defRPr/>
             </a:pPr>
             <a:r>
               <a:rPr lang="de-DE" dirty="0"/>
@@ -5655,8 +6466,13 @@
             </a:r>
           </a:p>
           <a:p>
-            <a:pPr marL="0" indent="0">
+            <a:pPr marL="0" indent="0" fontAlgn="auto">
+              <a:spcAft>
+                <a:spcPts val="0"/>
+              </a:spcAft>
+              <a:buFont typeface="Arial" panose="020B0604020202020204" pitchFamily="34" charset="0"/>
               <a:buNone/>
+              <a:defRPr/>
             </a:pPr>
             <a:r>
               <a:rPr lang="de-DE" dirty="0"/>
@@ -5664,11 +6480,24 @@
             </a:r>
           </a:p>
           <a:p>
+            <a:pPr fontAlgn="auto">
+              <a:spcAft>
+                <a:spcPts val="0"/>
+              </a:spcAft>
+              <a:buFont typeface="Arial" panose="020B0604020202020204" pitchFamily="34" charset="0"/>
+              <a:buChar char="•"/>
+              <a:defRPr/>
+            </a:pPr>
             <a:endParaRPr lang="de-DE" dirty="0"/>
           </a:p>
           <a:p>
-            <a:pPr marL="0" indent="0">
+            <a:pPr marL="0" indent="0" fontAlgn="auto">
+              <a:spcAft>
+                <a:spcPts val="0"/>
+              </a:spcAft>
+              <a:buFont typeface="Arial" panose="020B0604020202020204" pitchFamily="34" charset="0"/>
               <a:buNone/>
+              <a:defRPr/>
             </a:pPr>
             <a:r>
               <a:rPr lang="de-DE" dirty="0"/>
@@ -5676,14 +6505,24 @@
             </a:r>
           </a:p>
           <a:p>
-            <a:pPr marL="0" indent="0">
+            <a:pPr marL="0" indent="0" fontAlgn="auto">
+              <a:spcAft>
+                <a:spcPts val="0"/>
+              </a:spcAft>
+              <a:buFont typeface="Arial" panose="020B0604020202020204" pitchFamily="34" charset="0"/>
               <a:buNone/>
+              <a:defRPr/>
             </a:pPr>
             <a:endParaRPr lang="de-DE" dirty="0"/>
           </a:p>
           <a:p>
-            <a:pPr marL="0" indent="0" algn="ctr">
+            <a:pPr marL="0" indent="0" algn="ctr" fontAlgn="auto">
+              <a:spcAft>
+                <a:spcPts val="0"/>
+              </a:spcAft>
+              <a:buFont typeface="Arial" panose="020B0604020202020204" pitchFamily="34" charset="0"/>
               <a:buNone/>
+              <a:defRPr/>
             </a:pPr>
             <a:r>
               <a:rPr lang="de-DE" b="1" dirty="0"/>
@@ -5695,13 +6534,7 @@
       </p:sp>
       <p:sp>
         <p:nvSpPr>
-          <p:cNvPr id="4" name="AutoShape 2" descr="Bildergebnis für gif euro">
-            <a:extLst>
-              <a:ext uri="{FF2B5EF4-FFF2-40B4-BE49-F238E27FC236}">
-                <a16:creationId xmlns="" xmlns:a16="http://schemas.microsoft.com/office/drawing/2014/main" id="{E4E320B1-CDCB-44B5-96A8-4370940F7F04}"/>
-              </a:ext>
-            </a:extLst>
-          </p:cNvPr>
+          <p:cNvPr id="29699" name="AutoShape 2" descr="Bildergebnis für gif euro"/>
           <p:cNvSpPr>
             <a:spLocks noChangeAspect="1" noChangeArrowheads="1"/>
           </p:cNvSpPr>
@@ -5716,34 +6549,24 @@
             <a:avLst/>
           </a:prstGeom>
           <a:noFill/>
-          <a:extLst>
-            <a:ext uri="{909E8E84-426E-40DD-AFC4-6F175D3DCCD1}">
-              <a14:hiddenFill xmlns:a14="http://schemas.microsoft.com/office/drawing/2010/main">
-                <a:solidFill>
-                  <a:srgbClr val="FFFFFF"/>
-                </a:solidFill>
-              </a14:hiddenFill>
-            </a:ext>
-          </a:extLst>
+          <a:ln w="9525">
+            <a:noFill/>
+            <a:miter lim="800000"/>
+            <a:headEnd/>
+            <a:tailEnd/>
+          </a:ln>
         </p:spPr>
         <p:txBody>
-          <a:bodyPr vert="horz" wrap="square" lIns="91440" tIns="45720" rIns="91440" bIns="45720" numCol="1" anchor="t" anchorCtr="0" compatLnSpc="1">
-            <a:prstTxWarp prst="textNoShape">
-              <a:avLst/>
-            </a:prstTxWarp>
-          </a:bodyPr>
+          <a:bodyPr/>
           <a:lstStyle/>
           <a:p>
-            <a:endParaRPr lang="de-DE"/>
+            <a:endParaRPr lang="de-DE">
+              <a:latin typeface="Calibri" pitchFamily="34" charset="0"/>
+            </a:endParaRPr>
           </a:p>
         </p:txBody>
       </p:sp>
     </p:spTree>
-    <p:extLst>
-      <p:ext uri="{BB962C8B-B14F-4D97-AF65-F5344CB8AC3E}">
-        <p14:creationId xmlns:p14="http://schemas.microsoft.com/office/powerpoint/2010/main" val="636748237"/>
-      </p:ext>
-    </p:extLst>
   </p:cSld>
   <p:clrMapOvr>
     <a:masterClrMapping/>
@@ -5849,13 +6672,7 @@
       </p:grpSpPr>
       <p:sp>
         <p:nvSpPr>
-          <p:cNvPr id="2" name="Titel 1">
-            <a:extLst>
-              <a:ext uri="{FF2B5EF4-FFF2-40B4-BE49-F238E27FC236}">
-                <a16:creationId xmlns="" xmlns:a16="http://schemas.microsoft.com/office/drawing/2014/main" id="{4B9E81D4-DD95-4B32-992B-FFEC4A70B73A}"/>
-              </a:ext>
-            </a:extLst>
-          </p:cNvPr>
+          <p:cNvPr id="31745" name="Titel 1"/>
           <p:cNvSpPr>
             <a:spLocks noGrp="1"/>
           </p:cNvSpPr>
@@ -5869,7 +6686,7 @@
           <a:lstStyle/>
           <a:p>
             <a:r>
-              <a:rPr lang="de-DE" dirty="0"/>
+              <a:rPr lang="de-DE" smtClean="0"/>
               <a:t>Programmablaufplan</a:t>
             </a:r>
           </a:p>
@@ -5877,13 +6694,7 @@
       </p:sp>
       <p:sp>
         <p:nvSpPr>
-          <p:cNvPr id="3" name="Inhaltsplatzhalter 2">
-            <a:extLst>
-              <a:ext uri="{FF2B5EF4-FFF2-40B4-BE49-F238E27FC236}">
-                <a16:creationId xmlns="" xmlns:a16="http://schemas.microsoft.com/office/drawing/2014/main" id="{5774B52F-DFB2-4F6D-8E60-9ABCD730F084}"/>
-              </a:ext>
-            </a:extLst>
-          </p:cNvPr>
+          <p:cNvPr id="31746" name="Inhaltsplatzhalter 2"/>
           <p:cNvSpPr>
             <a:spLocks noGrp="1"/>
           </p:cNvSpPr>
@@ -5897,81 +6708,83 @@
           <a:lstStyle/>
           <a:p>
             <a:pPr marL="0" indent="0">
+              <a:buFont typeface="Arial" charset="0"/>
               <a:buNone/>
             </a:pPr>
             <a:r>
-              <a:rPr lang="de-DE" dirty="0"/>
+              <a:rPr lang="de-DE" smtClean="0"/>
               <a:t>Flussdiagramm:</a:t>
             </a:r>
           </a:p>
           <a:p>
             <a:pPr marL="0" indent="0">
+              <a:buFont typeface="Arial" charset="0"/>
               <a:buNone/>
             </a:pPr>
-            <a:endParaRPr lang="de-DE" dirty="0"/>
+            <a:endParaRPr lang="de-DE" smtClean="0"/>
           </a:p>
           <a:p>
             <a:pPr marL="0" indent="0">
+              <a:buFont typeface="Arial" charset="0"/>
               <a:buNone/>
             </a:pPr>
             <a:r>
-              <a:rPr lang="de-DE" dirty="0"/>
+              <a:rPr lang="de-DE" smtClean="0"/>
               <a:t>Fallprüfung und Speicherung wurden </a:t>
             </a:r>
           </a:p>
           <a:p>
             <a:pPr marL="0" indent="0">
+              <a:buFont typeface="Arial" charset="0"/>
               <a:buNone/>
             </a:pPr>
             <a:r>
-              <a:rPr lang="de-DE" dirty="0"/>
+              <a:rPr lang="de-DE" smtClean="0"/>
               <a:t>zusammengefasst</a:t>
             </a:r>
           </a:p>
           <a:p>
             <a:pPr marL="0" indent="0">
+              <a:buFont typeface="Arial" charset="0"/>
               <a:buNone/>
             </a:pPr>
-            <a:endParaRPr lang="de-DE" dirty="0"/>
+            <a:endParaRPr lang="de-DE" smtClean="0"/>
           </a:p>
         </p:txBody>
       </p:sp>
       <p:pic>
         <p:nvPicPr>
-          <p:cNvPr id="4" name="Grafik 3">
-            <a:extLst>
-              <a:ext uri="{FF2B5EF4-FFF2-40B4-BE49-F238E27FC236}">
-                <a16:creationId xmlns="" xmlns:a16="http://schemas.microsoft.com/office/drawing/2014/main" id="{F2B7CFF8-5EF4-41BA-ABE3-B3A891BF4B55}"/>
-              </a:ext>
-            </a:extLst>
-          </p:cNvPr>
+          <p:cNvPr id="4" name="Grafik 3"/>
           <p:cNvPicPr>
             <a:picLocks noChangeAspect="1"/>
           </p:cNvPicPr>
           <p:nvPr/>
         </p:nvPicPr>
         <p:blipFill>
-          <a:blip r:embed="rId2"/>
+          <a:blip r:embed="rId3"/>
+          <a:srcRect/>
           <a:stretch>
             <a:fillRect/>
           </a:stretch>
         </p:blipFill>
-        <p:spPr>
+        <p:spPr bwMode="auto">
           <a:xfrm>
-            <a:off x="7322074" y="0"/>
-            <a:ext cx="4761452" cy="6858000"/>
+            <a:off x="7321550" y="0"/>
+            <a:ext cx="4762500" cy="6858000"/>
           </a:xfrm>
           <a:prstGeom prst="rect">
             <a:avLst/>
           </a:prstGeom>
+          <a:noFill/>
+          <a:ln w="9525">
+            <a:noFill/>
+            <a:miter lim="800000"/>
+            <a:headEnd/>
+            <a:tailEnd/>
+          </a:ln>
         </p:spPr>
       </p:pic>
     </p:spTree>
-    <p:extLst>
-      <p:ext uri="{BB962C8B-B14F-4D97-AF65-F5344CB8AC3E}">
-        <p14:creationId xmlns:p14="http://schemas.microsoft.com/office/powerpoint/2010/main" val="1324825478"/>
-      </p:ext>
-    </p:extLst>
   </p:cSld>
   <p:clrMapOvr>
     <a:masterClrMapping/>
@@ -6119,13 +6932,7 @@
       </p:grpSpPr>
       <p:sp>
         <p:nvSpPr>
-          <p:cNvPr id="2" name="Titel 1">
-            <a:extLst>
-              <a:ext uri="{FF2B5EF4-FFF2-40B4-BE49-F238E27FC236}">
-                <a16:creationId xmlns="" xmlns:a16="http://schemas.microsoft.com/office/drawing/2014/main" id="{6A5892FC-DBFE-4D3E-B13A-E2F1C0CC2256}"/>
-              </a:ext>
-            </a:extLst>
-          </p:cNvPr>
+          <p:cNvPr id="32769" name="Titel 1"/>
           <p:cNvSpPr>
             <a:spLocks noGrp="1"/>
           </p:cNvSpPr>
@@ -6139,7 +6946,7 @@
           <a:lstStyle/>
           <a:p>
             <a:r>
-              <a:rPr lang="de-DE" dirty="0"/>
+              <a:rPr lang="de-DE" smtClean="0"/>
               <a:t>Datenmodell</a:t>
             </a:r>
           </a:p>
@@ -6147,13 +6954,7 @@
       </p:sp>
       <p:pic>
         <p:nvPicPr>
-          <p:cNvPr id="9" name="Inhaltsplatzhalter 8">
-            <a:extLst>
-              <a:ext uri="{FF2B5EF4-FFF2-40B4-BE49-F238E27FC236}">
-                <a16:creationId xmlns="" xmlns:a16="http://schemas.microsoft.com/office/drawing/2014/main" id="{D63F8477-796D-4700-BCCD-4F3DB9F516EA}"/>
-              </a:ext>
-            </a:extLst>
-          </p:cNvPr>
+          <p:cNvPr id="32770" name="Inhaltsplatzhalter 8"/>
           <p:cNvPicPr>
             <a:picLocks noGrp="1" noChangeAspect="1"/>
           </p:cNvPicPr>
@@ -6163,26 +6964,19 @@
         </p:nvPicPr>
         <p:blipFill>
           <a:blip r:embed="rId2"/>
+          <a:srcRect/>
           <a:stretch>
             <a:fillRect/>
           </a:stretch>
         </p:blipFill>
         <p:spPr>
           <a:xfrm>
-            <a:off x="4285788" y="1825625"/>
-            <a:ext cx="3620424" cy="4351338"/>
+            <a:off x="4286250" y="1825625"/>
+            <a:ext cx="3619500" cy="4351338"/>
           </a:xfrm>
-          <a:prstGeom prst="rect">
-            <a:avLst/>
-          </a:prstGeom>
         </p:spPr>
       </p:pic>
     </p:spTree>
-    <p:extLst>
-      <p:ext uri="{BB962C8B-B14F-4D97-AF65-F5344CB8AC3E}">
-        <p14:creationId xmlns:p14="http://schemas.microsoft.com/office/powerpoint/2010/main" val="3018434883"/>
-      </p:ext>
-    </p:extLst>
   </p:cSld>
   <p:clrMapOvr>
     <a:masterClrMapping/>
@@ -6216,13 +7010,7 @@
       </p:grpSpPr>
       <p:sp>
         <p:nvSpPr>
-          <p:cNvPr id="2" name="Titel 1">
-            <a:extLst>
-              <a:ext uri="{FF2B5EF4-FFF2-40B4-BE49-F238E27FC236}">
-                <a16:creationId xmlns="" xmlns:a16="http://schemas.microsoft.com/office/drawing/2014/main" id="{6A5892FC-DBFE-4D3E-B13A-E2F1C0CC2256}"/>
-              </a:ext>
-            </a:extLst>
-          </p:cNvPr>
+          <p:cNvPr id="33793" name="Titel 1"/>
           <p:cNvSpPr>
             <a:spLocks noGrp="1"/>
           </p:cNvSpPr>
@@ -6236,7 +7024,7 @@
           <a:lstStyle/>
           <a:p>
             <a:r>
-              <a:rPr lang="de-DE" dirty="0"/>
+              <a:rPr lang="de-DE" smtClean="0"/>
               <a:t>Datenmodell</a:t>
             </a:r>
           </a:p>
@@ -6244,13 +7032,7 @@
       </p:sp>
       <p:pic>
         <p:nvPicPr>
-          <p:cNvPr id="4" name="Inhaltsplatzhalter 3">
-            <a:extLst>
-              <a:ext uri="{FF2B5EF4-FFF2-40B4-BE49-F238E27FC236}">
-                <a16:creationId xmlns="" xmlns:a16="http://schemas.microsoft.com/office/drawing/2014/main" id="{F2396138-9F3C-4A25-911B-3203874A3A67}"/>
-              </a:ext>
-            </a:extLst>
-          </p:cNvPr>
+          <p:cNvPr id="4" name="Inhaltsplatzhalter 3"/>
           <p:cNvPicPr>
             <a:picLocks noGrp="1" noChangeAspect="1"/>
           </p:cNvPicPr>
@@ -6260,29 +7042,21 @@
         </p:nvPicPr>
         <p:blipFill>
           <a:blip r:embed="rId2"/>
+          <a:srcRect/>
           <a:stretch>
             <a:fillRect/>
           </a:stretch>
         </p:blipFill>
         <p:spPr>
           <a:xfrm>
-            <a:off x="1489587" y="2371597"/>
+            <a:off x="1489075" y="2371725"/>
             <a:ext cx="8229600" cy="3200400"/>
           </a:xfrm>
-          <a:prstGeom prst="rect">
-            <a:avLst/>
-          </a:prstGeom>
         </p:spPr>
       </p:pic>
       <p:pic>
         <p:nvPicPr>
-          <p:cNvPr id="3" name="Grafik 2">
-            <a:extLst>
-              <a:ext uri="{FF2B5EF4-FFF2-40B4-BE49-F238E27FC236}">
-                <a16:creationId xmlns="" xmlns:a16="http://schemas.microsoft.com/office/drawing/2014/main" id="{5905E8AD-CE61-43AC-B4F0-0B572E6CE4BE}"/>
-              </a:ext>
-            </a:extLst>
-          </p:cNvPr>
+          <p:cNvPr id="3" name="Grafik 2"/>
           <p:cNvPicPr>
             <a:picLocks noChangeAspect="1"/>
           </p:cNvPicPr>
@@ -6290,29 +7064,31 @@
         </p:nvPicPr>
         <p:blipFill>
           <a:blip r:embed="rId3"/>
+          <a:srcRect/>
           <a:stretch>
             <a:fillRect/>
           </a:stretch>
         </p:blipFill>
-        <p:spPr>
+        <p:spPr bwMode="auto">
           <a:xfrm>
-            <a:off x="2617840" y="1727559"/>
-            <a:ext cx="6209071" cy="4979987"/>
+            <a:off x="2617788" y="1727200"/>
+            <a:ext cx="6208712" cy="4979988"/>
           </a:xfrm>
           <a:prstGeom prst="rect">
             <a:avLst/>
           </a:prstGeom>
+          <a:noFill/>
+          <a:ln w="9525">
+            <a:noFill/>
+            <a:miter lim="800000"/>
+            <a:headEnd/>
+            <a:tailEnd/>
+          </a:ln>
         </p:spPr>
       </p:pic>
       <p:pic>
         <p:nvPicPr>
-          <p:cNvPr id="5" name="Grafik 4">
-            <a:extLst>
-              <a:ext uri="{FF2B5EF4-FFF2-40B4-BE49-F238E27FC236}">
-                <a16:creationId xmlns="" xmlns:a16="http://schemas.microsoft.com/office/drawing/2014/main" id="{7161A4EF-114F-42A9-944D-041EE94E33DB}"/>
-              </a:ext>
-            </a:extLst>
-          </p:cNvPr>
+          <p:cNvPr id="5" name="Grafik 4"/>
           <p:cNvPicPr>
             <a:picLocks noChangeAspect="1"/>
           </p:cNvPicPr>
@@ -6320,26 +7096,29 @@
         </p:nvPicPr>
         <p:blipFill>
           <a:blip r:embed="rId4"/>
+          <a:srcRect/>
           <a:stretch>
             <a:fillRect/>
           </a:stretch>
         </p:blipFill>
-        <p:spPr>
+        <p:spPr bwMode="auto">
           <a:xfrm>
-            <a:off x="2383862" y="5154971"/>
+            <a:off x="2384425" y="5154613"/>
             <a:ext cx="6677025" cy="1552575"/>
           </a:xfrm>
           <a:prstGeom prst="rect">
             <a:avLst/>
           </a:prstGeom>
+          <a:noFill/>
+          <a:ln w="9525">
+            <a:noFill/>
+            <a:miter lim="800000"/>
+            <a:headEnd/>
+            <a:tailEnd/>
+          </a:ln>
         </p:spPr>
       </p:pic>
     </p:spTree>
-    <p:extLst>
-      <p:ext uri="{BB962C8B-B14F-4D97-AF65-F5344CB8AC3E}">
-        <p14:creationId xmlns:p14="http://schemas.microsoft.com/office/powerpoint/2010/main" val="4178148343"/>
-      </p:ext>
-    </p:extLst>
   </p:cSld>
   <p:clrMapOvr>
     <a:masterClrMapping/>
@@ -6525,13 +7304,7 @@
       </p:grpSpPr>
       <p:sp>
         <p:nvSpPr>
-          <p:cNvPr id="2" name="Titel 1">
-            <a:extLst>
-              <a:ext uri="{FF2B5EF4-FFF2-40B4-BE49-F238E27FC236}">
-                <a16:creationId xmlns="" xmlns:a16="http://schemas.microsoft.com/office/drawing/2014/main" id="{A6DAC2EB-FBDB-469B-83E3-7431C355CB50}"/>
-              </a:ext>
-            </a:extLst>
-          </p:cNvPr>
+          <p:cNvPr id="34817" name="Titel 1"/>
           <p:cNvSpPr>
             <a:spLocks noGrp="1"/>
           </p:cNvSpPr>
@@ -6545,7 +7318,7 @@
           <a:lstStyle/>
           <a:p>
             <a:r>
-              <a:rPr lang="de-DE" dirty="0"/>
+              <a:rPr lang="de-DE" smtClean="0"/>
               <a:t>Anzeige: Übersicht</a:t>
             </a:r>
           </a:p>
@@ -6553,13 +7326,7 @@
       </p:sp>
       <p:pic>
         <p:nvPicPr>
-          <p:cNvPr id="4" name="Inhaltsplatzhalter 3">
-            <a:extLst>
-              <a:ext uri="{FF2B5EF4-FFF2-40B4-BE49-F238E27FC236}">
-                <a16:creationId xmlns="" xmlns:a16="http://schemas.microsoft.com/office/drawing/2014/main" id="{D54EEABE-B356-49BC-86BA-AEF8057A880E}"/>
-              </a:ext>
-            </a:extLst>
-          </p:cNvPr>
+          <p:cNvPr id="4" name="Inhaltsplatzhalter 3"/>
           <p:cNvPicPr>
             <a:picLocks noGrp="1" noChangeAspect="1"/>
           </p:cNvPicPr>
@@ -6569,26 +7336,19 @@
         </p:nvPicPr>
         <p:blipFill>
           <a:blip r:embed="rId2"/>
+          <a:srcRect/>
           <a:stretch>
             <a:fillRect/>
           </a:stretch>
         </p:blipFill>
         <p:spPr>
           <a:xfrm>
-            <a:off x="3189119" y="1348253"/>
-            <a:ext cx="5962623" cy="4744204"/>
+            <a:off x="3189288" y="1347788"/>
+            <a:ext cx="5962650" cy="4745037"/>
           </a:xfrm>
-          <a:prstGeom prst="rect">
-            <a:avLst/>
-          </a:prstGeom>
         </p:spPr>
       </p:pic>
     </p:spTree>
-    <p:extLst>
-      <p:ext uri="{BB962C8B-B14F-4D97-AF65-F5344CB8AC3E}">
-        <p14:creationId xmlns:p14="http://schemas.microsoft.com/office/powerpoint/2010/main" val="174903478"/>
-      </p:ext>
-    </p:extLst>
   </p:cSld>
   <p:clrMapOvr>
     <a:masterClrMapping/>
@@ -6684,13 +7444,7 @@
       </p:grpSpPr>
       <p:sp>
         <p:nvSpPr>
-          <p:cNvPr id="2" name="Titel 1">
-            <a:extLst>
-              <a:ext uri="{FF2B5EF4-FFF2-40B4-BE49-F238E27FC236}">
-                <a16:creationId xmlns="" xmlns:a16="http://schemas.microsoft.com/office/drawing/2014/main" id="{E7049DCC-8CFD-47DE-973F-3D5DB6887D3E}"/>
-              </a:ext>
-            </a:extLst>
-          </p:cNvPr>
+          <p:cNvPr id="35841" name="Titel 1"/>
           <p:cNvSpPr>
             <a:spLocks noGrp="1"/>
           </p:cNvSpPr>
@@ -6704,7 +7458,7 @@
           <a:lstStyle/>
           <a:p>
             <a:r>
-              <a:rPr lang="de-DE" dirty="0"/>
+              <a:rPr lang="de-DE" smtClean="0"/>
               <a:t>Detailansicht Erfolge</a:t>
             </a:r>
           </a:p>
@@ -6712,13 +7466,7 @@
       </p:sp>
       <p:pic>
         <p:nvPicPr>
-          <p:cNvPr id="4" name="Inhaltsplatzhalter 3">
-            <a:extLst>
-              <a:ext uri="{FF2B5EF4-FFF2-40B4-BE49-F238E27FC236}">
-                <a16:creationId xmlns="" xmlns:a16="http://schemas.microsoft.com/office/drawing/2014/main" id="{BCADC9F2-61D2-4D90-BBFF-18FEE1AA8CB9}"/>
-              </a:ext>
-            </a:extLst>
-          </p:cNvPr>
+          <p:cNvPr id="35842" name="Inhaltsplatzhalter 3"/>
           <p:cNvPicPr>
             <a:picLocks noGrp="1" noChangeAspect="1"/>
           </p:cNvPicPr>
@@ -6728,26 +7476,19 @@
         </p:nvPicPr>
         <p:blipFill>
           <a:blip r:embed="rId2"/>
+          <a:srcRect/>
           <a:stretch>
             <a:fillRect/>
           </a:stretch>
         </p:blipFill>
         <p:spPr>
           <a:xfrm>
-            <a:off x="838200" y="2665831"/>
-            <a:ext cx="10515600" cy="2670925"/>
+            <a:off x="838200" y="2665413"/>
+            <a:ext cx="10515600" cy="2671762"/>
           </a:xfrm>
-          <a:prstGeom prst="rect">
-            <a:avLst/>
-          </a:prstGeom>
         </p:spPr>
       </p:pic>
     </p:spTree>
-    <p:extLst>
-      <p:ext uri="{BB962C8B-B14F-4D97-AF65-F5344CB8AC3E}">
-        <p14:creationId xmlns:p14="http://schemas.microsoft.com/office/powerpoint/2010/main" val="3268895002"/>
-      </p:ext>
-    </p:extLst>
   </p:cSld>
   <p:clrMapOvr>
     <a:masterClrMapping/>
@@ -6781,13 +7522,7 @@
       </p:grpSpPr>
       <p:sp>
         <p:nvSpPr>
-          <p:cNvPr id="2" name="Titel 1">
-            <a:extLst>
-              <a:ext uri="{FF2B5EF4-FFF2-40B4-BE49-F238E27FC236}">
-                <a16:creationId xmlns="" xmlns:a16="http://schemas.microsoft.com/office/drawing/2014/main" id="{8D841784-CD75-494B-8952-BC09EFD95CF9}"/>
-              </a:ext>
-            </a:extLst>
-          </p:cNvPr>
+          <p:cNvPr id="15361" name="Titel 1"/>
           <p:cNvSpPr>
             <a:spLocks noGrp="1"/>
           </p:cNvSpPr>
@@ -6801,7 +7536,7 @@
           <a:lstStyle/>
           <a:p>
             <a:r>
-              <a:rPr lang="de-DE" dirty="0"/>
+              <a:rPr lang="de-DE" smtClean="0"/>
               <a:t>DEKRA Media GmbH</a:t>
             </a:r>
           </a:p>
@@ -6809,13 +7544,7 @@
       </p:sp>
       <p:sp>
         <p:nvSpPr>
-          <p:cNvPr id="3" name="Inhaltsplatzhalter 2">
-            <a:extLst>
-              <a:ext uri="{FF2B5EF4-FFF2-40B4-BE49-F238E27FC236}">
-                <a16:creationId xmlns="" xmlns:a16="http://schemas.microsoft.com/office/drawing/2014/main" id="{1D1955E4-63C2-47CA-8219-34483EC34867}"/>
-              </a:ext>
-            </a:extLst>
-          </p:cNvPr>
+          <p:cNvPr id="3" name="Inhaltsplatzhalter 2"/>
           <p:cNvSpPr>
             <a:spLocks noGrp="1"/>
           </p:cNvSpPr>
@@ -6825,82 +7554,58 @@
         </p:nvSpPr>
         <p:spPr/>
         <p:txBody>
-          <a:bodyPr>
-            <a:normAutofit/>
-          </a:bodyPr>
+          <a:bodyPr/>
           <a:lstStyle/>
           <a:p>
             <a:r>
-              <a:rPr lang="de-DE" dirty="0"/>
+              <a:rPr lang="de-DE" smtClean="0"/>
               <a:t>Ca. 40 Mitarbeiter</a:t>
             </a:r>
           </a:p>
           <a:p>
-            <a:endParaRPr lang="de-DE" dirty="0"/>
-          </a:p>
-          <a:p>
-            <a:r>
-              <a:rPr lang="de-DE" dirty="0"/>
+            <a:endParaRPr lang="de-DE" smtClean="0"/>
+          </a:p>
+          <a:p>
+            <a:r>
+              <a:rPr lang="de-DE" smtClean="0"/>
               <a:t>Sach- und Lehrbüchern </a:t>
             </a:r>
           </a:p>
           <a:p>
             <a:r>
-              <a:rPr lang="de-DE" dirty="0"/>
+              <a:rPr lang="de-DE" smtClean="0"/>
               <a:t>Trainingspräsentationen und Trainingshandouts </a:t>
             </a:r>
           </a:p>
           <a:p>
             <a:r>
-              <a:rPr lang="de-DE" dirty="0"/>
-              <a:t>Web </a:t>
-            </a:r>
-            <a:r>
-              <a:rPr lang="de-DE" dirty="0" err="1"/>
-              <a:t>Based</a:t>
-            </a:r>
-            <a:r>
-              <a:rPr lang="de-DE" dirty="0"/>
-              <a:t> und Computer </a:t>
-            </a:r>
-            <a:r>
-              <a:rPr lang="de-DE" dirty="0" err="1"/>
-              <a:t>Based</a:t>
-            </a:r>
-            <a:r>
-              <a:rPr lang="de-DE" dirty="0"/>
-              <a:t> Trainings bis hin zu mobilen Lernformen/Apps </a:t>
-            </a:r>
-          </a:p>
-          <a:p>
-            <a:r>
-              <a:rPr lang="de-DE" dirty="0"/>
+              <a:rPr lang="de-DE" smtClean="0"/>
+              <a:t>Web Based und Computer Based Trainings bis hin zu mobilen Lernformen/Apps </a:t>
+            </a:r>
+          </a:p>
+          <a:p>
+            <a:r>
+              <a:rPr lang="de-DE" smtClean="0"/>
               <a:t>Lehr- und Produktfilme</a:t>
             </a:r>
           </a:p>
           <a:p>
             <a:r>
-              <a:rPr lang="de-DE" dirty="0"/>
+              <a:rPr lang="de-DE" smtClean="0"/>
               <a:t>Learning- und Training-Management-Systeme </a:t>
             </a:r>
           </a:p>
           <a:p>
-            <a:endParaRPr lang="de-DE" dirty="0"/>
-          </a:p>
-          <a:p>
-            <a:endParaRPr lang="de-DE" dirty="0"/>
-          </a:p>
-        </p:txBody>
-      </p:sp>
-      <p:sp>
-        <p:nvSpPr>
-          <p:cNvPr id="4" name="AutoShape 2" descr="Bildergebnis für dekra media">
-            <a:extLst>
-              <a:ext uri="{FF2B5EF4-FFF2-40B4-BE49-F238E27FC236}">
-                <a16:creationId xmlns="" xmlns:a16="http://schemas.microsoft.com/office/drawing/2014/main" id="{BC37E61F-C166-4C0E-AC48-31941983A202}"/>
-              </a:ext>
-            </a:extLst>
-          </p:cNvPr>
+            <a:endParaRPr lang="de-DE" smtClean="0"/>
+          </a:p>
+          <a:p>
+            <a:endParaRPr lang="de-DE" smtClean="0"/>
+          </a:p>
+        </p:txBody>
+      </p:sp>
+      <p:sp>
+        <p:nvSpPr>
+          <p:cNvPr id="15363" name="AutoShape 2" descr="Bildergebnis für dekra media"/>
           <p:cNvSpPr>
             <a:spLocks noChangeAspect="1" noChangeArrowheads="1"/>
           </p:cNvSpPr>
@@ -6915,37 +7620,26 @@
             <a:avLst/>
           </a:prstGeom>
           <a:noFill/>
-          <a:extLst>
-            <a:ext uri="{909E8E84-426E-40DD-AFC4-6F175D3DCCD1}">
-              <a14:hiddenFill xmlns:a14="http://schemas.microsoft.com/office/drawing/2010/main">
-                <a:solidFill>
-                  <a:srgbClr val="FFFFFF"/>
-                </a:solidFill>
-              </a14:hiddenFill>
-            </a:ext>
-          </a:extLst>
+          <a:ln w="9525">
+            <a:noFill/>
+            <a:miter lim="800000"/>
+            <a:headEnd/>
+            <a:tailEnd/>
+          </a:ln>
         </p:spPr>
         <p:txBody>
-          <a:bodyPr vert="horz" wrap="square" lIns="91440" tIns="45720" rIns="91440" bIns="45720" numCol="1" anchor="t" anchorCtr="0" compatLnSpc="1">
-            <a:prstTxWarp prst="textNoShape">
-              <a:avLst/>
-            </a:prstTxWarp>
-          </a:bodyPr>
+          <a:bodyPr/>
           <a:lstStyle/>
           <a:p>
-            <a:endParaRPr lang="de-DE"/>
-          </a:p>
-        </p:txBody>
-      </p:sp>
-      <p:sp>
-        <p:nvSpPr>
-          <p:cNvPr id="5" name="AutoShape 4" descr="Bildergebnis für dekra media">
-            <a:extLst>
-              <a:ext uri="{FF2B5EF4-FFF2-40B4-BE49-F238E27FC236}">
-                <a16:creationId xmlns="" xmlns:a16="http://schemas.microsoft.com/office/drawing/2014/main" id="{F7671622-B7F7-4323-B303-C5928EFB3450}"/>
-              </a:ext>
-            </a:extLst>
-          </p:cNvPr>
+            <a:endParaRPr lang="de-DE">
+              <a:latin typeface="Calibri" pitchFamily="34" charset="0"/>
+            </a:endParaRPr>
+          </a:p>
+        </p:txBody>
+      </p:sp>
+      <p:sp>
+        <p:nvSpPr>
+          <p:cNvPr id="15364" name="AutoShape 4" descr="Bildergebnis für dekra media"/>
           <p:cNvSpPr>
             <a:spLocks noChangeAspect="1" noChangeArrowheads="1"/>
           </p:cNvSpPr>
@@ -6960,34 +7654,24 @@
             <a:avLst/>
           </a:prstGeom>
           <a:noFill/>
-          <a:extLst>
-            <a:ext uri="{909E8E84-426E-40DD-AFC4-6F175D3DCCD1}">
-              <a14:hiddenFill xmlns:a14="http://schemas.microsoft.com/office/drawing/2010/main">
-                <a:solidFill>
-                  <a:srgbClr val="FFFFFF"/>
-                </a:solidFill>
-              </a14:hiddenFill>
-            </a:ext>
-          </a:extLst>
+          <a:ln w="9525">
+            <a:noFill/>
+            <a:miter lim="800000"/>
+            <a:headEnd/>
+            <a:tailEnd/>
+          </a:ln>
         </p:spPr>
         <p:txBody>
-          <a:bodyPr vert="horz" wrap="square" lIns="91440" tIns="45720" rIns="91440" bIns="45720" numCol="1" anchor="t" anchorCtr="0" compatLnSpc="1">
-            <a:prstTxWarp prst="textNoShape">
-              <a:avLst/>
-            </a:prstTxWarp>
-          </a:bodyPr>
+          <a:bodyPr/>
           <a:lstStyle/>
           <a:p>
-            <a:endParaRPr lang="de-DE"/>
+            <a:endParaRPr lang="de-DE">
+              <a:latin typeface="Calibri" pitchFamily="34" charset="0"/>
+            </a:endParaRPr>
           </a:p>
         </p:txBody>
       </p:sp>
     </p:spTree>
-    <p:extLst>
-      <p:ext uri="{BB962C8B-B14F-4D97-AF65-F5344CB8AC3E}">
-        <p14:creationId xmlns:p14="http://schemas.microsoft.com/office/powerpoint/2010/main" val="3867897071"/>
-      </p:ext>
-    </p:extLst>
   </p:cSld>
   <p:clrMapOvr>
     <a:masterClrMapping/>
@@ -7220,7 +7904,7 @@
       </p:grpSpPr>
       <p:sp>
         <p:nvSpPr>
-          <p:cNvPr id="2" name="Titel 1"/>
+          <p:cNvPr id="36865" name="Titel 1"/>
           <p:cNvSpPr>
             <a:spLocks noGrp="1"/>
           </p:cNvSpPr>
@@ -7234,49 +7918,62 @@
           <a:lstStyle/>
           <a:p>
             <a:r>
+              <a:rPr lang="de-DE" smtClean="0"/>
+              <a:t>Fazit</a:t>
+            </a:r>
+          </a:p>
+        </p:txBody>
+      </p:sp>
+      <p:sp>
+        <p:nvSpPr>
+          <p:cNvPr id="3" name="Inhaltsplatzhalter 2"/>
+          <p:cNvSpPr>
+            <a:spLocks noGrp="1"/>
+          </p:cNvSpPr>
+          <p:nvPr>
+            <p:ph idx="1"/>
+          </p:nvPr>
+        </p:nvSpPr>
+        <p:spPr/>
+        <p:txBody>
+          <a:bodyPr rtlCol="0">
+            <a:normAutofit/>
+          </a:bodyPr>
+          <a:lstStyle/>
+          <a:p>
+            <a:pPr fontAlgn="auto">
+              <a:spcAft>
+                <a:spcPts val="0"/>
+              </a:spcAft>
+              <a:buFont typeface="Arial" panose="020B0604020202020204" pitchFamily="34" charset="0"/>
+              <a:buChar char="•"/>
+              <a:defRPr/>
+            </a:pPr>
+            <a:endParaRPr lang="de-DE" dirty="0" smtClean="0"/>
+          </a:p>
+          <a:p>
+            <a:pPr fontAlgn="auto">
+              <a:spcAft>
+                <a:spcPts val="0"/>
+              </a:spcAft>
+              <a:buFont typeface="Arial" panose="020B0604020202020204" pitchFamily="34" charset="0"/>
+              <a:buChar char="•"/>
+              <a:defRPr/>
+            </a:pPr>
+            <a:r>
               <a:rPr lang="de-DE" dirty="0" smtClean="0"/>
-              <a:t>Fazit</a:t>
-            </a:r>
-            <a:endParaRPr lang="de-DE" dirty="0"/>
-          </a:p>
-        </p:txBody>
-      </p:sp>
-      <p:sp>
-        <p:nvSpPr>
-          <p:cNvPr id="3" name="Inhaltsplatzhalter 2"/>
-          <p:cNvSpPr>
-            <a:spLocks noGrp="1"/>
-          </p:cNvSpPr>
-          <p:nvPr>
-            <p:ph idx="1"/>
-          </p:nvPr>
-        </p:nvSpPr>
-        <p:spPr/>
-        <p:txBody>
-          <a:bodyPr/>
-          <a:lstStyle/>
-          <a:p>
-            <a:endParaRPr lang="de-DE" dirty="0" smtClean="0"/>
-          </a:p>
-          <a:p>
-            <a:r>
-              <a:rPr lang="de-DE" dirty="0" smtClean="0"/>
-              <a:t>Vorgaben </a:t>
-            </a:r>
-            <a:r>
-              <a:rPr lang="de-DE" dirty="0" smtClean="0"/>
-              <a:t>aus dem </a:t>
-            </a:r>
-            <a:r>
-              <a:rPr lang="de-DE" dirty="0" smtClean="0"/>
-              <a:t>Pflichtenheft   </a:t>
-            </a:r>
-            <a:r>
-              <a:rPr lang="de-DE" dirty="0" smtClean="0"/>
-              <a:t>✔</a:t>
-            </a:r>
-          </a:p>
-          <a:p>
+              <a:t>Vorgaben aus dem Pflichtenheft   ✔</a:t>
+            </a:r>
+          </a:p>
+          <a:p>
+            <a:pPr fontAlgn="auto">
+              <a:spcAft>
+                <a:spcPts val="0"/>
+              </a:spcAft>
+              <a:buFont typeface="Arial" panose="020B0604020202020204" pitchFamily="34" charset="0"/>
+              <a:buChar char="•"/>
+              <a:defRPr/>
+            </a:pPr>
             <a:r>
               <a:rPr lang="de-DE" dirty="0"/>
               <a:t>Funktionalität   ✔ </a:t>
@@ -7285,41 +7982,60 @@
               <a:rPr lang="de-DE" dirty="0" smtClean="0"/>
               <a:t>  </a:t>
             </a:r>
-            <a:endParaRPr lang="de-DE" dirty="0" smtClean="0"/>
-          </a:p>
-          <a:p>
+          </a:p>
+          <a:p>
+            <a:pPr fontAlgn="auto">
+              <a:spcAft>
+                <a:spcPts val="0"/>
+              </a:spcAft>
+              <a:buFont typeface="Arial" panose="020B0604020202020204" pitchFamily="34" charset="0"/>
+              <a:buChar char="•"/>
+              <a:defRPr/>
+            </a:pPr>
             <a:r>
               <a:rPr lang="de-DE" dirty="0" smtClean="0"/>
-              <a:t>Praxiseinsatz   </a:t>
-            </a:r>
-            <a:r>
-              <a:rPr lang="de-DE" dirty="0" smtClean="0"/>
-              <a:t>✔</a:t>
-            </a:r>
-          </a:p>
-          <a:p>
+              <a:t>Praxiseinsatz   ✔</a:t>
+            </a:r>
+          </a:p>
+          <a:p>
+            <a:pPr fontAlgn="auto">
+              <a:spcAft>
+                <a:spcPts val="0"/>
+              </a:spcAft>
+              <a:buFont typeface="Arial" panose="020B0604020202020204" pitchFamily="34" charset="0"/>
+              <a:buChar char="•"/>
+              <a:defRPr/>
+            </a:pPr>
             <a:r>
               <a:rPr lang="de-DE" dirty="0" smtClean="0"/>
               <a:t>Aussicht</a:t>
             </a:r>
           </a:p>
           <a:p>
+            <a:pPr fontAlgn="auto">
+              <a:spcAft>
+                <a:spcPts val="0"/>
+              </a:spcAft>
+              <a:buFont typeface="Arial" panose="020B0604020202020204" pitchFamily="34" charset="0"/>
+              <a:buChar char="•"/>
+              <a:defRPr/>
+            </a:pPr>
             <a:endParaRPr lang="de-DE" dirty="0"/>
           </a:p>
           <a:p>
-            <a:pPr marL="0" indent="0">
+            <a:pPr marL="0" indent="0" fontAlgn="auto">
+              <a:spcAft>
+                <a:spcPts val="0"/>
+              </a:spcAft>
+              <a:buFont typeface="Arial" panose="020B0604020202020204" pitchFamily="34" charset="0"/>
               <a:buNone/>
+              <a:defRPr/>
             </a:pPr>
             <a:endParaRPr lang="de-DE" dirty="0"/>
           </a:p>
         </p:txBody>
       </p:sp>
     </p:spTree>
-    <p:extLst>
-      <p:ext uri="{BB962C8B-B14F-4D97-AF65-F5344CB8AC3E}">
-        <p14:creationId xmlns:p14="http://schemas.microsoft.com/office/powerpoint/2010/main" val="2814264608"/>
-      </p:ext>
-    </p:extLst>
   </p:cSld>
   <p:clrMapOvr>
     <a:masterClrMapping/>
@@ -7575,55 +8291,54 @@
       </p:grpSpPr>
       <p:sp>
         <p:nvSpPr>
-          <p:cNvPr id="2" name="Titel 1">
+          <p:cNvPr id="16385" name="Titel 1"/>
+          <p:cNvSpPr>
+            <a:spLocks noGrp="1"/>
+          </p:cNvSpPr>
+          <p:nvPr>
+            <p:ph type="title"/>
+          </p:nvPr>
+        </p:nvSpPr>
+        <p:spPr/>
+        <p:txBody>
+          <a:bodyPr/>
+          <a:lstStyle/>
+          <a:p>
+            <a:r>
+              <a:rPr lang="de-DE" smtClean="0"/>
+              <a:t>Projektziel</a:t>
+            </a:r>
+          </a:p>
+        </p:txBody>
+      </p:sp>
+      <p:sp>
+        <p:nvSpPr>
+          <p:cNvPr id="3" name="Inhaltsplatzhalter 2">
             <a:extLst>
-              <a:ext uri="{FF2B5EF4-FFF2-40B4-BE49-F238E27FC236}">
-                <a16:creationId xmlns="" xmlns:a16="http://schemas.microsoft.com/office/drawing/2014/main" id="{D1DB8172-FA18-46B6-B99F-9749DF6F68AA}"/>
-              </a:ext>
+              <a:ext uri="{FF2B5EF4-FFF2-40B4-BE49-F238E27FC236}"/>
             </a:extLst>
           </p:cNvPr>
           <p:cNvSpPr>
             <a:spLocks noGrp="1"/>
           </p:cNvSpPr>
           <p:nvPr>
-            <p:ph type="title"/>
+            <p:ph idx="1"/>
           </p:nvPr>
         </p:nvSpPr>
         <p:spPr/>
         <p:txBody>
-          <a:bodyPr/>
+          <a:bodyPr rtlCol="0">
+            <a:normAutofit/>
+          </a:bodyPr>
           <a:lstStyle/>
           <a:p>
-            <a:r>
-              <a:rPr lang="de-DE" dirty="0"/>
-              <a:t>Projektziel</a:t>
-            </a:r>
-          </a:p>
-        </p:txBody>
-      </p:sp>
-      <p:sp>
-        <p:nvSpPr>
-          <p:cNvPr id="3" name="Inhaltsplatzhalter 2">
-            <a:extLst>
-              <a:ext uri="{FF2B5EF4-FFF2-40B4-BE49-F238E27FC236}">
-                <a16:creationId xmlns="" xmlns:a16="http://schemas.microsoft.com/office/drawing/2014/main" id="{566451EC-9B14-4E72-B801-DBD58CE76DFE}"/>
-              </a:ext>
-            </a:extLst>
-          </p:cNvPr>
-          <p:cNvSpPr>
-            <a:spLocks noGrp="1"/>
-          </p:cNvSpPr>
-          <p:nvPr>
-            <p:ph idx="1"/>
-          </p:nvPr>
-        </p:nvSpPr>
-        <p:spPr/>
-        <p:txBody>
-          <a:bodyPr/>
-          <a:lstStyle/>
-          <a:p>
-            <a:pPr marL="0" indent="0">
+            <a:pPr marL="0" indent="0" fontAlgn="auto">
+              <a:spcAft>
+                <a:spcPts val="0"/>
+              </a:spcAft>
+              <a:buFont typeface="Arial" panose="020B0604020202020204" pitchFamily="34" charset="0"/>
               <a:buNone/>
+              <a:defRPr/>
             </a:pPr>
             <a:r>
               <a:rPr lang="de-DE" dirty="0"/>
@@ -7631,33 +8346,78 @@
             </a:r>
           </a:p>
           <a:p>
-            <a:pPr marL="0" indent="0">
+            <a:pPr marL="0" indent="0" fontAlgn="auto">
+              <a:spcAft>
+                <a:spcPts val="0"/>
+              </a:spcAft>
+              <a:buFont typeface="Arial" panose="020B0604020202020204" pitchFamily="34" charset="0"/>
               <a:buNone/>
+              <a:defRPr/>
             </a:pPr>
             <a:endParaRPr lang="de-DE" dirty="0"/>
           </a:p>
           <a:p>
+            <a:pPr fontAlgn="auto">
+              <a:spcAft>
+                <a:spcPts val="0"/>
+              </a:spcAft>
+              <a:buFont typeface="Arial" panose="020B0604020202020204" pitchFamily="34" charset="0"/>
+              <a:buChar char="•"/>
+              <a:defRPr/>
+            </a:pPr>
             <a:r>
               <a:rPr lang="de-DE" dirty="0"/>
               <a:t>Steigerung der Lernmotivation</a:t>
             </a:r>
           </a:p>
           <a:p>
+            <a:pPr fontAlgn="auto">
+              <a:spcAft>
+                <a:spcPts val="0"/>
+              </a:spcAft>
+              <a:buFont typeface="Arial" panose="020B0604020202020204" pitchFamily="34" charset="0"/>
+              <a:buChar char="•"/>
+              <a:defRPr/>
+            </a:pPr>
             <a:r>
               <a:rPr lang="de-DE" dirty="0"/>
               <a:t>Regelmäßige / häufigere  Nutzung</a:t>
             </a:r>
           </a:p>
           <a:p>
+            <a:pPr fontAlgn="auto">
+              <a:spcAft>
+                <a:spcPts val="0"/>
+              </a:spcAft>
+              <a:buFont typeface="Arial" panose="020B0604020202020204" pitchFamily="34" charset="0"/>
+              <a:buChar char="•"/>
+              <a:defRPr/>
+            </a:pPr>
             <a:endParaRPr lang="de-DE" dirty="0"/>
           </a:p>
           <a:p>
+            <a:pPr fontAlgn="auto">
+              <a:spcAft>
+                <a:spcPts val="0"/>
+              </a:spcAft>
+              <a:buFont typeface="Arial" panose="020B0604020202020204" pitchFamily="34" charset="0"/>
+              <a:buChar char="•"/>
+              <a:defRPr/>
+            </a:pPr>
             <a:r>
               <a:rPr lang="de-DE" dirty="0"/>
               <a:t>Nur für den Azubi sichtbar</a:t>
             </a:r>
           </a:p>
           <a:p>
+            <a:pPr fontAlgn="auto">
+              <a:spcAft>
+                <a:spcPts val="0"/>
+              </a:spcAft>
+              <a:buFont typeface="Arial" panose="020B0604020202020204" pitchFamily="34" charset="0"/>
+              <a:buChar char="•"/>
+              <a:defRPr/>
+            </a:pPr>
             <a:r>
               <a:rPr lang="de-DE" dirty="0"/>
               <a:t>Einmal erreichte Auszeichnungen sollen dauerhaft </a:t>
@@ -7668,31 +8428,52 @@
             </a:r>
           </a:p>
           <a:p>
+            <a:pPr fontAlgn="auto">
+              <a:spcAft>
+                <a:spcPts val="0"/>
+              </a:spcAft>
+              <a:buFont typeface="Arial" panose="020B0604020202020204" pitchFamily="34" charset="0"/>
+              <a:buChar char="•"/>
+              <a:defRPr/>
+            </a:pPr>
             <a:endParaRPr lang="de-DE" dirty="0"/>
           </a:p>
           <a:p>
+            <a:pPr fontAlgn="auto">
+              <a:spcAft>
+                <a:spcPts val="0"/>
+              </a:spcAft>
+              <a:buFont typeface="Arial" panose="020B0604020202020204" pitchFamily="34" charset="0"/>
+              <a:buChar char="•"/>
+              <a:defRPr/>
+            </a:pPr>
             <a:endParaRPr lang="de-DE" dirty="0"/>
           </a:p>
           <a:p>
-            <a:pPr marL="0" indent="0">
+            <a:pPr marL="0" indent="0" fontAlgn="auto">
+              <a:spcAft>
+                <a:spcPts val="0"/>
+              </a:spcAft>
+              <a:buFont typeface="Arial" panose="020B0604020202020204" pitchFamily="34" charset="0"/>
               <a:buNone/>
+              <a:defRPr/>
             </a:pPr>
             <a:endParaRPr lang="de-DE" dirty="0"/>
           </a:p>
           <a:p>
-            <a:pPr marL="0" indent="0">
+            <a:pPr marL="0" indent="0" fontAlgn="auto">
+              <a:spcAft>
+                <a:spcPts val="0"/>
+              </a:spcAft>
+              <a:buFont typeface="Arial" panose="020B0604020202020204" pitchFamily="34" charset="0"/>
               <a:buNone/>
+              <a:defRPr/>
             </a:pPr>
             <a:endParaRPr lang="de-DE" dirty="0"/>
           </a:p>
         </p:txBody>
       </p:sp>
     </p:spTree>
-    <p:extLst>
-      <p:ext uri="{BB962C8B-B14F-4D97-AF65-F5344CB8AC3E}">
-        <p14:creationId xmlns:p14="http://schemas.microsoft.com/office/powerpoint/2010/main" val="1547934341"/>
-      </p:ext>
-    </p:extLst>
   </p:cSld>
   <p:clrMapOvr>
     <a:masterClrMapping/>
@@ -7726,13 +8507,7 @@
       </p:grpSpPr>
       <p:sp>
         <p:nvSpPr>
-          <p:cNvPr id="2" name="Titel 1">
-            <a:extLst>
-              <a:ext uri="{FF2B5EF4-FFF2-40B4-BE49-F238E27FC236}">
-                <a16:creationId xmlns="" xmlns:a16="http://schemas.microsoft.com/office/drawing/2014/main" id="{57A7D1AF-ECDA-4992-B356-7F17EE99EA6B}"/>
-              </a:ext>
-            </a:extLst>
-          </p:cNvPr>
+          <p:cNvPr id="20481" name="Titel 1"/>
           <p:cNvSpPr>
             <a:spLocks noGrp="1"/>
           </p:cNvSpPr>
@@ -7746,21 +8521,15 @@
           <a:lstStyle/>
           <a:p>
             <a:r>
-              <a:rPr lang="de-DE" dirty="0"/>
-              <a:t>Projektziel</a:t>
+              <a:rPr lang="de-DE" smtClean="0"/>
+              <a:t>Zielplattform</a:t>
             </a:r>
           </a:p>
         </p:txBody>
       </p:sp>
       <p:pic>
         <p:nvPicPr>
-          <p:cNvPr id="4" name="Inhaltsplatzhalter 3">
-            <a:extLst>
-              <a:ext uri="{FF2B5EF4-FFF2-40B4-BE49-F238E27FC236}">
-                <a16:creationId xmlns="" xmlns:a16="http://schemas.microsoft.com/office/drawing/2014/main" id="{CF65CBB4-A99D-49CC-A36B-696F80C1E9A4}"/>
-              </a:ext>
-            </a:extLst>
-          </p:cNvPr>
+          <p:cNvPr id="20482" name="Inhaltsplatzhalter 12"/>
           <p:cNvPicPr>
             <a:picLocks noGrp="1" noChangeAspect="1"/>
           </p:cNvPicPr>
@@ -7769,27 +8538,84 @@
           </p:nvPr>
         </p:nvPicPr>
         <p:blipFill>
-          <a:blip r:embed="rId2"/>
+          <a:blip r:embed="rId3"/>
+          <a:srcRect/>
           <a:stretch>
             <a:fillRect/>
           </a:stretch>
         </p:blipFill>
         <p:spPr>
           <a:xfrm>
-            <a:off x="2090697" y="1825625"/>
-            <a:ext cx="8010605" cy="4351338"/>
+            <a:off x="1720850" y="2713038"/>
+            <a:ext cx="2857500" cy="1685925"/>
+          </a:xfrm>
+        </p:spPr>
+      </p:pic>
+      <p:pic>
+        <p:nvPicPr>
+          <p:cNvPr id="20483" name="Grafik 23"/>
+          <p:cNvPicPr>
+            <a:picLocks noChangeAspect="1"/>
+          </p:cNvPicPr>
+          <p:nvPr/>
+        </p:nvPicPr>
+        <p:blipFill>
+          <a:blip r:embed="rId4"/>
+          <a:srcRect/>
+          <a:stretch>
+            <a:fillRect/>
+          </a:stretch>
+        </p:blipFill>
+        <p:spPr bwMode="auto">
+          <a:xfrm>
+            <a:off x="5499100" y="2671763"/>
+            <a:ext cx="1727200" cy="1727200"/>
           </a:xfrm>
           <a:prstGeom prst="rect">
             <a:avLst/>
           </a:prstGeom>
+          <a:noFill/>
+          <a:ln w="9525">
+            <a:noFill/>
+            <a:miter lim="800000"/>
+            <a:headEnd/>
+            <a:tailEnd/>
+          </a:ln>
+        </p:spPr>
+      </p:pic>
+      <p:pic>
+        <p:nvPicPr>
+          <p:cNvPr id="20484" name="Grafik 27"/>
+          <p:cNvPicPr>
+            <a:picLocks noChangeAspect="1"/>
+          </p:cNvPicPr>
+          <p:nvPr/>
+        </p:nvPicPr>
+        <p:blipFill>
+          <a:blip r:embed="rId5"/>
+          <a:srcRect/>
+          <a:stretch>
+            <a:fillRect/>
+          </a:stretch>
+        </p:blipFill>
+        <p:spPr bwMode="auto">
+          <a:xfrm>
+            <a:off x="8502650" y="2901950"/>
+            <a:ext cx="1098550" cy="1268413"/>
+          </a:xfrm>
+          <a:prstGeom prst="rect">
+            <a:avLst/>
+          </a:prstGeom>
+          <a:noFill/>
+          <a:ln w="9525">
+            <a:noFill/>
+            <a:miter lim="800000"/>
+            <a:headEnd/>
+            <a:tailEnd/>
+          </a:ln>
         </p:spPr>
       </p:pic>
     </p:spTree>
-    <p:extLst>
-      <p:ext uri="{BB962C8B-B14F-4D97-AF65-F5344CB8AC3E}">
-        <p14:creationId xmlns:p14="http://schemas.microsoft.com/office/powerpoint/2010/main" val="2141439856"/>
-      </p:ext>
-    </p:extLst>
   </p:cSld>
   <p:clrMapOvr>
     <a:masterClrMapping/>
@@ -7823,13 +8649,7 @@
       </p:grpSpPr>
       <p:sp>
         <p:nvSpPr>
-          <p:cNvPr id="2" name="Titel 1">
-            <a:extLst>
-              <a:ext uri="{FF2B5EF4-FFF2-40B4-BE49-F238E27FC236}">
-                <a16:creationId xmlns="" xmlns:a16="http://schemas.microsoft.com/office/drawing/2014/main" id="{68967AD6-4B66-499C-9709-D93450027A3F}"/>
-              </a:ext>
-            </a:extLst>
-          </p:cNvPr>
+          <p:cNvPr id="17409" name="Titel 1"/>
           <p:cNvSpPr>
             <a:spLocks noGrp="1"/>
           </p:cNvSpPr>
@@ -7843,21 +8663,15 @@
           <a:lstStyle/>
           <a:p>
             <a:r>
-              <a:rPr lang="de-DE" dirty="0"/>
-              <a:t>Ausgangssituation</a:t>
+              <a:rPr lang="de-DE" smtClean="0"/>
+              <a:t>Projektziel</a:t>
             </a:r>
           </a:p>
         </p:txBody>
       </p:sp>
       <p:pic>
         <p:nvPicPr>
-          <p:cNvPr id="4" name="Inhaltsplatzhalter 3">
-            <a:extLst>
-              <a:ext uri="{FF2B5EF4-FFF2-40B4-BE49-F238E27FC236}">
-                <a16:creationId xmlns="" xmlns:a16="http://schemas.microsoft.com/office/drawing/2014/main" id="{0503B92E-9ED4-4677-8CFC-62E55880550E}"/>
-              </a:ext>
-            </a:extLst>
-          </p:cNvPr>
+          <p:cNvPr id="17410" name="Inhaltsplatzhalter 3"/>
           <p:cNvPicPr>
             <a:picLocks noGrp="1" noChangeAspect="1"/>
           </p:cNvPicPr>
@@ -7867,35 +8681,30 @@
         </p:nvPicPr>
         <p:blipFill>
           <a:blip r:embed="rId2"/>
+          <a:srcRect/>
           <a:stretch>
             <a:fillRect/>
           </a:stretch>
         </p:blipFill>
         <p:spPr>
           <a:xfrm>
-            <a:off x="1838130" y="1809161"/>
-            <a:ext cx="8557621" cy="4367802"/>
+            <a:off x="2090738" y="1825625"/>
+            <a:ext cx="8010525" cy="4351338"/>
           </a:xfrm>
-          <a:prstGeom prst="rect">
-            <a:avLst/>
-          </a:prstGeom>
-          <a:ln>
-            <a:solidFill>
-              <a:schemeClr val="accent1"/>
-            </a:solidFill>
-          </a:ln>
         </p:spPr>
       </p:pic>
     </p:spTree>
-    <p:extLst>
-      <p:ext uri="{BB962C8B-B14F-4D97-AF65-F5344CB8AC3E}">
-        <p14:creationId xmlns:p14="http://schemas.microsoft.com/office/powerpoint/2010/main" val="1562225812"/>
-      </p:ext>
-    </p:extLst>
   </p:cSld>
   <p:clrMapOvr>
     <a:masterClrMapping/>
   </p:clrMapOvr>
+  <p:timing>
+    <p:tnLst>
+      <p:par>
+        <p:cTn id="1" dur="indefinite" restart="never" nodeType="tmRoot"/>
+      </p:par>
+    </p:tnLst>
+  </p:timing>
 </p:sld>
 </file>
 
@@ -7918,13 +8727,7 @@
       </p:grpSpPr>
       <p:sp>
         <p:nvSpPr>
-          <p:cNvPr id="2" name="Titel 1">
-            <a:extLst>
-              <a:ext uri="{FF2B5EF4-FFF2-40B4-BE49-F238E27FC236}">
-                <a16:creationId xmlns="" xmlns:a16="http://schemas.microsoft.com/office/drawing/2014/main" id="{D47BB04B-ED8B-4809-9C01-AB828EF993C8}"/>
-              </a:ext>
-            </a:extLst>
-          </p:cNvPr>
+          <p:cNvPr id="18433" name="Titel 1"/>
           <p:cNvSpPr>
             <a:spLocks noGrp="1"/>
           </p:cNvSpPr>
@@ -7938,127 +8741,42 @@
           <a:lstStyle/>
           <a:p>
             <a:r>
-              <a:rPr lang="de-DE" dirty="0"/>
-              <a:t>Ist-Analyse</a:t>
-            </a:r>
-          </a:p>
-        </p:txBody>
-      </p:sp>
-      <p:sp>
-        <p:nvSpPr>
-          <p:cNvPr id="9" name="Inhaltsplatzhalter 8">
-            <a:extLst>
-              <a:ext uri="{FF2B5EF4-FFF2-40B4-BE49-F238E27FC236}">
-                <a16:creationId xmlns="" xmlns:a16="http://schemas.microsoft.com/office/drawing/2014/main" id="{F98C8157-60D9-4BAE-8BCC-69E55AFBDE2B}"/>
-              </a:ext>
-            </a:extLst>
-          </p:cNvPr>
-          <p:cNvSpPr>
-            <a:spLocks noGrp="1"/>
-          </p:cNvSpPr>
-          <p:nvPr>
-            <p:ph idx="1"/>
-          </p:nvPr>
-        </p:nvSpPr>
-        <p:spPr/>
-        <p:txBody>
-          <a:bodyPr/>
-          <a:lstStyle/>
-          <a:p>
-            <a:pPr marL="0" indent="0">
-              <a:buNone/>
-            </a:pPr>
-            <a:r>
-              <a:rPr lang="de-DE" dirty="0"/>
-              <a:t>	Das Karteikarten-Prinzip</a:t>
-            </a:r>
-          </a:p>
-          <a:p>
-            <a:pPr marL="0" indent="0">
-              <a:buNone/>
-            </a:pPr>
-            <a:endParaRPr lang="de-DE" dirty="0"/>
+              <a:rPr lang="de-DE" smtClean="0"/>
+              <a:t>Ausgangssituation</a:t>
+            </a:r>
           </a:p>
         </p:txBody>
       </p:sp>
       <p:pic>
         <p:nvPicPr>
-          <p:cNvPr id="11" name="Grafik 10">
-            <a:extLst>
-              <a:ext uri="{FF2B5EF4-FFF2-40B4-BE49-F238E27FC236}">
-                <a16:creationId xmlns="" xmlns:a16="http://schemas.microsoft.com/office/drawing/2014/main" id="{7876F6B8-BCD2-43BC-A73C-8FD69C02E377}"/>
-              </a:ext>
-            </a:extLst>
-          </p:cNvPr>
+          <p:cNvPr id="18434" name="Inhaltsplatzhalter 3"/>
           <p:cNvPicPr>
-            <a:picLocks noChangeAspect="1"/>
+            <a:picLocks noGrp="1" noChangeAspect="1"/>
           </p:cNvPicPr>
-          <p:nvPr/>
+          <p:nvPr>
+            <p:ph idx="1"/>
+          </p:nvPr>
         </p:nvPicPr>
         <p:blipFill>
-          <a:blip r:embed="rId2">
-            <a:extLst>
-              <a:ext uri="{28A0092B-C50C-407E-A947-70E740481C1C}">
-                <a14:useLocalDpi xmlns:a14="http://schemas.microsoft.com/office/drawing/2010/main" val="0"/>
-              </a:ext>
-            </a:extLst>
-          </a:blip>
+          <a:blip r:embed="rId2"/>
+          <a:srcRect/>
           <a:stretch>
             <a:fillRect/>
           </a:stretch>
         </p:blipFill>
         <p:spPr>
           <a:xfrm>
-            <a:off x="345763" y="2762362"/>
-            <a:ext cx="5394612" cy="2477864"/>
+            <a:off x="1838325" y="1809750"/>
+            <a:ext cx="8558213" cy="4367213"/>
           </a:xfrm>
-          <a:prstGeom prst="rect">
-            <a:avLst/>
-          </a:prstGeom>
-        </p:spPr>
-      </p:pic>
-      <p:pic>
-        <p:nvPicPr>
-          <p:cNvPr id="10" name="Grafik 9">
-            <a:extLst>
-              <a:ext uri="{FF2B5EF4-FFF2-40B4-BE49-F238E27FC236}">
-                <a16:creationId xmlns="" xmlns:a16="http://schemas.microsoft.com/office/drawing/2014/main" id="{9E405220-9B7E-423F-B860-B2C545DE7948}"/>
-              </a:ext>
-            </a:extLst>
-          </p:cNvPr>
-          <p:cNvPicPr>
-            <a:picLocks noChangeAspect="1"/>
-          </p:cNvPicPr>
-          <p:nvPr/>
-        </p:nvPicPr>
-        <p:blipFill>
-          <a:blip r:embed="rId3">
-            <a:extLst>
-              <a:ext uri="{28A0092B-C50C-407E-A947-70E740481C1C}">
-                <a14:useLocalDpi xmlns:a14="http://schemas.microsoft.com/office/drawing/2010/main" val="0"/>
-              </a:ext>
-            </a:extLst>
-          </a:blip>
-          <a:stretch>
-            <a:fillRect/>
-          </a:stretch>
-        </p:blipFill>
-        <p:spPr>
-          <a:xfrm>
-            <a:off x="6006614" y="2762362"/>
-            <a:ext cx="5902216" cy="2477864"/>
-          </a:xfrm>
-          <a:prstGeom prst="rect">
-            <a:avLst/>
-          </a:prstGeom>
+          <a:ln>
+            <a:solidFill>
+              <a:schemeClr val="accent1"/>
+            </a:solidFill>
+          </a:ln>
         </p:spPr>
       </p:pic>
     </p:spTree>
-    <p:extLst>
-      <p:ext uri="{BB962C8B-B14F-4D97-AF65-F5344CB8AC3E}">
-        <p14:creationId xmlns:p14="http://schemas.microsoft.com/office/powerpoint/2010/main" val="596445241"/>
-      </p:ext>
-    </p:extLst>
   </p:cSld>
   <p:clrMapOvr>
     <a:masterClrMapping/>
@@ -8085,13 +8803,7 @@
       </p:grpSpPr>
       <p:sp>
         <p:nvSpPr>
-          <p:cNvPr id="2" name="Titel 1">
-            <a:extLst>
-              <a:ext uri="{FF2B5EF4-FFF2-40B4-BE49-F238E27FC236}">
-                <a16:creationId xmlns="" xmlns:a16="http://schemas.microsoft.com/office/drawing/2014/main" id="{17A18140-6249-434C-B4C4-970BB70D228B}"/>
-              </a:ext>
-            </a:extLst>
-          </p:cNvPr>
+          <p:cNvPr id="19457" name="Titel 1"/>
           <p:cNvSpPr>
             <a:spLocks noGrp="1"/>
           </p:cNvSpPr>
@@ -8105,136 +8817,114 @@
           <a:lstStyle/>
           <a:p>
             <a:r>
-              <a:rPr lang="de-DE" dirty="0"/>
-              <a:t>Zielplattform</a:t>
-            </a:r>
+              <a:rPr lang="de-DE" smtClean="0"/>
+              <a:t>Ist-Analyse</a:t>
+            </a:r>
+          </a:p>
+        </p:txBody>
+      </p:sp>
+      <p:sp>
+        <p:nvSpPr>
+          <p:cNvPr id="19458" name="Inhaltsplatzhalter 8"/>
+          <p:cNvSpPr>
+            <a:spLocks noGrp="1"/>
+          </p:cNvSpPr>
+          <p:nvPr>
+            <p:ph idx="1"/>
+          </p:nvPr>
+        </p:nvSpPr>
+        <p:spPr/>
+        <p:txBody>
+          <a:bodyPr/>
+          <a:lstStyle/>
+          <a:p>
+            <a:pPr marL="0" indent="0">
+              <a:buFont typeface="Arial" charset="0"/>
+              <a:buNone/>
+            </a:pPr>
+            <a:r>
+              <a:rPr lang="de-DE" smtClean="0"/>
+              <a:t>	Das Karteikarten-Prinzip</a:t>
+            </a:r>
+          </a:p>
+          <a:p>
+            <a:pPr marL="0" indent="0">
+              <a:buFont typeface="Arial" charset="0"/>
+              <a:buNone/>
+            </a:pPr>
+            <a:endParaRPr lang="de-DE" smtClean="0"/>
           </a:p>
         </p:txBody>
       </p:sp>
       <p:pic>
         <p:nvPicPr>
-          <p:cNvPr id="13" name="Inhaltsplatzhalter 12">
-            <a:extLst>
-              <a:ext uri="{FF2B5EF4-FFF2-40B4-BE49-F238E27FC236}">
-                <a16:creationId xmlns="" xmlns:a16="http://schemas.microsoft.com/office/drawing/2014/main" id="{3BEF544E-4270-4D98-8217-2DFC57554FCE}"/>
-              </a:ext>
-            </a:extLst>
-          </p:cNvPr>
-          <p:cNvPicPr>
-            <a:picLocks noGrp="1" noChangeAspect="1"/>
-          </p:cNvPicPr>
-          <p:nvPr>
-            <p:ph idx="1"/>
-          </p:nvPr>
-        </p:nvPicPr>
-        <p:blipFill>
-          <a:blip r:embed="rId3">
-            <a:extLst>
-              <a:ext uri="{28A0092B-C50C-407E-A947-70E740481C1C}">
-                <a14:useLocalDpi xmlns:a14="http://schemas.microsoft.com/office/drawing/2010/main" val="0"/>
-              </a:ext>
-            </a:extLst>
-          </a:blip>
-          <a:stretch>
-            <a:fillRect/>
-          </a:stretch>
-        </p:blipFill>
-        <p:spPr>
-          <a:xfrm>
-            <a:off x="1720850" y="2713831"/>
-            <a:ext cx="2857500" cy="1685925"/>
-          </a:xfrm>
-        </p:spPr>
-      </p:pic>
-      <p:pic>
-        <p:nvPicPr>
-          <p:cNvPr id="24" name="Grafik 23">
-            <a:extLst>
-              <a:ext uri="{FF2B5EF4-FFF2-40B4-BE49-F238E27FC236}">
-                <a16:creationId xmlns="" xmlns:a16="http://schemas.microsoft.com/office/drawing/2014/main" id="{0483F592-6E75-420A-B308-9321EDCBB4CB}"/>
-              </a:ext>
-            </a:extLst>
-          </p:cNvPr>
+          <p:cNvPr id="19459" name="Grafik 10"/>
           <p:cNvPicPr>
             <a:picLocks noChangeAspect="1"/>
           </p:cNvPicPr>
           <p:nvPr/>
         </p:nvPicPr>
         <p:blipFill>
-          <a:blip r:embed="rId4" cstate="print">
-            <a:extLst>
-              <a:ext uri="{28A0092B-C50C-407E-A947-70E740481C1C}">
-                <a14:useLocalDpi xmlns:a14="http://schemas.microsoft.com/office/drawing/2010/main" val="0"/>
-              </a:ext>
-            </a:extLst>
-          </a:blip>
+          <a:blip r:embed="rId2"/>
+          <a:srcRect/>
           <a:stretch>
             <a:fillRect/>
           </a:stretch>
         </p:blipFill>
-        <p:spPr>
+        <p:spPr bwMode="auto">
           <a:xfrm>
-            <a:off x="5499100" y="2672556"/>
-            <a:ext cx="1727200" cy="1727200"/>
+            <a:off x="346075" y="2762250"/>
+            <a:ext cx="5394325" cy="2478088"/>
           </a:xfrm>
           <a:prstGeom prst="rect">
             <a:avLst/>
           </a:prstGeom>
+          <a:noFill/>
+          <a:ln w="9525">
+            <a:noFill/>
+            <a:miter lim="800000"/>
+            <a:headEnd/>
+            <a:tailEnd/>
+          </a:ln>
         </p:spPr>
       </p:pic>
       <p:pic>
         <p:nvPicPr>
-          <p:cNvPr id="28" name="Grafik 27">
-            <a:extLst>
-              <a:ext uri="{FF2B5EF4-FFF2-40B4-BE49-F238E27FC236}">
-                <a16:creationId xmlns="" xmlns:a16="http://schemas.microsoft.com/office/drawing/2014/main" id="{DBAABB11-9F38-40A3-AB92-DA843B22D6A0}"/>
-              </a:ext>
-            </a:extLst>
-          </p:cNvPr>
+          <p:cNvPr id="19460" name="Grafik 9"/>
           <p:cNvPicPr>
             <a:picLocks noChangeAspect="1"/>
           </p:cNvPicPr>
           <p:nvPr/>
         </p:nvPicPr>
         <p:blipFill>
-          <a:blip r:embed="rId5" cstate="print">
-            <a:extLst>
-              <a:ext uri="{28A0092B-C50C-407E-A947-70E740481C1C}">
-                <a14:useLocalDpi xmlns:a14="http://schemas.microsoft.com/office/drawing/2010/main" val="0"/>
-              </a:ext>
-            </a:extLst>
-          </a:blip>
+          <a:blip r:embed="rId3"/>
+          <a:srcRect/>
           <a:stretch>
             <a:fillRect/>
           </a:stretch>
         </p:blipFill>
-        <p:spPr>
+        <p:spPr bwMode="auto">
           <a:xfrm>
-            <a:off x="8502652" y="2901401"/>
-            <a:ext cx="1098548" cy="1269510"/>
+            <a:off x="6007100" y="2762250"/>
+            <a:ext cx="5902325" cy="2478088"/>
           </a:xfrm>
           <a:prstGeom prst="rect">
             <a:avLst/>
           </a:prstGeom>
+          <a:noFill/>
+          <a:ln w="9525">
+            <a:noFill/>
+            <a:miter lim="800000"/>
+            <a:headEnd/>
+            <a:tailEnd/>
+          </a:ln>
         </p:spPr>
       </p:pic>
     </p:spTree>
-    <p:extLst>
-      <p:ext uri="{BB962C8B-B14F-4D97-AF65-F5344CB8AC3E}">
-        <p14:creationId xmlns:p14="http://schemas.microsoft.com/office/powerpoint/2010/main" val="3069643818"/>
-      </p:ext>
-    </p:extLst>
   </p:cSld>
   <p:clrMapOvr>
     <a:masterClrMapping/>
   </p:clrMapOvr>
-  <p:timing>
-    <p:tnLst>
-      <p:par>
-        <p:cTn id="1" dur="indefinite" restart="never" nodeType="tmRoot"/>
-      </p:par>
-    </p:tnLst>
-  </p:timing>
 </p:sld>
 </file>
 
@@ -8257,124 +8947,119 @@
       </p:grpSpPr>
       <p:sp>
         <p:nvSpPr>
-          <p:cNvPr id="2" name="Titel 1">
+          <p:cNvPr id="22529" name="Titel 1"/>
+          <p:cNvSpPr>
+            <a:spLocks noGrp="1"/>
+          </p:cNvSpPr>
+          <p:nvPr>
+            <p:ph type="title"/>
+          </p:nvPr>
+        </p:nvSpPr>
+        <p:spPr/>
+        <p:txBody>
+          <a:bodyPr/>
+          <a:lstStyle/>
+          <a:p>
+            <a:r>
+              <a:rPr lang="de-DE" smtClean="0"/>
+              <a:t>Pflichtenheft (Auszug)</a:t>
+            </a:r>
+          </a:p>
+        </p:txBody>
+      </p:sp>
+      <p:sp>
+        <p:nvSpPr>
+          <p:cNvPr id="3" name="Inhaltsplatzhalter 2">
             <a:extLst>
-              <a:ext uri="{FF2B5EF4-FFF2-40B4-BE49-F238E27FC236}">
-                <a16:creationId xmlns="" xmlns:a16="http://schemas.microsoft.com/office/drawing/2014/main" id="{D1110B85-4AA9-49D1-B7A6-365D88A37AA6}"/>
-              </a:ext>
+              <a:ext uri="{FF2B5EF4-FFF2-40B4-BE49-F238E27FC236}"/>
             </a:extLst>
           </p:cNvPr>
           <p:cNvSpPr>
             <a:spLocks noGrp="1"/>
           </p:cNvSpPr>
           <p:nvPr>
-            <p:ph type="title"/>
+            <p:ph idx="1"/>
           </p:nvPr>
         </p:nvSpPr>
         <p:spPr/>
         <p:txBody>
-          <a:bodyPr/>
-          <a:lstStyle/>
-          <a:p>
-            <a:r>
-              <a:rPr lang="de-DE" dirty="0"/>
-              <a:t>Pflichtenheft (Auszug)</a:t>
-            </a:r>
-          </a:p>
-        </p:txBody>
-      </p:sp>
-      <p:sp>
-        <p:nvSpPr>
-          <p:cNvPr id="3" name="Inhaltsplatzhalter 2">
-            <a:extLst>
-              <a:ext uri="{FF2B5EF4-FFF2-40B4-BE49-F238E27FC236}">
-                <a16:creationId xmlns="" xmlns:a16="http://schemas.microsoft.com/office/drawing/2014/main" id="{3779B985-E8E2-42BD-813C-1ED7D62A13CC}"/>
-              </a:ext>
-            </a:extLst>
-          </p:cNvPr>
-          <p:cNvSpPr>
-            <a:spLocks noGrp="1"/>
-          </p:cNvSpPr>
-          <p:nvPr>
-            <p:ph idx="1"/>
-          </p:nvPr>
-        </p:nvSpPr>
-        <p:spPr/>
-        <p:txBody>
           <a:bodyPr>
-            <a:normAutofit fontScale="92500" lnSpcReduction="20000"/>
+            <a:normAutofit/>
           </a:bodyPr>
           <a:lstStyle/>
           <a:p>
             <a:pPr marL="0" indent="0">
+              <a:lnSpc>
+                <a:spcPct val="70000"/>
+              </a:lnSpc>
+              <a:buFont typeface="Arial" charset="0"/>
               <a:buNone/>
             </a:pPr>
-            <a:endParaRPr lang="de-DE" dirty="0"/>
-          </a:p>
-          <a:p>
-            <a:r>
-              <a:rPr lang="de-DE" dirty="0"/>
+            <a:endParaRPr lang="de-DE" sz="2600" smtClean="0"/>
+          </a:p>
+          <a:p>
+            <a:pPr marL="0" indent="0">
+              <a:lnSpc>
+                <a:spcPct val="70000"/>
+              </a:lnSpc>
+            </a:pPr>
+            <a:r>
+              <a:rPr lang="de-DE" sz="2600" smtClean="0"/>
               <a:t>Bestehende Klassen (z. B. Benutzer) sollen nach Möglichkeit erweitert werden. </a:t>
             </a:r>
           </a:p>
           <a:p>
-            <a:r>
-              <a:rPr lang="de-DE" dirty="0"/>
+            <a:pPr marL="0" indent="0">
+              <a:lnSpc>
+                <a:spcPct val="70000"/>
+              </a:lnSpc>
+            </a:pPr>
+            <a:r>
+              <a:rPr lang="de-DE" sz="2600" smtClean="0"/>
               <a:t>Die Speicherung der Auszeichnungen findet über das Framework statt (keine direkten Einträge in der Datenbank erzeugen, sondern dem bisherigen Paradigma folgen und erzeugte Klassen-Modelle abspeichern). </a:t>
             </a:r>
           </a:p>
           <a:p>
-            <a:r>
-              <a:rPr lang="de-DE" dirty="0"/>
-              <a:t>Die Fall-Überprüfungen und das Speichern der Ergebnisse finden nach dem Einloggen des Benutzers statt. Hierzu soll ein </a:t>
-            </a:r>
-            <a:r>
-              <a:rPr lang="de-DE" i="1" dirty="0" err="1"/>
-              <a:t>EventListener</a:t>
-            </a:r>
-            <a:r>
-              <a:rPr lang="de-DE" i="1" dirty="0"/>
-              <a:t> </a:t>
-            </a:r>
-            <a:r>
-              <a:rPr lang="de-DE" dirty="0"/>
-              <a:t>angelegt werden, damit die Prüfung bei einem späteren Betrieb täglich zu einer festen Uhrzeit stattfinden kann. </a:t>
-            </a:r>
-          </a:p>
-          <a:p>
-            <a:r>
-              <a:rPr lang="de-DE" dirty="0"/>
-              <a:t>Quelle der zu verwendenden Piktogramme: fontawesome.io/</a:t>
-            </a:r>
-            <a:r>
-              <a:rPr lang="de-DE" dirty="0" err="1"/>
-              <a:t>icons</a:t>
-            </a:r>
-            <a:r>
-              <a:rPr lang="de-DE" dirty="0"/>
-              <a:t>/ </a:t>
-            </a:r>
-          </a:p>
-          <a:p>
-            <a:r>
-              <a:rPr lang="de-DE" dirty="0"/>
+            <a:pPr marL="0" indent="0">
+              <a:lnSpc>
+                <a:spcPct val="70000"/>
+              </a:lnSpc>
+            </a:pPr>
+            <a:r>
+              <a:rPr lang="de-DE" sz="2600" smtClean="0"/>
+              <a:t>Quelle der zu verwendenden Piktogramme: fontawesome.io/icons/ </a:t>
+            </a:r>
+          </a:p>
+          <a:p>
+            <a:pPr marL="0" indent="0">
+              <a:lnSpc>
+                <a:spcPct val="70000"/>
+              </a:lnSpc>
+            </a:pPr>
+            <a:r>
+              <a:rPr lang="de-DE" sz="2600" smtClean="0"/>
               <a:t>Darstellung: Das Design baut auf schon bestehenden Inhalten auf; hierzu sind bereits existierende Klassen erneut zu verwenden: </a:t>
             </a:r>
           </a:p>
           <a:p>
-            <a:endParaRPr lang="de-DE" dirty="0"/>
-          </a:p>
-          <a:p>
-            <a:endParaRPr lang="de-DE" dirty="0"/>
+            <a:pPr marL="0" indent="0">
+              <a:lnSpc>
+                <a:spcPct val="70000"/>
+              </a:lnSpc>
+            </a:pPr>
+            <a:endParaRPr lang="de-DE" sz="2600" smtClean="0"/>
+          </a:p>
+          <a:p>
+            <a:pPr marL="0" indent="0">
+              <a:lnSpc>
+                <a:spcPct val="70000"/>
+              </a:lnSpc>
+            </a:pPr>
+            <a:endParaRPr lang="de-DE" sz="2600" smtClean="0"/>
           </a:p>
         </p:txBody>
       </p:sp>
     </p:spTree>
-    <p:extLst>
-      <p:ext uri="{BB962C8B-B14F-4D97-AF65-F5344CB8AC3E}">
-        <p14:creationId xmlns:p14="http://schemas.microsoft.com/office/powerpoint/2010/main" val="3473342525"/>
-      </p:ext>
-    </p:extLst>
   </p:cSld>
   <p:clrMapOvr>
     <a:masterClrMapping/>
@@ -8583,55 +9268,6 @@
                       </p:childTnLst>
                     </p:cTn>
                   </p:par>
-                  <p:par>
-                    <p:cTn id="19" fill="hold">
-                      <p:stCondLst>
-                        <p:cond delay="indefinite"/>
-                      </p:stCondLst>
-                      <p:childTnLst>
-                        <p:par>
-                          <p:cTn id="20" fill="hold">
-                            <p:stCondLst>
-                              <p:cond delay="0"/>
-                            </p:stCondLst>
-                            <p:childTnLst>
-                              <p:par>
-                                <p:cTn id="21" presetID="1" presetClass="entr" presetSubtype="0" fill="hold" grpId="0" nodeType="clickEffect">
-                                  <p:stCondLst>
-                                    <p:cond delay="0"/>
-                                  </p:stCondLst>
-                                  <p:childTnLst>
-                                    <p:set>
-                                      <p:cBhvr>
-                                        <p:cTn id="22" dur="1" fill="hold">
-                                          <p:stCondLst>
-                                            <p:cond delay="0"/>
-                                          </p:stCondLst>
-                                        </p:cTn>
-                                        <p:tgtEl>
-                                          <p:spTgt spid="3">
-                                            <p:txEl>
-                                              <p:pRg st="5" end="5"/>
-                                            </p:txEl>
-                                          </p:spTgt>
-                                        </p:tgtEl>
-                                        <p:attrNameLst>
-                                          <p:attrName>style.visibility</p:attrName>
-                                        </p:attrNameLst>
-                                      </p:cBhvr>
-                                      <p:to>
-                                        <p:strVal val="visible"/>
-                                      </p:to>
-                                    </p:set>
-                                  </p:childTnLst>
-                                </p:cTn>
-                              </p:par>
-                            </p:childTnLst>
-                          </p:cTn>
-                        </p:par>
-                      </p:childTnLst>
-                    </p:cTn>
-                  </p:par>
                 </p:childTnLst>
               </p:cTn>
               <p:prevCondLst>
@@ -8679,13 +9315,7 @@
       </p:grpSpPr>
       <p:sp>
         <p:nvSpPr>
-          <p:cNvPr id="2" name="Titel 1">
-            <a:extLst>
-              <a:ext uri="{FF2B5EF4-FFF2-40B4-BE49-F238E27FC236}">
-                <a16:creationId xmlns="" xmlns:a16="http://schemas.microsoft.com/office/drawing/2014/main" id="{91C93F55-BE83-4869-8D9F-D1161467E88F}"/>
-              </a:ext>
-            </a:extLst>
-          </p:cNvPr>
+          <p:cNvPr id="24577" name="Titel 1"/>
           <p:cNvSpPr>
             <a:spLocks noGrp="1"/>
           </p:cNvSpPr>
@@ -8699,7 +9329,7 @@
           <a:lstStyle/>
           <a:p>
             <a:r>
-              <a:rPr lang="de-DE" dirty="0"/>
+              <a:rPr lang="de-DE" smtClean="0"/>
               <a:t>Planung der Projektdauer</a:t>
             </a:r>
           </a:p>
@@ -8713,16 +9343,11 @@
           </p:cNvGraphicFramePr>
           <p:nvPr>
             <p:ph idx="1"/>
-            <p:extLst>
-              <p:ext uri="{D42A27DB-BD31-4B8C-83A1-F6EECF244321}">
-                <p14:modId xmlns:p14="http://schemas.microsoft.com/office/powerpoint/2010/main" val="171448710"/>
-              </p:ext>
-            </p:extLst>
           </p:nvPr>
         </p:nvGraphicFramePr>
         <p:xfrm>
-          <a:off x="838200" y="2196556"/>
-          <a:ext cx="10515600" cy="3330246"/>
+          <a:off x="838200" y="2197100"/>
+          <a:ext cx="10515600" cy="3328988"/>
         </p:xfrm>
         <a:graphic>
           <a:graphicData uri="http://schemas.openxmlformats.org/drawingml/2006/table">
@@ -9099,11 +9724,6 @@
         </a:graphic>
       </p:graphicFrame>
     </p:spTree>
-    <p:extLst>
-      <p:ext uri="{BB962C8B-B14F-4D97-AF65-F5344CB8AC3E}">
-        <p14:creationId xmlns:p14="http://schemas.microsoft.com/office/powerpoint/2010/main" val="2544832585"/>
-      </p:ext>
-    </p:extLst>
   </p:cSld>
   <p:clrMapOvr>
     <a:masterClrMapping/>
@@ -9161,7 +9781,7 @@
     </a:clrScheme>
     <a:fontScheme name="Office">
       <a:majorFont>
-        <a:latin typeface="Calibri Light" panose="020F0302020204030204"/>
+        <a:latin typeface="Calibri Light"/>
         <a:ea typeface=""/>
         <a:cs typeface=""/>
         <a:font script="Jpan" typeface="游ゴシック Light"/>
@@ -9213,7 +9833,7 @@
         <a:font script="Tfng" typeface="Ebrima"/>
       </a:majorFont>
       <a:minorFont>
-        <a:latin typeface="Calibri" panose="020F0502020204030204"/>
+        <a:latin typeface="Calibri"/>
         <a:ea typeface=""/>
         <a:cs typeface=""/>
         <a:font script="Jpan" typeface="游ゴシック"/>
@@ -9407,7 +10027,7 @@
   <a:extraClrSchemeLst/>
   <a:extLst>
     <a:ext uri="{05A4C25C-085E-4340-85A3-A5531E510DB2}">
-      <thm15:themeFamily xmlns:thm15="http://schemas.microsoft.com/office/thememl/2012/main" name="Office Theme" id="{62F939B6-93AF-4DB8-9C6B-D6C7DFDC589F}" vid="{4A3C46E8-61CC-4603-A589-7422A47A8E4A}"/>
+      <thm15:themeFamily xmlns="" xmlns:thm15="http://schemas.microsoft.com/office/thememl/2012/main" name="Office Theme" id="{62F939B6-93AF-4DB8-9C6B-D6C7DFDC589F}" vid="{4A3C46E8-61CC-4603-A589-7422A47A8E4A}"/>
     </a:ext>
   </a:extLst>
 </a:theme>
@@ -9456,7 +10076,7 @@
     </a:clrScheme>
     <a:fontScheme name="Office">
       <a:majorFont>
-        <a:latin typeface="Calibri Light" panose="020F0302020204030204"/>
+        <a:latin typeface="Calibri Light"/>
         <a:ea typeface=""/>
         <a:cs typeface=""/>
         <a:font script="Jpan" typeface="游ゴシック Light"/>
@@ -9508,7 +10128,7 @@
         <a:font script="Tfng" typeface="Ebrima"/>
       </a:majorFont>
       <a:minorFont>
-        <a:latin typeface="Calibri" panose="020F0502020204030204"/>
+        <a:latin typeface="Calibri"/>
         <a:ea typeface=""/>
         <a:cs typeface=""/>
         <a:font script="Jpan" typeface="游ゴシック"/>
@@ -9702,7 +10322,7 @@
   <a:extraClrSchemeLst/>
   <a:extLst>
     <a:ext uri="{05A4C25C-085E-4340-85A3-A5531E510DB2}">
-      <thm15:themeFamily xmlns:thm15="http://schemas.microsoft.com/office/thememl/2012/main" name="Office Theme" id="{62F939B6-93AF-4DB8-9C6B-D6C7DFDC589F}" vid="{4A3C46E8-61CC-4603-A589-7422A47A8E4A}"/>
+      <thm15:themeFamily xmlns="" xmlns:thm15="http://schemas.microsoft.com/office/thememl/2012/main" name="Office Theme" id="{62F939B6-93AF-4DB8-9C6B-D6C7DFDC589F}" vid="{4A3C46E8-61CC-4603-A589-7422A47A8E4A}"/>
     </a:ext>
   </a:extLst>
 </a:theme>
